--- a/lihw_cv.pptx
+++ b/lihw_cv.pptx
@@ -106,6 +106,22 @@
       </a:defRPr>
     </a:lvl9pPr>
   </p:defaultTextStyle>
+  <p:extLst>
+    <p:ext uri="{EFAFB233-063F-42B5-8137-9DF3F51BA10A}">
+      <p15:sldGuideLst xmlns:p15="http://schemas.microsoft.com/office/powerpoint/2012/main">
+        <p15:guide id="1" orient="horz" pos="3120">
+          <p15:clr>
+            <a:srgbClr val="A4A3A4"/>
+          </p15:clr>
+        </p15:guide>
+        <p15:guide id="2" pos="2160">
+          <p15:clr>
+            <a:srgbClr val="A4A3A4"/>
+          </p15:clr>
+        </p15:guide>
+      </p15:sldGuideLst>
+    </p:ext>
+  </p:extLst>
 </p:presentation>
 </file>
 
@@ -147,10 +163,9 @@
           <a:lstStyle/>
           <a:p>
             <a:r>
-              <a:rPr lang="en-US" smtClean="0"/>
+              <a:rPr lang="en-US"/>
               <a:t>Click to edit Master title style</a:t>
             </a:r>
-            <a:endParaRPr lang="en-US"/>
           </a:p>
         </p:txBody>
       </p:sp>
@@ -266,10 +281,9 @@
           </a:lstStyle>
           <a:p>
             <a:r>
-              <a:rPr lang="en-US" smtClean="0"/>
+              <a:rPr lang="en-US"/>
               <a:t>Click to edit Master subtitle style</a:t>
             </a:r>
-            <a:endParaRPr lang="en-US"/>
           </a:p>
         </p:txBody>
       </p:sp>
@@ -291,7 +305,7 @@
             <a:fld id="{C1C8F194-2A20-4EAA-98C2-EB73D9B98286}" type="datetimeFigureOut">
               <a:rPr lang="en-US" smtClean="0"/>
               <a:pPr/>
-              <a:t>12/19/2017</a:t>
+              <a:t>5/14/2023</a:t>
             </a:fld>
             <a:endParaRPr lang="en-US"/>
           </a:p>
@@ -381,10 +395,9 @@
           <a:lstStyle/>
           <a:p>
             <a:r>
-              <a:rPr lang="en-US" smtClean="0"/>
+              <a:rPr lang="en-US"/>
               <a:t>Click to edit Master title style</a:t>
             </a:r>
-            <a:endParaRPr lang="en-US"/>
           </a:p>
         </p:txBody>
       </p:sp>
@@ -405,38 +418,37 @@
           <a:p>
             <a:pPr lvl="0"/>
             <a:r>
-              <a:rPr lang="en-US" smtClean="0"/>
+              <a:rPr lang="en-US"/>
               <a:t>Click to edit Master text styles</a:t>
             </a:r>
           </a:p>
           <a:p>
             <a:pPr lvl="1"/>
             <a:r>
-              <a:rPr lang="en-US" smtClean="0"/>
+              <a:rPr lang="en-US"/>
               <a:t>Second level</a:t>
             </a:r>
           </a:p>
           <a:p>
             <a:pPr lvl="2"/>
             <a:r>
-              <a:rPr lang="en-US" smtClean="0"/>
+              <a:rPr lang="en-US"/>
               <a:t>Third level</a:t>
             </a:r>
           </a:p>
           <a:p>
             <a:pPr lvl="3"/>
             <a:r>
-              <a:rPr lang="en-US" smtClean="0"/>
+              <a:rPr lang="en-US"/>
               <a:t>Fourth level</a:t>
             </a:r>
           </a:p>
           <a:p>
             <a:pPr lvl="4"/>
             <a:r>
-              <a:rPr lang="en-US" smtClean="0"/>
+              <a:rPr lang="en-US"/>
               <a:t>Fifth level</a:t>
             </a:r>
-            <a:endParaRPr lang="en-US"/>
           </a:p>
         </p:txBody>
       </p:sp>
@@ -458,7 +470,7 @@
             <a:fld id="{C1C8F194-2A20-4EAA-98C2-EB73D9B98286}" type="datetimeFigureOut">
               <a:rPr lang="en-US" smtClean="0"/>
               <a:pPr/>
-              <a:t>12/19/2017</a:t>
+              <a:t>5/14/2023</a:t>
             </a:fld>
             <a:endParaRPr lang="en-US"/>
           </a:p>
@@ -553,10 +565,9 @@
           <a:lstStyle/>
           <a:p>
             <a:r>
-              <a:rPr lang="en-US" smtClean="0"/>
+              <a:rPr lang="en-US"/>
               <a:t>Click to edit Master title style</a:t>
             </a:r>
-            <a:endParaRPr lang="en-US"/>
           </a:p>
         </p:txBody>
       </p:sp>
@@ -582,38 +593,37 @@
           <a:p>
             <a:pPr lvl="0"/>
             <a:r>
-              <a:rPr lang="en-US" smtClean="0"/>
+              <a:rPr lang="en-US"/>
               <a:t>Click to edit Master text styles</a:t>
             </a:r>
           </a:p>
           <a:p>
             <a:pPr lvl="1"/>
             <a:r>
-              <a:rPr lang="en-US" smtClean="0"/>
+              <a:rPr lang="en-US"/>
               <a:t>Second level</a:t>
             </a:r>
           </a:p>
           <a:p>
             <a:pPr lvl="2"/>
             <a:r>
-              <a:rPr lang="en-US" smtClean="0"/>
+              <a:rPr lang="en-US"/>
               <a:t>Third level</a:t>
             </a:r>
           </a:p>
           <a:p>
             <a:pPr lvl="3"/>
             <a:r>
-              <a:rPr lang="en-US" smtClean="0"/>
+              <a:rPr lang="en-US"/>
               <a:t>Fourth level</a:t>
             </a:r>
           </a:p>
           <a:p>
             <a:pPr lvl="4"/>
             <a:r>
-              <a:rPr lang="en-US" smtClean="0"/>
+              <a:rPr lang="en-US"/>
               <a:t>Fifth level</a:t>
             </a:r>
-            <a:endParaRPr lang="en-US"/>
           </a:p>
         </p:txBody>
       </p:sp>
@@ -635,7 +645,7 @@
             <a:fld id="{C1C8F194-2A20-4EAA-98C2-EB73D9B98286}" type="datetimeFigureOut">
               <a:rPr lang="en-US" smtClean="0"/>
               <a:pPr/>
-              <a:t>12/19/2017</a:t>
+              <a:t>5/14/2023</a:t>
             </a:fld>
             <a:endParaRPr lang="en-US"/>
           </a:p>
@@ -725,10 +735,9 @@
           <a:lstStyle/>
           <a:p>
             <a:r>
-              <a:rPr lang="en-US" smtClean="0"/>
+              <a:rPr lang="en-US"/>
               <a:t>Click to edit Master title style</a:t>
             </a:r>
-            <a:endParaRPr lang="en-US"/>
           </a:p>
         </p:txBody>
       </p:sp>
@@ -749,38 +758,37 @@
           <a:p>
             <a:pPr lvl="0"/>
             <a:r>
-              <a:rPr lang="en-US" smtClean="0"/>
+              <a:rPr lang="en-US"/>
               <a:t>Click to edit Master text styles</a:t>
             </a:r>
           </a:p>
           <a:p>
             <a:pPr lvl="1"/>
             <a:r>
-              <a:rPr lang="en-US" smtClean="0"/>
+              <a:rPr lang="en-US"/>
               <a:t>Second level</a:t>
             </a:r>
           </a:p>
           <a:p>
             <a:pPr lvl="2"/>
             <a:r>
-              <a:rPr lang="en-US" smtClean="0"/>
+              <a:rPr lang="en-US"/>
               <a:t>Third level</a:t>
             </a:r>
           </a:p>
           <a:p>
             <a:pPr lvl="3"/>
             <a:r>
-              <a:rPr lang="en-US" smtClean="0"/>
+              <a:rPr lang="en-US"/>
               <a:t>Fourth level</a:t>
             </a:r>
           </a:p>
           <a:p>
             <a:pPr lvl="4"/>
             <a:r>
-              <a:rPr lang="en-US" smtClean="0"/>
+              <a:rPr lang="en-US"/>
               <a:t>Fifth level</a:t>
             </a:r>
-            <a:endParaRPr lang="en-US"/>
           </a:p>
         </p:txBody>
       </p:sp>
@@ -802,7 +810,7 @@
             <a:fld id="{C1C8F194-2A20-4EAA-98C2-EB73D9B98286}" type="datetimeFigureOut">
               <a:rPr lang="en-US" smtClean="0"/>
               <a:pPr/>
-              <a:t>12/19/2017</a:t>
+              <a:t>5/14/2023</a:t>
             </a:fld>
             <a:endParaRPr lang="en-US"/>
           </a:p>
@@ -901,10 +909,9 @@
           </a:lstStyle>
           <a:p>
             <a:r>
-              <a:rPr lang="en-US" smtClean="0"/>
+              <a:rPr lang="en-US"/>
               <a:t>Click to edit Master title style</a:t>
             </a:r>
-            <a:endParaRPr lang="en-US"/>
           </a:p>
         </p:txBody>
       </p:sp>
@@ -1021,7 +1028,7 @@
           <a:p>
             <a:pPr lvl="0"/>
             <a:r>
-              <a:rPr lang="en-US" smtClean="0"/>
+              <a:rPr lang="en-US"/>
               <a:t>Click to edit Master text styles</a:t>
             </a:r>
           </a:p>
@@ -1045,7 +1052,7 @@
             <a:fld id="{C1C8F194-2A20-4EAA-98C2-EB73D9B98286}" type="datetimeFigureOut">
               <a:rPr lang="en-US" smtClean="0"/>
               <a:pPr/>
-              <a:t>12/19/2017</a:t>
+              <a:t>5/14/2023</a:t>
             </a:fld>
             <a:endParaRPr lang="en-US"/>
           </a:p>
@@ -1135,10 +1142,9 @@
           <a:lstStyle/>
           <a:p>
             <a:r>
-              <a:rPr lang="en-US" smtClean="0"/>
+              <a:rPr lang="en-US"/>
               <a:t>Click to edit Master title style</a:t>
             </a:r>
-            <a:endParaRPr lang="en-US"/>
           </a:p>
         </p:txBody>
       </p:sp>
@@ -1192,38 +1198,37 @@
           <a:p>
             <a:pPr lvl="0"/>
             <a:r>
-              <a:rPr lang="en-US" smtClean="0"/>
+              <a:rPr lang="en-US"/>
               <a:t>Click to edit Master text styles</a:t>
             </a:r>
           </a:p>
           <a:p>
             <a:pPr lvl="1"/>
             <a:r>
-              <a:rPr lang="en-US" smtClean="0"/>
+              <a:rPr lang="en-US"/>
               <a:t>Second level</a:t>
             </a:r>
           </a:p>
           <a:p>
             <a:pPr lvl="2"/>
             <a:r>
-              <a:rPr lang="en-US" smtClean="0"/>
+              <a:rPr lang="en-US"/>
               <a:t>Third level</a:t>
             </a:r>
           </a:p>
           <a:p>
             <a:pPr lvl="3"/>
             <a:r>
-              <a:rPr lang="en-US" smtClean="0"/>
+              <a:rPr lang="en-US"/>
               <a:t>Fourth level</a:t>
             </a:r>
           </a:p>
           <a:p>
             <a:pPr lvl="4"/>
             <a:r>
-              <a:rPr lang="en-US" smtClean="0"/>
+              <a:rPr lang="en-US"/>
               <a:t>Fifth level</a:t>
             </a:r>
-            <a:endParaRPr lang="en-US"/>
           </a:p>
         </p:txBody>
       </p:sp>
@@ -1277,38 +1282,37 @@
           <a:p>
             <a:pPr lvl="0"/>
             <a:r>
-              <a:rPr lang="en-US" smtClean="0"/>
+              <a:rPr lang="en-US"/>
               <a:t>Click to edit Master text styles</a:t>
             </a:r>
           </a:p>
           <a:p>
             <a:pPr lvl="1"/>
             <a:r>
-              <a:rPr lang="en-US" smtClean="0"/>
+              <a:rPr lang="en-US"/>
               <a:t>Second level</a:t>
             </a:r>
           </a:p>
           <a:p>
             <a:pPr lvl="2"/>
             <a:r>
-              <a:rPr lang="en-US" smtClean="0"/>
+              <a:rPr lang="en-US"/>
               <a:t>Third level</a:t>
             </a:r>
           </a:p>
           <a:p>
             <a:pPr lvl="3"/>
             <a:r>
-              <a:rPr lang="en-US" smtClean="0"/>
+              <a:rPr lang="en-US"/>
               <a:t>Fourth level</a:t>
             </a:r>
           </a:p>
           <a:p>
             <a:pPr lvl="4"/>
             <a:r>
-              <a:rPr lang="en-US" smtClean="0"/>
+              <a:rPr lang="en-US"/>
               <a:t>Fifth level</a:t>
             </a:r>
-            <a:endParaRPr lang="en-US"/>
           </a:p>
         </p:txBody>
       </p:sp>
@@ -1330,7 +1334,7 @@
             <a:fld id="{C1C8F194-2A20-4EAA-98C2-EB73D9B98286}" type="datetimeFigureOut">
               <a:rPr lang="en-US" smtClean="0"/>
               <a:pPr/>
-              <a:t>12/19/2017</a:t>
+              <a:t>5/14/2023</a:t>
             </a:fld>
             <a:endParaRPr lang="en-US"/>
           </a:p>
@@ -1429,10 +1433,9 @@
           </a:lstStyle>
           <a:p>
             <a:r>
-              <a:rPr lang="en-US" smtClean="0"/>
+              <a:rPr lang="en-US"/>
               <a:t>Click to edit Master title style</a:t>
             </a:r>
-            <a:endParaRPr lang="en-US"/>
           </a:p>
         </p:txBody>
       </p:sp>
@@ -1495,7 +1498,7 @@
           <a:p>
             <a:pPr lvl="0"/>
             <a:r>
-              <a:rPr lang="en-US" smtClean="0"/>
+              <a:rPr lang="en-US"/>
               <a:t>Click to edit Master text styles</a:t>
             </a:r>
           </a:p>
@@ -1551,38 +1554,37 @@
           <a:p>
             <a:pPr lvl="0"/>
             <a:r>
-              <a:rPr lang="en-US" smtClean="0"/>
+              <a:rPr lang="en-US"/>
               <a:t>Click to edit Master text styles</a:t>
             </a:r>
           </a:p>
           <a:p>
             <a:pPr lvl="1"/>
             <a:r>
-              <a:rPr lang="en-US" smtClean="0"/>
+              <a:rPr lang="en-US"/>
               <a:t>Second level</a:t>
             </a:r>
           </a:p>
           <a:p>
             <a:pPr lvl="2"/>
             <a:r>
-              <a:rPr lang="en-US" smtClean="0"/>
+              <a:rPr lang="en-US"/>
               <a:t>Third level</a:t>
             </a:r>
           </a:p>
           <a:p>
             <a:pPr lvl="3"/>
             <a:r>
-              <a:rPr lang="en-US" smtClean="0"/>
+              <a:rPr lang="en-US"/>
               <a:t>Fourth level</a:t>
             </a:r>
           </a:p>
           <a:p>
             <a:pPr lvl="4"/>
             <a:r>
-              <a:rPr lang="en-US" smtClean="0"/>
+              <a:rPr lang="en-US"/>
               <a:t>Fifth level</a:t>
             </a:r>
-            <a:endParaRPr lang="en-US"/>
           </a:p>
         </p:txBody>
       </p:sp>
@@ -1645,7 +1647,7 @@
           <a:p>
             <a:pPr lvl="0"/>
             <a:r>
-              <a:rPr lang="en-US" smtClean="0"/>
+              <a:rPr lang="en-US"/>
               <a:t>Click to edit Master text styles</a:t>
             </a:r>
           </a:p>
@@ -1701,38 +1703,37 @@
           <a:p>
             <a:pPr lvl="0"/>
             <a:r>
-              <a:rPr lang="en-US" smtClean="0"/>
+              <a:rPr lang="en-US"/>
               <a:t>Click to edit Master text styles</a:t>
             </a:r>
           </a:p>
           <a:p>
             <a:pPr lvl="1"/>
             <a:r>
-              <a:rPr lang="en-US" smtClean="0"/>
+              <a:rPr lang="en-US"/>
               <a:t>Second level</a:t>
             </a:r>
           </a:p>
           <a:p>
             <a:pPr lvl="2"/>
             <a:r>
-              <a:rPr lang="en-US" smtClean="0"/>
+              <a:rPr lang="en-US"/>
               <a:t>Third level</a:t>
             </a:r>
           </a:p>
           <a:p>
             <a:pPr lvl="3"/>
             <a:r>
-              <a:rPr lang="en-US" smtClean="0"/>
+              <a:rPr lang="en-US"/>
               <a:t>Fourth level</a:t>
             </a:r>
           </a:p>
           <a:p>
             <a:pPr lvl="4"/>
             <a:r>
-              <a:rPr lang="en-US" smtClean="0"/>
+              <a:rPr lang="en-US"/>
               <a:t>Fifth level</a:t>
             </a:r>
-            <a:endParaRPr lang="en-US"/>
           </a:p>
         </p:txBody>
       </p:sp>
@@ -1754,7 +1755,7 @@
             <a:fld id="{C1C8F194-2A20-4EAA-98C2-EB73D9B98286}" type="datetimeFigureOut">
               <a:rPr lang="en-US" smtClean="0"/>
               <a:pPr/>
-              <a:t>12/19/2017</a:t>
+              <a:t>5/14/2023</a:t>
             </a:fld>
             <a:endParaRPr lang="en-US"/>
           </a:p>
@@ -1844,10 +1845,9 @@
           <a:lstStyle/>
           <a:p>
             <a:r>
-              <a:rPr lang="en-US" smtClean="0"/>
+              <a:rPr lang="en-US"/>
               <a:t>Click to edit Master title style</a:t>
             </a:r>
-            <a:endParaRPr lang="en-US"/>
           </a:p>
         </p:txBody>
       </p:sp>
@@ -1869,7 +1869,7 @@
             <a:fld id="{C1C8F194-2A20-4EAA-98C2-EB73D9B98286}" type="datetimeFigureOut">
               <a:rPr lang="en-US" smtClean="0"/>
               <a:pPr/>
-              <a:t>12/19/2017</a:t>
+              <a:t>5/14/2023</a:t>
             </a:fld>
             <a:endParaRPr lang="en-US"/>
           </a:p>
@@ -1961,7 +1961,7 @@
             <a:fld id="{C1C8F194-2A20-4EAA-98C2-EB73D9B98286}" type="datetimeFigureOut">
               <a:rPr lang="en-US" smtClean="0"/>
               <a:pPr/>
-              <a:t>12/19/2017</a:t>
+              <a:t>5/14/2023</a:t>
             </a:fld>
             <a:endParaRPr lang="en-US"/>
           </a:p>
@@ -2060,10 +2060,9 @@
           </a:lstStyle>
           <a:p>
             <a:r>
-              <a:rPr lang="en-US" smtClean="0"/>
+              <a:rPr lang="en-US"/>
               <a:t>Click to edit Master title style</a:t>
             </a:r>
-            <a:endParaRPr lang="en-US"/>
           </a:p>
         </p:txBody>
       </p:sp>
@@ -2117,38 +2116,37 @@
           <a:p>
             <a:pPr lvl="0"/>
             <a:r>
-              <a:rPr lang="en-US" smtClean="0"/>
+              <a:rPr lang="en-US"/>
               <a:t>Click to edit Master text styles</a:t>
             </a:r>
           </a:p>
           <a:p>
             <a:pPr lvl="1"/>
             <a:r>
-              <a:rPr lang="en-US" smtClean="0"/>
+              <a:rPr lang="en-US"/>
               <a:t>Second level</a:t>
             </a:r>
           </a:p>
           <a:p>
             <a:pPr lvl="2"/>
             <a:r>
-              <a:rPr lang="en-US" smtClean="0"/>
+              <a:rPr lang="en-US"/>
               <a:t>Third level</a:t>
             </a:r>
           </a:p>
           <a:p>
             <a:pPr lvl="3"/>
             <a:r>
-              <a:rPr lang="en-US" smtClean="0"/>
+              <a:rPr lang="en-US"/>
               <a:t>Fourth level</a:t>
             </a:r>
           </a:p>
           <a:p>
             <a:pPr lvl="4"/>
             <a:r>
-              <a:rPr lang="en-US" smtClean="0"/>
+              <a:rPr lang="en-US"/>
               <a:t>Fifth level</a:t>
             </a:r>
-            <a:endParaRPr lang="en-US"/>
           </a:p>
         </p:txBody>
       </p:sp>
@@ -2211,7 +2209,7 @@
           <a:p>
             <a:pPr lvl="0"/>
             <a:r>
-              <a:rPr lang="en-US" smtClean="0"/>
+              <a:rPr lang="en-US"/>
               <a:t>Click to edit Master text styles</a:t>
             </a:r>
           </a:p>
@@ -2235,7 +2233,7 @@
             <a:fld id="{C1C8F194-2A20-4EAA-98C2-EB73D9B98286}" type="datetimeFigureOut">
               <a:rPr lang="en-US" smtClean="0"/>
               <a:pPr/>
-              <a:t>12/19/2017</a:t>
+              <a:t>5/14/2023</a:t>
             </a:fld>
             <a:endParaRPr lang="en-US"/>
           </a:p>
@@ -2334,10 +2332,9 @@
           </a:lstStyle>
           <a:p>
             <a:r>
-              <a:rPr lang="en-US" smtClean="0"/>
+              <a:rPr lang="en-US"/>
               <a:t>Click to edit Master title style</a:t>
             </a:r>
-            <a:endParaRPr lang="en-US"/>
           </a:p>
         </p:txBody>
       </p:sp>
@@ -2461,7 +2458,7 @@
           <a:p>
             <a:pPr lvl="0"/>
             <a:r>
-              <a:rPr lang="en-US" smtClean="0"/>
+              <a:rPr lang="en-US"/>
               <a:t>Click to edit Master text styles</a:t>
             </a:r>
           </a:p>
@@ -2485,7 +2482,7 @@
             <a:fld id="{C1C8F194-2A20-4EAA-98C2-EB73D9B98286}" type="datetimeFigureOut">
               <a:rPr lang="en-US" smtClean="0"/>
               <a:pPr/>
-              <a:t>12/19/2017</a:t>
+              <a:t>5/14/2023</a:t>
             </a:fld>
             <a:endParaRPr lang="en-US"/>
           </a:p>
@@ -2590,10 +2587,9 @@
           <a:lstStyle/>
           <a:p>
             <a:r>
-              <a:rPr lang="en-US" smtClean="0"/>
+              <a:rPr lang="en-US"/>
               <a:t>Click to edit Master title style</a:t>
             </a:r>
-            <a:endParaRPr lang="en-US"/>
           </a:p>
         </p:txBody>
       </p:sp>
@@ -2624,38 +2620,37 @@
           <a:p>
             <a:pPr lvl="0"/>
             <a:r>
-              <a:rPr lang="en-US" smtClean="0"/>
+              <a:rPr lang="en-US"/>
               <a:t>Click to edit Master text styles</a:t>
             </a:r>
           </a:p>
           <a:p>
             <a:pPr lvl="1"/>
             <a:r>
-              <a:rPr lang="en-US" smtClean="0"/>
+              <a:rPr lang="en-US"/>
               <a:t>Second level</a:t>
             </a:r>
           </a:p>
           <a:p>
             <a:pPr lvl="2"/>
             <a:r>
-              <a:rPr lang="en-US" smtClean="0"/>
+              <a:rPr lang="en-US"/>
               <a:t>Third level</a:t>
             </a:r>
           </a:p>
           <a:p>
             <a:pPr lvl="3"/>
             <a:r>
-              <a:rPr lang="en-US" smtClean="0"/>
+              <a:rPr lang="en-US"/>
               <a:t>Fourth level</a:t>
             </a:r>
           </a:p>
           <a:p>
             <a:pPr lvl="4"/>
             <a:r>
-              <a:rPr lang="en-US" smtClean="0"/>
+              <a:rPr lang="en-US"/>
               <a:t>Fifth level</a:t>
             </a:r>
-            <a:endParaRPr lang="en-US"/>
           </a:p>
         </p:txBody>
       </p:sp>
@@ -2695,7 +2690,7 @@
             <a:fld id="{C1C8F194-2A20-4EAA-98C2-EB73D9B98286}" type="datetimeFigureOut">
               <a:rPr lang="en-US" smtClean="0"/>
               <a:pPr/>
-              <a:t>12/19/2017</a:t>
+              <a:t>5/14/2023</a:t>
             </a:fld>
             <a:endParaRPr lang="en-US"/>
           </a:p>
@@ -3089,23 +3084,19 @@
           <a:lstStyle/>
           <a:p>
             <a:r>
-              <a:rPr lang="en-US" b="1" dirty="0" err="1" smtClean="0">
+              <a:rPr lang="en-US" b="1" dirty="0" err="1">
                 <a:latin typeface="Arial Black" pitchFamily="34" charset="0"/>
                 <a:cs typeface="Times New Roman" pitchFamily="18" charset="0"/>
               </a:rPr>
               <a:t>Hongwei</a:t>
             </a:r>
             <a:r>
-              <a:rPr lang="en-US" b="1" dirty="0" smtClean="0">
+              <a:rPr lang="en-US" b="1" dirty="0">
                 <a:latin typeface="Arial Black" pitchFamily="34" charset="0"/>
                 <a:cs typeface="Times New Roman" pitchFamily="18" charset="0"/>
               </a:rPr>
               <a:t> Li</a:t>
             </a:r>
-            <a:endParaRPr lang="en-US" b="1" dirty="0">
-              <a:latin typeface="Arial Black" pitchFamily="34" charset="0"/>
-              <a:cs typeface="Times New Roman" pitchFamily="18" charset="0"/>
-            </a:endParaRPr>
           </a:p>
         </p:txBody>
       </p:sp>
@@ -3118,7 +3109,7 @@
         <p:spPr>
           <a:xfrm>
             <a:off x="404664" y="704528"/>
-            <a:ext cx="5976664" cy="9271769"/>
+            <a:ext cx="5976664" cy="9594934"/>
           </a:xfrm>
           <a:prstGeom prst="rect">
             <a:avLst/>
@@ -3132,7 +3123,7 @@
           <a:lstStyle/>
           <a:p>
             <a:r>
-              <a:rPr lang="en-US" sz="1050" dirty="0" smtClean="0">
+              <a:rPr lang="en-US" sz="1050" dirty="0">
                 <a:latin typeface="Times New Roman" pitchFamily="18" charset="0"/>
                 <a:cs typeface="Times New Roman" pitchFamily="18" charset="0"/>
               </a:rPr>
@@ -3141,15 +3132,15 @@
           </a:p>
           <a:p>
             <a:r>
-              <a:rPr lang="en-US" sz="1050" b="1" dirty="0" smtClean="0">
-                <a:latin typeface="Times New Roman" pitchFamily="18" charset="0"/>
-                <a:cs typeface="Times New Roman" pitchFamily="18" charset="0"/>
-              </a:rPr>
-              <a:t>Email: lihw81@gmail.com</a:t>
-            </a:r>
-          </a:p>
-          <a:p>
-            <a:endParaRPr lang="en-US" sz="1400" dirty="0" smtClean="0"/>
+              <a:rPr lang="en-US" sz="1050" b="1" dirty="0">
+                <a:latin typeface="Times New Roman" pitchFamily="18" charset="0"/>
+                <a:cs typeface="Times New Roman" pitchFamily="18" charset="0"/>
+              </a:rPr>
+              <a:t>Email: blifelee81@msn.com</a:t>
+            </a:r>
+          </a:p>
+          <a:p>
+            <a:endParaRPr lang="en-US" sz="1400" dirty="0"/>
           </a:p>
           <a:p>
             <a:r>
@@ -3166,16 +3157,12 @@
               <a:buChar char="§"/>
             </a:pPr>
             <a:r>
-              <a:rPr lang="en-US" altLang="zh-CN" sz="1050" dirty="0" smtClean="0">
+              <a:rPr lang="en-US" altLang="zh-CN" sz="1050" dirty="0">
                 <a:latin typeface="Times New Roman" pitchFamily="18" charset="0"/>
                 <a:cs typeface="Times New Roman" pitchFamily="18" charset="0"/>
               </a:rPr>
               <a:t>Technical cracker. I like solving problems. </a:t>
             </a:r>
-            <a:endParaRPr lang="en-US" altLang="zh-CN" sz="1050" dirty="0">
-              <a:latin typeface="Times New Roman" pitchFamily="18" charset="0"/>
-              <a:cs typeface="Times New Roman" pitchFamily="18" charset="0"/>
-            </a:endParaRPr>
           </a:p>
           <a:p>
             <a:pPr marL="179388" lvl="0" indent="-179388">
@@ -3183,7 +3170,7 @@
               <a:buChar char="§"/>
             </a:pPr>
             <a:r>
-              <a:rPr lang="en-US" altLang="zh-CN" sz="1050" dirty="0" smtClean="0">
+              <a:rPr lang="en-US" altLang="zh-CN" sz="1050" dirty="0">
                 <a:latin typeface="Times New Roman" pitchFamily="18" charset="0"/>
                 <a:cs typeface="Times New Roman" pitchFamily="18" charset="0"/>
               </a:rPr>
@@ -3195,11 +3182,11 @@
             </a:endParaRPr>
           </a:p>
           <a:p>
-            <a:endParaRPr lang="en-US" sz="1400" dirty="0" smtClean="0"/>
-          </a:p>
-          <a:p>
-            <a:r>
-              <a:rPr lang="en-US" sz="1400" dirty="0" smtClean="0">
+            <a:endParaRPr lang="en-US" sz="1400" dirty="0"/>
+          </a:p>
+          <a:p>
+            <a:r>
+              <a:rPr lang="en-US" sz="1400" dirty="0">
                 <a:latin typeface="Arial Black" pitchFamily="34" charset="0"/>
                 <a:cs typeface="Times New Roman" pitchFamily="18" charset="0"/>
               </a:rPr>
@@ -3207,101 +3194,153 @@
             </a:r>
           </a:p>
           <a:p>
-            <a:endParaRPr lang="en-US" sz="1050" dirty="0" smtClean="0">
-              <a:latin typeface="Times New Roman" pitchFamily="18" charset="0"/>
-              <a:cs typeface="Times New Roman" pitchFamily="18" charset="0"/>
-            </a:endParaRPr>
-          </a:p>
-          <a:p>
-            <a:r>
-              <a:rPr lang="en-US" sz="1050" dirty="0" smtClean="0">
-                <a:latin typeface="Times New Roman" pitchFamily="18" charset="0"/>
-                <a:cs typeface="Times New Roman" pitchFamily="18" charset="0"/>
-              </a:rPr>
-              <a:t>Aug. </a:t>
-            </a:r>
             <a:r>
               <a:rPr lang="en-US" sz="1050" dirty="0">
                 <a:latin typeface="Times New Roman" pitchFamily="18" charset="0"/>
                 <a:cs typeface="Times New Roman" pitchFamily="18" charset="0"/>
               </a:rPr>
-              <a:t>2006 </a:t>
-            </a:r>
-            <a:r>
-              <a:rPr lang="en-US" sz="1050" dirty="0" smtClean="0">
-                <a:latin typeface="Times New Roman" pitchFamily="18" charset="0"/>
-                <a:cs typeface="Times New Roman" pitchFamily="18" charset="0"/>
-              </a:rPr>
-              <a:t>- </a:t>
+              <a:t>Aug. 2006 - Aug. 2010</a:t>
+            </a:r>
+          </a:p>
+          <a:p>
+            <a:pPr marL="179388" indent="-179388"/>
+            <a:r>
+              <a:rPr lang="en-US" sz="1050" b="1" dirty="0">
+                <a:latin typeface="Times New Roman" pitchFamily="18" charset="0"/>
+                <a:cs typeface="Times New Roman" pitchFamily="18" charset="0"/>
+              </a:rPr>
+              <a:t>PhD</a:t>
             </a:r>
             <a:r>
               <a:rPr lang="en-US" sz="1050" dirty="0">
                 <a:latin typeface="Times New Roman" pitchFamily="18" charset="0"/>
                 <a:cs typeface="Times New Roman" pitchFamily="18" charset="0"/>
               </a:rPr>
-              <a:t>Aug. </a:t>
-            </a:r>
-            <a:r>
-              <a:rPr lang="en-US" sz="1050" dirty="0" smtClean="0">
-                <a:latin typeface="Times New Roman" pitchFamily="18" charset="0"/>
-                <a:cs typeface="Times New Roman" pitchFamily="18" charset="0"/>
-              </a:rPr>
-              <a:t>2010</a:t>
-            </a:r>
-          </a:p>
-          <a:p>
-            <a:pPr marL="179388" indent="-179388"/>
-            <a:r>
-              <a:rPr lang="en-US" sz="1050" b="1" dirty="0" smtClean="0">
-                <a:latin typeface="Times New Roman" pitchFamily="18" charset="0"/>
-                <a:cs typeface="Times New Roman" pitchFamily="18" charset="0"/>
-              </a:rPr>
-              <a:t>PhD</a:t>
-            </a:r>
+              <a:t>, Computer Science and Engineering, Hong Kong University of Sci. and Tech. (HKUST), Hong Kong</a:t>
+            </a:r>
+          </a:p>
+          <a:p>
+            <a:pPr marL="179388" indent="-179388">
+              <a:buFont typeface="Wingdings" pitchFamily="2" charset="2"/>
+              <a:buChar char="§"/>
+            </a:pPr>
             <a:r>
               <a:rPr lang="en-US" sz="1050" dirty="0">
                 <a:latin typeface="Times New Roman" pitchFamily="18" charset="0"/>
                 <a:cs typeface="Times New Roman" pitchFamily="18" charset="0"/>
               </a:rPr>
-              <a:t>, Computer Science and Engineering, </a:t>
-            </a:r>
-            <a:r>
-              <a:rPr lang="en-US" sz="1050" dirty="0" smtClean="0">
-                <a:latin typeface="Times New Roman" pitchFamily="18" charset="0"/>
-                <a:cs typeface="Times New Roman" pitchFamily="18" charset="0"/>
-              </a:rPr>
-              <a:t>Hong Kong University of Sci. and Tech. (HKUST), Hong Kong</a:t>
-            </a:r>
+              <a:t>Advisors: Dr. Pedro V. Sander and Dr. Chi-Wing Fu.</a:t>
+            </a:r>
+          </a:p>
+          <a:p>
+            <a:pPr marL="179388" indent="-179388">
+              <a:buFont typeface="Wingdings" pitchFamily="2" charset="2"/>
+              <a:buChar char="§"/>
+            </a:pPr>
+            <a:r>
+              <a:rPr lang="en-US" sz="1050" dirty="0">
+                <a:latin typeface="Times New Roman" pitchFamily="18" charset="0"/>
+                <a:cs typeface="Times New Roman" pitchFamily="18" charset="0"/>
+              </a:rPr>
+              <a:t>Area of study: Computer Graphics.</a:t>
+            </a:r>
+          </a:p>
+          <a:p>
+            <a:pPr marL="179388" indent="-179388">
+              <a:buFont typeface="Wingdings" pitchFamily="2" charset="2"/>
+              <a:buChar char="§"/>
+            </a:pPr>
+            <a:r>
+              <a:rPr lang="en-US" sz="1050" dirty="0">
+                <a:latin typeface="Times New Roman" pitchFamily="18" charset="0"/>
+                <a:cs typeface="Times New Roman" pitchFamily="18" charset="0"/>
+              </a:rPr>
+              <a:t>GGA : 9.93 (A-).</a:t>
+            </a:r>
+          </a:p>
+          <a:p>
             <a:endParaRPr lang="en-US" sz="1050" dirty="0">
               <a:latin typeface="Times New Roman" pitchFamily="18" charset="0"/>
               <a:cs typeface="Times New Roman" pitchFamily="18" charset="0"/>
             </a:endParaRPr>
           </a:p>
           <a:p>
+            <a:r>
+              <a:rPr lang="en-US" sz="1050" dirty="0">
+                <a:latin typeface="Times New Roman" pitchFamily="18" charset="0"/>
+                <a:cs typeface="Times New Roman" pitchFamily="18" charset="0"/>
+              </a:rPr>
+              <a:t>Sep.2004 – June 2006</a:t>
+            </a:r>
+          </a:p>
+          <a:p>
+            <a:r>
+              <a:rPr lang="en-US" sz="1050" b="1" dirty="0">
+                <a:latin typeface="Times New Roman" pitchFamily="18" charset="0"/>
+                <a:cs typeface="Times New Roman" pitchFamily="18" charset="0"/>
+              </a:rPr>
+              <a:t>Master</a:t>
+            </a:r>
+            <a:r>
+              <a:rPr lang="en-US" sz="1050" dirty="0">
+                <a:latin typeface="Times New Roman" pitchFamily="18" charset="0"/>
+                <a:cs typeface="Times New Roman" pitchFamily="18" charset="0"/>
+              </a:rPr>
+              <a:t>, Computer Science and Engineering, Zhejiang University, P. R. China</a:t>
+            </a:r>
+          </a:p>
+          <a:p>
             <a:pPr marL="179388" indent="-179388">
               <a:buFont typeface="Wingdings" pitchFamily="2" charset="2"/>
               <a:buChar char="§"/>
             </a:pPr>
             <a:r>
-              <a:rPr lang="en-US" sz="1050" dirty="0" smtClean="0">
-                <a:latin typeface="Times New Roman" pitchFamily="18" charset="0"/>
-                <a:cs typeface="Times New Roman" pitchFamily="18" charset="0"/>
-              </a:rPr>
-              <a:t>Advisors</a:t>
-            </a:r>
-            <a:r>
-              <a:rPr lang="en-US" sz="1050" dirty="0">
-                <a:latin typeface="Times New Roman" pitchFamily="18" charset="0"/>
-                <a:cs typeface="Times New Roman" pitchFamily="18" charset="0"/>
-              </a:rPr>
-              <a:t>: Dr. Pedro V. Sander and Dr. Chi-Wing </a:t>
-            </a:r>
-            <a:r>
-              <a:rPr lang="en-US" sz="1050" dirty="0" smtClean="0">
-                <a:latin typeface="Times New Roman" pitchFamily="18" charset="0"/>
-                <a:cs typeface="Times New Roman" pitchFamily="18" charset="0"/>
-              </a:rPr>
-              <a:t>Fu.</a:t>
+              <a:rPr lang="en-US" altLang="zh-CN" sz="1050" dirty="0">
+                <a:latin typeface="Times New Roman" pitchFamily="18" charset="0"/>
+                <a:cs typeface="Times New Roman" pitchFamily="18" charset="0"/>
+              </a:rPr>
+              <a:t>Advisor: Prof. </a:t>
+            </a:r>
+            <a:r>
+              <a:rPr lang="en-US" altLang="zh-CN" sz="1050" dirty="0" err="1">
+                <a:latin typeface="Times New Roman" pitchFamily="18" charset="0"/>
+                <a:cs typeface="Times New Roman" pitchFamily="18" charset="0"/>
+              </a:rPr>
+              <a:t>Sanyuan</a:t>
+            </a:r>
+            <a:r>
+              <a:rPr lang="en-US" altLang="zh-CN" sz="1050" dirty="0">
+                <a:latin typeface="Times New Roman" pitchFamily="18" charset="0"/>
+                <a:cs typeface="Times New Roman" pitchFamily="18" charset="0"/>
+              </a:rPr>
+              <a:t> Zhang and Prof. </a:t>
+            </a:r>
+            <a:r>
+              <a:rPr lang="en-US" altLang="zh-CN" sz="1050" dirty="0" err="1">
+                <a:latin typeface="Times New Roman" pitchFamily="18" charset="0"/>
+                <a:cs typeface="Times New Roman" pitchFamily="18" charset="0"/>
+              </a:rPr>
+              <a:t>Xiuzi</a:t>
+            </a:r>
+            <a:r>
+              <a:rPr lang="en-US" altLang="zh-CN" sz="1050" dirty="0">
+                <a:latin typeface="Times New Roman" pitchFamily="18" charset="0"/>
+                <a:cs typeface="Times New Roman" pitchFamily="18" charset="0"/>
+              </a:rPr>
+              <a:t> Ye</a:t>
+            </a:r>
+          </a:p>
+          <a:p>
+            <a:pPr marL="179388" indent="-179388">
+              <a:buFont typeface="Wingdings" pitchFamily="2" charset="2"/>
+              <a:buChar char="§"/>
+            </a:pPr>
+            <a:r>
+              <a:rPr lang="en-US" altLang="zh-CN" sz="1050" dirty="0">
+                <a:latin typeface="Times New Roman" pitchFamily="18" charset="0"/>
+                <a:cs typeface="Times New Roman" pitchFamily="18" charset="0"/>
+              </a:rPr>
+              <a:t>Area of study: Computer-Aided Design.</a:t>
             </a:r>
             <a:endParaRPr lang="en-US" sz="1050" dirty="0">
               <a:latin typeface="Times New Roman" pitchFamily="18" charset="0"/>
@@ -3309,44 +3348,60 @@
             </a:endParaRPr>
           </a:p>
           <a:p>
+            <a:endParaRPr lang="en-US" sz="1200" dirty="0">
+              <a:cs typeface="Times New Roman" pitchFamily="18" charset="0"/>
+            </a:endParaRPr>
+          </a:p>
+          <a:p>
+            <a:r>
+              <a:rPr lang="en-US" sz="1050" dirty="0">
+                <a:latin typeface="Times New Roman" pitchFamily="18" charset="0"/>
+                <a:cs typeface="Times New Roman" pitchFamily="18" charset="0"/>
+              </a:rPr>
+              <a:t>Sep. 2000 - June 2004</a:t>
+            </a:r>
+          </a:p>
+          <a:p>
+            <a:r>
+              <a:rPr lang="en-US" sz="1050" b="1" dirty="0">
+                <a:latin typeface="Times New Roman" pitchFamily="18" charset="0"/>
+                <a:cs typeface="Times New Roman" pitchFamily="18" charset="0"/>
+              </a:rPr>
+              <a:t>B.E.</a:t>
+            </a:r>
+            <a:r>
+              <a:rPr lang="en-US" sz="1050" dirty="0">
+                <a:latin typeface="Times New Roman" pitchFamily="18" charset="0"/>
+                <a:cs typeface="Times New Roman" pitchFamily="18" charset="0"/>
+              </a:rPr>
+              <a:t>, Computer Science and Engineering, Zhejiang University, P. R. China</a:t>
+            </a:r>
+          </a:p>
+          <a:p>
             <a:pPr marL="179388" indent="-179388">
               <a:buFont typeface="Wingdings" pitchFamily="2" charset="2"/>
               <a:buChar char="§"/>
             </a:pPr>
             <a:r>
-              <a:rPr lang="en-US" sz="1050" dirty="0" smtClean="0">
-                <a:latin typeface="Times New Roman" pitchFamily="18" charset="0"/>
-                <a:cs typeface="Times New Roman" pitchFamily="18" charset="0"/>
-              </a:rPr>
-              <a:t>Area </a:t>
-            </a:r>
-            <a:r>
               <a:rPr lang="en-US" sz="1050" dirty="0">
                 <a:latin typeface="Times New Roman" pitchFamily="18" charset="0"/>
                 <a:cs typeface="Times New Roman" pitchFamily="18" charset="0"/>
               </a:rPr>
-              <a:t>of </a:t>
-            </a:r>
-            <a:r>
-              <a:rPr lang="en-US" sz="1050" dirty="0" smtClean="0">
-                <a:latin typeface="Times New Roman" pitchFamily="18" charset="0"/>
-                <a:cs typeface="Times New Roman" pitchFamily="18" charset="0"/>
-              </a:rPr>
-              <a:t>study</a:t>
+              <a:t>Mixed class, Chu </a:t>
+            </a:r>
+            <a:r>
+              <a:rPr lang="en-US" sz="1050" dirty="0" err="1">
+                <a:latin typeface="Times New Roman" pitchFamily="18" charset="0"/>
+                <a:cs typeface="Times New Roman" pitchFamily="18" charset="0"/>
+              </a:rPr>
+              <a:t>Kochen</a:t>
             </a:r>
             <a:r>
               <a:rPr lang="en-US" sz="1050" dirty="0">
                 <a:latin typeface="Times New Roman" pitchFamily="18" charset="0"/>
                 <a:cs typeface="Times New Roman" pitchFamily="18" charset="0"/>
               </a:rPr>
-              <a:t>: Computer </a:t>
-            </a:r>
-            <a:r>
-              <a:rPr lang="en-US" sz="1050" dirty="0" smtClean="0">
-                <a:latin typeface="Times New Roman" pitchFamily="18" charset="0"/>
-                <a:cs typeface="Times New Roman" pitchFamily="18" charset="0"/>
-              </a:rPr>
-              <a:t>Graphics.</a:t>
+              <a:t> Honors College.</a:t>
             </a:r>
           </a:p>
           <a:p>
@@ -3355,14 +3410,18 @@
               <a:buChar char="§"/>
             </a:pPr>
             <a:r>
-              <a:rPr lang="en-US" sz="1050" dirty="0" smtClean="0">
-                <a:latin typeface="Times New Roman" pitchFamily="18" charset="0"/>
-                <a:cs typeface="Times New Roman" pitchFamily="18" charset="0"/>
-              </a:rPr>
-              <a:t>GGA : 9.93 (A-).</a:t>
-            </a:r>
-          </a:p>
-          <a:p>
+              <a:rPr lang="en-US" sz="1050" dirty="0">
+                <a:latin typeface="Times New Roman" pitchFamily="18" charset="0"/>
+                <a:cs typeface="Times New Roman" pitchFamily="18" charset="0"/>
+              </a:rPr>
+              <a:t>Overall GPA 3.69/4.00, Major GPA 3.88/4.00, Top 5%.</a:t>
+            </a:r>
+          </a:p>
+          <a:p>
+            <a:pPr marL="179388" indent="-179388">
+              <a:buFont typeface="Wingdings" pitchFamily="2" charset="2"/>
+              <a:buChar char="§"/>
+            </a:pPr>
             <a:endParaRPr lang="en-US" sz="1050" dirty="0">
               <a:latin typeface="Times New Roman" pitchFamily="18" charset="0"/>
               <a:cs typeface="Times New Roman" pitchFamily="18" charset="0"/>
@@ -3370,326 +3429,37 @@
           </a:p>
           <a:p>
             <a:r>
-              <a:rPr lang="en-US" sz="1050" dirty="0" smtClean="0">
-                <a:latin typeface="Times New Roman" pitchFamily="18" charset="0"/>
-                <a:cs typeface="Times New Roman" pitchFamily="18" charset="0"/>
-              </a:rPr>
-              <a:t>Sep.2004 – June 2006</a:t>
-            </a:r>
-          </a:p>
-          <a:p>
-            <a:r>
-              <a:rPr lang="en-US" sz="1050" b="1" dirty="0" smtClean="0">
-                <a:latin typeface="Times New Roman" pitchFamily="18" charset="0"/>
-                <a:cs typeface="Times New Roman" pitchFamily="18" charset="0"/>
-              </a:rPr>
-              <a:t>Master</a:t>
-            </a:r>
-            <a:r>
-              <a:rPr lang="en-US" sz="1050" dirty="0" smtClean="0">
-                <a:latin typeface="Times New Roman" pitchFamily="18" charset="0"/>
-                <a:cs typeface="Times New Roman" pitchFamily="18" charset="0"/>
-              </a:rPr>
-              <a:t>, Computer Science and Engineering, Zhejiang University, P. R. China</a:t>
-            </a:r>
-          </a:p>
-          <a:p>
-            <a:pPr marL="179388" indent="-179388">
-              <a:buFont typeface="Wingdings" pitchFamily="2" charset="2"/>
-              <a:buChar char="§"/>
-            </a:pPr>
-            <a:r>
-              <a:rPr lang="en-US" altLang="zh-CN" sz="1050" dirty="0" smtClean="0">
-                <a:latin typeface="Times New Roman" pitchFamily="18" charset="0"/>
-                <a:cs typeface="Times New Roman" pitchFamily="18" charset="0"/>
-              </a:rPr>
-              <a:t>Advisor: Prof. </a:t>
-            </a:r>
-            <a:r>
-              <a:rPr lang="en-US" altLang="zh-CN" sz="1050" dirty="0" err="1" smtClean="0">
-                <a:latin typeface="Times New Roman" pitchFamily="18" charset="0"/>
-                <a:cs typeface="Times New Roman" pitchFamily="18" charset="0"/>
-              </a:rPr>
-              <a:t>Sanyuan</a:t>
-            </a:r>
-            <a:r>
-              <a:rPr lang="en-US" altLang="zh-CN" sz="1050" dirty="0" smtClean="0">
-                <a:latin typeface="Times New Roman" pitchFamily="18" charset="0"/>
-                <a:cs typeface="Times New Roman" pitchFamily="18" charset="0"/>
-              </a:rPr>
-              <a:t> Zhang and Prof. </a:t>
-            </a:r>
-            <a:r>
-              <a:rPr lang="en-US" altLang="zh-CN" sz="1050" dirty="0" err="1" smtClean="0">
-                <a:latin typeface="Times New Roman" pitchFamily="18" charset="0"/>
-                <a:cs typeface="Times New Roman" pitchFamily="18" charset="0"/>
-              </a:rPr>
-              <a:t>Xiuzi</a:t>
-            </a:r>
-            <a:r>
-              <a:rPr lang="en-US" altLang="zh-CN" sz="1050" dirty="0" smtClean="0">
-                <a:latin typeface="Times New Roman" pitchFamily="18" charset="0"/>
-                <a:cs typeface="Times New Roman" pitchFamily="18" charset="0"/>
-              </a:rPr>
-              <a:t> Ye</a:t>
-            </a:r>
-          </a:p>
-          <a:p>
-            <a:pPr marL="179388" indent="-179388">
-              <a:buFont typeface="Wingdings" pitchFamily="2" charset="2"/>
-              <a:buChar char="§"/>
-            </a:pPr>
-            <a:r>
-              <a:rPr lang="en-US" altLang="zh-CN" sz="1050" dirty="0" smtClean="0">
-                <a:latin typeface="Times New Roman" pitchFamily="18" charset="0"/>
-                <a:cs typeface="Times New Roman" pitchFamily="18" charset="0"/>
-              </a:rPr>
-              <a:t>Area of study: Computer-Aided Design.</a:t>
-            </a:r>
-            <a:endParaRPr lang="en-US" sz="1050" dirty="0" smtClean="0">
-              <a:latin typeface="Times New Roman" pitchFamily="18" charset="0"/>
-              <a:cs typeface="Times New Roman" pitchFamily="18" charset="0"/>
-            </a:endParaRPr>
-          </a:p>
-          <a:p>
-            <a:endParaRPr lang="en-US" sz="1200" dirty="0">
-              <a:cs typeface="Times New Roman" pitchFamily="18" charset="0"/>
-            </a:endParaRPr>
-          </a:p>
-          <a:p>
-            <a:r>
-              <a:rPr lang="en-US" sz="1050" dirty="0">
-                <a:latin typeface="Times New Roman" pitchFamily="18" charset="0"/>
-                <a:cs typeface="Times New Roman" pitchFamily="18" charset="0"/>
-              </a:rPr>
-              <a:t>Sep. 2000 </a:t>
-            </a:r>
-            <a:r>
-              <a:rPr lang="en-US" sz="1050" dirty="0" smtClean="0">
-                <a:latin typeface="Times New Roman" pitchFamily="18" charset="0"/>
-                <a:cs typeface="Times New Roman" pitchFamily="18" charset="0"/>
-              </a:rPr>
-              <a:t>- </a:t>
-            </a:r>
-            <a:r>
-              <a:rPr lang="en-US" sz="1050" dirty="0">
-                <a:latin typeface="Times New Roman" pitchFamily="18" charset="0"/>
-                <a:cs typeface="Times New Roman" pitchFamily="18" charset="0"/>
-              </a:rPr>
-              <a:t>June </a:t>
-            </a:r>
-            <a:r>
-              <a:rPr lang="en-US" sz="1050" dirty="0" smtClean="0">
-                <a:latin typeface="Times New Roman" pitchFamily="18" charset="0"/>
-                <a:cs typeface="Times New Roman" pitchFamily="18" charset="0"/>
-              </a:rPr>
-              <a:t>2004</a:t>
-            </a:r>
-          </a:p>
-          <a:p>
-            <a:r>
-              <a:rPr lang="en-US" sz="1050" b="1" dirty="0" smtClean="0">
-                <a:latin typeface="Times New Roman" pitchFamily="18" charset="0"/>
-                <a:cs typeface="Times New Roman" pitchFamily="18" charset="0"/>
-              </a:rPr>
-              <a:t>B.E</a:t>
-            </a:r>
-            <a:r>
-              <a:rPr lang="en-US" sz="1050" b="1" dirty="0">
-                <a:latin typeface="Times New Roman" pitchFamily="18" charset="0"/>
-                <a:cs typeface="Times New Roman" pitchFamily="18" charset="0"/>
-              </a:rPr>
-              <a:t>.</a:t>
-            </a:r>
-            <a:r>
-              <a:rPr lang="en-US" sz="1050" dirty="0">
-                <a:latin typeface="Times New Roman" pitchFamily="18" charset="0"/>
-                <a:cs typeface="Times New Roman" pitchFamily="18" charset="0"/>
-              </a:rPr>
-              <a:t>, Computer Science and Engineering, Zhejiang </a:t>
-            </a:r>
-            <a:r>
-              <a:rPr lang="en-US" sz="1050" dirty="0" smtClean="0">
-                <a:latin typeface="Times New Roman" pitchFamily="18" charset="0"/>
-                <a:cs typeface="Times New Roman" pitchFamily="18" charset="0"/>
-              </a:rPr>
-              <a:t>University</a:t>
-            </a:r>
-            <a:r>
-              <a:rPr lang="en-US" sz="1050" dirty="0">
-                <a:latin typeface="Times New Roman" pitchFamily="18" charset="0"/>
-                <a:cs typeface="Times New Roman" pitchFamily="18" charset="0"/>
-              </a:rPr>
-              <a:t>, P. R. China</a:t>
-            </a:r>
-          </a:p>
-          <a:p>
-            <a:pPr marL="179388" indent="-179388">
-              <a:buFont typeface="Wingdings" pitchFamily="2" charset="2"/>
-              <a:buChar char="§"/>
-            </a:pPr>
-            <a:r>
-              <a:rPr lang="en-US" sz="1050" dirty="0" smtClean="0">
-                <a:latin typeface="Times New Roman" pitchFamily="18" charset="0"/>
-                <a:cs typeface="Times New Roman" pitchFamily="18" charset="0"/>
-              </a:rPr>
-              <a:t>Mixed class, Chu </a:t>
-            </a:r>
-            <a:r>
-              <a:rPr lang="en-US" sz="1050" dirty="0" err="1">
-                <a:latin typeface="Times New Roman" pitchFamily="18" charset="0"/>
-                <a:cs typeface="Times New Roman" pitchFamily="18" charset="0"/>
-              </a:rPr>
-              <a:t>Kochen</a:t>
-            </a:r>
-            <a:r>
-              <a:rPr lang="en-US" sz="1050" dirty="0">
-                <a:latin typeface="Times New Roman" pitchFamily="18" charset="0"/>
-                <a:cs typeface="Times New Roman" pitchFamily="18" charset="0"/>
-              </a:rPr>
-              <a:t> Honors </a:t>
-            </a:r>
-            <a:r>
-              <a:rPr lang="en-US" sz="1050" dirty="0" smtClean="0">
-                <a:latin typeface="Times New Roman" pitchFamily="18" charset="0"/>
-                <a:cs typeface="Times New Roman" pitchFamily="18" charset="0"/>
-              </a:rPr>
-              <a:t>College.</a:t>
-            </a:r>
-            <a:endParaRPr lang="en-US" sz="1050" dirty="0">
-              <a:latin typeface="Times New Roman" pitchFamily="18" charset="0"/>
-              <a:cs typeface="Times New Roman" pitchFamily="18" charset="0"/>
-            </a:endParaRPr>
-          </a:p>
-          <a:p>
-            <a:pPr marL="179388" indent="-179388">
-              <a:buFont typeface="Wingdings" pitchFamily="2" charset="2"/>
-              <a:buChar char="§"/>
-            </a:pPr>
-            <a:r>
-              <a:rPr lang="en-US" sz="1050" dirty="0" smtClean="0">
-                <a:latin typeface="Times New Roman" pitchFamily="18" charset="0"/>
-                <a:cs typeface="Times New Roman" pitchFamily="18" charset="0"/>
-              </a:rPr>
-              <a:t>Overall </a:t>
-            </a:r>
-            <a:r>
-              <a:rPr lang="en-US" sz="1050" dirty="0">
-                <a:latin typeface="Times New Roman" pitchFamily="18" charset="0"/>
-                <a:cs typeface="Times New Roman" pitchFamily="18" charset="0"/>
-              </a:rPr>
-              <a:t>GPA 3.69/4.00, Major GPA 3.88/4.00, Top 5</a:t>
-            </a:r>
-            <a:r>
-              <a:rPr lang="en-US" sz="1050" dirty="0" smtClean="0">
-                <a:latin typeface="Times New Roman" pitchFamily="18" charset="0"/>
-                <a:cs typeface="Times New Roman" pitchFamily="18" charset="0"/>
-              </a:rPr>
-              <a:t>%.</a:t>
-            </a:r>
-          </a:p>
-          <a:p>
-            <a:pPr marL="179388" indent="-179388">
-              <a:buFont typeface="Wingdings" pitchFamily="2" charset="2"/>
-              <a:buChar char="§"/>
-            </a:pPr>
-            <a:endParaRPr lang="en-US" sz="1050" dirty="0" smtClean="0">
-              <a:latin typeface="Times New Roman" pitchFamily="18" charset="0"/>
-              <a:cs typeface="Times New Roman" pitchFamily="18" charset="0"/>
-            </a:endParaRPr>
-          </a:p>
-          <a:p>
-            <a:r>
-              <a:rPr lang="en-US" altLang="zh-CN" sz="1400" dirty="0" smtClean="0">
-                <a:latin typeface="Arial Black" pitchFamily="34" charset="0"/>
-                <a:cs typeface="Times New Roman" pitchFamily="18" charset="0"/>
-              </a:rPr>
-              <a:t>Work </a:t>
-            </a:r>
-            <a:r>
               <a:rPr lang="en-US" altLang="zh-CN" sz="1400" dirty="0">
                 <a:latin typeface="Arial Black" pitchFamily="34" charset="0"/>
                 <a:cs typeface="Times New Roman" pitchFamily="18" charset="0"/>
               </a:rPr>
-              <a:t>Experience</a:t>
-            </a:r>
-          </a:p>
-          <a:p>
-            <a:endParaRPr lang="en-US" altLang="zh-CN" sz="1050" dirty="0" smtClean="0">
-              <a:latin typeface="Times New Roman" pitchFamily="18" charset="0"/>
-              <a:cs typeface="Times New Roman" pitchFamily="18" charset="0"/>
-            </a:endParaRPr>
-          </a:p>
-          <a:p>
-            <a:r>
-              <a:rPr lang="en-US" altLang="zh-CN" sz="1050" dirty="0" smtClean="0">
-                <a:latin typeface="Times New Roman" pitchFamily="18" charset="0"/>
-                <a:cs typeface="Times New Roman" pitchFamily="18" charset="0"/>
-              </a:rPr>
-              <a:t>Dec</a:t>
-            </a:r>
-            <a:r>
-              <a:rPr lang="en-US" altLang="zh-CN" sz="1050" dirty="0">
-                <a:latin typeface="Times New Roman" pitchFamily="18" charset="0"/>
-                <a:cs typeface="Times New Roman" pitchFamily="18" charset="0"/>
-              </a:rPr>
-              <a:t>. </a:t>
-            </a:r>
-            <a:r>
-              <a:rPr lang="en-US" altLang="zh-CN" sz="1050" smtClean="0">
-                <a:latin typeface="Times New Roman" pitchFamily="18" charset="0"/>
-                <a:cs typeface="Times New Roman" pitchFamily="18" charset="0"/>
-              </a:rPr>
-              <a:t>2016– </a:t>
-            </a:r>
-            <a:r>
-              <a:rPr lang="en-US" altLang="zh-CN" sz="1050" dirty="0" smtClean="0">
-                <a:latin typeface="Times New Roman" pitchFamily="18" charset="0"/>
-                <a:cs typeface="Times New Roman" pitchFamily="18" charset="0"/>
-              </a:rPr>
-              <a:t>Now</a:t>
-            </a:r>
-          </a:p>
-          <a:p>
-            <a:r>
-              <a:rPr lang="en-US" altLang="zh-CN" sz="1050" b="1" dirty="0" smtClean="0">
-                <a:latin typeface="Times New Roman" pitchFamily="18" charset="0"/>
-                <a:cs typeface="Times New Roman" pitchFamily="18" charset="0"/>
-              </a:rPr>
-              <a:t>CTO</a:t>
-            </a:r>
-            <a:r>
-              <a:rPr lang="en-US" altLang="zh-CN" sz="1050" dirty="0" smtClean="0">
-                <a:latin typeface="Times New Roman" pitchFamily="18" charset="0"/>
-                <a:cs typeface="Times New Roman" pitchFamily="18" charset="0"/>
-              </a:rPr>
-              <a:t>, </a:t>
-            </a:r>
-            <a:r>
-              <a:rPr lang="en-US" altLang="zh-CN" sz="1050" dirty="0" err="1" smtClean="0">
-                <a:latin typeface="Times New Roman" pitchFamily="18" charset="0"/>
-                <a:cs typeface="Times New Roman" pitchFamily="18" charset="0"/>
-              </a:rPr>
-              <a:t>Modelo</a:t>
-            </a:r>
-            <a:r>
-              <a:rPr lang="en-US" altLang="zh-CN" sz="1050" dirty="0" smtClean="0">
-                <a:latin typeface="Times New Roman" pitchFamily="18" charset="0"/>
-                <a:cs typeface="Times New Roman" pitchFamily="18" charset="0"/>
-              </a:rPr>
-              <a:t>, </a:t>
-            </a:r>
-            <a:r>
-              <a:rPr lang="en-US" altLang="zh-CN" sz="1050" dirty="0" err="1" smtClean="0">
-                <a:latin typeface="Times New Roman" pitchFamily="18" charset="0"/>
-                <a:cs typeface="Times New Roman" pitchFamily="18" charset="0"/>
-              </a:rPr>
-              <a:t>Inc</a:t>
-            </a:r>
-            <a:endParaRPr lang="en-US" altLang="zh-CN" sz="1050" dirty="0" smtClean="0">
-              <a:latin typeface="Times New Roman" pitchFamily="18" charset="0"/>
-              <a:cs typeface="Times New Roman" pitchFamily="18" charset="0"/>
-            </a:endParaRPr>
+              <a:t>Work Experience</a:t>
+            </a:r>
+          </a:p>
+          <a:p>
+            <a:r>
+              <a:rPr lang="en-US" altLang="zh-CN" sz="1050" dirty="0">
+                <a:latin typeface="Times New Roman" pitchFamily="18" charset="0"/>
+                <a:cs typeface="Times New Roman" pitchFamily="18" charset="0"/>
+              </a:rPr>
+              <a:t>June. 2021– Now</a:t>
+            </a:r>
+          </a:p>
+          <a:p>
+            <a:r>
+              <a:rPr lang="en-US" altLang="zh-CN" sz="1050" b="1" dirty="0">
+                <a:latin typeface="Times New Roman" pitchFamily="18" charset="0"/>
+                <a:cs typeface="Times New Roman" pitchFamily="18" charset="0"/>
+              </a:rPr>
+              <a:t>Technical Expert</a:t>
+            </a:r>
+            <a:r>
+              <a:rPr lang="en-US" altLang="zh-CN" sz="1050" dirty="0">
+                <a:latin typeface="Times New Roman" pitchFamily="18" charset="0"/>
+                <a:cs typeface="Times New Roman" pitchFamily="18" charset="0"/>
+              </a:rPr>
+              <a:t>, Tencent</a:t>
+            </a:r>
           </a:p>
           <a:p>
             <a:pPr marL="182563" lvl="1" indent="-182563">
@@ -3700,120 +3470,11 @@
               </a:tabLst>
             </a:pPr>
             <a:r>
-              <a:rPr lang="en-US" altLang="zh-CN" sz="1050" dirty="0" smtClean="0">
-                <a:latin typeface="Times New Roman" pitchFamily="18" charset="0"/>
-                <a:cs typeface="Times New Roman" pitchFamily="18" charset="0"/>
-              </a:rPr>
-              <a:t>First </a:t>
-            </a:r>
-            <a:r>
-              <a:rPr lang="en-US" altLang="zh-CN" sz="1050" dirty="0">
-                <a:latin typeface="Times New Roman" pitchFamily="18" charset="0"/>
-                <a:cs typeface="Times New Roman" pitchFamily="18" charset="0"/>
-              </a:rPr>
-              <a:t>engineer of the company. I built the </a:t>
-            </a:r>
-            <a:r>
-              <a:rPr lang="en-US" altLang="zh-CN" sz="1050" dirty="0" err="1">
-                <a:latin typeface="Times New Roman" pitchFamily="18" charset="0"/>
-                <a:cs typeface="Times New Roman" pitchFamily="18" charset="0"/>
-              </a:rPr>
-              <a:t>Modelo</a:t>
-            </a:r>
-            <a:r>
-              <a:rPr lang="en-US" altLang="zh-CN" sz="1050" dirty="0">
-                <a:latin typeface="Times New Roman" pitchFamily="18" charset="0"/>
-                <a:cs typeface="Times New Roman" pitchFamily="18" charset="0"/>
-              </a:rPr>
-              <a:t> core technology from ground with solo hand and am still the main contributor to the entire code base of company products. Now I lead the R&amp;D </a:t>
-            </a:r>
-            <a:r>
-              <a:rPr lang="en-US" altLang="zh-CN" sz="1050" dirty="0" smtClean="0">
-                <a:latin typeface="Times New Roman" pitchFamily="18" charset="0"/>
-                <a:cs typeface="Times New Roman" pitchFamily="18" charset="0"/>
-              </a:rPr>
-              <a:t>team.</a:t>
-            </a:r>
-            <a:endParaRPr lang="en-US" altLang="zh-CN" sz="1050" dirty="0">
-              <a:latin typeface="Times New Roman" pitchFamily="18" charset="0"/>
-              <a:cs typeface="Times New Roman" pitchFamily="18" charset="0"/>
-            </a:endParaRPr>
-          </a:p>
-          <a:p>
-            <a:endParaRPr lang="en-US" altLang="zh-CN" sz="1050" dirty="0" smtClean="0">
-              <a:latin typeface="Times New Roman" pitchFamily="18" charset="0"/>
-              <a:cs typeface="Times New Roman" pitchFamily="18" charset="0"/>
-            </a:endParaRPr>
-          </a:p>
-          <a:p>
-            <a:r>
-              <a:rPr lang="en-US" altLang="zh-CN" sz="1050" dirty="0" smtClean="0">
-                <a:latin typeface="Times New Roman" pitchFamily="18" charset="0"/>
-                <a:cs typeface="Times New Roman" pitchFamily="18" charset="0"/>
-              </a:rPr>
-              <a:t>Feb. </a:t>
-            </a:r>
-            <a:r>
-              <a:rPr lang="en-US" altLang="zh-CN" sz="1050" dirty="0" smtClean="0">
-                <a:latin typeface="Times New Roman" pitchFamily="18" charset="0"/>
-                <a:cs typeface="Times New Roman" pitchFamily="18" charset="0"/>
-              </a:rPr>
-              <a:t>2015 </a:t>
-            </a:r>
-            <a:r>
-              <a:rPr lang="en-US" altLang="zh-CN" sz="1050" dirty="0">
-                <a:latin typeface="Times New Roman" pitchFamily="18" charset="0"/>
-                <a:cs typeface="Times New Roman" pitchFamily="18" charset="0"/>
-              </a:rPr>
-              <a:t>– </a:t>
-            </a:r>
-            <a:r>
-              <a:rPr lang="en-US" altLang="zh-CN" sz="1050" dirty="0" smtClean="0">
-                <a:latin typeface="Times New Roman" pitchFamily="18" charset="0"/>
-                <a:cs typeface="Times New Roman" pitchFamily="18" charset="0"/>
-              </a:rPr>
-              <a:t>Dec. </a:t>
-            </a:r>
-            <a:r>
-              <a:rPr lang="en-US" altLang="zh-CN" sz="1050" dirty="0" smtClean="0">
-                <a:latin typeface="Times New Roman" pitchFamily="18" charset="0"/>
-                <a:cs typeface="Times New Roman" pitchFamily="18" charset="0"/>
-              </a:rPr>
-              <a:t>2016</a:t>
-            </a:r>
-            <a:endParaRPr lang="en-US" altLang="zh-CN" sz="1050" dirty="0">
-              <a:latin typeface="Times New Roman" pitchFamily="18" charset="0"/>
-              <a:cs typeface="Times New Roman" pitchFamily="18" charset="0"/>
-            </a:endParaRPr>
-          </a:p>
-          <a:p>
-            <a:r>
-              <a:rPr lang="en-US" altLang="zh-CN" sz="1050" b="1" dirty="0" smtClean="0">
-                <a:latin typeface="Times New Roman" pitchFamily="18" charset="0"/>
-                <a:cs typeface="Times New Roman" pitchFamily="18" charset="0"/>
-              </a:rPr>
-              <a:t>Senior GPU Architect</a:t>
-            </a:r>
-            <a:r>
-              <a:rPr lang="en-US" altLang="zh-CN" sz="1050" dirty="0" smtClean="0">
-                <a:latin typeface="Times New Roman" pitchFamily="18" charset="0"/>
-                <a:cs typeface="Times New Roman" pitchFamily="18" charset="0"/>
-              </a:rPr>
-              <a:t>, Graphics Hardware Team, </a:t>
-            </a:r>
-            <a:r>
-              <a:rPr lang="en-US" altLang="zh-CN" sz="1050" dirty="0" err="1" smtClean="0">
-                <a:latin typeface="Times New Roman" pitchFamily="18" charset="0"/>
-                <a:cs typeface="Times New Roman" pitchFamily="18" charset="0"/>
-              </a:rPr>
-              <a:t>Nvidia</a:t>
-            </a:r>
-            <a:r>
-              <a:rPr lang="en-US" altLang="zh-CN" sz="1050" dirty="0" smtClean="0">
-                <a:latin typeface="Times New Roman" pitchFamily="18" charset="0"/>
-                <a:cs typeface="Times New Roman" pitchFamily="18" charset="0"/>
-              </a:rPr>
-              <a:t> Shanghai</a:t>
+              <a:rPr lang="en-US" altLang="zh-CN" sz="1050" dirty="0">
+                <a:latin typeface="Times New Roman" pitchFamily="18" charset="0"/>
+                <a:cs typeface="Times New Roman" pitchFamily="18" charset="0"/>
+              </a:rPr>
+              <a:t>Built a cloud rendering engine from scratch; established the development schema and built a 10+ people team from ground</a:t>
             </a:r>
           </a:p>
           <a:p>
@@ -3825,76 +3486,14 @@
               </a:tabLst>
             </a:pPr>
             <a:r>
-              <a:rPr lang="en-US" altLang="zh-CN" sz="1050" dirty="0" smtClean="0">
-                <a:latin typeface="Times New Roman" pitchFamily="18" charset="0"/>
-                <a:cs typeface="Times New Roman" pitchFamily="18" charset="0"/>
-              </a:rPr>
-              <a:t>Worked on GPU graphics units frontend design in GPU hardware design team. The work include several features in current generation of </a:t>
-            </a:r>
-            <a:r>
-              <a:rPr lang="en-US" altLang="zh-CN" sz="1050" dirty="0" err="1" smtClean="0">
-                <a:latin typeface="Times New Roman" pitchFamily="18" charset="0"/>
-                <a:cs typeface="Times New Roman" pitchFamily="18" charset="0"/>
-              </a:rPr>
-              <a:t>Nvidia</a:t>
-            </a:r>
-            <a:r>
-              <a:rPr lang="en-US" altLang="zh-CN" sz="1050" dirty="0" smtClean="0">
-                <a:latin typeface="Times New Roman" pitchFamily="18" charset="0"/>
-                <a:cs typeface="Times New Roman" pitchFamily="18" charset="0"/>
-              </a:rPr>
-              <a:t> GPU, i.e., Volta.</a:t>
-            </a:r>
-          </a:p>
-          <a:p>
-            <a:endParaRPr lang="en-US" altLang="zh-CN" sz="1050" dirty="0" smtClean="0">
-              <a:latin typeface="Times New Roman" pitchFamily="18" charset="0"/>
-              <a:cs typeface="Times New Roman" pitchFamily="18" charset="0"/>
-            </a:endParaRPr>
-          </a:p>
-          <a:p>
-            <a:r>
-              <a:rPr lang="en-US" altLang="zh-CN" sz="1050" dirty="0" err="1" smtClean="0">
-                <a:latin typeface="Times New Roman" pitchFamily="18" charset="0"/>
-                <a:cs typeface="Times New Roman" pitchFamily="18" charset="0"/>
-              </a:rPr>
-              <a:t>Apri</a:t>
-            </a:r>
-            <a:r>
-              <a:rPr lang="en-US" altLang="zh-CN" sz="1050" dirty="0">
-                <a:latin typeface="Times New Roman" pitchFamily="18" charset="0"/>
-                <a:cs typeface="Times New Roman" pitchFamily="18" charset="0"/>
-              </a:rPr>
-              <a:t>. </a:t>
-            </a:r>
-            <a:r>
-              <a:rPr lang="en-US" altLang="zh-CN" sz="1050" dirty="0" smtClean="0">
-                <a:latin typeface="Times New Roman" pitchFamily="18" charset="0"/>
-                <a:cs typeface="Times New Roman" pitchFamily="18" charset="0"/>
-              </a:rPr>
-              <a:t>2013 </a:t>
-            </a:r>
-            <a:r>
-              <a:rPr lang="en-US" altLang="zh-CN" sz="1050" dirty="0">
-                <a:latin typeface="Times New Roman" pitchFamily="18" charset="0"/>
-                <a:cs typeface="Times New Roman" pitchFamily="18" charset="0"/>
-              </a:rPr>
-              <a:t>– </a:t>
-            </a:r>
-            <a:r>
-              <a:rPr lang="en-US" altLang="zh-CN" sz="1050" dirty="0" smtClean="0">
-                <a:latin typeface="Times New Roman" pitchFamily="18" charset="0"/>
-                <a:cs typeface="Times New Roman" pitchFamily="18" charset="0"/>
-              </a:rPr>
-              <a:t>Feb. </a:t>
-            </a:r>
-            <a:r>
-              <a:rPr lang="en-US" altLang="zh-CN" sz="1050" dirty="0" smtClean="0">
-                <a:latin typeface="Times New Roman" pitchFamily="18" charset="0"/>
-                <a:cs typeface="Times New Roman" pitchFamily="18" charset="0"/>
-              </a:rPr>
-              <a:t>2015</a:t>
-            </a:r>
+              <a:rPr lang="en-US" altLang="zh-CN" sz="1050" dirty="0">
+                <a:latin typeface="Times New Roman" pitchFamily="18" charset="0"/>
+                <a:cs typeface="Times New Roman" pitchFamily="18" charset="0"/>
+              </a:rPr>
+              <a:t>The rendering engine contains a number of edge cutting techniques, like GPU-driven cluster based pipeline, the virtual shadow map, a node based material system, an authoring workflow based on Blender and such</a:t>
+            </a:r>
+          </a:p>
+          <a:p>
             <a:endParaRPr lang="en-US" altLang="zh-CN" sz="1050" dirty="0">
               <a:latin typeface="Times New Roman" pitchFamily="18" charset="0"/>
               <a:cs typeface="Times New Roman" pitchFamily="18" charset="0"/>
@@ -3902,23 +3501,28 @@
           </a:p>
           <a:p>
             <a:r>
-              <a:rPr lang="en-US" altLang="zh-CN" sz="1050" b="1" dirty="0" smtClean="0">
-                <a:latin typeface="Times New Roman" pitchFamily="18" charset="0"/>
-                <a:cs typeface="Times New Roman" pitchFamily="18" charset="0"/>
-              </a:rPr>
-              <a:t>Member of Technical Staff,</a:t>
-            </a:r>
-            <a:r>
-              <a:rPr lang="en-US" altLang="zh-CN" sz="1050" dirty="0" smtClean="0">
-                <a:latin typeface="Times New Roman" pitchFamily="18" charset="0"/>
-                <a:cs typeface="Times New Roman" pitchFamily="18" charset="0"/>
-              </a:rPr>
-              <a:t> Graphics Technology Initiatives, Advanced Micro Devices(Shanghai)Co. Ltd</a:t>
-            </a:r>
-            <a:endParaRPr lang="en-US" altLang="zh-CN" sz="1050" dirty="0">
-              <a:latin typeface="Times New Roman" pitchFamily="18" charset="0"/>
-              <a:cs typeface="Times New Roman" pitchFamily="18" charset="0"/>
-            </a:endParaRPr>
+              <a:rPr lang="en-US" altLang="zh-CN" sz="1050" dirty="0">
+                <a:latin typeface="Times New Roman" pitchFamily="18" charset="0"/>
+                <a:cs typeface="Times New Roman" pitchFamily="18" charset="0"/>
+              </a:rPr>
+              <a:t>June. 2019– June 2021</a:t>
+            </a:r>
+          </a:p>
+          <a:p>
+            <a:r>
+              <a:rPr lang="en-US" altLang="zh-CN" sz="1050" b="1" dirty="0">
+                <a:latin typeface="Times New Roman" pitchFamily="18" charset="0"/>
+                <a:cs typeface="Times New Roman" pitchFamily="18" charset="0"/>
+              </a:rPr>
+              <a:t>Technical Expert</a:t>
+            </a:r>
+            <a:r>
+              <a:rPr lang="en-US" altLang="zh-CN" sz="1050" dirty="0">
+                <a:latin typeface="Times New Roman" pitchFamily="18" charset="0"/>
+                <a:cs typeface="Times New Roman" pitchFamily="18" charset="0"/>
+              </a:rPr>
+              <a:t>, Huawei</a:t>
+            </a:r>
           </a:p>
           <a:p>
             <a:pPr marL="182563" lvl="1" indent="-182563">
@@ -3929,11 +3533,11 @@
               </a:tabLst>
             </a:pPr>
             <a:r>
-              <a:rPr lang="en-US" altLang="zh-CN" sz="1050" dirty="0" smtClean="0">
-                <a:latin typeface="Times New Roman" pitchFamily="18" charset="0"/>
-                <a:cs typeface="Times New Roman" pitchFamily="18" charset="0"/>
-              </a:rPr>
-              <a:t>Research general graphics rendering high performance computing and problems.</a:t>
+              <a:rPr lang="en-US" altLang="zh-CN" sz="1050" dirty="0">
+                <a:latin typeface="Times New Roman" pitchFamily="18" charset="0"/>
+                <a:cs typeface="Times New Roman" pitchFamily="18" charset="0"/>
+              </a:rPr>
+              <a:t>The chief architect of Huawei Phoenix Graphics Engine, the author of Huawei software ray tracing core solution, and proposed several rendering techniques which are used in Huawei HMS graphics acceleration solution kit.</a:t>
             </a:r>
           </a:p>
           <a:p>
@@ -3945,11 +3549,11 @@
               </a:tabLst>
             </a:pPr>
             <a:r>
-              <a:rPr lang="en-US" altLang="zh-CN" sz="1050" dirty="0" smtClean="0">
-                <a:latin typeface="Times New Roman" pitchFamily="18" charset="0"/>
-                <a:cs typeface="Times New Roman" pitchFamily="18" charset="0"/>
-              </a:rPr>
-              <a:t>Marketing technical support; back up marketing and sales team in business negotiation and marketing actions</a:t>
+              <a:rPr lang="en-US" altLang="zh-CN" sz="1050" dirty="0">
+                <a:latin typeface="Times New Roman" pitchFamily="18" charset="0"/>
+                <a:cs typeface="Times New Roman" pitchFamily="18" charset="0"/>
+              </a:rPr>
+              <a:t>Wrote a middleware called es2vk which transcodes GLES to Vulkan API at runtime and kicked in some multi-threading tricks to make GLES run super fast. </a:t>
             </a:r>
           </a:p>
           <a:p>
@@ -3967,63 +3571,53 @@
           </a:p>
           <a:p>
             <a:r>
+              <a:rPr lang="en-US" altLang="zh-CN" sz="1050" dirty="0">
+                <a:latin typeface="Times New Roman" pitchFamily="18" charset="0"/>
+                <a:cs typeface="Times New Roman" pitchFamily="18" charset="0"/>
+              </a:rPr>
+              <a:t>Dec. 2016– June 2019</a:t>
+            </a:r>
+          </a:p>
+          <a:p>
+            <a:r>
+              <a:rPr lang="en-US" altLang="zh-CN" sz="1050" b="1" dirty="0">
+                <a:latin typeface="Times New Roman" pitchFamily="18" charset="0"/>
+                <a:cs typeface="Times New Roman" pitchFamily="18" charset="0"/>
+              </a:rPr>
+              <a:t>CTO</a:t>
+            </a:r>
+            <a:r>
+              <a:rPr lang="en-US" altLang="zh-CN" sz="1050" dirty="0">
+                <a:latin typeface="Times New Roman" pitchFamily="18" charset="0"/>
+                <a:cs typeface="Times New Roman" pitchFamily="18" charset="0"/>
+              </a:rPr>
+              <a:t>, </a:t>
+            </a:r>
+            <a:r>
               <a:rPr lang="en-US" altLang="zh-CN" sz="1050" dirty="0" err="1">
                 <a:latin typeface="Times New Roman" pitchFamily="18" charset="0"/>
                 <a:cs typeface="Times New Roman" pitchFamily="18" charset="0"/>
               </a:rPr>
-              <a:t>Apri</a:t>
-            </a:r>
-            <a:r>
-              <a:rPr lang="en-US" altLang="zh-CN" sz="1050" dirty="0">
-                <a:latin typeface="Times New Roman" pitchFamily="18" charset="0"/>
-                <a:cs typeface="Times New Roman" pitchFamily="18" charset="0"/>
-              </a:rPr>
-              <a:t>. 2012 – May 2013</a:t>
-            </a:r>
-          </a:p>
-          <a:p>
-            <a:r>
-              <a:rPr lang="en-US" altLang="zh-CN" sz="1050" b="1" dirty="0">
-                <a:latin typeface="Times New Roman" pitchFamily="18" charset="0"/>
-                <a:cs typeface="Times New Roman" pitchFamily="18" charset="0"/>
-              </a:rPr>
-              <a:t>Manager,</a:t>
-            </a:r>
-            <a:r>
-              <a:rPr lang="en-US" altLang="zh-CN" sz="1050" dirty="0">
-                <a:latin typeface="Times New Roman" pitchFamily="18" charset="0"/>
-                <a:cs typeface="Times New Roman" pitchFamily="18" charset="0"/>
-              </a:rPr>
-              <a:t> </a:t>
+              <a:t>Modelo</a:t>
+            </a:r>
+            <a:r>
+              <a:rPr lang="en-US" altLang="zh-CN" sz="1050" dirty="0">
+                <a:latin typeface="Times New Roman" pitchFamily="18" charset="0"/>
+                <a:cs typeface="Times New Roman" pitchFamily="18" charset="0"/>
+              </a:rPr>
+              <a:t>, </a:t>
             </a:r>
             <a:r>
               <a:rPr lang="en-US" altLang="zh-CN" sz="1050" dirty="0" err="1">
                 <a:latin typeface="Times New Roman" pitchFamily="18" charset="0"/>
                 <a:cs typeface="Times New Roman" pitchFamily="18" charset="0"/>
               </a:rPr>
-              <a:t>Rightware</a:t>
-            </a:r>
-            <a:r>
-              <a:rPr lang="en-US" altLang="zh-CN" sz="1050" dirty="0">
-                <a:latin typeface="Times New Roman" pitchFamily="18" charset="0"/>
-                <a:cs typeface="Times New Roman" pitchFamily="18" charset="0"/>
-              </a:rPr>
-              <a:t> </a:t>
-            </a:r>
-            <a:r>
-              <a:rPr lang="en-US" altLang="zh-CN" sz="1050" dirty="0" err="1">
-                <a:latin typeface="Times New Roman" pitchFamily="18" charset="0"/>
-                <a:cs typeface="Times New Roman" pitchFamily="18" charset="0"/>
-              </a:rPr>
-              <a:t>Oy</a:t>
-            </a:r>
-            <a:r>
-              <a:rPr lang="en-US" altLang="zh-CN" sz="1050" dirty="0">
-                <a:latin typeface="Times New Roman" pitchFamily="18" charset="0"/>
-                <a:cs typeface="Times New Roman" pitchFamily="18" charset="0"/>
-              </a:rPr>
-              <a:t>, Shanghai, China</a:t>
-            </a:r>
+              <a:t>Inc</a:t>
+            </a:r>
+            <a:endParaRPr lang="en-US" altLang="zh-CN" sz="1050" dirty="0">
+              <a:latin typeface="Times New Roman" pitchFamily="18" charset="0"/>
+              <a:cs typeface="Times New Roman" pitchFamily="18" charset="0"/>
+            </a:endParaRPr>
           </a:p>
           <a:p>
             <a:pPr marL="182563" lvl="1" indent="-182563">
@@ -4038,12 +3632,53 @@
                 <a:latin typeface="Times New Roman" pitchFamily="18" charset="0"/>
                 <a:cs typeface="Times New Roman" pitchFamily="18" charset="0"/>
               </a:rPr>
-              <a:t>Project management; oversee customer project work flow from requirement collection to final delivery and quality guarantee. </a:t>
-            </a:r>
-            <a:endParaRPr lang="en-US" altLang="zh-CN" sz="1050" dirty="0" smtClean="0">
+              <a:t>First engineer of the company. I built the Modelo core technology from ground with solo hand and was the main contributor to the entire code base of company products. </a:t>
+            </a:r>
+          </a:p>
+          <a:p>
+            <a:endParaRPr lang="en-US" altLang="zh-CN" sz="1050" dirty="0">
               <a:latin typeface="Times New Roman" pitchFamily="18" charset="0"/>
               <a:cs typeface="Times New Roman" pitchFamily="18" charset="0"/>
             </a:endParaRPr>
+          </a:p>
+          <a:p>
+            <a:r>
+              <a:rPr lang="en-US" altLang="zh-CN" sz="1050" dirty="0">
+                <a:latin typeface="Times New Roman" pitchFamily="18" charset="0"/>
+                <a:cs typeface="Times New Roman" pitchFamily="18" charset="0"/>
+              </a:rPr>
+              <a:t>Feb. 2015 – Dec. 2016</a:t>
+            </a:r>
+          </a:p>
+          <a:p>
+            <a:r>
+              <a:rPr lang="en-US" altLang="zh-CN" sz="1050" b="1" dirty="0">
+                <a:latin typeface="Times New Roman" pitchFamily="18" charset="0"/>
+                <a:cs typeface="Times New Roman" pitchFamily="18" charset="0"/>
+              </a:rPr>
+              <a:t>Senior GPU Architect</a:t>
+            </a:r>
+            <a:r>
+              <a:rPr lang="en-US" altLang="zh-CN" sz="1050" dirty="0">
+                <a:latin typeface="Times New Roman" pitchFamily="18" charset="0"/>
+                <a:cs typeface="Times New Roman" pitchFamily="18" charset="0"/>
+              </a:rPr>
+              <a:t>, Graphics Hardware Team, </a:t>
+            </a:r>
+            <a:r>
+              <a:rPr lang="en-US" altLang="zh-CN" sz="1050" dirty="0" err="1">
+                <a:latin typeface="Times New Roman" pitchFamily="18" charset="0"/>
+                <a:cs typeface="Times New Roman" pitchFamily="18" charset="0"/>
+              </a:rPr>
+              <a:t>Nvidia</a:t>
+            </a:r>
+            <a:r>
+              <a:rPr lang="en-US" altLang="zh-CN" sz="1050" dirty="0">
+                <a:latin typeface="Times New Roman" pitchFamily="18" charset="0"/>
+                <a:cs typeface="Times New Roman" pitchFamily="18" charset="0"/>
+              </a:rPr>
+              <a:t> Shanghai</a:t>
+            </a:r>
           </a:p>
           <a:p>
             <a:pPr marL="182563" lvl="1" indent="-182563">
@@ -4054,91 +3689,32 @@
               </a:tabLst>
             </a:pPr>
             <a:r>
-              <a:rPr lang="en-US" altLang="zh-CN" sz="1050" dirty="0" smtClean="0">
-                <a:latin typeface="Times New Roman" pitchFamily="18" charset="0"/>
-                <a:cs typeface="Times New Roman" pitchFamily="18" charset="0"/>
-              </a:rPr>
-              <a:t>Technical </a:t>
-            </a:r>
-            <a:r>
-              <a:rPr lang="en-US" altLang="zh-CN" sz="1050" dirty="0">
-                <a:latin typeface="Times New Roman" pitchFamily="18" charset="0"/>
-                <a:cs typeface="Times New Roman" pitchFamily="18" charset="0"/>
-              </a:rPr>
-              <a:t>pre-sales for </a:t>
+              <a:rPr lang="en-US" altLang="zh-CN" sz="1050" dirty="0">
+                <a:latin typeface="Times New Roman" pitchFamily="18" charset="0"/>
+                <a:cs typeface="Times New Roman" pitchFamily="18" charset="0"/>
+              </a:rPr>
+              <a:t>Worked on GPU graphics units frontend design in GPU hardware design team. The work include several features in current generation of </a:t>
             </a:r>
             <a:r>
               <a:rPr lang="en-US" altLang="zh-CN" sz="1050" dirty="0" err="1">
                 <a:latin typeface="Times New Roman" pitchFamily="18" charset="0"/>
                 <a:cs typeface="Times New Roman" pitchFamily="18" charset="0"/>
               </a:rPr>
-              <a:t>Kanzi</a:t>
-            </a:r>
-            <a:r>
-              <a:rPr lang="en-US" altLang="zh-CN" sz="1050" dirty="0">
-                <a:latin typeface="Times New Roman" pitchFamily="18" charset="0"/>
-                <a:cs typeface="Times New Roman" pitchFamily="18" charset="0"/>
-              </a:rPr>
-              <a:t> products; worked closely with VP of sales in customer contact; built relationship with domestic major </a:t>
-            </a:r>
-            <a:r>
-              <a:rPr lang="en-US" altLang="zh-CN" sz="1050" dirty="0" smtClean="0">
-                <a:latin typeface="Times New Roman" pitchFamily="18" charset="0"/>
-                <a:cs typeface="Times New Roman" pitchFamily="18" charset="0"/>
-              </a:rPr>
-              <a:t>players, e.g., Lenovo, </a:t>
-            </a:r>
-            <a:r>
-              <a:rPr lang="en-US" altLang="zh-CN" sz="1050" dirty="0" err="1" smtClean="0">
-                <a:latin typeface="Times New Roman" pitchFamily="18" charset="0"/>
-                <a:cs typeface="Times New Roman" pitchFamily="18" charset="0"/>
-              </a:rPr>
-              <a:t>Gionee</a:t>
-            </a:r>
-            <a:r>
-              <a:rPr lang="en-US" altLang="zh-CN" sz="1050" dirty="0" smtClean="0">
-                <a:latin typeface="Times New Roman" pitchFamily="18" charset="0"/>
-                <a:cs typeface="Times New Roman" pitchFamily="18" charset="0"/>
-              </a:rPr>
-              <a:t>, </a:t>
-            </a:r>
-            <a:r>
-              <a:rPr lang="en-US" altLang="zh-CN" sz="1050" dirty="0" err="1" smtClean="0">
-                <a:latin typeface="Times New Roman" pitchFamily="18" charset="0"/>
-                <a:cs typeface="Times New Roman" pitchFamily="18" charset="0"/>
-              </a:rPr>
-              <a:t>Desay</a:t>
-            </a:r>
-            <a:r>
-              <a:rPr lang="en-US" altLang="zh-CN" sz="1050" dirty="0" smtClean="0">
-                <a:latin typeface="Times New Roman" pitchFamily="18" charset="0"/>
-                <a:cs typeface="Times New Roman" pitchFamily="18" charset="0"/>
-              </a:rPr>
-              <a:t> and etc.</a:t>
-            </a:r>
-          </a:p>
-          <a:p>
-            <a:pPr marL="182563" lvl="1" indent="-182563">
-              <a:buFont typeface="Wingdings" pitchFamily="2" charset="2"/>
-              <a:buChar char="§"/>
-              <a:tabLst>
-                <a:tab pos="182563" algn="l"/>
-              </a:tabLst>
-            </a:pPr>
-            <a:r>
-              <a:rPr lang="en-US" altLang="zh-CN" sz="1050" dirty="0" smtClean="0">
-                <a:latin typeface="Times New Roman" pitchFamily="18" charset="0"/>
-                <a:cs typeface="Times New Roman" pitchFamily="18" charset="0"/>
-              </a:rPr>
-              <a:t> Lead engineer who is the architect </a:t>
-            </a:r>
-            <a:r>
-              <a:rPr lang="en-US" altLang="zh-CN" sz="1050" dirty="0">
-                <a:latin typeface="Times New Roman" pitchFamily="18" charset="0"/>
-                <a:cs typeface="Times New Roman" pitchFamily="18" charset="0"/>
-              </a:rPr>
-              <a:t>and reviewer of all China projects.</a:t>
-            </a:r>
+              <a:t>Nvidia</a:t>
+            </a:r>
+            <a:r>
+              <a:rPr lang="en-US" altLang="zh-CN" sz="1050" dirty="0">
+                <a:latin typeface="Times New Roman" pitchFamily="18" charset="0"/>
+                <a:cs typeface="Times New Roman" pitchFamily="18" charset="0"/>
+              </a:rPr>
+              <a:t> GPU, i.e., Volta.</a:t>
+            </a:r>
+          </a:p>
+          <a:p>
+            <a:endParaRPr lang="en-US" altLang="zh-CN" sz="1050" dirty="0">
+              <a:latin typeface="Times New Roman" pitchFamily="18" charset="0"/>
+              <a:cs typeface="Times New Roman" pitchFamily="18" charset="0"/>
+            </a:endParaRPr>
           </a:p>
           <a:p>
             <a:pPr marL="457200" lvl="2">
@@ -4146,7 +3722,7 @@
                 <a:tab pos="182563" algn="l"/>
               </a:tabLst>
             </a:pPr>
-            <a:endParaRPr lang="en-US" altLang="zh-CN" sz="1050" dirty="0" smtClean="0">
+            <a:endParaRPr lang="en-US" altLang="zh-CN" sz="1050" dirty="0">
               <a:latin typeface="Times New Roman" pitchFamily="18" charset="0"/>
               <a:cs typeface="Times New Roman" pitchFamily="18" charset="0"/>
             </a:endParaRPr>
@@ -4165,13 +3741,13 @@
             </a:endParaRPr>
           </a:p>
           <a:p>
-            <a:endParaRPr lang="en-US" sz="1050" dirty="0" smtClean="0">
+            <a:endParaRPr lang="en-US" sz="1050" dirty="0">
               <a:latin typeface="Times New Roman" pitchFamily="18" charset="0"/>
               <a:cs typeface="Times New Roman" pitchFamily="18" charset="0"/>
             </a:endParaRPr>
           </a:p>
           <a:p>
-            <a:endParaRPr lang="en-US" sz="1050" dirty="0" smtClean="0">
+            <a:endParaRPr lang="en-US" sz="1050" dirty="0">
               <a:latin typeface="Times New Roman" pitchFamily="18" charset="0"/>
               <a:cs typeface="Times New Roman" pitchFamily="18" charset="0"/>
             </a:endParaRPr>
@@ -4181,7 +3757,7 @@
               <a:buFont typeface="Wingdings" pitchFamily="2" charset="2"/>
               <a:buChar char="§"/>
             </a:pPr>
-            <a:endParaRPr lang="en-US" sz="1050" dirty="0" smtClean="0">
+            <a:endParaRPr lang="en-US" sz="1050" dirty="0">
               <a:latin typeface="Times New Roman" pitchFamily="18" charset="0"/>
               <a:cs typeface="Times New Roman" pitchFamily="18" charset="0"/>
             </a:endParaRPr>
@@ -4211,16 +3787,12 @@
           <a:lstStyle/>
           <a:p>
             <a:r>
-              <a:rPr lang="en-US" sz="1000" dirty="0" smtClean="0">
+              <a:rPr lang="en-US" sz="1000" dirty="0">
                 <a:latin typeface="Times New Roman" pitchFamily="18" charset="0"/>
                 <a:cs typeface="Times New Roman" pitchFamily="18" charset="0"/>
               </a:rPr>
               <a:t>1 of 3</a:t>
             </a:r>
-            <a:endParaRPr lang="en-US" sz="1000" dirty="0">
-              <a:latin typeface="Times New Roman" pitchFamily="18" charset="0"/>
-              <a:cs typeface="Times New Roman" pitchFamily="18" charset="0"/>
-            </a:endParaRPr>
           </a:p>
         </p:txBody>
       </p:sp>
@@ -4234,13 +3806,6 @@
   <p:clrMapOvr>
     <a:masterClrMapping/>
   </p:clrMapOvr>
-  <p:timing>
-    <p:tnLst>
-      <p:par>
-        <p:cTn id="1" dur="indefinite" restart="never" nodeType="tmRoot"/>
-      </p:par>
-    </p:tnLst>
-  </p:timing>
 </p:sld>
 </file>
 
@@ -4270,7 +3835,7 @@
         <p:spPr>
           <a:xfrm>
             <a:off x="404664" y="704528"/>
-            <a:ext cx="5976664" cy="8787021"/>
+            <a:ext cx="5976664" cy="9271769"/>
           </a:xfrm>
           <a:prstGeom prst="rect">
             <a:avLst/>
@@ -4284,7 +3849,7 @@
           <a:lstStyle/>
           <a:p>
             <a:r>
-              <a:rPr lang="en-US" altLang="zh-CN" sz="1050" dirty="0" err="1" smtClean="0">
+              <a:rPr lang="en-US" altLang="zh-CN" sz="1050" dirty="0" err="1">
                 <a:latin typeface="Times New Roman" pitchFamily="18" charset="0"/>
                 <a:cs typeface="Times New Roman" pitchFamily="18" charset="0"/>
               </a:rPr>
@@ -4295,7 +3860,7 @@
                 <a:latin typeface="Times New Roman" pitchFamily="18" charset="0"/>
                 <a:cs typeface="Times New Roman" pitchFamily="18" charset="0"/>
               </a:rPr>
-              <a:t>. 2011 – March 2012</a:t>
+              <a:t>. 2013 – Feb. 2015</a:t>
             </a:r>
           </a:p>
           <a:p>
@@ -4304,18 +3869,18 @@
                 <a:latin typeface="Times New Roman" pitchFamily="18" charset="0"/>
                 <a:cs typeface="Times New Roman" pitchFamily="18" charset="0"/>
               </a:rPr>
-              <a:t>Senior Engineer,</a:t>
-            </a:r>
-            <a:r>
-              <a:rPr lang="en-US" altLang="zh-CN" sz="1050" dirty="0">
-                <a:latin typeface="Times New Roman" pitchFamily="18" charset="0"/>
-                <a:cs typeface="Times New Roman" pitchFamily="18" charset="0"/>
-              </a:rPr>
-              <a:t> AMD Design and Research Center, Shanghai, China</a:t>
-            </a:r>
-          </a:p>
-          <a:p>
-            <a:pPr marL="182563" indent="-182563">
+              <a:t>Member of Technical Staff,</a:t>
+            </a:r>
+            <a:r>
+              <a:rPr lang="en-US" altLang="zh-CN" sz="1050" dirty="0">
+                <a:latin typeface="Times New Roman" pitchFamily="18" charset="0"/>
+                <a:cs typeface="Times New Roman" pitchFamily="18" charset="0"/>
+              </a:rPr>
+              <a:t> Graphics Technology Initiatives, Advanced Micro Devices(Shanghai)Co. Ltd</a:t>
+            </a:r>
+          </a:p>
+          <a:p>
+            <a:pPr marL="182563" lvl="1" indent="-182563">
               <a:buFont typeface="Wingdings" pitchFamily="2" charset="2"/>
               <a:buChar char="§"/>
               <a:tabLst>
@@ -4327,18 +3892,11 @@
                 <a:latin typeface="Times New Roman" pitchFamily="18" charset="0"/>
                 <a:cs typeface="Times New Roman" pitchFamily="18" charset="0"/>
               </a:rPr>
-              <a:t>OpenGL driver development (Windows and Linux</a:t>
-            </a:r>
-            <a:r>
-              <a:rPr lang="en-US" altLang="zh-CN" sz="1050" dirty="0" smtClean="0">
-                <a:latin typeface="Times New Roman" pitchFamily="18" charset="0"/>
-                <a:cs typeface="Times New Roman" pitchFamily="18" charset="0"/>
-              </a:rPr>
-              <a:t>)</a:t>
-            </a:r>
-          </a:p>
-          <a:p>
-            <a:pPr marL="182563" indent="-182563">
+              <a:t>Research general graphics rendering high performance computing and problems.</a:t>
+            </a:r>
+          </a:p>
+          <a:p>
+            <a:pPr marL="182563" lvl="1" indent="-182563">
               <a:buFont typeface="Wingdings" pitchFamily="2" charset="2"/>
               <a:buChar char="§"/>
               <a:tabLst>
@@ -4346,118 +3904,17 @@
               </a:tabLst>
             </a:pPr>
             <a:r>
-              <a:rPr lang="en-US" altLang="zh-CN" sz="1050" dirty="0" smtClean="0">
-                <a:latin typeface="Times New Roman" pitchFamily="18" charset="0"/>
-                <a:cs typeface="Times New Roman" pitchFamily="18" charset="0"/>
-              </a:rPr>
-              <a:t>First runner-up in AMD internal </a:t>
-            </a:r>
-            <a:r>
-              <a:rPr lang="en-US" altLang="zh-CN" sz="1050" dirty="0" err="1" smtClean="0">
-                <a:latin typeface="Times New Roman" pitchFamily="18" charset="0"/>
-                <a:cs typeface="Times New Roman" pitchFamily="18" charset="0"/>
-              </a:rPr>
-              <a:t>OpenCL</a:t>
-            </a:r>
-            <a:r>
-              <a:rPr lang="en-US" altLang="zh-CN" sz="1050" dirty="0" smtClean="0">
-                <a:latin typeface="Times New Roman" pitchFamily="18" charset="0"/>
-                <a:cs typeface="Times New Roman" pitchFamily="18" charset="0"/>
-              </a:rPr>
-              <a:t> contest.</a:t>
-            </a:r>
-          </a:p>
-          <a:p>
-            <a:pPr marL="182563" indent="-182563">
+              <a:rPr lang="en-US" altLang="zh-CN" sz="1050" dirty="0">
+                <a:latin typeface="Times New Roman" pitchFamily="18" charset="0"/>
+                <a:cs typeface="Times New Roman" pitchFamily="18" charset="0"/>
+              </a:rPr>
+              <a:t>Marketing technical support; back up marketing and sales team in business negotiation and marketing actions</a:t>
+            </a:r>
+          </a:p>
+          <a:p>
+            <a:pPr marL="182563" lvl="1" indent="-182563">
               <a:buFont typeface="Wingdings" pitchFamily="2" charset="2"/>
               <a:buChar char="§"/>
-              <a:tabLst>
-                <a:tab pos="182563" algn="l"/>
-              </a:tabLst>
-            </a:pPr>
-            <a:r>
-              <a:rPr lang="en-US" altLang="zh-CN" sz="1050" dirty="0" smtClean="0">
-                <a:latin typeface="Times New Roman" pitchFamily="18" charset="0"/>
-                <a:cs typeface="Times New Roman" pitchFamily="18" charset="0"/>
-              </a:rPr>
-              <a:t>OpenGL training session lecturer.</a:t>
-            </a:r>
-            <a:endParaRPr lang="en-US" altLang="zh-CN" sz="1050" dirty="0">
-              <a:latin typeface="Times New Roman" pitchFamily="18" charset="0"/>
-              <a:cs typeface="Times New Roman" pitchFamily="18" charset="0"/>
-            </a:endParaRPr>
-          </a:p>
-          <a:p>
-            <a:endParaRPr lang="en-US" altLang="zh-CN" sz="1050" dirty="0" smtClean="0">
-              <a:latin typeface="Times New Roman" pitchFamily="18" charset="0"/>
-              <a:cs typeface="Times New Roman" pitchFamily="18" charset="0"/>
-            </a:endParaRPr>
-          </a:p>
-          <a:p>
-            <a:r>
-              <a:rPr lang="en-US" altLang="zh-CN" sz="1050" dirty="0" smtClean="0">
-                <a:latin typeface="Times New Roman" pitchFamily="18" charset="0"/>
-                <a:cs typeface="Times New Roman" pitchFamily="18" charset="0"/>
-              </a:rPr>
-              <a:t>Sep</a:t>
-            </a:r>
-            <a:r>
-              <a:rPr lang="en-US" altLang="zh-CN" sz="1050" dirty="0">
-                <a:latin typeface="Times New Roman" pitchFamily="18" charset="0"/>
-                <a:cs typeface="Times New Roman" pitchFamily="18" charset="0"/>
-              </a:rPr>
-              <a:t>. 2010 – April 2011</a:t>
-            </a:r>
-          </a:p>
-          <a:p>
-            <a:r>
-              <a:rPr lang="en-US" altLang="zh-CN" sz="1050" b="1" dirty="0">
-                <a:latin typeface="Times New Roman" pitchFamily="18" charset="0"/>
-                <a:cs typeface="Times New Roman" pitchFamily="18" charset="0"/>
-              </a:rPr>
-              <a:t>Postdoc </a:t>
-            </a:r>
-            <a:r>
-              <a:rPr lang="en-US" altLang="zh-CN" sz="1050" dirty="0">
-                <a:latin typeface="Times New Roman" pitchFamily="18" charset="0"/>
-                <a:cs typeface="Times New Roman" pitchFamily="18" charset="0"/>
-              </a:rPr>
-              <a:t>(joint project), Department of Electrical &amp; Computer Engineering, NUS, Singapore</a:t>
-            </a:r>
-          </a:p>
-          <a:p>
-            <a:r>
-              <a:rPr lang="en-US" altLang="zh-CN" sz="1050" b="1" dirty="0">
-                <a:latin typeface="Times New Roman" pitchFamily="18" charset="0"/>
-                <a:cs typeface="Times New Roman" pitchFamily="18" charset="0"/>
-              </a:rPr>
-              <a:t>Visiting Scholar</a:t>
-            </a:r>
-            <a:r>
-              <a:rPr lang="en-US" altLang="zh-CN" sz="1050" dirty="0">
-                <a:latin typeface="Times New Roman" pitchFamily="18" charset="0"/>
-                <a:cs typeface="Times New Roman" pitchFamily="18" charset="0"/>
-              </a:rPr>
-              <a:t>, Internet Graphics Group, Microsoft Research Asia (MSRA), Beijing, China</a:t>
-            </a:r>
-          </a:p>
-          <a:p>
-            <a:pPr marL="179388" indent="-179388">
-              <a:buFont typeface="Wingdings" pitchFamily="2" charset="2"/>
-              <a:buChar char="§"/>
-            </a:pPr>
-            <a:r>
-              <a:rPr lang="en-US" altLang="zh-CN" sz="1050" dirty="0">
-                <a:latin typeface="Times New Roman" pitchFamily="18" charset="0"/>
-                <a:cs typeface="Times New Roman" pitchFamily="18" charset="0"/>
-              </a:rPr>
-              <a:t>A new approach for efficient Bidirectional texture function (BTF) acquisition (A joint project with MSRA). </a:t>
-            </a:r>
-          </a:p>
-          <a:p>
-            <a:pPr marL="358775" lvl="1" indent="-176213">
-              <a:buFont typeface="Times New Roman" pitchFamily="18" charset="0"/>
-              <a:buChar char="-"/>
               <a:tabLst>
                 <a:tab pos="182563" algn="l"/>
               </a:tabLst>
@@ -4469,41 +3926,271 @@
           </a:p>
           <a:p>
             <a:r>
-              <a:rPr lang="en-US" sz="1050" dirty="0" smtClean="0">
-                <a:latin typeface="Times New Roman" pitchFamily="18" charset="0"/>
-                <a:cs typeface="Times New Roman" pitchFamily="18" charset="0"/>
-              </a:rPr>
-              <a:t>May 2004 - Feb. 2005</a:t>
-            </a:r>
-          </a:p>
-          <a:p>
-            <a:r>
-              <a:rPr lang="en-US" sz="1050" b="1" dirty="0" smtClean="0">
-                <a:latin typeface="Times New Roman" pitchFamily="18" charset="0"/>
-                <a:cs typeface="Times New Roman" pitchFamily="18" charset="0"/>
-              </a:rPr>
-              <a:t>Software Engineer</a:t>
-            </a:r>
-            <a:r>
-              <a:rPr lang="en-US" sz="1050" dirty="0" smtClean="0">
-                <a:latin typeface="Times New Roman" pitchFamily="18" charset="0"/>
-                <a:cs typeface="Times New Roman" pitchFamily="18" charset="0"/>
-              </a:rPr>
-              <a:t>, R&amp;D Department, </a:t>
-            </a:r>
-            <a:r>
-              <a:rPr lang="en-US" sz="1050" dirty="0" err="1" smtClean="0">
-                <a:latin typeface="Times New Roman" pitchFamily="18" charset="0"/>
-                <a:cs typeface="Times New Roman" pitchFamily="18" charset="0"/>
-              </a:rPr>
-              <a:t>Onewave</a:t>
-            </a:r>
-            <a:r>
-              <a:rPr lang="en-US" sz="1050" dirty="0" smtClean="0">
-                <a:latin typeface="Times New Roman" pitchFamily="18" charset="0"/>
-                <a:cs typeface="Times New Roman" pitchFamily="18" charset="0"/>
-              </a:rPr>
-              <a:t> Technologies, Hangzhou, China</a:t>
+              <a:rPr lang="en-US" altLang="zh-CN" sz="1050" dirty="0" err="1">
+                <a:latin typeface="Times New Roman" pitchFamily="18" charset="0"/>
+                <a:cs typeface="Times New Roman" pitchFamily="18" charset="0"/>
+              </a:rPr>
+              <a:t>Apri</a:t>
+            </a:r>
+            <a:r>
+              <a:rPr lang="en-US" altLang="zh-CN" sz="1050" dirty="0">
+                <a:latin typeface="Times New Roman" pitchFamily="18" charset="0"/>
+                <a:cs typeface="Times New Roman" pitchFamily="18" charset="0"/>
+              </a:rPr>
+              <a:t>. 2012 – May 2013</a:t>
+            </a:r>
+          </a:p>
+          <a:p>
+            <a:r>
+              <a:rPr lang="en-US" altLang="zh-CN" sz="1050" b="1" dirty="0">
+                <a:latin typeface="Times New Roman" pitchFamily="18" charset="0"/>
+                <a:cs typeface="Times New Roman" pitchFamily="18" charset="0"/>
+              </a:rPr>
+              <a:t>Manager,</a:t>
+            </a:r>
+            <a:r>
+              <a:rPr lang="en-US" altLang="zh-CN" sz="1050" dirty="0">
+                <a:latin typeface="Times New Roman" pitchFamily="18" charset="0"/>
+                <a:cs typeface="Times New Roman" pitchFamily="18" charset="0"/>
+              </a:rPr>
+              <a:t> </a:t>
+            </a:r>
+            <a:r>
+              <a:rPr lang="en-US" altLang="zh-CN" sz="1050" dirty="0" err="1">
+                <a:latin typeface="Times New Roman" pitchFamily="18" charset="0"/>
+                <a:cs typeface="Times New Roman" pitchFamily="18" charset="0"/>
+              </a:rPr>
+              <a:t>Rightware</a:t>
+            </a:r>
+            <a:r>
+              <a:rPr lang="en-US" altLang="zh-CN" sz="1050" dirty="0">
+                <a:latin typeface="Times New Roman" pitchFamily="18" charset="0"/>
+                <a:cs typeface="Times New Roman" pitchFamily="18" charset="0"/>
+              </a:rPr>
+              <a:t> Oy, Shanghai, China</a:t>
+            </a:r>
+          </a:p>
+          <a:p>
+            <a:pPr marL="182563" lvl="1" indent="-182563">
+              <a:buFont typeface="Wingdings" pitchFamily="2" charset="2"/>
+              <a:buChar char="§"/>
+              <a:tabLst>
+                <a:tab pos="182563" algn="l"/>
+              </a:tabLst>
+            </a:pPr>
+            <a:r>
+              <a:rPr lang="en-US" altLang="zh-CN" sz="1050" dirty="0">
+                <a:latin typeface="Times New Roman" pitchFamily="18" charset="0"/>
+                <a:cs typeface="Times New Roman" pitchFamily="18" charset="0"/>
+              </a:rPr>
+              <a:t>Project management; oversee customer project work flow from requirement collection to final delivery and quality guarantee. </a:t>
+            </a:r>
+          </a:p>
+          <a:p>
+            <a:pPr marL="182563" lvl="1" indent="-182563">
+              <a:buFont typeface="Wingdings" pitchFamily="2" charset="2"/>
+              <a:buChar char="§"/>
+              <a:tabLst>
+                <a:tab pos="182563" algn="l"/>
+              </a:tabLst>
+            </a:pPr>
+            <a:r>
+              <a:rPr lang="en-US" altLang="zh-CN" sz="1050" dirty="0">
+                <a:latin typeface="Times New Roman" pitchFamily="18" charset="0"/>
+                <a:cs typeface="Times New Roman" pitchFamily="18" charset="0"/>
+              </a:rPr>
+              <a:t>Technical pre-sales for Kanzi products; worked closely with VP of sales in customer contact; built relationship with domestic major players, e.g., Lenovo, </a:t>
+            </a:r>
+            <a:r>
+              <a:rPr lang="en-US" altLang="zh-CN" sz="1050" dirty="0" err="1">
+                <a:latin typeface="Times New Roman" pitchFamily="18" charset="0"/>
+                <a:cs typeface="Times New Roman" pitchFamily="18" charset="0"/>
+              </a:rPr>
+              <a:t>Gionee</a:t>
+            </a:r>
+            <a:r>
+              <a:rPr lang="en-US" altLang="zh-CN" sz="1050" dirty="0">
+                <a:latin typeface="Times New Roman" pitchFamily="18" charset="0"/>
+                <a:cs typeface="Times New Roman" pitchFamily="18" charset="0"/>
+              </a:rPr>
+              <a:t>, </a:t>
+            </a:r>
+            <a:r>
+              <a:rPr lang="en-US" altLang="zh-CN" sz="1050" dirty="0" err="1">
+                <a:latin typeface="Times New Roman" pitchFamily="18" charset="0"/>
+                <a:cs typeface="Times New Roman" pitchFamily="18" charset="0"/>
+              </a:rPr>
+              <a:t>Desay</a:t>
+            </a:r>
+            <a:r>
+              <a:rPr lang="en-US" altLang="zh-CN" sz="1050" dirty="0">
+                <a:latin typeface="Times New Roman" pitchFamily="18" charset="0"/>
+                <a:cs typeface="Times New Roman" pitchFamily="18" charset="0"/>
+              </a:rPr>
+              <a:t> and etc.</a:t>
+            </a:r>
+          </a:p>
+          <a:p>
+            <a:pPr marL="182563" lvl="1" indent="-182563">
+              <a:buFont typeface="Wingdings" pitchFamily="2" charset="2"/>
+              <a:buChar char="§"/>
+              <a:tabLst>
+                <a:tab pos="182563" algn="l"/>
+              </a:tabLst>
+            </a:pPr>
+            <a:r>
+              <a:rPr lang="en-US" altLang="zh-CN" sz="1050" dirty="0">
+                <a:latin typeface="Times New Roman" pitchFamily="18" charset="0"/>
+                <a:cs typeface="Times New Roman" pitchFamily="18" charset="0"/>
+              </a:rPr>
+              <a:t> Lead engineer who is the architect and reviewer of all China projects.</a:t>
+            </a:r>
+          </a:p>
+          <a:p>
+            <a:endParaRPr lang="en-US" altLang="zh-CN" sz="1050" dirty="0">
+              <a:latin typeface="Times New Roman" pitchFamily="18" charset="0"/>
+              <a:cs typeface="Times New Roman" pitchFamily="18" charset="0"/>
+            </a:endParaRPr>
+          </a:p>
+          <a:p>
+            <a:r>
+              <a:rPr lang="en-US" altLang="zh-CN" sz="1050" dirty="0" err="1">
+                <a:latin typeface="Times New Roman" pitchFamily="18" charset="0"/>
+                <a:cs typeface="Times New Roman" pitchFamily="18" charset="0"/>
+              </a:rPr>
+              <a:t>Apri</a:t>
+            </a:r>
+            <a:r>
+              <a:rPr lang="en-US" altLang="zh-CN" sz="1050" dirty="0">
+                <a:latin typeface="Times New Roman" pitchFamily="18" charset="0"/>
+                <a:cs typeface="Times New Roman" pitchFamily="18" charset="0"/>
+              </a:rPr>
+              <a:t>. 2011 – March 2012</a:t>
+            </a:r>
+          </a:p>
+          <a:p>
+            <a:r>
+              <a:rPr lang="en-US" altLang="zh-CN" sz="1050" b="1" dirty="0">
+                <a:latin typeface="Times New Roman" pitchFamily="18" charset="0"/>
+                <a:cs typeface="Times New Roman" pitchFamily="18" charset="0"/>
+              </a:rPr>
+              <a:t>Senior Engineer,</a:t>
+            </a:r>
+            <a:r>
+              <a:rPr lang="en-US" altLang="zh-CN" sz="1050" dirty="0">
+                <a:latin typeface="Times New Roman" pitchFamily="18" charset="0"/>
+                <a:cs typeface="Times New Roman" pitchFamily="18" charset="0"/>
+              </a:rPr>
+              <a:t> AMD Design and Research Center, Shanghai, China</a:t>
+            </a:r>
+          </a:p>
+          <a:p>
+            <a:pPr marL="182563" indent="-182563">
+              <a:buFont typeface="Wingdings" pitchFamily="2" charset="2"/>
+              <a:buChar char="§"/>
+              <a:tabLst>
+                <a:tab pos="182563" algn="l"/>
+              </a:tabLst>
+            </a:pPr>
+            <a:r>
+              <a:rPr lang="en-US" altLang="zh-CN" sz="1050" dirty="0">
+                <a:latin typeface="Times New Roman" pitchFamily="18" charset="0"/>
+                <a:cs typeface="Times New Roman" pitchFamily="18" charset="0"/>
+              </a:rPr>
+              <a:t>OpenGL driver development (Windows and Linux)</a:t>
+            </a:r>
+          </a:p>
+          <a:p>
+            <a:pPr marL="182563" indent="-182563">
+              <a:buFont typeface="Wingdings" pitchFamily="2" charset="2"/>
+              <a:buChar char="§"/>
+              <a:tabLst>
+                <a:tab pos="182563" algn="l"/>
+              </a:tabLst>
+            </a:pPr>
+            <a:r>
+              <a:rPr lang="en-US" altLang="zh-CN" sz="1050" dirty="0">
+                <a:latin typeface="Times New Roman" pitchFamily="18" charset="0"/>
+                <a:cs typeface="Times New Roman" pitchFamily="18" charset="0"/>
+              </a:rPr>
+              <a:t>First runner-up in AMD internal </a:t>
+            </a:r>
+            <a:r>
+              <a:rPr lang="en-US" altLang="zh-CN" sz="1050" dirty="0" err="1">
+                <a:latin typeface="Times New Roman" pitchFamily="18" charset="0"/>
+                <a:cs typeface="Times New Roman" pitchFamily="18" charset="0"/>
+              </a:rPr>
+              <a:t>OpenCL</a:t>
+            </a:r>
+            <a:r>
+              <a:rPr lang="en-US" altLang="zh-CN" sz="1050" dirty="0">
+                <a:latin typeface="Times New Roman" pitchFamily="18" charset="0"/>
+                <a:cs typeface="Times New Roman" pitchFamily="18" charset="0"/>
+              </a:rPr>
+              <a:t> contest.</a:t>
+            </a:r>
+          </a:p>
+          <a:p>
+            <a:pPr marL="182563" indent="-182563">
+              <a:buFont typeface="Wingdings" pitchFamily="2" charset="2"/>
+              <a:buChar char="§"/>
+              <a:tabLst>
+                <a:tab pos="182563" algn="l"/>
+              </a:tabLst>
+            </a:pPr>
+            <a:r>
+              <a:rPr lang="en-US" altLang="zh-CN" sz="1050" dirty="0">
+                <a:latin typeface="Times New Roman" pitchFamily="18" charset="0"/>
+                <a:cs typeface="Times New Roman" pitchFamily="18" charset="0"/>
+              </a:rPr>
+              <a:t>OpenGL training session lecturer.</a:t>
+            </a:r>
+          </a:p>
+          <a:p>
+            <a:endParaRPr lang="en-US" altLang="zh-CN" sz="1050" dirty="0">
+              <a:latin typeface="Times New Roman" pitchFamily="18" charset="0"/>
+              <a:cs typeface="Times New Roman" pitchFamily="18" charset="0"/>
+            </a:endParaRPr>
+          </a:p>
+          <a:p>
+            <a:r>
+              <a:rPr lang="en-US" altLang="zh-CN" sz="1050" dirty="0">
+                <a:latin typeface="Times New Roman" pitchFamily="18" charset="0"/>
+                <a:cs typeface="Times New Roman" pitchFamily="18" charset="0"/>
+              </a:rPr>
+              <a:t>Sep. 2010 – April 2011</a:t>
+            </a:r>
+          </a:p>
+          <a:p>
+            <a:r>
+              <a:rPr lang="en-US" altLang="zh-CN" sz="1050" b="1" dirty="0">
+                <a:latin typeface="Times New Roman" pitchFamily="18" charset="0"/>
+                <a:cs typeface="Times New Roman" pitchFamily="18" charset="0"/>
+              </a:rPr>
+              <a:t>Postdoc </a:t>
+            </a:r>
+            <a:r>
+              <a:rPr lang="en-US" altLang="zh-CN" sz="1050" dirty="0">
+                <a:latin typeface="Times New Roman" pitchFamily="18" charset="0"/>
+                <a:cs typeface="Times New Roman" pitchFamily="18" charset="0"/>
+              </a:rPr>
+              <a:t>(joint project), Department of Electrical &amp; Computer Engineering, NUS, Singapore</a:t>
+            </a:r>
+          </a:p>
+          <a:p>
+            <a:r>
+              <a:rPr lang="en-US" altLang="zh-CN" sz="1050" b="1" dirty="0">
+                <a:latin typeface="Times New Roman" pitchFamily="18" charset="0"/>
+                <a:cs typeface="Times New Roman" pitchFamily="18" charset="0"/>
+              </a:rPr>
+              <a:t>Visiting Scholar</a:t>
+            </a:r>
+            <a:r>
+              <a:rPr lang="en-US" altLang="zh-CN" sz="1050" dirty="0">
+                <a:latin typeface="Times New Roman" pitchFamily="18" charset="0"/>
+                <a:cs typeface="Times New Roman" pitchFamily="18" charset="0"/>
+              </a:rPr>
+              <a:t>, Internet Graphics Group, Microsoft Research Asia (MSRA), Beijing, China</a:t>
             </a:r>
           </a:p>
           <a:p>
@@ -4512,164 +4199,15 @@
               <a:buChar char="§"/>
             </a:pPr>
             <a:r>
-              <a:rPr lang="en-US" sz="1050" dirty="0" smtClean="0">
-                <a:latin typeface="Times New Roman" pitchFamily="18" charset="0"/>
-                <a:cs typeface="Times New Roman" pitchFamily="18" charset="0"/>
-              </a:rPr>
-              <a:t>I was network application software engineer. I did user login module for VOD server (TV cable network of Hangzhou) and stream </a:t>
-            </a:r>
-            <a:r>
-              <a:rPr lang="en-US" sz="1050" dirty="0">
-                <a:latin typeface="Times New Roman" pitchFamily="18" charset="0"/>
-                <a:cs typeface="Times New Roman" pitchFamily="18" charset="0"/>
-              </a:rPr>
-              <a:t>content caching module for a VOD stream server. </a:t>
-            </a:r>
-            <a:r>
-              <a:rPr lang="en-US" sz="1050" dirty="0" smtClean="0">
-                <a:latin typeface="Times New Roman" pitchFamily="18" charset="0"/>
-                <a:cs typeface="Times New Roman" pitchFamily="18" charset="0"/>
-              </a:rPr>
-              <a:t>dual-</a:t>
-            </a:r>
-            <a:r>
-              <a:rPr lang="en-US" sz="1050" dirty="0" err="1" smtClean="0">
-                <a:latin typeface="Times New Roman" pitchFamily="18" charset="0"/>
-                <a:cs typeface="Times New Roman" pitchFamily="18" charset="0"/>
-              </a:rPr>
-              <a:t>config</a:t>
-            </a:r>
-            <a:r>
-              <a:rPr lang="en-US" sz="1050" dirty="0" smtClean="0">
-                <a:latin typeface="Times New Roman" pitchFamily="18" charset="0"/>
-                <a:cs typeface="Times New Roman" pitchFamily="18" charset="0"/>
-              </a:rPr>
-              <a:t> module of DNS server.</a:t>
-            </a:r>
-          </a:p>
-          <a:p>
-            <a:endParaRPr lang="en-US" altLang="zh-CN" sz="1050" dirty="0" smtClean="0">
-              <a:latin typeface="Times New Roman" pitchFamily="18" charset="0"/>
-              <a:cs typeface="Times New Roman" pitchFamily="18" charset="0"/>
-            </a:endParaRPr>
-          </a:p>
-          <a:p>
-            <a:r>
-              <a:rPr lang="en-US" altLang="zh-CN" sz="1050" dirty="0" smtClean="0">
-                <a:latin typeface="Times New Roman" pitchFamily="18" charset="0"/>
-                <a:cs typeface="Times New Roman" pitchFamily="18" charset="0"/>
-              </a:rPr>
-              <a:t>Dec</a:t>
-            </a:r>
-            <a:r>
-              <a:rPr lang="en-US" altLang="zh-CN" sz="1050" dirty="0">
-                <a:latin typeface="Times New Roman" pitchFamily="18" charset="0"/>
-                <a:cs typeface="Times New Roman" pitchFamily="18" charset="0"/>
-              </a:rPr>
-              <a:t>. 2003 - April 2004</a:t>
-            </a:r>
-          </a:p>
-          <a:p>
-            <a:r>
-              <a:rPr lang="en-US" altLang="zh-CN" sz="1050" b="1" dirty="0">
-                <a:latin typeface="Times New Roman" pitchFamily="18" charset="0"/>
-                <a:cs typeface="Times New Roman" pitchFamily="18" charset="0"/>
-              </a:rPr>
-              <a:t>Research Intern</a:t>
-            </a:r>
-            <a:r>
-              <a:rPr lang="en-US" altLang="zh-CN" sz="1050" dirty="0">
-                <a:latin typeface="Times New Roman" pitchFamily="18" charset="0"/>
-                <a:cs typeface="Times New Roman" pitchFamily="18" charset="0"/>
-              </a:rPr>
-              <a:t>, Bell Labs Research China (BLRC), Beijing, China</a:t>
-            </a:r>
-          </a:p>
-          <a:p>
-            <a:pPr marL="179388" indent="-179388">
-              <a:buFont typeface="Wingdings" pitchFamily="2" charset="2"/>
-              <a:buChar char="§"/>
-            </a:pPr>
-            <a:r>
-              <a:rPr lang="en-US" altLang="zh-CN" sz="1050" dirty="0" smtClean="0">
-                <a:latin typeface="Times New Roman" pitchFamily="18" charset="0"/>
-                <a:cs typeface="Times New Roman" pitchFamily="18" charset="0"/>
-              </a:rPr>
-              <a:t>Test engineer for VMS </a:t>
-            </a:r>
-            <a:r>
-              <a:rPr lang="en-US" altLang="zh-CN" sz="1050" dirty="0">
-                <a:latin typeface="Times New Roman" pitchFamily="18" charset="0"/>
-                <a:cs typeface="Times New Roman" pitchFamily="18" charset="0"/>
-              </a:rPr>
-              <a:t>(voice message system) black box </a:t>
-            </a:r>
-            <a:r>
-              <a:rPr lang="en-US" altLang="zh-CN" sz="1050" dirty="0" smtClean="0">
-                <a:latin typeface="Times New Roman" pitchFamily="18" charset="0"/>
-                <a:cs typeface="Times New Roman" pitchFamily="18" charset="0"/>
-              </a:rPr>
-              <a:t>testing.</a:t>
-            </a:r>
-            <a:endParaRPr lang="en-US" altLang="zh-CN" sz="1050" dirty="0">
-              <a:latin typeface="Times New Roman" pitchFamily="18" charset="0"/>
-              <a:cs typeface="Times New Roman" pitchFamily="18" charset="0"/>
-            </a:endParaRPr>
-          </a:p>
-          <a:p>
-            <a:pPr marL="179388" indent="-179388">
-              <a:buFont typeface="Wingdings" pitchFamily="2" charset="2"/>
-              <a:buChar char="§"/>
-            </a:pPr>
-            <a:r>
-              <a:rPr lang="en-US" altLang="zh-CN" sz="1050" dirty="0" smtClean="0">
-                <a:latin typeface="Times New Roman" pitchFamily="18" charset="0"/>
-                <a:cs typeface="Times New Roman" pitchFamily="18" charset="0"/>
-              </a:rPr>
-              <a:t>Programmer for </a:t>
-            </a:r>
-            <a:r>
-              <a:rPr lang="en-US" altLang="zh-CN" sz="1050" dirty="0" err="1" smtClean="0">
-                <a:latin typeface="Times New Roman" pitchFamily="18" charset="0"/>
-                <a:cs typeface="Times New Roman" pitchFamily="18" charset="0"/>
-              </a:rPr>
-              <a:t>uIM</a:t>
-            </a:r>
-            <a:r>
-              <a:rPr lang="en-US" altLang="zh-CN" sz="1050" dirty="0">
-                <a:latin typeface="Times New Roman" pitchFamily="18" charset="0"/>
-                <a:cs typeface="Times New Roman" pitchFamily="18" charset="0"/>
-              </a:rPr>
-              <a:t>, </a:t>
-            </a:r>
-            <a:r>
-              <a:rPr lang="en-US" altLang="zh-CN" sz="1050" dirty="0" smtClean="0">
-                <a:latin typeface="Times New Roman" pitchFamily="18" charset="0"/>
-                <a:cs typeface="Times New Roman" pitchFamily="18" charset="0"/>
-              </a:rPr>
-              <a:t>text </a:t>
-            </a:r>
-            <a:r>
-              <a:rPr lang="en-US" altLang="zh-CN" sz="1050" dirty="0">
-                <a:latin typeface="Times New Roman" pitchFamily="18" charset="0"/>
-                <a:cs typeface="Times New Roman" pitchFamily="18" charset="0"/>
-              </a:rPr>
-              <a:t>message gateway between GSM and </a:t>
-            </a:r>
-            <a:r>
-              <a:rPr lang="en-US" altLang="zh-CN" sz="1050" dirty="0" smtClean="0">
-                <a:latin typeface="Times New Roman" pitchFamily="18" charset="0"/>
-                <a:cs typeface="Times New Roman" pitchFamily="18" charset="0"/>
-              </a:rPr>
-              <a:t>internet running in Linux.</a:t>
-            </a:r>
-            <a:endParaRPr lang="en-US" altLang="zh-CN" sz="1050" dirty="0">
-              <a:latin typeface="Times New Roman" pitchFamily="18" charset="0"/>
-              <a:cs typeface="Times New Roman" pitchFamily="18" charset="0"/>
-            </a:endParaRPr>
-          </a:p>
-          <a:p>
-            <a:endParaRPr lang="en-US" sz="1050" dirty="0" smtClean="0">
+              <a:rPr lang="en-US" altLang="zh-CN" sz="1050" dirty="0">
+                <a:latin typeface="Times New Roman" pitchFamily="18" charset="0"/>
+                <a:cs typeface="Times New Roman" pitchFamily="18" charset="0"/>
+              </a:rPr>
+              <a:t>A new approach for efficient Bidirectional texture function (BTF) acquisition (A joint project with MSRA). </a:t>
+            </a:r>
+          </a:p>
+          <a:p>
+            <a:endParaRPr lang="en-US" sz="1050" dirty="0">
               <a:latin typeface="Times New Roman" pitchFamily="18" charset="0"/>
               <a:cs typeface="Times New Roman" pitchFamily="18" charset="0"/>
             </a:endParaRPr>
@@ -4734,183 +4272,14 @@
                 <a:latin typeface="Times New Roman" pitchFamily="18" charset="0"/>
                 <a:cs typeface="Times New Roman" pitchFamily="18" charset="0"/>
               </a:rPr>
-              <a:t>Grass rendering and simulation with </a:t>
-            </a:r>
-            <a:r>
-              <a:rPr lang="en-US" altLang="zh-CN" sz="1050" i="1" dirty="0" smtClean="0">
-                <a:latin typeface="Times New Roman" pitchFamily="18" charset="0"/>
-                <a:cs typeface="Times New Roman" pitchFamily="18" charset="0"/>
-              </a:rPr>
-              <a:t>LOD</a:t>
-            </a:r>
-            <a:r>
-              <a:rPr lang="en-US" altLang="zh-CN" sz="1050" dirty="0" smtClean="0">
-                <a:latin typeface="Times New Roman" pitchFamily="18" charset="0"/>
-                <a:cs typeface="Times New Roman" pitchFamily="18" charset="0"/>
-              </a:rPr>
-              <a:t>. </a:t>
-            </a:r>
-            <a:r>
-              <a:rPr lang="en-US" altLang="zh-CN" sz="1050" dirty="0">
-                <a:latin typeface="Times New Roman" pitchFamily="18" charset="0"/>
-                <a:cs typeface="Times New Roman" pitchFamily="18" charset="0"/>
-              </a:rPr>
-              <a:t>GPU Pro 6, A K Peters, 2015</a:t>
-            </a:r>
-          </a:p>
-          <a:p>
-            <a:endParaRPr lang="en-US" altLang="zh-CN" sz="1050" b="1" dirty="0" smtClean="0">
-              <a:latin typeface="Times New Roman" pitchFamily="18" charset="0"/>
-              <a:cs typeface="Times New Roman" pitchFamily="18" charset="0"/>
-            </a:endParaRPr>
-          </a:p>
-          <a:p>
-            <a:r>
-              <a:rPr lang="en-US" altLang="zh-CN" sz="1050" dirty="0" err="1">
-                <a:latin typeface="Times New Roman" pitchFamily="18" charset="0"/>
-                <a:cs typeface="Times New Roman" pitchFamily="18" charset="0"/>
-              </a:rPr>
-              <a:t>Zengzhi</a:t>
-            </a:r>
-            <a:r>
-              <a:rPr lang="en-US" altLang="zh-CN" sz="1050" dirty="0">
-                <a:latin typeface="Times New Roman" pitchFamily="18" charset="0"/>
-                <a:cs typeface="Times New Roman" pitchFamily="18" charset="0"/>
-              </a:rPr>
-              <a:t> Fan, </a:t>
-            </a:r>
-            <a:r>
-              <a:rPr lang="en-US" altLang="zh-CN" sz="1050" b="1" dirty="0" err="1">
-                <a:latin typeface="Times New Roman" pitchFamily="18" charset="0"/>
-                <a:cs typeface="Times New Roman" pitchFamily="18" charset="0"/>
-              </a:rPr>
-              <a:t>Hongwei</a:t>
-            </a:r>
-            <a:r>
-              <a:rPr lang="en-US" altLang="zh-CN" sz="1050" b="1" dirty="0">
-                <a:latin typeface="Times New Roman" pitchFamily="18" charset="0"/>
-                <a:cs typeface="Times New Roman" pitchFamily="18" charset="0"/>
-              </a:rPr>
-              <a:t> Li</a:t>
-            </a:r>
-            <a:r>
-              <a:rPr lang="en-US" altLang="zh-CN" sz="1050" dirty="0">
-                <a:latin typeface="Times New Roman" pitchFamily="18" charset="0"/>
-                <a:cs typeface="Times New Roman" pitchFamily="18" charset="0"/>
-              </a:rPr>
-              <a:t>, Karl </a:t>
-            </a:r>
-            <a:r>
-              <a:rPr lang="en-US" altLang="zh-CN" sz="1050" dirty="0" err="1">
-                <a:latin typeface="Times New Roman" pitchFamily="18" charset="0"/>
-                <a:cs typeface="Times New Roman" pitchFamily="18" charset="0"/>
-              </a:rPr>
-              <a:t>Hillesland</a:t>
-            </a:r>
-            <a:r>
-              <a:rPr lang="en-US" altLang="zh-CN" sz="1050" dirty="0">
-                <a:latin typeface="Times New Roman" pitchFamily="18" charset="0"/>
-                <a:cs typeface="Times New Roman" pitchFamily="18" charset="0"/>
-              </a:rPr>
-              <a:t> and Bin </a:t>
-            </a:r>
-            <a:r>
-              <a:rPr lang="en-US" altLang="zh-CN" sz="1050" dirty="0" err="1">
-                <a:latin typeface="Times New Roman" pitchFamily="18" charset="0"/>
-                <a:cs typeface="Times New Roman" pitchFamily="18" charset="0"/>
-              </a:rPr>
-              <a:t>Shen</a:t>
-            </a:r>
-            <a:r>
-              <a:rPr lang="en-US" altLang="zh-CN" sz="1050" dirty="0">
-                <a:latin typeface="Times New Roman" pitchFamily="18" charset="0"/>
-                <a:cs typeface="Times New Roman" pitchFamily="18" charset="0"/>
-              </a:rPr>
-              <a:t>, </a:t>
-            </a:r>
-            <a:r>
-              <a:rPr lang="en-US" altLang="zh-CN" sz="1050" i="1" dirty="0" err="1">
-                <a:latin typeface="Times New Roman" pitchFamily="18" charset="0"/>
-                <a:cs typeface="Times New Roman" pitchFamily="18" charset="0"/>
-              </a:rPr>
-              <a:t>Simualte</a:t>
-            </a:r>
-            <a:r>
-              <a:rPr lang="en-US" altLang="zh-CN" sz="1050" i="1" dirty="0">
-                <a:latin typeface="Times New Roman" pitchFamily="18" charset="0"/>
-                <a:cs typeface="Times New Roman" pitchFamily="18" charset="0"/>
-              </a:rPr>
-              <a:t> and Render Millions of Grass </a:t>
-            </a:r>
-            <a:r>
-              <a:rPr lang="en-US" altLang="zh-CN" sz="1050" i="1" dirty="0" smtClean="0">
-                <a:latin typeface="Times New Roman" pitchFamily="18" charset="0"/>
-                <a:cs typeface="Times New Roman" pitchFamily="18" charset="0"/>
-              </a:rPr>
-              <a:t>Blades, </a:t>
-            </a:r>
-            <a:endParaRPr lang="en-US" altLang="zh-CN" sz="1050" i="1" dirty="0">
-              <a:latin typeface="Times New Roman" pitchFamily="18" charset="0"/>
-              <a:cs typeface="Times New Roman" pitchFamily="18" charset="0"/>
-            </a:endParaRPr>
-          </a:p>
-          <a:p>
-            <a:r>
-              <a:rPr lang="en-US" altLang="zh-CN" sz="1050" dirty="0">
-                <a:latin typeface="Times New Roman" pitchFamily="18" charset="0"/>
-                <a:cs typeface="Times New Roman" pitchFamily="18" charset="0"/>
-              </a:rPr>
-              <a:t>ACM SIGGRAPH Interactive 3D Graphics and Games (I3D), 2015</a:t>
-            </a:r>
-          </a:p>
-          <a:p>
-            <a:endParaRPr lang="en-US" altLang="zh-CN" sz="1050" b="1" dirty="0" smtClean="0">
-              <a:latin typeface="Times New Roman" pitchFamily="18" charset="0"/>
-              <a:cs typeface="Times New Roman" pitchFamily="18" charset="0"/>
-            </a:endParaRPr>
-          </a:p>
-          <a:p>
-            <a:r>
-              <a:rPr lang="en-US" altLang="zh-CN" sz="1050" b="1" dirty="0" err="1" smtClean="0">
-                <a:latin typeface="Times New Roman" pitchFamily="18" charset="0"/>
-                <a:cs typeface="Times New Roman" pitchFamily="18" charset="0"/>
-              </a:rPr>
-              <a:t>Hongwei</a:t>
-            </a:r>
-            <a:r>
-              <a:rPr lang="en-US" altLang="zh-CN" sz="1050" b="1" dirty="0" smtClean="0">
-                <a:latin typeface="Times New Roman" pitchFamily="18" charset="0"/>
-                <a:cs typeface="Times New Roman" pitchFamily="18" charset="0"/>
-              </a:rPr>
-              <a:t> </a:t>
-            </a:r>
-            <a:r>
-              <a:rPr lang="en-US" altLang="zh-CN" sz="1050" b="1" dirty="0">
-                <a:latin typeface="Times New Roman" pitchFamily="18" charset="0"/>
-                <a:cs typeface="Times New Roman" pitchFamily="18" charset="0"/>
-              </a:rPr>
-              <a:t>Li</a:t>
-            </a:r>
-            <a:r>
-              <a:rPr lang="en-US" altLang="zh-CN" sz="1050" dirty="0">
-                <a:latin typeface="Times New Roman" pitchFamily="18" charset="0"/>
-                <a:cs typeface="Times New Roman" pitchFamily="18" charset="0"/>
-              </a:rPr>
-              <a:t>, Li-Yi Wei, Pedro V. Sander and Chi-Wing Fu. A</a:t>
-            </a:r>
-            <a:r>
-              <a:rPr lang="en-US" altLang="zh-CN" sz="1050" i="1" dirty="0">
-                <a:latin typeface="Times New Roman" pitchFamily="18" charset="0"/>
-                <a:cs typeface="Times New Roman" pitchFamily="18" charset="0"/>
-              </a:rPr>
-              <a:t>nisotropic blue noise sampling</a:t>
-            </a:r>
-            <a:r>
-              <a:rPr lang="en-US" altLang="zh-CN" sz="1050" dirty="0">
-                <a:latin typeface="Times New Roman" pitchFamily="18" charset="0"/>
-                <a:cs typeface="Times New Roman" pitchFamily="18" charset="0"/>
-              </a:rPr>
-              <a:t>. To appear at ACM Transactions on Graphics (TOG), (ACM SIGGRAPH Asia 2010), Dec 2010</a:t>
+              <a:t>Grass rendering and simulation with LOD</a:t>
+            </a:r>
+            <a:r>
+              <a:rPr lang="en-US" altLang="zh-CN" sz="1050" dirty="0">
+                <a:latin typeface="Times New Roman" pitchFamily="18" charset="0"/>
+                <a:cs typeface="Times New Roman" pitchFamily="18" charset="0"/>
+              </a:rPr>
+              <a:t>. GPU Pro 6, A K Peters, 2015</a:t>
             </a:r>
           </a:p>
           <a:p>
@@ -4921,6 +4290,143 @@
           </a:p>
           <a:p>
             <a:r>
+              <a:rPr lang="en-US" altLang="zh-CN" sz="1050" dirty="0" err="1">
+                <a:latin typeface="Times New Roman" pitchFamily="18" charset="0"/>
+                <a:cs typeface="Times New Roman" pitchFamily="18" charset="0"/>
+              </a:rPr>
+              <a:t>Zengzhi</a:t>
+            </a:r>
+            <a:r>
+              <a:rPr lang="en-US" altLang="zh-CN" sz="1050" dirty="0">
+                <a:latin typeface="Times New Roman" pitchFamily="18" charset="0"/>
+                <a:cs typeface="Times New Roman" pitchFamily="18" charset="0"/>
+              </a:rPr>
+              <a:t> Fan, </a:t>
+            </a:r>
+            <a:r>
+              <a:rPr lang="en-US" altLang="zh-CN" sz="1050" b="1" dirty="0" err="1">
+                <a:latin typeface="Times New Roman" pitchFamily="18" charset="0"/>
+                <a:cs typeface="Times New Roman" pitchFamily="18" charset="0"/>
+              </a:rPr>
+              <a:t>Hongwei</a:t>
+            </a:r>
+            <a:r>
+              <a:rPr lang="en-US" altLang="zh-CN" sz="1050" b="1" dirty="0">
+                <a:latin typeface="Times New Roman" pitchFamily="18" charset="0"/>
+                <a:cs typeface="Times New Roman" pitchFamily="18" charset="0"/>
+              </a:rPr>
+              <a:t> Li</a:t>
+            </a:r>
+            <a:r>
+              <a:rPr lang="en-US" altLang="zh-CN" sz="1050" dirty="0">
+                <a:latin typeface="Times New Roman" pitchFamily="18" charset="0"/>
+                <a:cs typeface="Times New Roman" pitchFamily="18" charset="0"/>
+              </a:rPr>
+              <a:t>, Karl </a:t>
+            </a:r>
+            <a:r>
+              <a:rPr lang="en-US" altLang="zh-CN" sz="1050" dirty="0" err="1">
+                <a:latin typeface="Times New Roman" pitchFamily="18" charset="0"/>
+                <a:cs typeface="Times New Roman" pitchFamily="18" charset="0"/>
+              </a:rPr>
+              <a:t>Hillesland</a:t>
+            </a:r>
+            <a:r>
+              <a:rPr lang="en-US" altLang="zh-CN" sz="1050" dirty="0">
+                <a:latin typeface="Times New Roman" pitchFamily="18" charset="0"/>
+                <a:cs typeface="Times New Roman" pitchFamily="18" charset="0"/>
+              </a:rPr>
+              <a:t> and Bin </a:t>
+            </a:r>
+            <a:r>
+              <a:rPr lang="en-US" altLang="zh-CN" sz="1050" dirty="0" err="1">
+                <a:latin typeface="Times New Roman" pitchFamily="18" charset="0"/>
+                <a:cs typeface="Times New Roman" pitchFamily="18" charset="0"/>
+              </a:rPr>
+              <a:t>Shen</a:t>
+            </a:r>
+            <a:r>
+              <a:rPr lang="en-US" altLang="zh-CN" sz="1050" dirty="0">
+                <a:latin typeface="Times New Roman" pitchFamily="18" charset="0"/>
+                <a:cs typeface="Times New Roman" pitchFamily="18" charset="0"/>
+              </a:rPr>
+              <a:t>, </a:t>
+            </a:r>
+            <a:r>
+              <a:rPr lang="en-US" altLang="zh-CN" sz="1050" i="1" dirty="0" err="1">
+                <a:latin typeface="Times New Roman" pitchFamily="18" charset="0"/>
+                <a:cs typeface="Times New Roman" pitchFamily="18" charset="0"/>
+              </a:rPr>
+              <a:t>Simualte</a:t>
+            </a:r>
+            <a:r>
+              <a:rPr lang="en-US" altLang="zh-CN" sz="1050" i="1" dirty="0">
+                <a:latin typeface="Times New Roman" pitchFamily="18" charset="0"/>
+                <a:cs typeface="Times New Roman" pitchFamily="18" charset="0"/>
+              </a:rPr>
+              <a:t> and Render Millions of Grass Blades, </a:t>
+            </a:r>
+          </a:p>
+          <a:p>
+            <a:r>
+              <a:rPr lang="en-US" altLang="zh-CN" sz="1050" dirty="0">
+                <a:latin typeface="Times New Roman" pitchFamily="18" charset="0"/>
+                <a:cs typeface="Times New Roman" pitchFamily="18" charset="0"/>
+              </a:rPr>
+              <a:t>ACM SIGGRAPH Interactive 3D Graphics and Games (I3D), 2015</a:t>
+            </a:r>
+          </a:p>
+          <a:p>
+            <a:endParaRPr lang="en-US" altLang="zh-CN" sz="1050" b="1" dirty="0">
+              <a:latin typeface="Times New Roman" pitchFamily="18" charset="0"/>
+              <a:cs typeface="Times New Roman" pitchFamily="18" charset="0"/>
+            </a:endParaRPr>
+          </a:p>
+          <a:p>
+            <a:r>
+              <a:rPr lang="en-US" altLang="zh-CN" sz="1050" b="1" dirty="0" err="1">
+                <a:latin typeface="Times New Roman" pitchFamily="18" charset="0"/>
+                <a:cs typeface="Times New Roman" pitchFamily="18" charset="0"/>
+              </a:rPr>
+              <a:t>Hongwei</a:t>
+            </a:r>
+            <a:r>
+              <a:rPr lang="en-US" altLang="zh-CN" sz="1050" b="1" dirty="0">
+                <a:latin typeface="Times New Roman" pitchFamily="18" charset="0"/>
+                <a:cs typeface="Times New Roman" pitchFamily="18" charset="0"/>
+              </a:rPr>
+              <a:t> Li</a:t>
+            </a:r>
+            <a:r>
+              <a:rPr lang="en-US" altLang="zh-CN" sz="1050" dirty="0">
+                <a:latin typeface="Times New Roman" pitchFamily="18" charset="0"/>
+                <a:cs typeface="Times New Roman" pitchFamily="18" charset="0"/>
+              </a:rPr>
+              <a:t>, Li-Yi Wei, Pedro V. Sander and Chi-Wing Fu. A</a:t>
+            </a:r>
+            <a:r>
+              <a:rPr lang="en-US" altLang="zh-CN" sz="1050" i="1" dirty="0">
+                <a:latin typeface="Times New Roman" pitchFamily="18" charset="0"/>
+                <a:cs typeface="Times New Roman" pitchFamily="18" charset="0"/>
+              </a:rPr>
+              <a:t>nisotropic blue noise sampling</a:t>
+            </a:r>
+            <a:r>
+              <a:rPr lang="en-US" altLang="zh-CN" sz="1050" dirty="0">
+                <a:latin typeface="Times New Roman" pitchFamily="18" charset="0"/>
+                <a:cs typeface="Times New Roman" pitchFamily="18" charset="0"/>
+              </a:rPr>
+              <a:t>. To appear at ACM Transactions on Graphics (TOG), (ACM SIGGRAPH Asia 2010), Dec 2010</a:t>
+            </a:r>
+          </a:p>
+          <a:p>
+            <a:endParaRPr lang="en-US" altLang="zh-CN" sz="1050" b="1" dirty="0">
+              <a:latin typeface="Times New Roman" pitchFamily="18" charset="0"/>
+              <a:cs typeface="Times New Roman" pitchFamily="18" charset="0"/>
+            </a:endParaRPr>
+          </a:p>
+          <a:p>
+            <a:r>
               <a:rPr lang="en-US" altLang="zh-CN" sz="1050" b="1" dirty="0" err="1">
                 <a:latin typeface="Times New Roman" pitchFamily="18" charset="0"/>
                 <a:cs typeface="Times New Roman" pitchFamily="18" charset="0"/>
@@ -5305,7 +4811,7 @@
               <a:buFont typeface="Times New Roman" pitchFamily="18" charset="0"/>
               <a:buChar char="-"/>
             </a:pPr>
-            <a:endParaRPr lang="en-US" altLang="zh-CN" sz="1050" dirty="0" smtClean="0">
+            <a:endParaRPr lang="en-US" altLang="zh-CN" sz="1050" dirty="0">
               <a:latin typeface="Times New Roman" pitchFamily="18" charset="0"/>
               <a:cs typeface="Times New Roman" pitchFamily="18" charset="0"/>
             </a:endParaRPr>
@@ -5339,19 +4845,8 @@
                 <a:latin typeface="Times New Roman" pitchFamily="18" charset="0"/>
                 <a:cs typeface="Times New Roman" pitchFamily="18" charset="0"/>
               </a:rPr>
-              <a:t>2</a:t>
-            </a:r>
-            <a:r>
-              <a:rPr lang="en-US" sz="1000" dirty="0" smtClean="0">
-                <a:latin typeface="Times New Roman" pitchFamily="18" charset="0"/>
-                <a:cs typeface="Times New Roman" pitchFamily="18" charset="0"/>
-              </a:rPr>
-              <a:t> of 3</a:t>
-            </a:r>
-            <a:endParaRPr lang="en-US" sz="1000" dirty="0">
-              <a:latin typeface="Times New Roman" pitchFamily="18" charset="0"/>
-              <a:cs typeface="Times New Roman" pitchFamily="18" charset="0"/>
-            </a:endParaRPr>
+              <a:t>2 of 3</a:t>
+            </a:r>
           </a:p>
         </p:txBody>
       </p:sp>
@@ -5394,7 +4889,7 @@
         <p:spPr>
           <a:xfrm>
             <a:off x="404664" y="704528"/>
-            <a:ext cx="5976664" cy="7448193"/>
+            <a:ext cx="5976664" cy="5132174"/>
           </a:xfrm>
           <a:prstGeom prst="rect">
             <a:avLst/>
@@ -5407,56 +4902,56 @@
           </a:bodyPr>
           <a:lstStyle/>
           <a:p>
-            <a:endParaRPr lang="en-US" sz="1000" dirty="0" smtClean="0">
+            <a:endParaRPr lang="en-US" sz="1000" dirty="0">
               <a:latin typeface="Times New Roman" pitchFamily="18" charset="0"/>
               <a:cs typeface="Times New Roman" pitchFamily="18" charset="0"/>
             </a:endParaRPr>
           </a:p>
           <a:p>
             <a:r>
-              <a:rPr lang="en-US" sz="1050" b="1" dirty="0" err="1" smtClean="0">
+              <a:rPr lang="en-US" sz="1050" b="1" dirty="0" err="1">
                 <a:latin typeface="Times New Roman" pitchFamily="18" charset="0"/>
                 <a:cs typeface="Times New Roman" pitchFamily="18" charset="0"/>
               </a:rPr>
               <a:t>Hongwei</a:t>
             </a:r>
             <a:r>
-              <a:rPr lang="en-US" sz="1050" b="1" dirty="0" smtClean="0">
+              <a:rPr lang="en-US" sz="1050" b="1" dirty="0">
                 <a:latin typeface="Times New Roman" pitchFamily="18" charset="0"/>
                 <a:cs typeface="Times New Roman" pitchFamily="18" charset="0"/>
               </a:rPr>
               <a:t> Li</a:t>
             </a:r>
             <a:r>
-              <a:rPr lang="en-US" sz="1050" dirty="0" smtClean="0">
+              <a:rPr lang="en-US" sz="1050" dirty="0">
                 <a:latin typeface="Times New Roman" pitchFamily="18" charset="0"/>
                 <a:cs typeface="Times New Roman" pitchFamily="18" charset="0"/>
               </a:rPr>
               <a:t>, Chi-Wing Fu, </a:t>
             </a:r>
             <a:r>
-              <a:rPr lang="en-US" sz="1050" dirty="0" err="1" smtClean="0">
+              <a:rPr lang="en-US" sz="1050" dirty="0" err="1">
                 <a:latin typeface="Times New Roman" pitchFamily="18" charset="0"/>
                 <a:cs typeface="Times New Roman" pitchFamily="18" charset="0"/>
               </a:rPr>
               <a:t>Yinggang</a:t>
             </a:r>
             <a:r>
-              <a:rPr lang="en-US" sz="1050" dirty="0" smtClean="0">
+              <a:rPr lang="en-US" sz="1050" dirty="0">
                 <a:latin typeface="Times New Roman" pitchFamily="18" charset="0"/>
                 <a:cs typeface="Times New Roman" pitchFamily="18" charset="0"/>
               </a:rPr>
               <a:t> Li, and Andrew J. Hanson. </a:t>
             </a:r>
             <a:r>
-              <a:rPr lang="en-US" sz="1050" i="1" dirty="0" smtClean="0">
+              <a:rPr lang="en-US" sz="1050" i="1" dirty="0">
                 <a:latin typeface="Times New Roman" pitchFamily="18" charset="0"/>
                 <a:cs typeface="Times New Roman" pitchFamily="18" charset="0"/>
               </a:rPr>
               <a:t>Visualizing Large-Scale Uncertainty in Astrophysical Data</a:t>
             </a:r>
             <a:r>
-              <a:rPr lang="en-US" sz="1050" dirty="0" smtClean="0">
+              <a:rPr lang="en-US" sz="1050" dirty="0">
                 <a:latin typeface="Times New Roman" pitchFamily="18" charset="0"/>
                 <a:cs typeface="Times New Roman" pitchFamily="18" charset="0"/>
               </a:rPr>
@@ -5464,32 +4959,25 @@
             </a:r>
           </a:p>
           <a:p>
-            <a:endParaRPr lang="en-US" altLang="zh-CN" sz="1000" dirty="0" smtClean="0">
+            <a:endParaRPr lang="en-US" altLang="zh-CN" sz="1000" dirty="0">
               <a:latin typeface="Times New Roman" pitchFamily="18" charset="0"/>
               <a:cs typeface="Times New Roman" pitchFamily="18" charset="0"/>
             </a:endParaRPr>
           </a:p>
           <a:p>
             <a:r>
-              <a:rPr lang="en-US" altLang="zh-CN" sz="1050" dirty="0" err="1" smtClean="0">
+              <a:rPr lang="en-US" altLang="zh-CN" sz="1050" dirty="0" err="1">
                 <a:latin typeface="Times New Roman" pitchFamily="18" charset="0"/>
                 <a:cs typeface="Times New Roman" pitchFamily="18" charset="0"/>
               </a:rPr>
               <a:t>Kui</a:t>
             </a:r>
             <a:r>
-              <a:rPr lang="en-US" altLang="zh-CN" sz="1050" dirty="0" smtClean="0">
-                <a:latin typeface="Times New Roman" pitchFamily="18" charset="0"/>
-                <a:cs typeface="Times New Roman" pitchFamily="18" charset="0"/>
-              </a:rPr>
-              <a:t>-Yip </a:t>
-            </a:r>
-            <a:r>
-              <a:rPr lang="en-US" altLang="zh-CN" sz="1050" dirty="0">
-                <a:latin typeface="Times New Roman" pitchFamily="18" charset="0"/>
-                <a:cs typeface="Times New Roman" pitchFamily="18" charset="0"/>
-              </a:rPr>
-              <a:t>Lo, </a:t>
+              <a:rPr lang="en-US" altLang="zh-CN" sz="1050" dirty="0">
+                <a:latin typeface="Times New Roman" pitchFamily="18" charset="0"/>
+                <a:cs typeface="Times New Roman" pitchFamily="18" charset="0"/>
+              </a:rPr>
+              <a:t>-Yip Lo, </a:t>
             </a:r>
             <a:r>
               <a:rPr lang="en-US" altLang="zh-CN" sz="1050" b="1" dirty="0" err="1">
@@ -5556,13 +5044,14 @@
             </a:r>
           </a:p>
           <a:p>
-            <a:endParaRPr lang="en-US" altLang="zh-CN" sz="1400" dirty="0" smtClean="0">
+            <a:endParaRPr lang="en-US" altLang="zh-CN" sz="1050" dirty="0">
+              <a:latin typeface="Times New Roman" pitchFamily="18" charset="0"/>
               <a:cs typeface="Times New Roman" pitchFamily="18" charset="0"/>
             </a:endParaRPr>
           </a:p>
           <a:p>
             <a:r>
-              <a:rPr lang="en-US" altLang="zh-CN" sz="1400" dirty="0" smtClean="0">
+              <a:rPr lang="en-US" altLang="zh-CN" sz="1400" dirty="0">
                 <a:latin typeface="Arial Black" pitchFamily="34" charset="0"/>
                 <a:cs typeface="Times New Roman" pitchFamily="18" charset="0"/>
               </a:rPr>
@@ -5571,7 +5060,7 @@
           </a:p>
           <a:p>
             <a:r>
-              <a:rPr lang="en-US" altLang="zh-CN" sz="1050" dirty="0" smtClean="0">
+              <a:rPr lang="en-US" altLang="zh-CN" sz="1050" dirty="0">
                 <a:latin typeface="Times New Roman" pitchFamily="18" charset="0"/>
                 <a:cs typeface="Times New Roman" pitchFamily="18" charset="0"/>
               </a:rPr>
@@ -5580,11 +5069,50 @@
           </a:p>
           <a:p>
             <a:r>
-              <a:rPr lang="en-US" altLang="zh-CN" sz="1050" b="1" dirty="0" smtClean="0">
+              <a:rPr lang="en-US" altLang="zh-CN" sz="1050" b="1" dirty="0">
                 <a:latin typeface="Times New Roman" pitchFamily="18" charset="0"/>
                 <a:cs typeface="Times New Roman" pitchFamily="18" charset="0"/>
               </a:rPr>
               <a:t>Reviewer</a:t>
+            </a:r>
+          </a:p>
+          <a:p>
+            <a:pPr marL="179388" indent="-179388">
+              <a:buFont typeface="Wingdings" pitchFamily="2" charset="2"/>
+              <a:buChar char="§"/>
+            </a:pPr>
+            <a:r>
+              <a:rPr lang="en-US" altLang="zh-CN" sz="1050" dirty="0">
+                <a:latin typeface="Times New Roman" pitchFamily="18" charset="0"/>
+                <a:cs typeface="Times New Roman" pitchFamily="18" charset="0"/>
+              </a:rPr>
+              <a:t>GMOD 2013.</a:t>
+            </a:r>
+          </a:p>
+          <a:p>
+            <a:pPr marL="179388" indent="-179388">
+              <a:buFont typeface="Wingdings" pitchFamily="2" charset="2"/>
+              <a:buChar char="§"/>
+            </a:pPr>
+            <a:r>
+              <a:rPr lang="en-US" altLang="zh-CN" sz="1050" dirty="0">
+                <a:latin typeface="Times New Roman" pitchFamily="18" charset="0"/>
+                <a:cs typeface="Times New Roman" pitchFamily="18" charset="0"/>
+              </a:rPr>
+              <a:t>IEEE Pacific Graphics 2012.</a:t>
+            </a:r>
+          </a:p>
+          <a:p>
+            <a:pPr marL="179388" indent="-179388">
+              <a:buFont typeface="Wingdings" pitchFamily="2" charset="2"/>
+              <a:buChar char="§"/>
+            </a:pPr>
+            <a:r>
+              <a:rPr lang="en-US" altLang="zh-CN" sz="1050" dirty="0">
+                <a:latin typeface="Times New Roman" pitchFamily="18" charset="0"/>
+                <a:cs typeface="Times New Roman" pitchFamily="18" charset="0"/>
+              </a:rPr>
+              <a:t>ACM SIGGRAPH 2012.</a:t>
             </a:r>
             <a:endParaRPr lang="en-US" altLang="zh-CN" sz="1050" b="1" dirty="0">
               <a:latin typeface="Times New Roman" pitchFamily="18" charset="0"/>
@@ -5597,16 +5125,12 @@
               <a:buChar char="§"/>
             </a:pPr>
             <a:r>
-              <a:rPr lang="en-US" altLang="zh-CN" sz="1050" dirty="0" smtClean="0">
-                <a:latin typeface="Times New Roman" pitchFamily="18" charset="0"/>
-                <a:cs typeface="Times New Roman" pitchFamily="18" charset="0"/>
-              </a:rPr>
-              <a:t>GMOD 2013.</a:t>
-            </a:r>
-            <a:endParaRPr lang="en-US" altLang="zh-CN" sz="1050" dirty="0">
-              <a:latin typeface="Times New Roman" pitchFamily="18" charset="0"/>
-              <a:cs typeface="Times New Roman" pitchFamily="18" charset="0"/>
-            </a:endParaRPr>
+              <a:rPr lang="en-US" altLang="zh-CN" sz="1050" dirty="0">
+                <a:latin typeface="Times New Roman" pitchFamily="18" charset="0"/>
+                <a:cs typeface="Times New Roman" pitchFamily="18" charset="0"/>
+              </a:rPr>
+              <a:t>IEEE Visualization 2009.</a:t>
+            </a:r>
           </a:p>
           <a:p>
             <a:pPr marL="179388" indent="-179388">
@@ -5614,18 +5138,25 @@
               <a:buChar char="§"/>
             </a:pPr>
             <a:r>
-              <a:rPr lang="en-US" altLang="zh-CN" sz="1050" dirty="0" smtClean="0">
-                <a:latin typeface="Times New Roman" pitchFamily="18" charset="0"/>
-                <a:cs typeface="Times New Roman" pitchFamily="18" charset="0"/>
-              </a:rPr>
-              <a:t>IEEE </a:t>
-            </a:r>
-            <a:r>
-              <a:rPr lang="en-US" altLang="zh-CN" sz="1050" dirty="0">
-                <a:latin typeface="Times New Roman" pitchFamily="18" charset="0"/>
-                <a:cs typeface="Times New Roman" pitchFamily="18" charset="0"/>
-              </a:rPr>
-              <a:t>Pacific Graphics 2012.</a:t>
+              <a:rPr lang="en-US" altLang="zh-CN" sz="1050" dirty="0">
+                <a:latin typeface="Times New Roman" pitchFamily="18" charset="0"/>
+                <a:cs typeface="Times New Roman" pitchFamily="18" charset="0"/>
+              </a:rPr>
+              <a:t>ACM SIGGRAPH 2011.</a:t>
+            </a:r>
+          </a:p>
+          <a:p>
+            <a:endParaRPr lang="en-US" altLang="zh-CN" sz="1400" dirty="0">
+              <a:cs typeface="Times New Roman" pitchFamily="18" charset="0"/>
+            </a:endParaRPr>
+          </a:p>
+          <a:p>
+            <a:r>
+              <a:rPr lang="en-US" altLang="zh-CN" sz="1400" dirty="0">
+                <a:latin typeface="Arial Black" pitchFamily="34" charset="0"/>
+                <a:cs typeface="Times New Roman" pitchFamily="18" charset="0"/>
+              </a:rPr>
+              <a:t>Awards</a:t>
             </a:r>
           </a:p>
           <a:p>
@@ -5634,30 +5165,12 @@
               <a:buChar char="§"/>
             </a:pPr>
             <a:r>
-              <a:rPr lang="en-US" altLang="zh-CN" sz="1050" dirty="0" smtClean="0">
-                <a:latin typeface="Times New Roman" pitchFamily="18" charset="0"/>
-                <a:cs typeface="Times New Roman" pitchFamily="18" charset="0"/>
-              </a:rPr>
-              <a:t>ACM </a:t>
-            </a:r>
-            <a:r>
-              <a:rPr lang="en-US" altLang="zh-CN" sz="1050" dirty="0">
-                <a:latin typeface="Times New Roman" pitchFamily="18" charset="0"/>
-                <a:cs typeface="Times New Roman" pitchFamily="18" charset="0"/>
-              </a:rPr>
-              <a:t>SIGGRAPH </a:t>
-            </a:r>
-            <a:r>
-              <a:rPr lang="en-US" altLang="zh-CN" sz="1050" dirty="0" smtClean="0">
-                <a:latin typeface="Times New Roman" pitchFamily="18" charset="0"/>
-                <a:cs typeface="Times New Roman" pitchFamily="18" charset="0"/>
-              </a:rPr>
-              <a:t>2012.</a:t>
-            </a:r>
-            <a:endParaRPr lang="en-US" altLang="zh-CN" sz="1050" b="1" dirty="0" smtClean="0">
-              <a:latin typeface="Times New Roman" pitchFamily="18" charset="0"/>
-              <a:cs typeface="Times New Roman" pitchFamily="18" charset="0"/>
-            </a:endParaRPr>
+              <a:rPr lang="en-US" altLang="zh-CN" sz="1050" dirty="0">
+                <a:latin typeface="Times New Roman" pitchFamily="18" charset="0"/>
+                <a:cs typeface="Times New Roman" pitchFamily="18" charset="0"/>
+              </a:rPr>
+              <a:t>Zhejiang University, Second-class Scholarship, Oct 2003</a:t>
+            </a:r>
           </a:p>
           <a:p>
             <a:pPr marL="179388" indent="-179388">
@@ -5669,7 +5182,7 @@
                 <a:latin typeface="Times New Roman" pitchFamily="18" charset="0"/>
                 <a:cs typeface="Times New Roman" pitchFamily="18" charset="0"/>
               </a:rPr>
-              <a:t>IEEE Visualization 2009.</a:t>
+              <a:t>Zhejiang University, "Three Goods" Student, Oct 2003</a:t>
             </a:r>
           </a:p>
           <a:p>
@@ -5682,14 +5195,65 @@
                 <a:latin typeface="Times New Roman" pitchFamily="18" charset="0"/>
                 <a:cs typeface="Times New Roman" pitchFamily="18" charset="0"/>
               </a:rPr>
-              <a:t>ACM SIGGRAPH 2011</a:t>
-            </a:r>
-            <a:r>
-              <a:rPr lang="en-US" altLang="zh-CN" sz="1050" dirty="0" smtClean="0">
-                <a:latin typeface="Times New Roman" pitchFamily="18" charset="0"/>
-                <a:cs typeface="Times New Roman" pitchFamily="18" charset="0"/>
-              </a:rPr>
-              <a:t>.</a:t>
+              <a:t>Zhejiang University, Third-class Scholarship, Dec 2002</a:t>
+            </a:r>
+          </a:p>
+          <a:p>
+            <a:pPr marL="179388" indent="-179388">
+              <a:buFont typeface="Wingdings" pitchFamily="2" charset="2"/>
+              <a:buChar char="§"/>
+            </a:pPr>
+            <a:r>
+              <a:rPr lang="en-US" altLang="zh-CN" sz="1050" dirty="0">
+                <a:latin typeface="Times New Roman" pitchFamily="18" charset="0"/>
+                <a:cs typeface="Times New Roman" pitchFamily="18" charset="0"/>
+              </a:rPr>
+              <a:t>Zhejiang University, Scholarship for Freshman, Dec 2000</a:t>
+            </a:r>
+          </a:p>
+          <a:p>
+            <a:endParaRPr lang="en-US" altLang="zh-CN" sz="1200" dirty="0">
+              <a:latin typeface="Arial Black" pitchFamily="34" charset="0"/>
+              <a:cs typeface="Times New Roman" pitchFamily="18" charset="0"/>
+            </a:endParaRPr>
+          </a:p>
+          <a:p>
+            <a:r>
+              <a:rPr lang="en-US" altLang="zh-CN" sz="1200" dirty="0">
+                <a:latin typeface="Arial Black" pitchFamily="34" charset="0"/>
+                <a:cs typeface="Times New Roman" pitchFamily="18" charset="0"/>
+              </a:rPr>
+              <a:t>Portfolio (Project demo)</a:t>
+            </a:r>
+            <a:r>
+              <a:rPr lang="en-US" altLang="zh-CN" sz="1200" dirty="0">
+                <a:cs typeface="Times New Roman" pitchFamily="18" charset="0"/>
+              </a:rPr>
+              <a:t>	</a:t>
+            </a:r>
+          </a:p>
+          <a:p>
+            <a:r>
+              <a:rPr lang="en-US" altLang="zh-CN" sz="1000" dirty="0">
+                <a:latin typeface="Times New Roman" pitchFamily="18" charset="0"/>
+                <a:cs typeface="Times New Roman" pitchFamily="18" charset="0"/>
+              </a:rPr>
+              <a:t>Watch online </a:t>
+            </a:r>
+            <a:r>
+              <a:rPr lang="en-US" altLang="zh-CN" sz="1000" dirty="0">
+                <a:latin typeface="Times New Roman" pitchFamily="18" charset="0"/>
+                <a:cs typeface="Times New Roman" pitchFamily="18" charset="0"/>
+                <a:hlinkClick r:id="rId2"/>
+              </a:rPr>
+              <a:t>http://v.youku.com/v_show/id_XMjQwNzg0NDUy.html</a:t>
+            </a:r>
+            <a:r>
+              <a:rPr lang="en-US" altLang="zh-CN" sz="1000" dirty="0">
+                <a:latin typeface="Times New Roman" pitchFamily="18" charset="0"/>
+                <a:cs typeface="Times New Roman" pitchFamily="18" charset="0"/>
+              </a:rPr>
+              <a:t> (old)</a:t>
             </a:r>
           </a:p>
           <a:p>
@@ -5703,345 +5267,25 @@
             </a:endParaRPr>
           </a:p>
           <a:p>
-            <a:r>
-              <a:rPr lang="en-US" altLang="zh-CN" sz="1050" dirty="0">
-                <a:latin typeface="Times New Roman" pitchFamily="18" charset="0"/>
-                <a:cs typeface="Times New Roman" pitchFamily="18" charset="0"/>
-              </a:rPr>
-              <a:t>2003-2004</a:t>
-            </a:r>
-          </a:p>
-          <a:p>
-            <a:r>
-              <a:rPr lang="en-US" altLang="zh-CN" sz="1050" b="1" dirty="0">
-                <a:latin typeface="Times New Roman" pitchFamily="18" charset="0"/>
-                <a:cs typeface="Times New Roman" pitchFamily="18" charset="0"/>
-              </a:rPr>
-              <a:t>Administrator</a:t>
-            </a:r>
-            <a:r>
-              <a:rPr lang="en-US" altLang="zh-CN" sz="1050" dirty="0">
-                <a:latin typeface="Times New Roman" pitchFamily="18" charset="0"/>
-                <a:cs typeface="Times New Roman" pitchFamily="18" charset="0"/>
-              </a:rPr>
-              <a:t>, 88 Bulletin Board System, Zhejiang University, </a:t>
-            </a:r>
-          </a:p>
-          <a:p>
-            <a:pPr marL="179388" indent="-179388">
-              <a:buFont typeface="Wingdings" pitchFamily="2" charset="2"/>
-              <a:buChar char="§"/>
-            </a:pPr>
-            <a:r>
-              <a:rPr lang="en-US" altLang="zh-CN" sz="1050" dirty="0">
-                <a:latin typeface="Times New Roman" pitchFamily="18" charset="0"/>
-                <a:cs typeface="Times New Roman" pitchFamily="18" charset="0"/>
-              </a:rPr>
-              <a:t>Administrated the Linux development section.</a:t>
-            </a:r>
-          </a:p>
-          <a:p>
-            <a:pPr marL="179388" indent="-179388">
-              <a:buFont typeface="Wingdings" pitchFamily="2" charset="2"/>
-              <a:buChar char="§"/>
-            </a:pPr>
-            <a:r>
-              <a:rPr lang="en-US" altLang="zh-CN" sz="1050" dirty="0">
-                <a:latin typeface="Times New Roman" pitchFamily="18" charset="0"/>
-                <a:cs typeface="Times New Roman" pitchFamily="18" charset="0"/>
-              </a:rPr>
-              <a:t>Organized the member meeting, invited guest to talk and gave talks myself.</a:t>
-            </a:r>
-          </a:p>
-          <a:p>
             <a:endParaRPr lang="en-US" altLang="zh-CN" sz="1050" dirty="0">
               <a:latin typeface="Times New Roman" pitchFamily="18" charset="0"/>
               <a:cs typeface="Times New Roman" pitchFamily="18" charset="0"/>
             </a:endParaRPr>
           </a:p>
           <a:p>
-            <a:r>
-              <a:rPr lang="en-US" altLang="zh-CN" sz="1050" dirty="0">
-                <a:latin typeface="Times New Roman" pitchFamily="18" charset="0"/>
-                <a:cs typeface="Times New Roman" pitchFamily="18" charset="0"/>
-              </a:rPr>
-              <a:t>2002-2003</a:t>
-            </a:r>
-          </a:p>
-          <a:p>
-            <a:r>
-              <a:rPr lang="en-US" altLang="zh-CN" sz="1050" b="1" dirty="0">
-                <a:latin typeface="Times New Roman" pitchFamily="18" charset="0"/>
-                <a:cs typeface="Times New Roman" pitchFamily="18" charset="0"/>
-              </a:rPr>
-              <a:t>Director assistant of network department</a:t>
-            </a:r>
-            <a:r>
-              <a:rPr lang="en-US" altLang="zh-CN" sz="1050" dirty="0">
-                <a:latin typeface="Times New Roman" pitchFamily="18" charset="0"/>
-                <a:cs typeface="Times New Roman" pitchFamily="18" charset="0"/>
-              </a:rPr>
-              <a:t>, university student union, Zhejiang University, </a:t>
-            </a:r>
-          </a:p>
-          <a:p>
-            <a:pPr marL="179388" indent="-179388">
-              <a:buFont typeface="Wingdings" pitchFamily="2" charset="2"/>
-              <a:buChar char="§"/>
-            </a:pPr>
-            <a:r>
-              <a:rPr lang="en-US" altLang="zh-CN" sz="1050" dirty="0">
-                <a:latin typeface="Times New Roman" pitchFamily="18" charset="0"/>
-                <a:cs typeface="Times New Roman" pitchFamily="18" charset="0"/>
-              </a:rPr>
-              <a:t>Created student union website; daily </a:t>
-            </a:r>
-            <a:r>
-              <a:rPr lang="en-US" altLang="zh-CN" sz="1050" dirty="0" err="1">
-                <a:latin typeface="Times New Roman" pitchFamily="18" charset="0"/>
-                <a:cs typeface="Times New Roman" pitchFamily="18" charset="0"/>
-              </a:rPr>
-              <a:t>maintainnence</a:t>
-            </a:r>
-            <a:r>
-              <a:rPr lang="en-US" altLang="zh-CN" sz="1050" dirty="0">
-                <a:latin typeface="Times New Roman" pitchFamily="18" charset="0"/>
-                <a:cs typeface="Times New Roman" pitchFamily="18" charset="0"/>
-              </a:rPr>
-              <a:t> of website server.</a:t>
-            </a:r>
-          </a:p>
-          <a:p>
             <a:endParaRPr lang="en-US" altLang="zh-CN" sz="1050" dirty="0">
               <a:latin typeface="Times New Roman" pitchFamily="18" charset="0"/>
               <a:cs typeface="Times New Roman" pitchFamily="18" charset="0"/>
             </a:endParaRPr>
           </a:p>
           <a:p>
-            <a:r>
-              <a:rPr lang="en-US" altLang="zh-CN" sz="1050" dirty="0">
-                <a:latin typeface="Times New Roman" pitchFamily="18" charset="0"/>
-                <a:cs typeface="Times New Roman" pitchFamily="18" charset="0"/>
-              </a:rPr>
-              <a:t>2001-2002</a:t>
-            </a:r>
-          </a:p>
-          <a:p>
-            <a:r>
-              <a:rPr lang="en-US" altLang="zh-CN" sz="1050" b="1" dirty="0">
-                <a:latin typeface="Times New Roman" pitchFamily="18" charset="0"/>
-                <a:cs typeface="Times New Roman" pitchFamily="18" charset="0"/>
-              </a:rPr>
-              <a:t>Vice president of network department</a:t>
-            </a:r>
-            <a:r>
-              <a:rPr lang="en-US" altLang="zh-CN" sz="1050" dirty="0">
-                <a:latin typeface="Times New Roman" pitchFamily="18" charset="0"/>
-                <a:cs typeface="Times New Roman" pitchFamily="18" charset="0"/>
-              </a:rPr>
-              <a:t>, Chu </a:t>
-            </a:r>
-            <a:r>
-              <a:rPr lang="en-US" altLang="zh-CN" sz="1050" dirty="0" err="1">
-                <a:latin typeface="Times New Roman" pitchFamily="18" charset="0"/>
-                <a:cs typeface="Times New Roman" pitchFamily="18" charset="0"/>
-              </a:rPr>
-              <a:t>Kechen</a:t>
-            </a:r>
-            <a:r>
-              <a:rPr lang="en-US" altLang="zh-CN" sz="1050" dirty="0">
-                <a:latin typeface="Times New Roman" pitchFamily="18" charset="0"/>
-                <a:cs typeface="Times New Roman" pitchFamily="18" charset="0"/>
-              </a:rPr>
-              <a:t> college student union, Zhejiang  University</a:t>
-            </a:r>
-          </a:p>
-          <a:p>
-            <a:pPr marL="179388" indent="-179388">
-              <a:buFont typeface="Wingdings" pitchFamily="2" charset="2"/>
-              <a:buChar char="§"/>
-            </a:pPr>
-            <a:r>
-              <a:rPr lang="en-US" altLang="zh-CN" sz="1050" dirty="0">
-                <a:latin typeface="Times New Roman" pitchFamily="18" charset="0"/>
-                <a:cs typeface="Times New Roman" pitchFamily="18" charset="0"/>
-              </a:rPr>
-              <a:t>Consultant for the network problem of students.</a:t>
-            </a:r>
-          </a:p>
-          <a:p>
-            <a:pPr marL="179388" indent="-179388">
-              <a:buFont typeface="Wingdings" pitchFamily="2" charset="2"/>
-              <a:buChar char="§"/>
-            </a:pPr>
-            <a:r>
-              <a:rPr lang="en-US" altLang="zh-CN" sz="1050" dirty="0">
-                <a:latin typeface="Times New Roman" pitchFamily="18" charset="0"/>
-                <a:cs typeface="Times New Roman" pitchFamily="18" charset="0"/>
-              </a:rPr>
-              <a:t>Created school student union website.</a:t>
-            </a:r>
-          </a:p>
-          <a:p>
-            <a:endParaRPr lang="en-US" altLang="zh-CN" sz="1400" dirty="0">
-              <a:cs typeface="Times New Roman" pitchFamily="18" charset="0"/>
-            </a:endParaRPr>
-          </a:p>
-          <a:p>
-            <a:r>
-              <a:rPr lang="en-US" altLang="zh-CN" sz="1400" dirty="0">
-                <a:latin typeface="Arial Black" pitchFamily="34" charset="0"/>
-                <a:cs typeface="Times New Roman" pitchFamily="18" charset="0"/>
-              </a:rPr>
-              <a:t>Awards</a:t>
-            </a:r>
-          </a:p>
-          <a:p>
-            <a:pPr marL="179388" indent="-179388">
-              <a:buFont typeface="Wingdings" pitchFamily="2" charset="2"/>
-              <a:buChar char="§"/>
-            </a:pPr>
-            <a:r>
-              <a:rPr lang="en-US" altLang="zh-CN" sz="1050" dirty="0">
-                <a:latin typeface="Times New Roman" pitchFamily="18" charset="0"/>
-                <a:cs typeface="Times New Roman" pitchFamily="18" charset="0"/>
-              </a:rPr>
-              <a:t>Zhejiang University, Second-class Scholarship, Oct 2003</a:t>
-            </a:r>
-          </a:p>
-          <a:p>
-            <a:pPr marL="179388" indent="-179388">
-              <a:buFont typeface="Wingdings" pitchFamily="2" charset="2"/>
-              <a:buChar char="§"/>
-            </a:pPr>
-            <a:r>
-              <a:rPr lang="en-US" altLang="zh-CN" sz="1050" dirty="0">
-                <a:latin typeface="Times New Roman" pitchFamily="18" charset="0"/>
-                <a:cs typeface="Times New Roman" pitchFamily="18" charset="0"/>
-              </a:rPr>
-              <a:t>Zhejiang University, "Three Goods" Student, Oct 2003</a:t>
-            </a:r>
-          </a:p>
-          <a:p>
-            <a:pPr marL="179388" indent="-179388">
-              <a:buFont typeface="Wingdings" pitchFamily="2" charset="2"/>
-              <a:buChar char="§"/>
-            </a:pPr>
-            <a:r>
-              <a:rPr lang="en-US" altLang="zh-CN" sz="1050" dirty="0">
-                <a:latin typeface="Times New Roman" pitchFamily="18" charset="0"/>
-                <a:cs typeface="Times New Roman" pitchFamily="18" charset="0"/>
-              </a:rPr>
-              <a:t>Zhejiang University, Third-class Scholarship, Dec 2002</a:t>
-            </a:r>
-          </a:p>
-          <a:p>
-            <a:pPr marL="179388" indent="-179388">
-              <a:buFont typeface="Wingdings" pitchFamily="2" charset="2"/>
-              <a:buChar char="§"/>
-            </a:pPr>
-            <a:r>
-              <a:rPr lang="en-US" altLang="zh-CN" sz="1050" dirty="0">
-                <a:latin typeface="Times New Roman" pitchFamily="18" charset="0"/>
-                <a:cs typeface="Times New Roman" pitchFamily="18" charset="0"/>
-              </a:rPr>
-              <a:t>Zhejiang University, Scholarship for Freshman, Dec 2000</a:t>
-            </a:r>
-          </a:p>
-          <a:p>
-            <a:endParaRPr lang="en-US" altLang="zh-CN" sz="1200" dirty="0">
-              <a:latin typeface="Arial Black" pitchFamily="34" charset="0"/>
-              <a:cs typeface="Times New Roman" pitchFamily="18" charset="0"/>
-            </a:endParaRPr>
-          </a:p>
-          <a:p>
-            <a:r>
-              <a:rPr lang="en-US" altLang="zh-CN" sz="1200" dirty="0">
-                <a:latin typeface="Arial Black" pitchFamily="34" charset="0"/>
-                <a:cs typeface="Times New Roman" pitchFamily="18" charset="0"/>
-              </a:rPr>
-              <a:t>Portfolio (Project demo)</a:t>
-            </a:r>
-            <a:r>
-              <a:rPr lang="en-US" altLang="zh-CN" sz="1200" dirty="0">
-                <a:cs typeface="Times New Roman" pitchFamily="18" charset="0"/>
-              </a:rPr>
-              <a:t>	</a:t>
-            </a:r>
-          </a:p>
-          <a:p>
-            <a:r>
-              <a:rPr lang="en-US" altLang="zh-CN" sz="1000" dirty="0" smtClean="0">
-                <a:latin typeface="Times New Roman" pitchFamily="18" charset="0"/>
-                <a:cs typeface="Times New Roman" pitchFamily="18" charset="0"/>
-              </a:rPr>
-              <a:t>Watch </a:t>
-            </a:r>
-            <a:r>
-              <a:rPr lang="en-US" altLang="zh-CN" sz="1000" dirty="0">
-                <a:latin typeface="Times New Roman" pitchFamily="18" charset="0"/>
-                <a:cs typeface="Times New Roman" pitchFamily="18" charset="0"/>
-              </a:rPr>
-              <a:t>online </a:t>
-            </a:r>
-            <a:r>
-              <a:rPr lang="en-US" altLang="zh-CN" sz="1000" dirty="0">
-                <a:latin typeface="Times New Roman" pitchFamily="18" charset="0"/>
-                <a:cs typeface="Times New Roman" pitchFamily="18" charset="0"/>
-                <a:hlinkClick r:id="rId2"/>
-              </a:rPr>
-              <a:t>http://</a:t>
-            </a:r>
-            <a:r>
-              <a:rPr lang="en-US" altLang="zh-CN" sz="1000" dirty="0" smtClean="0">
-                <a:latin typeface="Times New Roman" pitchFamily="18" charset="0"/>
-                <a:cs typeface="Times New Roman" pitchFamily="18" charset="0"/>
-                <a:hlinkClick r:id="rId2"/>
-              </a:rPr>
-              <a:t>v.youku.com/v_show/id_XMjQwNzg0NDUy.html</a:t>
-            </a:r>
-            <a:r>
-              <a:rPr lang="en-US" altLang="zh-CN" sz="1000" dirty="0" smtClean="0">
-                <a:latin typeface="Times New Roman" pitchFamily="18" charset="0"/>
-                <a:cs typeface="Times New Roman" pitchFamily="18" charset="0"/>
-              </a:rPr>
-              <a:t> (old)</a:t>
-            </a:r>
-            <a:endParaRPr lang="en-US" altLang="zh-CN" sz="1000" dirty="0">
-              <a:latin typeface="Times New Roman" pitchFamily="18" charset="0"/>
-              <a:cs typeface="Times New Roman" pitchFamily="18" charset="0"/>
-            </a:endParaRPr>
-          </a:p>
-          <a:p>
-            <a:pPr marL="179388" indent="-179388">
-              <a:buFont typeface="Wingdings" pitchFamily="2" charset="2"/>
-              <a:buChar char="§"/>
-            </a:pPr>
-            <a:endParaRPr lang="en-US" altLang="zh-CN" sz="1050" dirty="0">
-              <a:latin typeface="Times New Roman" pitchFamily="18" charset="0"/>
-              <a:cs typeface="Times New Roman" pitchFamily="18" charset="0"/>
-            </a:endParaRPr>
-          </a:p>
-          <a:p>
-            <a:endParaRPr lang="en-US" altLang="zh-CN" sz="1050" dirty="0">
-              <a:latin typeface="Times New Roman" pitchFamily="18" charset="0"/>
-              <a:cs typeface="Times New Roman" pitchFamily="18" charset="0"/>
-            </a:endParaRPr>
-          </a:p>
-          <a:p>
-            <a:endParaRPr lang="en-US" altLang="zh-CN" sz="1050" dirty="0">
-              <a:latin typeface="Times New Roman" pitchFamily="18" charset="0"/>
-              <a:cs typeface="Times New Roman" pitchFamily="18" charset="0"/>
-            </a:endParaRPr>
-          </a:p>
-          <a:p>
             <a:endParaRPr lang="en-US" altLang="zh-CN" sz="1100" dirty="0">
               <a:latin typeface="Arial Black" pitchFamily="34" charset="0"/>
               <a:cs typeface="Times New Roman" pitchFamily="18" charset="0"/>
             </a:endParaRPr>
           </a:p>
           <a:p>
-            <a:endParaRPr lang="en-US" sz="1050" dirty="0" smtClean="0">
+            <a:endParaRPr lang="en-US" sz="1050" dirty="0">
               <a:latin typeface="Times New Roman" pitchFamily="18" charset="0"/>
               <a:cs typeface="Times New Roman" pitchFamily="18" charset="0"/>
             </a:endParaRPr>
@@ -6075,19 +5319,8 @@
                 <a:latin typeface="Times New Roman" pitchFamily="18" charset="0"/>
                 <a:cs typeface="Times New Roman" pitchFamily="18" charset="0"/>
               </a:rPr>
-              <a:t>3</a:t>
-            </a:r>
-            <a:r>
-              <a:rPr lang="en-US" sz="1000" dirty="0" smtClean="0">
-                <a:latin typeface="Times New Roman" pitchFamily="18" charset="0"/>
-                <a:cs typeface="Times New Roman" pitchFamily="18" charset="0"/>
-              </a:rPr>
-              <a:t> of 3</a:t>
-            </a:r>
-            <a:endParaRPr lang="en-US" sz="1000" dirty="0">
-              <a:latin typeface="Times New Roman" pitchFamily="18" charset="0"/>
-              <a:cs typeface="Times New Roman" pitchFamily="18" charset="0"/>
-            </a:endParaRPr>
+              <a:t>3 of 3</a:t>
+            </a:r>
           </a:p>
         </p:txBody>
       </p:sp>

--- a/lihw_cv.pptx
+++ b/lihw_cv.pptx
@@ -305,7 +305,7 @@
             <a:fld id="{C1C8F194-2A20-4EAA-98C2-EB73D9B98286}" type="datetimeFigureOut">
               <a:rPr lang="en-US" smtClean="0"/>
               <a:pPr/>
-              <a:t>5/14/2023</a:t>
+              <a:t>4/19/2024</a:t>
             </a:fld>
             <a:endParaRPr lang="en-US"/>
           </a:p>
@@ -470,7 +470,7 @@
             <a:fld id="{C1C8F194-2A20-4EAA-98C2-EB73D9B98286}" type="datetimeFigureOut">
               <a:rPr lang="en-US" smtClean="0"/>
               <a:pPr/>
-              <a:t>5/14/2023</a:t>
+              <a:t>4/19/2024</a:t>
             </a:fld>
             <a:endParaRPr lang="en-US"/>
           </a:p>
@@ -645,7 +645,7 @@
             <a:fld id="{C1C8F194-2A20-4EAA-98C2-EB73D9B98286}" type="datetimeFigureOut">
               <a:rPr lang="en-US" smtClean="0"/>
               <a:pPr/>
-              <a:t>5/14/2023</a:t>
+              <a:t>4/19/2024</a:t>
             </a:fld>
             <a:endParaRPr lang="en-US"/>
           </a:p>
@@ -810,7 +810,7 @@
             <a:fld id="{C1C8F194-2A20-4EAA-98C2-EB73D9B98286}" type="datetimeFigureOut">
               <a:rPr lang="en-US" smtClean="0"/>
               <a:pPr/>
-              <a:t>5/14/2023</a:t>
+              <a:t>4/19/2024</a:t>
             </a:fld>
             <a:endParaRPr lang="en-US"/>
           </a:p>
@@ -1052,7 +1052,7 @@
             <a:fld id="{C1C8F194-2A20-4EAA-98C2-EB73D9B98286}" type="datetimeFigureOut">
               <a:rPr lang="en-US" smtClean="0"/>
               <a:pPr/>
-              <a:t>5/14/2023</a:t>
+              <a:t>4/19/2024</a:t>
             </a:fld>
             <a:endParaRPr lang="en-US"/>
           </a:p>
@@ -1334,7 +1334,7 @@
             <a:fld id="{C1C8F194-2A20-4EAA-98C2-EB73D9B98286}" type="datetimeFigureOut">
               <a:rPr lang="en-US" smtClean="0"/>
               <a:pPr/>
-              <a:t>5/14/2023</a:t>
+              <a:t>4/19/2024</a:t>
             </a:fld>
             <a:endParaRPr lang="en-US"/>
           </a:p>
@@ -1755,7 +1755,7 @@
             <a:fld id="{C1C8F194-2A20-4EAA-98C2-EB73D9B98286}" type="datetimeFigureOut">
               <a:rPr lang="en-US" smtClean="0"/>
               <a:pPr/>
-              <a:t>5/14/2023</a:t>
+              <a:t>4/19/2024</a:t>
             </a:fld>
             <a:endParaRPr lang="en-US"/>
           </a:p>
@@ -1869,7 +1869,7 @@
             <a:fld id="{C1C8F194-2A20-4EAA-98C2-EB73D9B98286}" type="datetimeFigureOut">
               <a:rPr lang="en-US" smtClean="0"/>
               <a:pPr/>
-              <a:t>5/14/2023</a:t>
+              <a:t>4/19/2024</a:t>
             </a:fld>
             <a:endParaRPr lang="en-US"/>
           </a:p>
@@ -1961,7 +1961,7 @@
             <a:fld id="{C1C8F194-2A20-4EAA-98C2-EB73D9B98286}" type="datetimeFigureOut">
               <a:rPr lang="en-US" smtClean="0"/>
               <a:pPr/>
-              <a:t>5/14/2023</a:t>
+              <a:t>4/19/2024</a:t>
             </a:fld>
             <a:endParaRPr lang="en-US"/>
           </a:p>
@@ -2233,7 +2233,7 @@
             <a:fld id="{C1C8F194-2A20-4EAA-98C2-EB73D9B98286}" type="datetimeFigureOut">
               <a:rPr lang="en-US" smtClean="0"/>
               <a:pPr/>
-              <a:t>5/14/2023</a:t>
+              <a:t>4/19/2024</a:t>
             </a:fld>
             <a:endParaRPr lang="en-US"/>
           </a:p>
@@ -2482,7 +2482,7 @@
             <a:fld id="{C1C8F194-2A20-4EAA-98C2-EB73D9B98286}" type="datetimeFigureOut">
               <a:rPr lang="en-US" smtClean="0"/>
               <a:pPr/>
-              <a:t>5/14/2023</a:t>
+              <a:t>4/19/2024</a:t>
             </a:fld>
             <a:endParaRPr lang="en-US"/>
           </a:p>
@@ -2690,7 +2690,7 @@
             <a:fld id="{C1C8F194-2A20-4EAA-98C2-EB73D9B98286}" type="datetimeFigureOut">
               <a:rPr lang="en-US" smtClean="0"/>
               <a:pPr/>
-              <a:t>5/14/2023</a:t>
+              <a:t>4/19/2024</a:t>
             </a:fld>
             <a:endParaRPr lang="en-US"/>
           </a:p>
@@ -3109,7 +3109,7 @@
         <p:spPr>
           <a:xfrm>
             <a:off x="404664" y="704528"/>
-            <a:ext cx="5976664" cy="9594934"/>
+            <a:ext cx="5976664" cy="9648795"/>
           </a:xfrm>
           <a:prstGeom prst="rect">
             <a:avLst/>
@@ -3138,48 +3138,6 @@
               </a:rPr>
               <a:t>Email: blifelee81@msn.com</a:t>
             </a:r>
-          </a:p>
-          <a:p>
-            <a:endParaRPr lang="en-US" sz="1400" dirty="0"/>
-          </a:p>
-          <a:p>
-            <a:r>
-              <a:rPr lang="en-US" altLang="zh-CN" sz="1400" dirty="0">
-                <a:latin typeface="Arial Black" pitchFamily="34" charset="0"/>
-                <a:cs typeface="Times New Roman" pitchFamily="18" charset="0"/>
-              </a:rPr>
-              <a:t>Skills</a:t>
-            </a:r>
-          </a:p>
-          <a:p>
-            <a:pPr marL="179388" lvl="0" indent="-179388">
-              <a:buFont typeface="Wingdings" pitchFamily="2" charset="2"/>
-              <a:buChar char="§"/>
-            </a:pPr>
-            <a:r>
-              <a:rPr lang="en-US" altLang="zh-CN" sz="1050" dirty="0">
-                <a:latin typeface="Times New Roman" pitchFamily="18" charset="0"/>
-                <a:cs typeface="Times New Roman" pitchFamily="18" charset="0"/>
-              </a:rPr>
-              <a:t>Technical cracker. I like solving problems. </a:t>
-            </a:r>
-          </a:p>
-          <a:p>
-            <a:pPr marL="179388" lvl="0" indent="-179388">
-              <a:buFont typeface="Wingdings" pitchFamily="2" charset="2"/>
-              <a:buChar char="§"/>
-            </a:pPr>
-            <a:r>
-              <a:rPr lang="en-US" altLang="zh-CN" sz="1050" dirty="0">
-                <a:latin typeface="Times New Roman" pitchFamily="18" charset="0"/>
-                <a:cs typeface="Times New Roman" pitchFamily="18" charset="0"/>
-              </a:rPr>
-              <a:t>Good written and spoken English</a:t>
-            </a:r>
-            <a:endParaRPr lang="en-US" sz="1050" dirty="0">
-              <a:latin typeface="Times New Roman" pitchFamily="18" charset="0"/>
-              <a:cs typeface="Times New Roman" pitchFamily="18" charset="0"/>
-            </a:endParaRPr>
           </a:p>
           <a:p>
             <a:endParaRPr lang="en-US" sz="1400" dirty="0"/>
@@ -3474,7 +3432,7 @@
                 <a:latin typeface="Times New Roman" pitchFamily="18" charset="0"/>
                 <a:cs typeface="Times New Roman" pitchFamily="18" charset="0"/>
               </a:rPr>
-              <a:t>Built a cloud rendering engine from scratch; established the development schema and built a 10+ people team from ground</a:t>
+              <a:t>Built a cloud rendering engine from scratch; established the development schema and built a 10+ people team from ground. The rendering engine contains a number of edge cutting techniques, like GPU-driven cluster based pipeline, the virtual shadow map, a node based material system, an authoring workflow based on Blender and such</a:t>
             </a:r>
           </a:p>
           <a:p>
@@ -3490,7 +3448,67 @@
                 <a:latin typeface="Times New Roman" pitchFamily="18" charset="0"/>
                 <a:cs typeface="Times New Roman" pitchFamily="18" charset="0"/>
               </a:rPr>
-              <a:t>The rendering engine contains a number of edge cutting techniques, like GPU-driven cluster based pipeline, the virtual shadow map, a node based material system, an authoring workflow based on Blender and such</a:t>
+              <a:t>Build a cloud gaming runtime which accelerates the mobile game performance on cloud streaming. This runtime stays between game app and GLES/Vulkan, and alter the upstream </a:t>
+            </a:r>
+            <a:r>
+              <a:rPr lang="en-US" altLang="zh-CN" sz="1050" dirty="0" err="1">
+                <a:latin typeface="Times New Roman" pitchFamily="18" charset="0"/>
+                <a:cs typeface="Times New Roman" pitchFamily="18" charset="0"/>
+              </a:rPr>
+              <a:t>gfx</a:t>
+            </a:r>
+            <a:r>
+              <a:rPr lang="en-US" altLang="zh-CN" sz="1050" dirty="0">
+                <a:latin typeface="Times New Roman" pitchFamily="18" charset="0"/>
+                <a:cs typeface="Times New Roman" pitchFamily="18" charset="0"/>
+              </a:rPr>
+              <a:t> APIs for the best performance.</a:t>
+            </a:r>
+          </a:p>
+          <a:p>
+            <a:pPr marL="182563" lvl="1" indent="-182563">
+              <a:buFont typeface="Wingdings" pitchFamily="2" charset="2"/>
+              <a:buChar char="§"/>
+              <a:tabLst>
+                <a:tab pos="182563" algn="l"/>
+              </a:tabLst>
+            </a:pPr>
+            <a:r>
+              <a:rPr lang="en-US" altLang="zh-CN" sz="1050" dirty="0">
+                <a:latin typeface="Times New Roman" pitchFamily="18" charset="0"/>
+                <a:cs typeface="Times New Roman" pitchFamily="18" charset="0"/>
+              </a:rPr>
+              <a:t>An AIGC project which accelerates the gaming dev, including concept arts generation, model database and search, scene composition and such.</a:t>
+            </a:r>
+          </a:p>
+          <a:p>
+            <a:pPr marL="182563" lvl="1" indent="-182563">
+              <a:buFont typeface="Wingdings" pitchFamily="2" charset="2"/>
+              <a:buChar char="§"/>
+              <a:tabLst>
+                <a:tab pos="182563" algn="l"/>
+              </a:tabLst>
+            </a:pPr>
+            <a:r>
+              <a:rPr lang="en-US" altLang="zh-CN" sz="1050" dirty="0">
+                <a:latin typeface="Times New Roman" pitchFamily="18" charset="0"/>
+                <a:cs typeface="Times New Roman" pitchFamily="18" charset="0"/>
+              </a:rPr>
+              <a:t>Start moving from graphics to AI slowly by reading tons of papers and playing with opensource diffusion and </a:t>
+            </a:r>
+            <a:r>
+              <a:rPr lang="en-US" altLang="zh-CN" sz="1050" dirty="0" err="1">
+                <a:latin typeface="Times New Roman" pitchFamily="18" charset="0"/>
+                <a:cs typeface="Times New Roman" pitchFamily="18" charset="0"/>
+              </a:rPr>
+              <a:t>llm</a:t>
+            </a:r>
+            <a:r>
+              <a:rPr lang="en-US" altLang="zh-CN" sz="1050" dirty="0">
+                <a:latin typeface="Times New Roman" pitchFamily="18" charset="0"/>
+                <a:cs typeface="Times New Roman" pitchFamily="18" charset="0"/>
+              </a:rPr>
+              <a:t> projects.</a:t>
             </a:r>
           </a:p>
           <a:p>

--- a/lihw_cv.pptx
+++ b/lihw_cv.pptx
@@ -305,7 +305,7 @@
             <a:fld id="{C1C8F194-2A20-4EAA-98C2-EB73D9B98286}" type="datetimeFigureOut">
               <a:rPr lang="en-US" smtClean="0"/>
               <a:pPr/>
-              <a:t>4/19/2024</a:t>
+              <a:t>7/30/2024</a:t>
             </a:fld>
             <a:endParaRPr lang="en-US"/>
           </a:p>
@@ -470,7 +470,7 @@
             <a:fld id="{C1C8F194-2A20-4EAA-98C2-EB73D9B98286}" type="datetimeFigureOut">
               <a:rPr lang="en-US" smtClean="0"/>
               <a:pPr/>
-              <a:t>4/19/2024</a:t>
+              <a:t>7/30/2024</a:t>
             </a:fld>
             <a:endParaRPr lang="en-US"/>
           </a:p>
@@ -645,7 +645,7 @@
             <a:fld id="{C1C8F194-2A20-4EAA-98C2-EB73D9B98286}" type="datetimeFigureOut">
               <a:rPr lang="en-US" smtClean="0"/>
               <a:pPr/>
-              <a:t>4/19/2024</a:t>
+              <a:t>7/30/2024</a:t>
             </a:fld>
             <a:endParaRPr lang="en-US"/>
           </a:p>
@@ -810,7 +810,7 @@
             <a:fld id="{C1C8F194-2A20-4EAA-98C2-EB73D9B98286}" type="datetimeFigureOut">
               <a:rPr lang="en-US" smtClean="0"/>
               <a:pPr/>
-              <a:t>4/19/2024</a:t>
+              <a:t>7/30/2024</a:t>
             </a:fld>
             <a:endParaRPr lang="en-US"/>
           </a:p>
@@ -1052,7 +1052,7 @@
             <a:fld id="{C1C8F194-2A20-4EAA-98C2-EB73D9B98286}" type="datetimeFigureOut">
               <a:rPr lang="en-US" smtClean="0"/>
               <a:pPr/>
-              <a:t>4/19/2024</a:t>
+              <a:t>7/30/2024</a:t>
             </a:fld>
             <a:endParaRPr lang="en-US"/>
           </a:p>
@@ -1334,7 +1334,7 @@
             <a:fld id="{C1C8F194-2A20-4EAA-98C2-EB73D9B98286}" type="datetimeFigureOut">
               <a:rPr lang="en-US" smtClean="0"/>
               <a:pPr/>
-              <a:t>4/19/2024</a:t>
+              <a:t>7/30/2024</a:t>
             </a:fld>
             <a:endParaRPr lang="en-US"/>
           </a:p>
@@ -1755,7 +1755,7 @@
             <a:fld id="{C1C8F194-2A20-4EAA-98C2-EB73D9B98286}" type="datetimeFigureOut">
               <a:rPr lang="en-US" smtClean="0"/>
               <a:pPr/>
-              <a:t>4/19/2024</a:t>
+              <a:t>7/30/2024</a:t>
             </a:fld>
             <a:endParaRPr lang="en-US"/>
           </a:p>
@@ -1869,7 +1869,7 @@
             <a:fld id="{C1C8F194-2A20-4EAA-98C2-EB73D9B98286}" type="datetimeFigureOut">
               <a:rPr lang="en-US" smtClean="0"/>
               <a:pPr/>
-              <a:t>4/19/2024</a:t>
+              <a:t>7/30/2024</a:t>
             </a:fld>
             <a:endParaRPr lang="en-US"/>
           </a:p>
@@ -1961,7 +1961,7 @@
             <a:fld id="{C1C8F194-2A20-4EAA-98C2-EB73D9B98286}" type="datetimeFigureOut">
               <a:rPr lang="en-US" smtClean="0"/>
               <a:pPr/>
-              <a:t>4/19/2024</a:t>
+              <a:t>7/30/2024</a:t>
             </a:fld>
             <a:endParaRPr lang="en-US"/>
           </a:p>
@@ -2233,7 +2233,7 @@
             <a:fld id="{C1C8F194-2A20-4EAA-98C2-EB73D9B98286}" type="datetimeFigureOut">
               <a:rPr lang="en-US" smtClean="0"/>
               <a:pPr/>
-              <a:t>4/19/2024</a:t>
+              <a:t>7/30/2024</a:t>
             </a:fld>
             <a:endParaRPr lang="en-US"/>
           </a:p>
@@ -2482,7 +2482,7 @@
             <a:fld id="{C1C8F194-2A20-4EAA-98C2-EB73D9B98286}" type="datetimeFigureOut">
               <a:rPr lang="en-US" smtClean="0"/>
               <a:pPr/>
-              <a:t>4/19/2024</a:t>
+              <a:t>7/30/2024</a:t>
             </a:fld>
             <a:endParaRPr lang="en-US"/>
           </a:p>
@@ -2690,7 +2690,7 @@
             <a:fld id="{C1C8F194-2A20-4EAA-98C2-EB73D9B98286}" type="datetimeFigureOut">
               <a:rPr lang="en-US" smtClean="0"/>
               <a:pPr/>
-              <a:t>4/19/2024</a:t>
+              <a:t>7/30/2024</a:t>
             </a:fld>
             <a:endParaRPr lang="en-US"/>
           </a:p>
@@ -3109,7 +3109,7 @@
         <p:spPr>
           <a:xfrm>
             <a:off x="404664" y="704528"/>
-            <a:ext cx="5976664" cy="9648795"/>
+            <a:ext cx="5976664" cy="8679299"/>
           </a:xfrm>
           <a:prstGeom prst="rect">
             <a:avLst/>
@@ -3124,7 +3124,7 @@
           <a:p>
             <a:r>
               <a:rPr lang="en-US" sz="1050" dirty="0">
-                <a:latin typeface="Times New Roman" pitchFamily="18" charset="0"/>
+                <a:latin typeface="Univers Condensed" panose="020B0506020202050204" pitchFamily="34" charset="0"/>
                 <a:cs typeface="Times New Roman" pitchFamily="18" charset="0"/>
               </a:rPr>
               <a:t>Mobile: (086) 181-0189-9296</a:t>
@@ -3133,19 +3133,62 @@
           <a:p>
             <a:r>
               <a:rPr lang="en-US" sz="1050" b="1" dirty="0">
-                <a:latin typeface="Times New Roman" pitchFamily="18" charset="0"/>
-                <a:cs typeface="Times New Roman" pitchFamily="18" charset="0"/>
-              </a:rPr>
-              <a:t>Email: blifelee81@msn.com</a:t>
-            </a:r>
-          </a:p>
-          <a:p>
-            <a:endParaRPr lang="en-US" sz="1400" dirty="0"/>
-          </a:p>
-          <a:p>
-            <a:r>
-              <a:rPr lang="en-US" sz="1400" dirty="0">
-                <a:latin typeface="Arial Black" pitchFamily="34" charset="0"/>
+                <a:latin typeface="Univers Condensed" panose="020B0506020202050204" pitchFamily="34" charset="0"/>
+                <a:cs typeface="Times New Roman" pitchFamily="18" charset="0"/>
+              </a:rPr>
+              <a:t>Email: </a:t>
+            </a:r>
+            <a:r>
+              <a:rPr lang="en-US" sz="1050" b="1" dirty="0">
+                <a:latin typeface="Univers Condensed" panose="020B0506020202050204" pitchFamily="34" charset="0"/>
+                <a:cs typeface="Times New Roman" pitchFamily="18" charset="0"/>
+                <a:hlinkClick r:id="rId2"/>
+              </a:rPr>
+              <a:t>blifelee81@msn.com</a:t>
+            </a:r>
+            <a:endParaRPr lang="en-US" sz="1050" b="1" dirty="0">
+              <a:latin typeface="Univers Condensed" panose="020B0506020202050204" pitchFamily="34" charset="0"/>
+              <a:cs typeface="Times New Roman" pitchFamily="18" charset="0"/>
+            </a:endParaRPr>
+          </a:p>
+          <a:p>
+            <a:endParaRPr lang="en-US" sz="1050" b="1" dirty="0">
+              <a:latin typeface="Univers Condensed" panose="020B0506020202050204" pitchFamily="34" charset="0"/>
+              <a:cs typeface="Times New Roman" pitchFamily="18" charset="0"/>
+            </a:endParaRPr>
+          </a:p>
+          <a:p>
+            <a:r>
+              <a:rPr lang="en-US" sz="1050" b="1" dirty="0">
+                <a:latin typeface="Univers Condensed" panose="020B0506020202050204" pitchFamily="34" charset="0"/>
+                <a:cs typeface="Times New Roman" pitchFamily="18" charset="0"/>
+              </a:rPr>
+              <a:t>I used to do lots of graphics and now get interested in GPU computing, i.e., </a:t>
+            </a:r>
+            <a:r>
+              <a:rPr lang="en-US" sz="1050" b="1" dirty="0" err="1">
+                <a:latin typeface="Univers Condensed" panose="020B0506020202050204" pitchFamily="34" charset="0"/>
+                <a:cs typeface="Times New Roman" pitchFamily="18" charset="0"/>
+              </a:rPr>
+              <a:t>llm</a:t>
+            </a:r>
+            <a:r>
+              <a:rPr lang="en-US" sz="1050" b="1" dirty="0">
+                <a:latin typeface="Univers Condensed" panose="020B0506020202050204" pitchFamily="34" charset="0"/>
+                <a:cs typeface="Times New Roman" pitchFamily="18" charset="0"/>
+              </a:rPr>
+              <a:t>.</a:t>
+            </a:r>
+          </a:p>
+          <a:p>
+            <a:endParaRPr lang="en-US" sz="1400" dirty="0">
+              <a:latin typeface="Univers Condensed" panose="020B0506020202050204" pitchFamily="34" charset="0"/>
+            </a:endParaRPr>
+          </a:p>
+          <a:p>
+            <a:r>
+              <a:rPr lang="en-US" sz="1400" b="1" dirty="0">
+                <a:latin typeface="Univers Condensed" panose="020B0506020202050204" pitchFamily="34" charset="0"/>
                 <a:cs typeface="Times New Roman" pitchFamily="18" charset="0"/>
               </a:rPr>
               <a:t>Education</a:t>
@@ -3154,7 +3197,7 @@
           <a:p>
             <a:r>
               <a:rPr lang="en-US" sz="1050" dirty="0">
-                <a:latin typeface="Times New Roman" pitchFamily="18" charset="0"/>
+                <a:latin typeface="Univers Condensed" panose="020B0506020202050204" pitchFamily="34" charset="0"/>
                 <a:cs typeface="Times New Roman" pitchFamily="18" charset="0"/>
               </a:rPr>
               <a:t>Aug. 2006 - Aug. 2010</a:t>
@@ -3164,14 +3207,14 @@
             <a:pPr marL="179388" indent="-179388"/>
             <a:r>
               <a:rPr lang="en-US" sz="1050" b="1" dirty="0">
-                <a:latin typeface="Times New Roman" pitchFamily="18" charset="0"/>
+                <a:latin typeface="Univers Condensed" panose="020B0506020202050204" pitchFamily="34" charset="0"/>
                 <a:cs typeface="Times New Roman" pitchFamily="18" charset="0"/>
               </a:rPr>
               <a:t>PhD</a:t>
             </a:r>
             <a:r>
               <a:rPr lang="en-US" sz="1050" dirty="0">
-                <a:latin typeface="Times New Roman" pitchFamily="18" charset="0"/>
+                <a:latin typeface="Univers Condensed" panose="020B0506020202050204" pitchFamily="34" charset="0"/>
                 <a:cs typeface="Times New Roman" pitchFamily="18" charset="0"/>
               </a:rPr>
               <a:t>, Computer Science and Engineering, Hong Kong University of Sci. and Tech. (HKUST), Hong Kong</a:t>
@@ -3184,7 +3227,7 @@
             </a:pPr>
             <a:r>
               <a:rPr lang="en-US" sz="1050" dirty="0">
-                <a:latin typeface="Times New Roman" pitchFamily="18" charset="0"/>
+                <a:latin typeface="Univers Condensed" panose="020B0506020202050204" pitchFamily="34" charset="0"/>
                 <a:cs typeface="Times New Roman" pitchFamily="18" charset="0"/>
               </a:rPr>
               <a:t>Advisors: Dr. Pedro V. Sander and Dr. Chi-Wing Fu.</a:t>
@@ -3197,7 +3240,7 @@
             </a:pPr>
             <a:r>
               <a:rPr lang="en-US" sz="1050" dirty="0">
-                <a:latin typeface="Times New Roman" pitchFamily="18" charset="0"/>
+                <a:latin typeface="Univers Condensed" panose="020B0506020202050204" pitchFamily="34" charset="0"/>
                 <a:cs typeface="Times New Roman" pitchFamily="18" charset="0"/>
               </a:rPr>
               <a:t>Area of study: Computer Graphics.</a:t>
@@ -3210,7 +3253,7 @@
             </a:pPr>
             <a:r>
               <a:rPr lang="en-US" sz="1050" dirty="0">
-                <a:latin typeface="Times New Roman" pitchFamily="18" charset="0"/>
+                <a:latin typeface="Univers Condensed" panose="020B0506020202050204" pitchFamily="34" charset="0"/>
                 <a:cs typeface="Times New Roman" pitchFamily="18" charset="0"/>
               </a:rPr>
               <a:t>GGA : 9.93 (A-).</a:t>
@@ -3218,14 +3261,14 @@
           </a:p>
           <a:p>
             <a:endParaRPr lang="en-US" sz="1050" dirty="0">
-              <a:latin typeface="Times New Roman" pitchFamily="18" charset="0"/>
+              <a:latin typeface="Univers Condensed" panose="020B0506020202050204" pitchFamily="34" charset="0"/>
               <a:cs typeface="Times New Roman" pitchFamily="18" charset="0"/>
             </a:endParaRPr>
           </a:p>
           <a:p>
             <a:r>
               <a:rPr lang="en-US" sz="1050" dirty="0">
-                <a:latin typeface="Times New Roman" pitchFamily="18" charset="0"/>
+                <a:latin typeface="Univers Condensed" panose="020B0506020202050204" pitchFamily="34" charset="0"/>
                 <a:cs typeface="Times New Roman" pitchFamily="18" charset="0"/>
               </a:rPr>
               <a:t>Sep.2004 – June 2006</a:t>
@@ -3234,14 +3277,14 @@
           <a:p>
             <a:r>
               <a:rPr lang="en-US" sz="1050" b="1" dirty="0">
-                <a:latin typeface="Times New Roman" pitchFamily="18" charset="0"/>
+                <a:latin typeface="Univers Condensed" panose="020B0506020202050204" pitchFamily="34" charset="0"/>
                 <a:cs typeface="Times New Roman" pitchFamily="18" charset="0"/>
               </a:rPr>
               <a:t>Master</a:t>
             </a:r>
             <a:r>
               <a:rPr lang="en-US" sz="1050" dirty="0">
-                <a:latin typeface="Times New Roman" pitchFamily="18" charset="0"/>
+                <a:latin typeface="Univers Condensed" panose="020B0506020202050204" pitchFamily="34" charset="0"/>
                 <a:cs typeface="Times New Roman" pitchFamily="18" charset="0"/>
               </a:rPr>
               <a:t>, Computer Science and Engineering, Zhejiang University, P. R. China</a:t>
@@ -3254,35 +3297,35 @@
             </a:pPr>
             <a:r>
               <a:rPr lang="en-US" altLang="zh-CN" sz="1050" dirty="0">
-                <a:latin typeface="Times New Roman" pitchFamily="18" charset="0"/>
+                <a:latin typeface="Univers Condensed" panose="020B0506020202050204" pitchFamily="34" charset="0"/>
                 <a:cs typeface="Times New Roman" pitchFamily="18" charset="0"/>
               </a:rPr>
               <a:t>Advisor: Prof. </a:t>
             </a:r>
             <a:r>
               <a:rPr lang="en-US" altLang="zh-CN" sz="1050" dirty="0" err="1">
-                <a:latin typeface="Times New Roman" pitchFamily="18" charset="0"/>
+                <a:latin typeface="Univers Condensed" panose="020B0506020202050204" pitchFamily="34" charset="0"/>
                 <a:cs typeface="Times New Roman" pitchFamily="18" charset="0"/>
               </a:rPr>
               <a:t>Sanyuan</a:t>
             </a:r>
             <a:r>
               <a:rPr lang="en-US" altLang="zh-CN" sz="1050" dirty="0">
-                <a:latin typeface="Times New Roman" pitchFamily="18" charset="0"/>
+                <a:latin typeface="Univers Condensed" panose="020B0506020202050204" pitchFamily="34" charset="0"/>
                 <a:cs typeface="Times New Roman" pitchFamily="18" charset="0"/>
               </a:rPr>
               <a:t> Zhang and Prof. </a:t>
             </a:r>
             <a:r>
               <a:rPr lang="en-US" altLang="zh-CN" sz="1050" dirty="0" err="1">
-                <a:latin typeface="Times New Roman" pitchFamily="18" charset="0"/>
+                <a:latin typeface="Univers Condensed" panose="020B0506020202050204" pitchFamily="34" charset="0"/>
                 <a:cs typeface="Times New Roman" pitchFamily="18" charset="0"/>
               </a:rPr>
               <a:t>Xiuzi</a:t>
             </a:r>
             <a:r>
               <a:rPr lang="en-US" altLang="zh-CN" sz="1050" dirty="0">
-                <a:latin typeface="Times New Roman" pitchFamily="18" charset="0"/>
+                <a:latin typeface="Univers Condensed" panose="020B0506020202050204" pitchFamily="34" charset="0"/>
                 <a:cs typeface="Times New Roman" pitchFamily="18" charset="0"/>
               </a:rPr>
               <a:t> Ye</a:t>
@@ -3295,25 +3338,26 @@
             </a:pPr>
             <a:r>
               <a:rPr lang="en-US" altLang="zh-CN" sz="1050" dirty="0">
-                <a:latin typeface="Times New Roman" pitchFamily="18" charset="0"/>
+                <a:latin typeface="Univers Condensed" panose="020B0506020202050204" pitchFamily="34" charset="0"/>
                 <a:cs typeface="Times New Roman" pitchFamily="18" charset="0"/>
               </a:rPr>
               <a:t>Area of study: Computer-Aided Design.</a:t>
             </a:r>
             <a:endParaRPr lang="en-US" sz="1050" dirty="0">
-              <a:latin typeface="Times New Roman" pitchFamily="18" charset="0"/>
+              <a:latin typeface="Univers Condensed" panose="020B0506020202050204" pitchFamily="34" charset="0"/>
               <a:cs typeface="Times New Roman" pitchFamily="18" charset="0"/>
             </a:endParaRPr>
           </a:p>
           <a:p>
             <a:endParaRPr lang="en-US" sz="1200" dirty="0">
+              <a:latin typeface="Univers Condensed" panose="020B0506020202050204" pitchFamily="34" charset="0"/>
               <a:cs typeface="Times New Roman" pitchFamily="18" charset="0"/>
             </a:endParaRPr>
           </a:p>
           <a:p>
             <a:r>
               <a:rPr lang="en-US" sz="1050" dirty="0">
-                <a:latin typeface="Times New Roman" pitchFamily="18" charset="0"/>
+                <a:latin typeface="Univers Condensed" panose="020B0506020202050204" pitchFamily="34" charset="0"/>
                 <a:cs typeface="Times New Roman" pitchFamily="18" charset="0"/>
               </a:rPr>
               <a:t>Sep. 2000 - June 2004</a:t>
@@ -3322,14 +3366,14 @@
           <a:p>
             <a:r>
               <a:rPr lang="en-US" sz="1050" b="1" dirty="0">
-                <a:latin typeface="Times New Roman" pitchFamily="18" charset="0"/>
+                <a:latin typeface="Univers Condensed" panose="020B0506020202050204" pitchFamily="34" charset="0"/>
                 <a:cs typeface="Times New Roman" pitchFamily="18" charset="0"/>
               </a:rPr>
               <a:t>B.E.</a:t>
             </a:r>
             <a:r>
               <a:rPr lang="en-US" sz="1050" dirty="0">
-                <a:latin typeface="Times New Roman" pitchFamily="18" charset="0"/>
+                <a:latin typeface="Univers Condensed" panose="020B0506020202050204" pitchFamily="34" charset="0"/>
                 <a:cs typeface="Times New Roman" pitchFamily="18" charset="0"/>
               </a:rPr>
               <a:t>, Computer Science and Engineering, Zhejiang University, P. R. China</a:t>
@@ -3342,21 +3386,21 @@
             </a:pPr>
             <a:r>
               <a:rPr lang="en-US" sz="1050" dirty="0">
-                <a:latin typeface="Times New Roman" pitchFamily="18" charset="0"/>
+                <a:latin typeface="Univers Condensed" panose="020B0506020202050204" pitchFamily="34" charset="0"/>
                 <a:cs typeface="Times New Roman" pitchFamily="18" charset="0"/>
               </a:rPr>
               <a:t>Mixed class, Chu </a:t>
             </a:r>
             <a:r>
               <a:rPr lang="en-US" sz="1050" dirty="0" err="1">
-                <a:latin typeface="Times New Roman" pitchFamily="18" charset="0"/>
+                <a:latin typeface="Univers Condensed" panose="020B0506020202050204" pitchFamily="34" charset="0"/>
                 <a:cs typeface="Times New Roman" pitchFamily="18" charset="0"/>
               </a:rPr>
               <a:t>Kochen</a:t>
             </a:r>
             <a:r>
               <a:rPr lang="en-US" sz="1050" dirty="0">
-                <a:latin typeface="Times New Roman" pitchFamily="18" charset="0"/>
+                <a:latin typeface="Univers Condensed" panose="020B0506020202050204" pitchFamily="34" charset="0"/>
                 <a:cs typeface="Times New Roman" pitchFamily="18" charset="0"/>
               </a:rPr>
               <a:t> Honors College.</a:t>
@@ -3369,7 +3413,7 @@
             </a:pPr>
             <a:r>
               <a:rPr lang="en-US" sz="1050" dirty="0">
-                <a:latin typeface="Times New Roman" pitchFamily="18" charset="0"/>
+                <a:latin typeface="Univers Condensed" panose="020B0506020202050204" pitchFamily="34" charset="0"/>
                 <a:cs typeface="Times New Roman" pitchFamily="18" charset="0"/>
               </a:rPr>
               <a:t>Overall GPA 3.69/4.00, Major GPA 3.88/4.00, Top 5%.</a:t>
@@ -3381,14 +3425,14 @@
               <a:buChar char="§"/>
             </a:pPr>
             <a:endParaRPr lang="en-US" sz="1050" dirty="0">
-              <a:latin typeface="Times New Roman" pitchFamily="18" charset="0"/>
+              <a:latin typeface="Univers Condensed" panose="020B0506020202050204" pitchFamily="34" charset="0"/>
               <a:cs typeface="Times New Roman" pitchFamily="18" charset="0"/>
             </a:endParaRPr>
           </a:p>
           <a:p>
             <a:r>
-              <a:rPr lang="en-US" altLang="zh-CN" sz="1400" dirty="0">
-                <a:latin typeface="Arial Black" pitchFamily="34" charset="0"/>
+              <a:rPr lang="en-US" altLang="zh-CN" sz="1400" b="1" dirty="0">
+                <a:latin typeface="Univers Condensed" panose="020B0506020202050204" pitchFamily="34" charset="0"/>
                 <a:cs typeface="Times New Roman" pitchFamily="18" charset="0"/>
               </a:rPr>
               <a:t>Work Experience</a:t>
@@ -3397,7 +3441,7 @@
           <a:p>
             <a:r>
               <a:rPr lang="en-US" altLang="zh-CN" sz="1050" dirty="0">
-                <a:latin typeface="Times New Roman" pitchFamily="18" charset="0"/>
+                <a:latin typeface="Univers Condensed" panose="020B0506020202050204" pitchFamily="34" charset="0"/>
                 <a:cs typeface="Times New Roman" pitchFamily="18" charset="0"/>
               </a:rPr>
               <a:t>June. 2021– Now</a:t>
@@ -3406,14 +3450,14 @@
           <a:p>
             <a:r>
               <a:rPr lang="en-US" altLang="zh-CN" sz="1050" b="1" dirty="0">
-                <a:latin typeface="Times New Roman" pitchFamily="18" charset="0"/>
+                <a:latin typeface="Univers Condensed" panose="020B0506020202050204" pitchFamily="34" charset="0"/>
                 <a:cs typeface="Times New Roman" pitchFamily="18" charset="0"/>
               </a:rPr>
               <a:t>Technical Expert</a:t>
             </a:r>
             <a:r>
               <a:rPr lang="en-US" altLang="zh-CN" sz="1050" dirty="0">
-                <a:latin typeface="Times New Roman" pitchFamily="18" charset="0"/>
+                <a:latin typeface="Univers Condensed" panose="020B0506020202050204" pitchFamily="34" charset="0"/>
                 <a:cs typeface="Times New Roman" pitchFamily="18" charset="0"/>
               </a:rPr>
               <a:t>, Tencent</a:t>
@@ -3429,10 +3473,10 @@
             </a:pPr>
             <a:r>
               <a:rPr lang="en-US" altLang="zh-CN" sz="1050" dirty="0">
-                <a:latin typeface="Times New Roman" pitchFamily="18" charset="0"/>
-                <a:cs typeface="Times New Roman" pitchFamily="18" charset="0"/>
-              </a:rPr>
-              <a:t>Built a cloud rendering engine from scratch; established the development schema and built a 10+ people team from ground. The rendering engine contains a number of edge cutting techniques, like GPU-driven cluster based pipeline, the virtual shadow map, a node based material system, an authoring workflow based on Blender and such</a:t>
+                <a:latin typeface="Univers Condensed" panose="020B0506020202050204" pitchFamily="34" charset="0"/>
+                <a:cs typeface="Times New Roman" pitchFamily="18" charset="0"/>
+              </a:rPr>
+              <a:t>Built a cloud rendering engine and a 10+ people team from ground. This modern rendering engine adopts GPU-driven cluster based pipeline, the virtual shadow map, a node based material system, an authoring workflow based on Blender and few other cutting edge techniques.</a:t>
             </a:r>
           </a:p>
           <a:p>
@@ -3445,24 +3489,10 @@
             </a:pPr>
             <a:r>
               <a:rPr lang="en-US" altLang="zh-CN" sz="1050" dirty="0">
-                <a:latin typeface="Times New Roman" pitchFamily="18" charset="0"/>
-                <a:cs typeface="Times New Roman" pitchFamily="18" charset="0"/>
-              </a:rPr>
-              <a:t>Build a cloud gaming runtime which accelerates the mobile game performance on cloud streaming. This runtime stays between game app and GLES/Vulkan, and alter the upstream </a:t>
-            </a:r>
-            <a:r>
-              <a:rPr lang="en-US" altLang="zh-CN" sz="1050" dirty="0" err="1">
-                <a:latin typeface="Times New Roman" pitchFamily="18" charset="0"/>
-                <a:cs typeface="Times New Roman" pitchFamily="18" charset="0"/>
-              </a:rPr>
-              <a:t>gfx</a:t>
-            </a:r>
-            <a:r>
-              <a:rPr lang="en-US" altLang="zh-CN" sz="1050" dirty="0">
-                <a:latin typeface="Times New Roman" pitchFamily="18" charset="0"/>
-                <a:cs typeface="Times New Roman" pitchFamily="18" charset="0"/>
-              </a:rPr>
-              <a:t> APIs for the best performance.</a:t>
+                <a:latin typeface="Univers Condensed" panose="020B0506020202050204" pitchFamily="34" charset="0"/>
+                <a:cs typeface="Times New Roman" pitchFamily="18" charset="0"/>
+              </a:rPr>
+              <a:t>Build a cloud game runtime (DCGR) for cloud Android game. This runtime stays above GPU hardware, and provides a handful of optimizations, e.g., frame interpolation,  batching, offloading rendering to mobile and etc.</a:t>
             </a:r>
           </a:p>
           <a:p>
@@ -3475,10 +3505,97 @@
             </a:pPr>
             <a:r>
               <a:rPr lang="en-US" altLang="zh-CN" sz="1050" dirty="0">
-                <a:latin typeface="Times New Roman" pitchFamily="18" charset="0"/>
-                <a:cs typeface="Times New Roman" pitchFamily="18" charset="0"/>
-              </a:rPr>
-              <a:t>An AIGC project which accelerates the gaming dev, including concept arts generation, model database and search, scene composition and such.</a:t>
+                <a:latin typeface="Univers Condensed" panose="020B0506020202050204" pitchFamily="34" charset="0"/>
+                <a:cs typeface="Times New Roman" pitchFamily="18" charset="0"/>
+              </a:rPr>
+              <a:t>Start moving from graphics to </a:t>
+            </a:r>
+            <a:r>
+              <a:rPr lang="en-US" altLang="zh-CN" sz="1050" dirty="0" err="1">
+                <a:latin typeface="Univers Condensed" panose="020B0506020202050204" pitchFamily="34" charset="0"/>
+                <a:cs typeface="Times New Roman" pitchFamily="18" charset="0"/>
+              </a:rPr>
+              <a:t>llm</a:t>
+            </a:r>
+            <a:r>
+              <a:rPr lang="en-US" altLang="zh-CN" sz="1050" dirty="0">
+                <a:latin typeface="Univers Condensed" panose="020B0506020202050204" pitchFamily="34" charset="0"/>
+                <a:cs typeface="Times New Roman" pitchFamily="18" charset="0"/>
+              </a:rPr>
+              <a:t> slowly by reading papers and playing with opensource </a:t>
+            </a:r>
+            <a:r>
+              <a:rPr lang="en-US" altLang="zh-CN" sz="1050" dirty="0" err="1">
+                <a:latin typeface="Univers Condensed" panose="020B0506020202050204" pitchFamily="34" charset="0"/>
+                <a:cs typeface="Times New Roman" pitchFamily="18" charset="0"/>
+              </a:rPr>
+              <a:t>llm</a:t>
+            </a:r>
+            <a:r>
+              <a:rPr lang="en-US" altLang="zh-CN" sz="1050" dirty="0">
+                <a:latin typeface="Univers Condensed" panose="020B0506020202050204" pitchFamily="34" charset="0"/>
+                <a:cs typeface="Times New Roman" pitchFamily="18" charset="0"/>
+              </a:rPr>
+              <a:t> projects; know how to build a basic infer engine (llama2) from ground up; have some experience of training small models; did an</a:t>
+            </a:r>
+            <a:r>
+              <a:rPr lang="zh-CN" altLang="en-US" sz="1050" dirty="0">
+                <a:latin typeface="Univers Condensed" panose="020B0506020202050204" pitchFamily="34" charset="0"/>
+                <a:cs typeface="Times New Roman" pitchFamily="18" charset="0"/>
+              </a:rPr>
+              <a:t> </a:t>
+            </a:r>
+            <a:r>
+              <a:rPr lang="en-US" altLang="zh-CN" sz="1050" dirty="0">
+                <a:latin typeface="Univers Condensed" panose="020B0506020202050204" pitchFamily="34" charset="0"/>
+                <a:cs typeface="Times New Roman" pitchFamily="18" charset="0"/>
+              </a:rPr>
+              <a:t>AIGC</a:t>
+            </a:r>
+            <a:r>
+              <a:rPr lang="zh-CN" altLang="en-US" sz="1050" dirty="0">
+                <a:latin typeface="Univers Condensed" panose="020B0506020202050204" pitchFamily="34" charset="0"/>
+                <a:cs typeface="Times New Roman" pitchFamily="18" charset="0"/>
+              </a:rPr>
+              <a:t> </a:t>
+            </a:r>
+            <a:r>
+              <a:rPr lang="en-US" altLang="zh-CN" sz="1050" dirty="0">
+                <a:latin typeface="Univers Condensed" panose="020B0506020202050204" pitchFamily="34" charset="0"/>
+                <a:cs typeface="Times New Roman" pitchFamily="18" charset="0"/>
+              </a:rPr>
+              <a:t>project for gaming dev, including concept arts generation, model database and search, scene composition and such using DDPM and vector database.</a:t>
+            </a:r>
+          </a:p>
+          <a:p>
+            <a:endParaRPr lang="en-US" altLang="zh-CN" sz="1050" dirty="0">
+              <a:latin typeface="Univers Condensed" panose="020B0506020202050204" pitchFamily="34" charset="0"/>
+              <a:cs typeface="Times New Roman" pitchFamily="18" charset="0"/>
+            </a:endParaRPr>
+          </a:p>
+          <a:p>
+            <a:r>
+              <a:rPr lang="en-US" altLang="zh-CN" sz="1050" dirty="0">
+                <a:latin typeface="Univers Condensed" panose="020B0506020202050204" pitchFamily="34" charset="0"/>
+                <a:cs typeface="Times New Roman" pitchFamily="18" charset="0"/>
+              </a:rPr>
+              <a:t>June. 2019– June 2021</a:t>
+            </a:r>
+          </a:p>
+          <a:p>
+            <a:r>
+              <a:rPr lang="en-US" altLang="zh-CN" sz="1050" b="1" dirty="0">
+                <a:latin typeface="Univers Condensed" panose="020B0506020202050204" pitchFamily="34" charset="0"/>
+                <a:cs typeface="Times New Roman" pitchFamily="18" charset="0"/>
+              </a:rPr>
+              <a:t>Technical Expert</a:t>
+            </a:r>
+            <a:r>
+              <a:rPr lang="en-US" altLang="zh-CN" sz="1050" dirty="0">
+                <a:latin typeface="Univers Condensed" panose="020B0506020202050204" pitchFamily="34" charset="0"/>
+                <a:cs typeface="Times New Roman" pitchFamily="18" charset="0"/>
+              </a:rPr>
+              <a:t>, Huawei</a:t>
             </a:r>
           </a:p>
           <a:p>
@@ -3491,55 +3608,10 @@
             </a:pPr>
             <a:r>
               <a:rPr lang="en-US" altLang="zh-CN" sz="1050" dirty="0">
-                <a:latin typeface="Times New Roman" pitchFamily="18" charset="0"/>
-                <a:cs typeface="Times New Roman" pitchFamily="18" charset="0"/>
-              </a:rPr>
-              <a:t>Start moving from graphics to AI slowly by reading tons of papers and playing with opensource diffusion and </a:t>
-            </a:r>
-            <a:r>
-              <a:rPr lang="en-US" altLang="zh-CN" sz="1050" dirty="0" err="1">
-                <a:latin typeface="Times New Roman" pitchFamily="18" charset="0"/>
-                <a:cs typeface="Times New Roman" pitchFamily="18" charset="0"/>
-              </a:rPr>
-              <a:t>llm</a:t>
-            </a:r>
-            <a:r>
-              <a:rPr lang="en-US" altLang="zh-CN" sz="1050" dirty="0">
-                <a:latin typeface="Times New Roman" pitchFamily="18" charset="0"/>
-                <a:cs typeface="Times New Roman" pitchFamily="18" charset="0"/>
-              </a:rPr>
-              <a:t> projects.</a:t>
-            </a:r>
-          </a:p>
-          <a:p>
-            <a:endParaRPr lang="en-US" altLang="zh-CN" sz="1050" dirty="0">
-              <a:latin typeface="Times New Roman" pitchFamily="18" charset="0"/>
-              <a:cs typeface="Times New Roman" pitchFamily="18" charset="0"/>
-            </a:endParaRPr>
-          </a:p>
-          <a:p>
-            <a:r>
-              <a:rPr lang="en-US" altLang="zh-CN" sz="1050" dirty="0">
-                <a:latin typeface="Times New Roman" pitchFamily="18" charset="0"/>
-                <a:cs typeface="Times New Roman" pitchFamily="18" charset="0"/>
-              </a:rPr>
-              <a:t>June. 2019– June 2021</a:t>
-            </a:r>
-          </a:p>
-          <a:p>
-            <a:r>
-              <a:rPr lang="en-US" altLang="zh-CN" sz="1050" b="1" dirty="0">
-                <a:latin typeface="Times New Roman" pitchFamily="18" charset="0"/>
-                <a:cs typeface="Times New Roman" pitchFamily="18" charset="0"/>
-              </a:rPr>
-              <a:t>Technical Expert</a:t>
-            </a:r>
-            <a:r>
-              <a:rPr lang="en-US" altLang="zh-CN" sz="1050" dirty="0">
-                <a:latin typeface="Times New Roman" pitchFamily="18" charset="0"/>
-                <a:cs typeface="Times New Roman" pitchFamily="18" charset="0"/>
-              </a:rPr>
-              <a:t>, Huawei</a:t>
+                <a:latin typeface="Univers Condensed" panose="020B0506020202050204" pitchFamily="34" charset="0"/>
+                <a:cs typeface="Times New Roman" pitchFamily="18" charset="0"/>
+              </a:rPr>
+              <a:t>The chief architect of Huawei Phoenix Graphics Engine, the author of Huawei software ray tracing core solution, and proposed several rendering techniques which are used in Huawei HMS graphics acceleration solution kit.</a:t>
             </a:r>
           </a:p>
           <a:p>
@@ -3552,23 +3624,7 @@
             </a:pPr>
             <a:r>
               <a:rPr lang="en-US" altLang="zh-CN" sz="1050" dirty="0">
-                <a:latin typeface="Times New Roman" pitchFamily="18" charset="0"/>
-                <a:cs typeface="Times New Roman" pitchFamily="18" charset="0"/>
-              </a:rPr>
-              <a:t>The chief architect of Huawei Phoenix Graphics Engine, the author of Huawei software ray tracing core solution, and proposed several rendering techniques which are used in Huawei HMS graphics acceleration solution kit.</a:t>
-            </a:r>
-          </a:p>
-          <a:p>
-            <a:pPr marL="182563" lvl="1" indent="-182563">
-              <a:buFont typeface="Wingdings" pitchFamily="2" charset="2"/>
-              <a:buChar char="§"/>
-              <a:tabLst>
-                <a:tab pos="182563" algn="l"/>
-              </a:tabLst>
-            </a:pPr>
-            <a:r>
-              <a:rPr lang="en-US" altLang="zh-CN" sz="1050" dirty="0">
-                <a:latin typeface="Times New Roman" pitchFamily="18" charset="0"/>
+                <a:latin typeface="Univers Condensed" panose="020B0506020202050204" pitchFamily="34" charset="0"/>
                 <a:cs typeface="Times New Roman" pitchFamily="18" charset="0"/>
               </a:rPr>
               <a:t>Wrote a middleware called es2vk which transcodes GLES to Vulkan API at runtime and kicked in some multi-threading tricks to make GLES run super fast. </a:t>
@@ -3583,14 +3639,14 @@
               </a:tabLst>
             </a:pPr>
             <a:endParaRPr lang="en-US" altLang="zh-CN" sz="1050" dirty="0">
-              <a:latin typeface="Times New Roman" pitchFamily="18" charset="0"/>
+              <a:latin typeface="Univers Condensed" panose="020B0506020202050204" pitchFamily="34" charset="0"/>
               <a:cs typeface="Times New Roman" pitchFamily="18" charset="0"/>
             </a:endParaRPr>
           </a:p>
           <a:p>
             <a:r>
               <a:rPr lang="en-US" altLang="zh-CN" sz="1050" dirty="0">
-                <a:latin typeface="Times New Roman" pitchFamily="18" charset="0"/>
+                <a:latin typeface="Univers Condensed" panose="020B0506020202050204" pitchFamily="34" charset="0"/>
                 <a:cs typeface="Times New Roman" pitchFamily="18" charset="0"/>
               </a:rPr>
               <a:t>Dec. 2016– June 2019</a:t>
@@ -3599,41 +3655,41 @@
           <a:p>
             <a:r>
               <a:rPr lang="en-US" altLang="zh-CN" sz="1050" b="1" dirty="0">
-                <a:latin typeface="Times New Roman" pitchFamily="18" charset="0"/>
+                <a:latin typeface="Univers Condensed" panose="020B0506020202050204" pitchFamily="34" charset="0"/>
                 <a:cs typeface="Times New Roman" pitchFamily="18" charset="0"/>
               </a:rPr>
               <a:t>CTO</a:t>
             </a:r>
             <a:r>
               <a:rPr lang="en-US" altLang="zh-CN" sz="1050" dirty="0">
-                <a:latin typeface="Times New Roman" pitchFamily="18" charset="0"/>
+                <a:latin typeface="Univers Condensed" panose="020B0506020202050204" pitchFamily="34" charset="0"/>
                 <a:cs typeface="Times New Roman" pitchFamily="18" charset="0"/>
               </a:rPr>
               <a:t>, </a:t>
             </a:r>
             <a:r>
               <a:rPr lang="en-US" altLang="zh-CN" sz="1050" dirty="0" err="1">
-                <a:latin typeface="Times New Roman" pitchFamily="18" charset="0"/>
+                <a:latin typeface="Univers Condensed" panose="020B0506020202050204" pitchFamily="34" charset="0"/>
                 <a:cs typeface="Times New Roman" pitchFamily="18" charset="0"/>
               </a:rPr>
               <a:t>Modelo</a:t>
             </a:r>
             <a:r>
               <a:rPr lang="en-US" altLang="zh-CN" sz="1050" dirty="0">
-                <a:latin typeface="Times New Roman" pitchFamily="18" charset="0"/>
+                <a:latin typeface="Univers Condensed" panose="020B0506020202050204" pitchFamily="34" charset="0"/>
                 <a:cs typeface="Times New Roman" pitchFamily="18" charset="0"/>
               </a:rPr>
               <a:t>, </a:t>
             </a:r>
             <a:r>
               <a:rPr lang="en-US" altLang="zh-CN" sz="1050" dirty="0" err="1">
-                <a:latin typeface="Times New Roman" pitchFamily="18" charset="0"/>
+                <a:latin typeface="Univers Condensed" panose="020B0506020202050204" pitchFamily="34" charset="0"/>
                 <a:cs typeface="Times New Roman" pitchFamily="18" charset="0"/>
               </a:rPr>
               <a:t>Inc</a:t>
             </a:r>
             <a:endParaRPr lang="en-US" altLang="zh-CN" sz="1050" dirty="0">
-              <a:latin typeface="Times New Roman" pitchFamily="18" charset="0"/>
+              <a:latin typeface="Univers Condensed" panose="020B0506020202050204" pitchFamily="34" charset="0"/>
               <a:cs typeface="Times New Roman" pitchFamily="18" charset="0"/>
             </a:endParaRPr>
           </a:p>
@@ -3647,22 +3703,36 @@
             </a:pPr>
             <a:r>
               <a:rPr lang="en-US" altLang="zh-CN" sz="1050" dirty="0">
-                <a:latin typeface="Times New Roman" pitchFamily="18" charset="0"/>
-                <a:cs typeface="Times New Roman" pitchFamily="18" charset="0"/>
-              </a:rPr>
-              <a:t>First engineer of the company. I built the Modelo core technology from ground with solo hand and was the main contributor to the entire code base of company products. </a:t>
+                <a:latin typeface="Univers Condensed" panose="020B0506020202050204" pitchFamily="34" charset="0"/>
+                <a:cs typeface="Times New Roman" pitchFamily="18" charset="0"/>
+              </a:rPr>
+              <a:t>I built the </a:t>
+            </a:r>
+            <a:r>
+              <a:rPr lang="en-US" altLang="zh-CN" sz="1050" dirty="0" err="1">
+                <a:latin typeface="Univers Condensed" panose="020B0506020202050204" pitchFamily="34" charset="0"/>
+                <a:cs typeface="Times New Roman" pitchFamily="18" charset="0"/>
+              </a:rPr>
+              <a:t>Modelo</a:t>
+            </a:r>
+            <a:r>
+              <a:rPr lang="en-US" altLang="zh-CN" sz="1050" dirty="0">
+                <a:latin typeface="Univers Condensed" panose="020B0506020202050204" pitchFamily="34" charset="0"/>
+                <a:cs typeface="Times New Roman" pitchFamily="18" charset="0"/>
+              </a:rPr>
+              <a:t> BIM WebGL renderer and BIM file exchange server from ground with solo hand.</a:t>
             </a:r>
           </a:p>
           <a:p>
             <a:endParaRPr lang="en-US" altLang="zh-CN" sz="1050" dirty="0">
-              <a:latin typeface="Times New Roman" pitchFamily="18" charset="0"/>
+              <a:latin typeface="Univers Condensed" panose="020B0506020202050204" pitchFamily="34" charset="0"/>
               <a:cs typeface="Times New Roman" pitchFamily="18" charset="0"/>
             </a:endParaRPr>
           </a:p>
           <a:p>
             <a:r>
               <a:rPr lang="en-US" altLang="zh-CN" sz="1050" dirty="0">
-                <a:latin typeface="Times New Roman" pitchFamily="18" charset="0"/>
+                <a:latin typeface="Univers Condensed" panose="020B0506020202050204" pitchFamily="34" charset="0"/>
                 <a:cs typeface="Times New Roman" pitchFamily="18" charset="0"/>
               </a:rPr>
               <a:t>Feb. 2015 – Dec. 2016</a:t>
@@ -3671,28 +3741,28 @@
           <a:p>
             <a:r>
               <a:rPr lang="en-US" altLang="zh-CN" sz="1050" b="1" dirty="0">
-                <a:latin typeface="Times New Roman" pitchFamily="18" charset="0"/>
+                <a:latin typeface="Univers Condensed" panose="020B0506020202050204" pitchFamily="34" charset="0"/>
                 <a:cs typeface="Times New Roman" pitchFamily="18" charset="0"/>
               </a:rPr>
               <a:t>Senior GPU Architect</a:t>
             </a:r>
             <a:r>
               <a:rPr lang="en-US" altLang="zh-CN" sz="1050" dirty="0">
-                <a:latin typeface="Times New Roman" pitchFamily="18" charset="0"/>
+                <a:latin typeface="Univers Condensed" panose="020B0506020202050204" pitchFamily="34" charset="0"/>
                 <a:cs typeface="Times New Roman" pitchFamily="18" charset="0"/>
               </a:rPr>
               <a:t>, Graphics Hardware Team, </a:t>
             </a:r>
             <a:r>
               <a:rPr lang="en-US" altLang="zh-CN" sz="1050" dirty="0" err="1">
-                <a:latin typeface="Times New Roman" pitchFamily="18" charset="0"/>
+                <a:latin typeface="Univers Condensed" panose="020B0506020202050204" pitchFamily="34" charset="0"/>
                 <a:cs typeface="Times New Roman" pitchFamily="18" charset="0"/>
               </a:rPr>
               <a:t>Nvidia</a:t>
             </a:r>
             <a:r>
               <a:rPr lang="en-US" altLang="zh-CN" sz="1050" dirty="0">
-                <a:latin typeface="Times New Roman" pitchFamily="18" charset="0"/>
+                <a:latin typeface="Univers Condensed" panose="020B0506020202050204" pitchFamily="34" charset="0"/>
                 <a:cs typeface="Times New Roman" pitchFamily="18" charset="0"/>
               </a:rPr>
               <a:t> Shanghai</a:t>
@@ -3708,77 +3778,11 @@
             </a:pPr>
             <a:r>
               <a:rPr lang="en-US" altLang="zh-CN" sz="1050" dirty="0">
-                <a:latin typeface="Times New Roman" pitchFamily="18" charset="0"/>
-                <a:cs typeface="Times New Roman" pitchFamily="18" charset="0"/>
-              </a:rPr>
-              <a:t>Worked on GPU graphics units frontend design in GPU hardware design team. The work include several features in current generation of </a:t>
-            </a:r>
-            <a:r>
-              <a:rPr lang="en-US" altLang="zh-CN" sz="1050" dirty="0" err="1">
-                <a:latin typeface="Times New Roman" pitchFamily="18" charset="0"/>
-                <a:cs typeface="Times New Roman" pitchFamily="18" charset="0"/>
-              </a:rPr>
-              <a:t>Nvidia</a:t>
-            </a:r>
-            <a:r>
-              <a:rPr lang="en-US" altLang="zh-CN" sz="1050" dirty="0">
-                <a:latin typeface="Times New Roman" pitchFamily="18" charset="0"/>
-                <a:cs typeface="Times New Roman" pitchFamily="18" charset="0"/>
-              </a:rPr>
-              <a:t> GPU, i.e., Volta.</a:t>
-            </a:r>
-          </a:p>
-          <a:p>
-            <a:endParaRPr lang="en-US" altLang="zh-CN" sz="1050" dirty="0">
-              <a:latin typeface="Times New Roman" pitchFamily="18" charset="0"/>
-              <a:cs typeface="Times New Roman" pitchFamily="18" charset="0"/>
-            </a:endParaRPr>
-          </a:p>
-          <a:p>
-            <a:pPr marL="457200" lvl="2">
-              <a:tabLst>
-                <a:tab pos="182563" algn="l"/>
-              </a:tabLst>
-            </a:pPr>
-            <a:endParaRPr lang="en-US" altLang="zh-CN" sz="1050" dirty="0">
-              <a:latin typeface="Times New Roman" pitchFamily="18" charset="0"/>
-              <a:cs typeface="Times New Roman" pitchFamily="18" charset="0"/>
-            </a:endParaRPr>
-          </a:p>
-          <a:p>
-            <a:pPr marL="358775" lvl="1" indent="-176213">
-              <a:buFont typeface="Times New Roman" pitchFamily="18" charset="0"/>
-              <a:buChar char="-"/>
-              <a:tabLst>
-                <a:tab pos="182563" algn="l"/>
-              </a:tabLst>
-            </a:pPr>
-            <a:endParaRPr lang="en-US" altLang="zh-CN" sz="1050" dirty="0">
-              <a:latin typeface="Times New Roman" pitchFamily="18" charset="0"/>
-              <a:cs typeface="Times New Roman" pitchFamily="18" charset="0"/>
-            </a:endParaRPr>
-          </a:p>
-          <a:p>
-            <a:endParaRPr lang="en-US" sz="1050" dirty="0">
-              <a:latin typeface="Times New Roman" pitchFamily="18" charset="0"/>
-              <a:cs typeface="Times New Roman" pitchFamily="18" charset="0"/>
-            </a:endParaRPr>
-          </a:p>
-          <a:p>
-            <a:endParaRPr lang="en-US" sz="1050" dirty="0">
-              <a:latin typeface="Times New Roman" pitchFamily="18" charset="0"/>
-              <a:cs typeface="Times New Roman" pitchFamily="18" charset="0"/>
-            </a:endParaRPr>
-          </a:p>
-          <a:p>
-            <a:pPr marL="173038" indent="-173038">
-              <a:buFont typeface="Wingdings" pitchFamily="2" charset="2"/>
-              <a:buChar char="§"/>
-            </a:pPr>
-            <a:endParaRPr lang="en-US" sz="1050" dirty="0">
-              <a:latin typeface="Times New Roman" pitchFamily="18" charset="0"/>
-              <a:cs typeface="Times New Roman" pitchFamily="18" charset="0"/>
-            </a:endParaRPr>
+                <a:latin typeface="Univers Condensed" panose="020B0506020202050204" pitchFamily="34" charset="0"/>
+                <a:cs typeface="Times New Roman" pitchFamily="18" charset="0"/>
+              </a:rPr>
+              <a:t>Worked on GPU graphics units frontend design in GPU hardware design team. The work include several features in current generation of Nvidia GPU, i.e., Volta.</a:t>
+            </a:r>
           </a:p>
         </p:txBody>
       </p:sp>
@@ -3868,14 +3872,14 @@
           <a:p>
             <a:r>
               <a:rPr lang="en-US" altLang="zh-CN" sz="1050" dirty="0" err="1">
-                <a:latin typeface="Times New Roman" pitchFamily="18" charset="0"/>
+                <a:latin typeface="Univers Condensed" panose="020B0506020202050204" pitchFamily="34" charset="0"/>
                 <a:cs typeface="Times New Roman" pitchFamily="18" charset="0"/>
               </a:rPr>
               <a:t>Apri</a:t>
             </a:r>
             <a:r>
               <a:rPr lang="en-US" altLang="zh-CN" sz="1050" dirty="0">
-                <a:latin typeface="Times New Roman" pitchFamily="18" charset="0"/>
+                <a:latin typeface="Univers Condensed" panose="020B0506020202050204" pitchFamily="34" charset="0"/>
                 <a:cs typeface="Times New Roman" pitchFamily="18" charset="0"/>
               </a:rPr>
               <a:t>. 2013 – Feb. 2015</a:t>
@@ -3884,14 +3888,14 @@
           <a:p>
             <a:r>
               <a:rPr lang="en-US" altLang="zh-CN" sz="1050" b="1" dirty="0">
-                <a:latin typeface="Times New Roman" pitchFamily="18" charset="0"/>
+                <a:latin typeface="Univers Condensed" panose="020B0506020202050204" pitchFamily="34" charset="0"/>
                 <a:cs typeface="Times New Roman" pitchFamily="18" charset="0"/>
               </a:rPr>
               <a:t>Member of Technical Staff,</a:t>
             </a:r>
             <a:r>
               <a:rPr lang="en-US" altLang="zh-CN" sz="1050" dirty="0">
-                <a:latin typeface="Times New Roman" pitchFamily="18" charset="0"/>
+                <a:latin typeface="Univers Condensed" panose="020B0506020202050204" pitchFamily="34" charset="0"/>
                 <a:cs typeface="Times New Roman" pitchFamily="18" charset="0"/>
               </a:rPr>
               <a:t> Graphics Technology Initiatives, Advanced Micro Devices(Shanghai)Co. Ltd</a:t>
@@ -3907,7 +3911,7 @@
             </a:pPr>
             <a:r>
               <a:rPr lang="en-US" altLang="zh-CN" sz="1050" dirty="0">
-                <a:latin typeface="Times New Roman" pitchFamily="18" charset="0"/>
+                <a:latin typeface="Univers Condensed" panose="020B0506020202050204" pitchFamily="34" charset="0"/>
                 <a:cs typeface="Times New Roman" pitchFamily="18" charset="0"/>
               </a:rPr>
               <a:t>Research general graphics rendering high performance computing and problems.</a:t>
@@ -3923,7 +3927,7 @@
             </a:pPr>
             <a:r>
               <a:rPr lang="en-US" altLang="zh-CN" sz="1050" dirty="0">
-                <a:latin typeface="Times New Roman" pitchFamily="18" charset="0"/>
+                <a:latin typeface="Univers Condensed" panose="020B0506020202050204" pitchFamily="34" charset="0"/>
                 <a:cs typeface="Times New Roman" pitchFamily="18" charset="0"/>
               </a:rPr>
               <a:t>Marketing technical support; back up marketing and sales team in business negotiation and marketing actions</a:t>
@@ -3938,21 +3942,21 @@
               </a:tabLst>
             </a:pPr>
             <a:endParaRPr lang="en-US" altLang="zh-CN" sz="1050" dirty="0">
-              <a:latin typeface="Times New Roman" pitchFamily="18" charset="0"/>
+              <a:latin typeface="Univers Condensed" panose="020B0506020202050204" pitchFamily="34" charset="0"/>
               <a:cs typeface="Times New Roman" pitchFamily="18" charset="0"/>
             </a:endParaRPr>
           </a:p>
           <a:p>
             <a:r>
               <a:rPr lang="en-US" altLang="zh-CN" sz="1050" dirty="0" err="1">
-                <a:latin typeface="Times New Roman" pitchFamily="18" charset="0"/>
+                <a:latin typeface="Univers Condensed" panose="020B0506020202050204" pitchFamily="34" charset="0"/>
                 <a:cs typeface="Times New Roman" pitchFamily="18" charset="0"/>
               </a:rPr>
               <a:t>Apri</a:t>
             </a:r>
             <a:r>
               <a:rPr lang="en-US" altLang="zh-CN" sz="1050" dirty="0">
-                <a:latin typeface="Times New Roman" pitchFamily="18" charset="0"/>
+                <a:latin typeface="Univers Condensed" panose="020B0506020202050204" pitchFamily="34" charset="0"/>
                 <a:cs typeface="Times New Roman" pitchFamily="18" charset="0"/>
               </a:rPr>
               <a:t>. 2012 – May 2013</a:t>
@@ -3961,28 +3965,28 @@
           <a:p>
             <a:r>
               <a:rPr lang="en-US" altLang="zh-CN" sz="1050" b="1" dirty="0">
-                <a:latin typeface="Times New Roman" pitchFamily="18" charset="0"/>
+                <a:latin typeface="Univers Condensed" panose="020B0506020202050204" pitchFamily="34" charset="0"/>
                 <a:cs typeface="Times New Roman" pitchFamily="18" charset="0"/>
               </a:rPr>
               <a:t>Manager,</a:t>
             </a:r>
             <a:r>
               <a:rPr lang="en-US" altLang="zh-CN" sz="1050" dirty="0">
-                <a:latin typeface="Times New Roman" pitchFamily="18" charset="0"/>
+                <a:latin typeface="Univers Condensed" panose="020B0506020202050204" pitchFamily="34" charset="0"/>
                 <a:cs typeface="Times New Roman" pitchFamily="18" charset="0"/>
               </a:rPr>
               <a:t> </a:t>
             </a:r>
             <a:r>
               <a:rPr lang="en-US" altLang="zh-CN" sz="1050" dirty="0" err="1">
-                <a:latin typeface="Times New Roman" pitchFamily="18" charset="0"/>
+                <a:latin typeface="Univers Condensed" panose="020B0506020202050204" pitchFamily="34" charset="0"/>
                 <a:cs typeface="Times New Roman" pitchFamily="18" charset="0"/>
               </a:rPr>
               <a:t>Rightware</a:t>
             </a:r>
             <a:r>
               <a:rPr lang="en-US" altLang="zh-CN" sz="1050" dirty="0">
-                <a:latin typeface="Times New Roman" pitchFamily="18" charset="0"/>
+                <a:latin typeface="Univers Condensed" panose="020B0506020202050204" pitchFamily="34" charset="0"/>
                 <a:cs typeface="Times New Roman" pitchFamily="18" charset="0"/>
               </a:rPr>
               <a:t> Oy, Shanghai, China</a:t>
@@ -3998,7 +4002,7 @@
             </a:pPr>
             <a:r>
               <a:rPr lang="en-US" altLang="zh-CN" sz="1050" dirty="0">
-                <a:latin typeface="Times New Roman" pitchFamily="18" charset="0"/>
+                <a:latin typeface="Univers Condensed" panose="020B0506020202050204" pitchFamily="34" charset="0"/>
                 <a:cs typeface="Times New Roman" pitchFamily="18" charset="0"/>
               </a:rPr>
               <a:t>Project management; oversee customer project work flow from requirement collection to final delivery and quality guarantee. </a:t>
@@ -4014,35 +4018,35 @@
             </a:pPr>
             <a:r>
               <a:rPr lang="en-US" altLang="zh-CN" sz="1050" dirty="0">
-                <a:latin typeface="Times New Roman" pitchFamily="18" charset="0"/>
+                <a:latin typeface="Univers Condensed" panose="020B0506020202050204" pitchFamily="34" charset="0"/>
                 <a:cs typeface="Times New Roman" pitchFamily="18" charset="0"/>
               </a:rPr>
               <a:t>Technical pre-sales for Kanzi products; worked closely with VP of sales in customer contact; built relationship with domestic major players, e.g., Lenovo, </a:t>
             </a:r>
             <a:r>
               <a:rPr lang="en-US" altLang="zh-CN" sz="1050" dirty="0" err="1">
-                <a:latin typeface="Times New Roman" pitchFamily="18" charset="0"/>
+                <a:latin typeface="Univers Condensed" panose="020B0506020202050204" pitchFamily="34" charset="0"/>
                 <a:cs typeface="Times New Roman" pitchFamily="18" charset="0"/>
               </a:rPr>
               <a:t>Gionee</a:t>
             </a:r>
             <a:r>
               <a:rPr lang="en-US" altLang="zh-CN" sz="1050" dirty="0">
-                <a:latin typeface="Times New Roman" pitchFamily="18" charset="0"/>
+                <a:latin typeface="Univers Condensed" panose="020B0506020202050204" pitchFamily="34" charset="0"/>
                 <a:cs typeface="Times New Roman" pitchFamily="18" charset="0"/>
               </a:rPr>
               <a:t>, </a:t>
             </a:r>
             <a:r>
               <a:rPr lang="en-US" altLang="zh-CN" sz="1050" dirty="0" err="1">
-                <a:latin typeface="Times New Roman" pitchFamily="18" charset="0"/>
+                <a:latin typeface="Univers Condensed" panose="020B0506020202050204" pitchFamily="34" charset="0"/>
                 <a:cs typeface="Times New Roman" pitchFamily="18" charset="0"/>
               </a:rPr>
               <a:t>Desay</a:t>
             </a:r>
             <a:r>
               <a:rPr lang="en-US" altLang="zh-CN" sz="1050" dirty="0">
-                <a:latin typeface="Times New Roman" pitchFamily="18" charset="0"/>
+                <a:latin typeface="Univers Condensed" panose="020B0506020202050204" pitchFamily="34" charset="0"/>
                 <a:cs typeface="Times New Roman" pitchFamily="18" charset="0"/>
               </a:rPr>
               <a:t> and etc.</a:t>
@@ -4058,7 +4062,7 @@
             </a:pPr>
             <a:r>
               <a:rPr lang="en-US" altLang="zh-CN" sz="1050" dirty="0">
-                <a:latin typeface="Times New Roman" pitchFamily="18" charset="0"/>
+                <a:latin typeface="Univers Condensed" panose="020B0506020202050204" pitchFamily="34" charset="0"/>
                 <a:cs typeface="Times New Roman" pitchFamily="18" charset="0"/>
               </a:rPr>
               <a:t> Lead engineer who is the architect and reviewer of all China projects.</a:t>
@@ -4066,21 +4070,21 @@
           </a:p>
           <a:p>
             <a:endParaRPr lang="en-US" altLang="zh-CN" sz="1050" dirty="0">
-              <a:latin typeface="Times New Roman" pitchFamily="18" charset="0"/>
+              <a:latin typeface="Univers Condensed" panose="020B0506020202050204" pitchFamily="34" charset="0"/>
               <a:cs typeface="Times New Roman" pitchFamily="18" charset="0"/>
             </a:endParaRPr>
           </a:p>
           <a:p>
             <a:r>
               <a:rPr lang="en-US" altLang="zh-CN" sz="1050" dirty="0" err="1">
-                <a:latin typeface="Times New Roman" pitchFamily="18" charset="0"/>
+                <a:latin typeface="Univers Condensed" panose="020B0506020202050204" pitchFamily="34" charset="0"/>
                 <a:cs typeface="Times New Roman" pitchFamily="18" charset="0"/>
               </a:rPr>
               <a:t>Apri</a:t>
             </a:r>
             <a:r>
               <a:rPr lang="en-US" altLang="zh-CN" sz="1050" dirty="0">
-                <a:latin typeface="Times New Roman" pitchFamily="18" charset="0"/>
+                <a:latin typeface="Univers Condensed" panose="020B0506020202050204" pitchFamily="34" charset="0"/>
                 <a:cs typeface="Times New Roman" pitchFamily="18" charset="0"/>
               </a:rPr>
               <a:t>. 2011 – March 2012</a:t>
@@ -4089,14 +4093,14 @@
           <a:p>
             <a:r>
               <a:rPr lang="en-US" altLang="zh-CN" sz="1050" b="1" dirty="0">
-                <a:latin typeface="Times New Roman" pitchFamily="18" charset="0"/>
+                <a:latin typeface="Univers Condensed" panose="020B0506020202050204" pitchFamily="34" charset="0"/>
                 <a:cs typeface="Times New Roman" pitchFamily="18" charset="0"/>
               </a:rPr>
               <a:t>Senior Engineer,</a:t>
             </a:r>
             <a:r>
               <a:rPr lang="en-US" altLang="zh-CN" sz="1050" dirty="0">
-                <a:latin typeface="Times New Roman" pitchFamily="18" charset="0"/>
+                <a:latin typeface="Univers Condensed" panose="020B0506020202050204" pitchFamily="34" charset="0"/>
                 <a:cs typeface="Times New Roman" pitchFamily="18" charset="0"/>
               </a:rPr>
               <a:t> AMD Design and Research Center, Shanghai, China</a:t>
@@ -4112,10 +4116,24 @@
             </a:pPr>
             <a:r>
               <a:rPr lang="en-US" altLang="zh-CN" sz="1050" dirty="0">
-                <a:latin typeface="Times New Roman" pitchFamily="18" charset="0"/>
-                <a:cs typeface="Times New Roman" pitchFamily="18" charset="0"/>
-              </a:rPr>
-              <a:t>OpenGL driver development (Windows and Linux)</a:t>
+                <a:latin typeface="Univers Condensed" panose="020B0506020202050204" pitchFamily="34" charset="0"/>
+                <a:cs typeface="Times New Roman" pitchFamily="18" charset="0"/>
+              </a:rPr>
+              <a:t>OpenGL driver development (Windows and Linux); did some optimization in driver like picking; validated the OpenGL functionality for Chrome </a:t>
+            </a:r>
+            <a:r>
+              <a:rPr lang="en-US" altLang="zh-CN" sz="1050" dirty="0" err="1">
+                <a:latin typeface="Univers Condensed" panose="020B0506020202050204" pitchFamily="34" charset="0"/>
+                <a:cs typeface="Times New Roman" pitchFamily="18" charset="0"/>
+              </a:rPr>
+              <a:t>webgl</a:t>
+            </a:r>
+            <a:r>
+              <a:rPr lang="en-US" altLang="zh-CN" sz="1050" dirty="0">
+                <a:latin typeface="Univers Condensed" panose="020B0506020202050204" pitchFamily="34" charset="0"/>
+                <a:cs typeface="Times New Roman" pitchFamily="18" charset="0"/>
+              </a:rPr>
+              <a:t> and fixed a few bugs.</a:t>
             </a:r>
           </a:p>
           <a:p>
@@ -4128,21 +4146,21 @@
             </a:pPr>
             <a:r>
               <a:rPr lang="en-US" altLang="zh-CN" sz="1050" dirty="0">
-                <a:latin typeface="Times New Roman" pitchFamily="18" charset="0"/>
+                <a:latin typeface="Univers Condensed" panose="020B0506020202050204" pitchFamily="34" charset="0"/>
                 <a:cs typeface="Times New Roman" pitchFamily="18" charset="0"/>
               </a:rPr>
               <a:t>First runner-up in AMD internal </a:t>
             </a:r>
             <a:r>
               <a:rPr lang="en-US" altLang="zh-CN" sz="1050" dirty="0" err="1">
-                <a:latin typeface="Times New Roman" pitchFamily="18" charset="0"/>
+                <a:latin typeface="Univers Condensed" panose="020B0506020202050204" pitchFamily="34" charset="0"/>
                 <a:cs typeface="Times New Roman" pitchFamily="18" charset="0"/>
               </a:rPr>
               <a:t>OpenCL</a:t>
             </a:r>
             <a:r>
               <a:rPr lang="en-US" altLang="zh-CN" sz="1050" dirty="0">
-                <a:latin typeface="Times New Roman" pitchFamily="18" charset="0"/>
+                <a:latin typeface="Univers Condensed" panose="020B0506020202050204" pitchFamily="34" charset="0"/>
                 <a:cs typeface="Times New Roman" pitchFamily="18" charset="0"/>
               </a:rPr>
               <a:t> contest.</a:t>
@@ -4158,7 +4176,7 @@
             </a:pPr>
             <a:r>
               <a:rPr lang="en-US" altLang="zh-CN" sz="1050" dirty="0">
-                <a:latin typeface="Times New Roman" pitchFamily="18" charset="0"/>
+                <a:latin typeface="Univers Condensed" panose="020B0506020202050204" pitchFamily="34" charset="0"/>
                 <a:cs typeface="Times New Roman" pitchFamily="18" charset="0"/>
               </a:rPr>
               <a:t>OpenGL training session lecturer.</a:t>
@@ -4166,14 +4184,14 @@
           </a:p>
           <a:p>
             <a:endParaRPr lang="en-US" altLang="zh-CN" sz="1050" dirty="0">
-              <a:latin typeface="Times New Roman" pitchFamily="18" charset="0"/>
+              <a:latin typeface="Univers Condensed" panose="020B0506020202050204" pitchFamily="34" charset="0"/>
               <a:cs typeface="Times New Roman" pitchFamily="18" charset="0"/>
             </a:endParaRPr>
           </a:p>
           <a:p>
             <a:r>
               <a:rPr lang="en-US" altLang="zh-CN" sz="1050" dirty="0">
-                <a:latin typeface="Times New Roman" pitchFamily="18" charset="0"/>
+                <a:latin typeface="Univers Condensed" panose="020B0506020202050204" pitchFamily="34" charset="0"/>
                 <a:cs typeface="Times New Roman" pitchFamily="18" charset="0"/>
               </a:rPr>
               <a:t>Sep. 2010 – April 2011</a:t>
@@ -4182,14 +4200,14 @@
           <a:p>
             <a:r>
               <a:rPr lang="en-US" altLang="zh-CN" sz="1050" b="1" dirty="0">
-                <a:latin typeface="Times New Roman" pitchFamily="18" charset="0"/>
+                <a:latin typeface="Univers Condensed" panose="020B0506020202050204" pitchFamily="34" charset="0"/>
                 <a:cs typeface="Times New Roman" pitchFamily="18" charset="0"/>
               </a:rPr>
               <a:t>Postdoc </a:t>
             </a:r>
             <a:r>
               <a:rPr lang="en-US" altLang="zh-CN" sz="1050" dirty="0">
-                <a:latin typeface="Times New Roman" pitchFamily="18" charset="0"/>
+                <a:latin typeface="Univers Condensed" panose="020B0506020202050204" pitchFamily="34" charset="0"/>
                 <a:cs typeface="Times New Roman" pitchFamily="18" charset="0"/>
               </a:rPr>
               <a:t>(joint project), Department of Electrical &amp; Computer Engineering, NUS, Singapore</a:t>
@@ -4198,14 +4216,14 @@
           <a:p>
             <a:r>
               <a:rPr lang="en-US" altLang="zh-CN" sz="1050" b="1" dirty="0">
-                <a:latin typeface="Times New Roman" pitchFamily="18" charset="0"/>
+                <a:latin typeface="Univers Condensed" panose="020B0506020202050204" pitchFamily="34" charset="0"/>
                 <a:cs typeface="Times New Roman" pitchFamily="18" charset="0"/>
               </a:rPr>
               <a:t>Visiting Scholar</a:t>
             </a:r>
             <a:r>
               <a:rPr lang="en-US" altLang="zh-CN" sz="1050" dirty="0">
-                <a:latin typeface="Times New Roman" pitchFamily="18" charset="0"/>
+                <a:latin typeface="Univers Condensed" panose="020B0506020202050204" pitchFamily="34" charset="0"/>
                 <a:cs typeface="Times New Roman" pitchFamily="18" charset="0"/>
               </a:rPr>
               <a:t>, Internet Graphics Group, Microsoft Research Asia (MSRA), Beijing, China</a:t>
@@ -4218,7 +4236,7 @@
             </a:pPr>
             <a:r>
               <a:rPr lang="en-US" altLang="zh-CN" sz="1050" dirty="0">
-                <a:latin typeface="Times New Roman" pitchFamily="18" charset="0"/>
+                <a:latin typeface="Univers Condensed" panose="020B0506020202050204" pitchFamily="34" charset="0"/>
                 <a:cs typeface="Times New Roman" pitchFamily="18" charset="0"/>
               </a:rPr>
               <a:t>A new approach for efficient Bidirectional texture function (BTF) acquisition (A joint project with MSRA). </a:t>
@@ -4226,7 +4244,7 @@
           </a:p>
           <a:p>
             <a:endParaRPr lang="en-US" sz="1050" dirty="0">
-              <a:latin typeface="Times New Roman" pitchFamily="18" charset="0"/>
+              <a:latin typeface="Univers Condensed" panose="020B0506020202050204" pitchFamily="34" charset="0"/>
               <a:cs typeface="Times New Roman" pitchFamily="18" charset="0"/>
             </a:endParaRPr>
           </a:p>
@@ -4236,14 +4254,14 @@
               <a:buChar char="-"/>
             </a:pPr>
             <a:endParaRPr lang="en-US" altLang="zh-CN" sz="1050" dirty="0">
-              <a:latin typeface="Times New Roman" pitchFamily="18" charset="0"/>
+              <a:latin typeface="Univers Condensed" panose="020B0506020202050204" pitchFamily="34" charset="0"/>
               <a:cs typeface="Times New Roman" pitchFamily="18" charset="0"/>
             </a:endParaRPr>
           </a:p>
           <a:p>
             <a:r>
-              <a:rPr lang="en-US" altLang="zh-CN" sz="1400" dirty="0">
-                <a:latin typeface="Arial Black" pitchFamily="34" charset="0"/>
+              <a:rPr lang="en-US" altLang="zh-CN" sz="1400" b="1" dirty="0">
+                <a:latin typeface="Univers Condensed" panose="020B0506020202050204" pitchFamily="34" charset="0"/>
                 <a:cs typeface="Times New Roman" pitchFamily="18" charset="0"/>
               </a:rPr>
               <a:t>Publications</a:t>
@@ -4252,49 +4270,49 @@
           <a:p>
             <a:r>
               <a:rPr lang="en-US" altLang="zh-CN" sz="1050" dirty="0" err="1">
-                <a:latin typeface="Times New Roman" pitchFamily="18" charset="0"/>
+                <a:latin typeface="Univers Condensed" panose="020B0506020202050204" pitchFamily="34" charset="0"/>
                 <a:cs typeface="Times New Roman" pitchFamily="18" charset="0"/>
               </a:rPr>
               <a:t>Dongsoo</a:t>
             </a:r>
             <a:r>
               <a:rPr lang="en-US" altLang="zh-CN" sz="1050" dirty="0">
-                <a:latin typeface="Times New Roman" pitchFamily="18" charset="0"/>
+                <a:latin typeface="Univers Condensed" panose="020B0506020202050204" pitchFamily="34" charset="0"/>
                 <a:cs typeface="Times New Roman" pitchFamily="18" charset="0"/>
               </a:rPr>
               <a:t> Han and </a:t>
             </a:r>
             <a:r>
               <a:rPr lang="en-US" altLang="zh-CN" sz="1050" b="1" dirty="0" err="1">
-                <a:latin typeface="Times New Roman" pitchFamily="18" charset="0"/>
+                <a:latin typeface="Univers Condensed" panose="020B0506020202050204" pitchFamily="34" charset="0"/>
                 <a:cs typeface="Times New Roman" pitchFamily="18" charset="0"/>
               </a:rPr>
               <a:t>Hongwei</a:t>
             </a:r>
             <a:r>
               <a:rPr lang="en-US" altLang="zh-CN" sz="1050" b="1" dirty="0">
-                <a:latin typeface="Times New Roman" pitchFamily="18" charset="0"/>
+                <a:latin typeface="Univers Condensed" panose="020B0506020202050204" pitchFamily="34" charset="0"/>
                 <a:cs typeface="Times New Roman" pitchFamily="18" charset="0"/>
               </a:rPr>
               <a:t> Li</a:t>
             </a:r>
             <a:r>
               <a:rPr lang="en-US" altLang="zh-CN" sz="1050" dirty="0">
-                <a:latin typeface="Times New Roman" pitchFamily="18" charset="0"/>
+                <a:latin typeface="Univers Condensed" panose="020B0506020202050204" pitchFamily="34" charset="0"/>
                 <a:cs typeface="Times New Roman" pitchFamily="18" charset="0"/>
               </a:rPr>
               <a:t> , </a:t>
             </a:r>
             <a:r>
               <a:rPr lang="en-US" altLang="zh-CN" sz="1050" i="1" dirty="0">
-                <a:latin typeface="Times New Roman" pitchFamily="18" charset="0"/>
+                <a:latin typeface="Univers Condensed" panose="020B0506020202050204" pitchFamily="34" charset="0"/>
                 <a:cs typeface="Times New Roman" pitchFamily="18" charset="0"/>
               </a:rPr>
               <a:t>Grass rendering and simulation with LOD</a:t>
             </a:r>
             <a:r>
               <a:rPr lang="en-US" altLang="zh-CN" sz="1050" dirty="0">
-                <a:latin typeface="Times New Roman" pitchFamily="18" charset="0"/>
+                <a:latin typeface="Univers Condensed" panose="020B0506020202050204" pitchFamily="34" charset="0"/>
                 <a:cs typeface="Times New Roman" pitchFamily="18" charset="0"/>
               </a:rPr>
               <a:t>. GPU Pro 6, A K Peters, 2015</a:t>
@@ -4302,84 +4320,84 @@
           </a:p>
           <a:p>
             <a:endParaRPr lang="en-US" altLang="zh-CN" sz="1050" b="1" dirty="0">
-              <a:latin typeface="Times New Roman" pitchFamily="18" charset="0"/>
+              <a:latin typeface="Univers Condensed" panose="020B0506020202050204" pitchFamily="34" charset="0"/>
               <a:cs typeface="Times New Roman" pitchFamily="18" charset="0"/>
             </a:endParaRPr>
           </a:p>
           <a:p>
             <a:r>
               <a:rPr lang="en-US" altLang="zh-CN" sz="1050" dirty="0" err="1">
-                <a:latin typeface="Times New Roman" pitchFamily="18" charset="0"/>
+                <a:latin typeface="Univers Condensed" panose="020B0506020202050204" pitchFamily="34" charset="0"/>
                 <a:cs typeface="Times New Roman" pitchFamily="18" charset="0"/>
               </a:rPr>
               <a:t>Zengzhi</a:t>
             </a:r>
             <a:r>
               <a:rPr lang="en-US" altLang="zh-CN" sz="1050" dirty="0">
-                <a:latin typeface="Times New Roman" pitchFamily="18" charset="0"/>
+                <a:latin typeface="Univers Condensed" panose="020B0506020202050204" pitchFamily="34" charset="0"/>
                 <a:cs typeface="Times New Roman" pitchFamily="18" charset="0"/>
               </a:rPr>
               <a:t> Fan, </a:t>
             </a:r>
             <a:r>
               <a:rPr lang="en-US" altLang="zh-CN" sz="1050" b="1" dirty="0" err="1">
-                <a:latin typeface="Times New Roman" pitchFamily="18" charset="0"/>
+                <a:latin typeface="Univers Condensed" panose="020B0506020202050204" pitchFamily="34" charset="0"/>
                 <a:cs typeface="Times New Roman" pitchFamily="18" charset="0"/>
               </a:rPr>
               <a:t>Hongwei</a:t>
             </a:r>
             <a:r>
               <a:rPr lang="en-US" altLang="zh-CN" sz="1050" b="1" dirty="0">
-                <a:latin typeface="Times New Roman" pitchFamily="18" charset="0"/>
+                <a:latin typeface="Univers Condensed" panose="020B0506020202050204" pitchFamily="34" charset="0"/>
                 <a:cs typeface="Times New Roman" pitchFamily="18" charset="0"/>
               </a:rPr>
               <a:t> Li</a:t>
             </a:r>
             <a:r>
               <a:rPr lang="en-US" altLang="zh-CN" sz="1050" dirty="0">
-                <a:latin typeface="Times New Roman" pitchFamily="18" charset="0"/>
+                <a:latin typeface="Univers Condensed" panose="020B0506020202050204" pitchFamily="34" charset="0"/>
                 <a:cs typeface="Times New Roman" pitchFamily="18" charset="0"/>
               </a:rPr>
               <a:t>, Karl </a:t>
             </a:r>
             <a:r>
               <a:rPr lang="en-US" altLang="zh-CN" sz="1050" dirty="0" err="1">
-                <a:latin typeface="Times New Roman" pitchFamily="18" charset="0"/>
+                <a:latin typeface="Univers Condensed" panose="020B0506020202050204" pitchFamily="34" charset="0"/>
                 <a:cs typeface="Times New Roman" pitchFamily="18" charset="0"/>
               </a:rPr>
               <a:t>Hillesland</a:t>
             </a:r>
             <a:r>
               <a:rPr lang="en-US" altLang="zh-CN" sz="1050" dirty="0">
-                <a:latin typeface="Times New Roman" pitchFamily="18" charset="0"/>
+                <a:latin typeface="Univers Condensed" panose="020B0506020202050204" pitchFamily="34" charset="0"/>
                 <a:cs typeface="Times New Roman" pitchFamily="18" charset="0"/>
               </a:rPr>
               <a:t> and Bin </a:t>
             </a:r>
             <a:r>
               <a:rPr lang="en-US" altLang="zh-CN" sz="1050" dirty="0" err="1">
-                <a:latin typeface="Times New Roman" pitchFamily="18" charset="0"/>
+                <a:latin typeface="Univers Condensed" panose="020B0506020202050204" pitchFamily="34" charset="0"/>
                 <a:cs typeface="Times New Roman" pitchFamily="18" charset="0"/>
               </a:rPr>
               <a:t>Shen</a:t>
             </a:r>
             <a:r>
               <a:rPr lang="en-US" altLang="zh-CN" sz="1050" dirty="0">
-                <a:latin typeface="Times New Roman" pitchFamily="18" charset="0"/>
+                <a:latin typeface="Univers Condensed" panose="020B0506020202050204" pitchFamily="34" charset="0"/>
                 <a:cs typeface="Times New Roman" pitchFamily="18" charset="0"/>
               </a:rPr>
               <a:t>, </a:t>
             </a:r>
             <a:r>
               <a:rPr lang="en-US" altLang="zh-CN" sz="1050" i="1" dirty="0" err="1">
-                <a:latin typeface="Times New Roman" pitchFamily="18" charset="0"/>
+                <a:latin typeface="Univers Condensed" panose="020B0506020202050204" pitchFamily="34" charset="0"/>
                 <a:cs typeface="Times New Roman" pitchFamily="18" charset="0"/>
               </a:rPr>
               <a:t>Simualte</a:t>
             </a:r>
             <a:r>
               <a:rPr lang="en-US" altLang="zh-CN" sz="1050" i="1" dirty="0">
-                <a:latin typeface="Times New Roman" pitchFamily="18" charset="0"/>
+                <a:latin typeface="Univers Condensed" panose="020B0506020202050204" pitchFamily="34" charset="0"/>
                 <a:cs typeface="Times New Roman" pitchFamily="18" charset="0"/>
               </a:rPr>
               <a:t> and Render Millions of Grass Blades, </a:t>
@@ -4388,7 +4406,7 @@
           <a:p>
             <a:r>
               <a:rPr lang="en-US" altLang="zh-CN" sz="1050" dirty="0">
-                <a:latin typeface="Times New Roman" pitchFamily="18" charset="0"/>
+                <a:latin typeface="Univers Condensed" panose="020B0506020202050204" pitchFamily="34" charset="0"/>
                 <a:cs typeface="Times New Roman" pitchFamily="18" charset="0"/>
               </a:rPr>
               <a:t>ACM SIGGRAPH Interactive 3D Graphics and Games (I3D), 2015</a:t>
@@ -4396,42 +4414,42 @@
           </a:p>
           <a:p>
             <a:endParaRPr lang="en-US" altLang="zh-CN" sz="1050" b="1" dirty="0">
-              <a:latin typeface="Times New Roman" pitchFamily="18" charset="0"/>
+              <a:latin typeface="Univers Condensed" panose="020B0506020202050204" pitchFamily="34" charset="0"/>
               <a:cs typeface="Times New Roman" pitchFamily="18" charset="0"/>
             </a:endParaRPr>
           </a:p>
           <a:p>
             <a:r>
               <a:rPr lang="en-US" altLang="zh-CN" sz="1050" b="1" dirty="0" err="1">
-                <a:latin typeface="Times New Roman" pitchFamily="18" charset="0"/>
+                <a:latin typeface="Univers Condensed" panose="020B0506020202050204" pitchFamily="34" charset="0"/>
                 <a:cs typeface="Times New Roman" pitchFamily="18" charset="0"/>
               </a:rPr>
               <a:t>Hongwei</a:t>
             </a:r>
             <a:r>
               <a:rPr lang="en-US" altLang="zh-CN" sz="1050" b="1" dirty="0">
-                <a:latin typeface="Times New Roman" pitchFamily="18" charset="0"/>
+                <a:latin typeface="Univers Condensed" panose="020B0506020202050204" pitchFamily="34" charset="0"/>
                 <a:cs typeface="Times New Roman" pitchFamily="18" charset="0"/>
               </a:rPr>
               <a:t> Li</a:t>
             </a:r>
             <a:r>
               <a:rPr lang="en-US" altLang="zh-CN" sz="1050" dirty="0">
-                <a:latin typeface="Times New Roman" pitchFamily="18" charset="0"/>
+                <a:latin typeface="Univers Condensed" panose="020B0506020202050204" pitchFamily="34" charset="0"/>
                 <a:cs typeface="Times New Roman" pitchFamily="18" charset="0"/>
               </a:rPr>
               <a:t>, Li-Yi Wei, Pedro V. Sander and Chi-Wing Fu. A</a:t>
             </a:r>
             <a:r>
               <a:rPr lang="en-US" altLang="zh-CN" sz="1050" i="1" dirty="0">
-                <a:latin typeface="Times New Roman" pitchFamily="18" charset="0"/>
+                <a:latin typeface="Univers Condensed" panose="020B0506020202050204" pitchFamily="34" charset="0"/>
                 <a:cs typeface="Times New Roman" pitchFamily="18" charset="0"/>
               </a:rPr>
               <a:t>nisotropic blue noise sampling</a:t>
             </a:r>
             <a:r>
               <a:rPr lang="en-US" altLang="zh-CN" sz="1050" dirty="0">
-                <a:latin typeface="Times New Roman" pitchFamily="18" charset="0"/>
+                <a:latin typeface="Univers Condensed" panose="020B0506020202050204" pitchFamily="34" charset="0"/>
                 <a:cs typeface="Times New Roman" pitchFamily="18" charset="0"/>
               </a:rPr>
               <a:t>. To appear at ACM Transactions on Graphics (TOG), (ACM SIGGRAPH Asia 2010), Dec 2010</a:t>
@@ -4439,70 +4457,70 @@
           </a:p>
           <a:p>
             <a:endParaRPr lang="en-US" altLang="zh-CN" sz="1050" b="1" dirty="0">
-              <a:latin typeface="Times New Roman" pitchFamily="18" charset="0"/>
+              <a:latin typeface="Univers Condensed" panose="020B0506020202050204" pitchFamily="34" charset="0"/>
               <a:cs typeface="Times New Roman" pitchFamily="18" charset="0"/>
             </a:endParaRPr>
           </a:p>
           <a:p>
             <a:r>
               <a:rPr lang="en-US" altLang="zh-CN" sz="1050" b="1" dirty="0" err="1">
-                <a:latin typeface="Times New Roman" pitchFamily="18" charset="0"/>
+                <a:latin typeface="Univers Condensed" panose="020B0506020202050204" pitchFamily="34" charset="0"/>
                 <a:cs typeface="Times New Roman" pitchFamily="18" charset="0"/>
               </a:rPr>
               <a:t>Hongwei</a:t>
             </a:r>
             <a:r>
               <a:rPr lang="en-US" altLang="zh-CN" sz="1050" b="1" dirty="0">
-                <a:latin typeface="Times New Roman" pitchFamily="18" charset="0"/>
+                <a:latin typeface="Univers Condensed" panose="020B0506020202050204" pitchFamily="34" charset="0"/>
                 <a:cs typeface="Times New Roman" pitchFamily="18" charset="0"/>
               </a:rPr>
               <a:t> Li</a:t>
             </a:r>
             <a:r>
               <a:rPr lang="en-US" altLang="zh-CN" sz="1050" dirty="0">
-                <a:latin typeface="Times New Roman" pitchFamily="18" charset="0"/>
+                <a:latin typeface="Univers Condensed" panose="020B0506020202050204" pitchFamily="34" charset="0"/>
                 <a:cs typeface="Times New Roman" pitchFamily="18" charset="0"/>
               </a:rPr>
               <a:t>, Diego </a:t>
             </a:r>
             <a:r>
               <a:rPr lang="en-US" altLang="zh-CN" sz="1050" dirty="0" err="1">
-                <a:latin typeface="Times New Roman" pitchFamily="18" charset="0"/>
+                <a:latin typeface="Univers Condensed" panose="020B0506020202050204" pitchFamily="34" charset="0"/>
                 <a:cs typeface="Times New Roman" pitchFamily="18" charset="0"/>
               </a:rPr>
               <a:t>Nehab</a:t>
             </a:r>
             <a:r>
               <a:rPr lang="en-US" altLang="zh-CN" sz="1050" dirty="0">
-                <a:latin typeface="Times New Roman" pitchFamily="18" charset="0"/>
+                <a:latin typeface="Univers Condensed" panose="020B0506020202050204" pitchFamily="34" charset="0"/>
                 <a:cs typeface="Times New Roman" pitchFamily="18" charset="0"/>
               </a:rPr>
               <a:t>, Li-Yi Wei, Pedro V. Sander and Chi-Wing Fu. </a:t>
             </a:r>
             <a:r>
               <a:rPr lang="en-US" altLang="zh-CN" sz="1050" i="1" dirty="0">
-                <a:latin typeface="Times New Roman" pitchFamily="18" charset="0"/>
+                <a:latin typeface="Univers Condensed" panose="020B0506020202050204" pitchFamily="34" charset="0"/>
                 <a:cs typeface="Times New Roman" pitchFamily="18" charset="0"/>
               </a:rPr>
               <a:t>Fast Capacity Constrained </a:t>
             </a:r>
             <a:r>
               <a:rPr lang="en-US" altLang="zh-CN" sz="1050" i="1" dirty="0" err="1">
-                <a:latin typeface="Times New Roman" pitchFamily="18" charset="0"/>
+                <a:latin typeface="Univers Condensed" panose="020B0506020202050204" pitchFamily="34" charset="0"/>
                 <a:cs typeface="Times New Roman" pitchFamily="18" charset="0"/>
               </a:rPr>
               <a:t>Voronoi</a:t>
             </a:r>
             <a:r>
               <a:rPr lang="en-US" altLang="zh-CN" sz="1050" i="1" dirty="0">
-                <a:latin typeface="Times New Roman" pitchFamily="18" charset="0"/>
+                <a:latin typeface="Univers Condensed" panose="020B0506020202050204" pitchFamily="34" charset="0"/>
                 <a:cs typeface="Times New Roman" pitchFamily="18" charset="0"/>
               </a:rPr>
               <a:t> Tessellation</a:t>
             </a:r>
             <a:r>
               <a:rPr lang="en-US" altLang="zh-CN" sz="1050" dirty="0">
-                <a:latin typeface="Times New Roman" pitchFamily="18" charset="0"/>
+                <a:latin typeface="Univers Condensed" panose="020B0506020202050204" pitchFamily="34" charset="0"/>
                 <a:cs typeface="Times New Roman" pitchFamily="18" charset="0"/>
               </a:rPr>
               <a:t>. Poster, ACM The ACM SIGGRAPH Symposium on Interactive 3D Graphics and Games (I3D), Feb.2010</a:t>
@@ -4510,70 +4528,70 @@
           </a:p>
           <a:p>
             <a:endParaRPr lang="en-US" altLang="zh-CN" sz="1000" dirty="0">
-              <a:latin typeface="Times New Roman" pitchFamily="18" charset="0"/>
+              <a:latin typeface="Univers Condensed" panose="020B0506020202050204" pitchFamily="34" charset="0"/>
               <a:cs typeface="Times New Roman" pitchFamily="18" charset="0"/>
             </a:endParaRPr>
           </a:p>
           <a:p>
             <a:r>
               <a:rPr lang="en-US" altLang="zh-CN" sz="1050" dirty="0" err="1">
-                <a:latin typeface="Times New Roman" pitchFamily="18" charset="0"/>
+                <a:latin typeface="Univers Condensed" panose="020B0506020202050204" pitchFamily="34" charset="0"/>
                 <a:cs typeface="Times New Roman" pitchFamily="18" charset="0"/>
               </a:rPr>
               <a:t>Kui</a:t>
             </a:r>
             <a:r>
               <a:rPr lang="en-US" altLang="zh-CN" sz="1050" dirty="0">
-                <a:latin typeface="Times New Roman" pitchFamily="18" charset="0"/>
+                <a:latin typeface="Univers Condensed" panose="020B0506020202050204" pitchFamily="34" charset="0"/>
                 <a:cs typeface="Times New Roman" pitchFamily="18" charset="0"/>
               </a:rPr>
               <a:t>-Yip Lo, Chi-Wing Fu and </a:t>
             </a:r>
             <a:r>
               <a:rPr lang="en-US" altLang="zh-CN" sz="1050" b="1" dirty="0" err="1">
-                <a:latin typeface="Times New Roman" pitchFamily="18" charset="0"/>
+                <a:latin typeface="Univers Condensed" panose="020B0506020202050204" pitchFamily="34" charset="0"/>
                 <a:cs typeface="Times New Roman" pitchFamily="18" charset="0"/>
               </a:rPr>
               <a:t>Hongwei</a:t>
             </a:r>
             <a:r>
               <a:rPr lang="en-US" altLang="zh-CN" sz="1050" b="1" dirty="0">
-                <a:latin typeface="Times New Roman" pitchFamily="18" charset="0"/>
+                <a:latin typeface="Univers Condensed" panose="020B0506020202050204" pitchFamily="34" charset="0"/>
                 <a:cs typeface="Times New Roman" pitchFamily="18" charset="0"/>
               </a:rPr>
               <a:t> Li</a:t>
             </a:r>
             <a:r>
               <a:rPr lang="en-US" altLang="zh-CN" sz="1050" dirty="0">
-                <a:latin typeface="Times New Roman" pitchFamily="18" charset="0"/>
+                <a:latin typeface="Univers Condensed" panose="020B0506020202050204" pitchFamily="34" charset="0"/>
                 <a:cs typeface="Times New Roman" pitchFamily="18" charset="0"/>
               </a:rPr>
               <a:t>. </a:t>
             </a:r>
             <a:r>
               <a:rPr lang="en-US" altLang="zh-CN" sz="1050" i="1" dirty="0">
-                <a:latin typeface="Times New Roman" pitchFamily="18" charset="0"/>
+                <a:latin typeface="Univers Condensed" panose="020B0506020202050204" pitchFamily="34" charset="0"/>
                 <a:cs typeface="Times New Roman" pitchFamily="18" charset="0"/>
               </a:rPr>
               <a:t>3D </a:t>
             </a:r>
             <a:r>
               <a:rPr lang="en-US" altLang="zh-CN" sz="1050" i="1" dirty="0" err="1">
-                <a:latin typeface="Times New Roman" pitchFamily="18" charset="0"/>
+                <a:latin typeface="Univers Condensed" panose="020B0506020202050204" pitchFamily="34" charset="0"/>
                 <a:cs typeface="Times New Roman" pitchFamily="18" charset="0"/>
               </a:rPr>
               <a:t>Polyomino</a:t>
             </a:r>
             <a:r>
               <a:rPr lang="en-US" altLang="zh-CN" sz="1050" i="1" dirty="0">
-                <a:latin typeface="Times New Roman" pitchFamily="18" charset="0"/>
+                <a:latin typeface="Univers Condensed" panose="020B0506020202050204" pitchFamily="34" charset="0"/>
                 <a:cs typeface="Times New Roman" pitchFamily="18" charset="0"/>
               </a:rPr>
               <a:t> Puzzle</a:t>
             </a:r>
             <a:r>
               <a:rPr lang="en-US" altLang="zh-CN" sz="1050" dirty="0">
-                <a:latin typeface="Times New Roman" pitchFamily="18" charset="0"/>
+                <a:latin typeface="Univers Condensed" panose="020B0506020202050204" pitchFamily="34" charset="0"/>
                 <a:cs typeface="Times New Roman" pitchFamily="18" charset="0"/>
               </a:rPr>
               <a:t>. ACM Transactions on Graphics (TOG), (ACM SIGGRAPH Asia 2009), Vol.28, no. 5, 2009</a:t>
@@ -4581,56 +4599,56 @@
           </a:p>
           <a:p>
             <a:endParaRPr lang="en-US" altLang="zh-CN" sz="1000" b="1" dirty="0">
-              <a:latin typeface="Times New Roman" pitchFamily="18" charset="0"/>
+              <a:latin typeface="Univers Condensed" panose="020B0506020202050204" pitchFamily="34" charset="0"/>
               <a:cs typeface="Times New Roman" pitchFamily="18" charset="0"/>
             </a:endParaRPr>
           </a:p>
           <a:p>
             <a:r>
               <a:rPr lang="en-US" altLang="zh-CN" sz="1050" b="1" dirty="0" err="1">
-                <a:latin typeface="Times New Roman" pitchFamily="18" charset="0"/>
+                <a:latin typeface="Univers Condensed" panose="020B0506020202050204" pitchFamily="34" charset="0"/>
                 <a:cs typeface="Times New Roman" pitchFamily="18" charset="0"/>
               </a:rPr>
               <a:t>Hongwei</a:t>
             </a:r>
             <a:r>
               <a:rPr lang="en-US" altLang="zh-CN" sz="1050" b="1" dirty="0">
-                <a:latin typeface="Times New Roman" pitchFamily="18" charset="0"/>
+                <a:latin typeface="Univers Condensed" panose="020B0506020202050204" pitchFamily="34" charset="0"/>
                 <a:cs typeface="Times New Roman" pitchFamily="18" charset="0"/>
               </a:rPr>
               <a:t> Li</a:t>
             </a:r>
             <a:r>
               <a:rPr lang="en-US" altLang="zh-CN" sz="1050" dirty="0">
-                <a:latin typeface="Times New Roman" pitchFamily="18" charset="0"/>
+                <a:latin typeface="Univers Condensed" panose="020B0506020202050204" pitchFamily="34" charset="0"/>
                 <a:cs typeface="Times New Roman" pitchFamily="18" charset="0"/>
               </a:rPr>
               <a:t>, Li-Yi Wei, Pedro V. Sander and Chi-Wing Fu. </a:t>
             </a:r>
             <a:r>
               <a:rPr lang="en-US" altLang="zh-CN" sz="1050" i="1" dirty="0">
-                <a:latin typeface="Times New Roman" pitchFamily="18" charset="0"/>
+                <a:latin typeface="Univers Condensed" panose="020B0506020202050204" pitchFamily="34" charset="0"/>
                 <a:cs typeface="Times New Roman" pitchFamily="18" charset="0"/>
               </a:rPr>
               <a:t>Anisotropic Poisson disk sampling</a:t>
             </a:r>
             <a:r>
               <a:rPr lang="en-US" altLang="zh-CN" sz="1050" dirty="0">
-                <a:latin typeface="Times New Roman" pitchFamily="18" charset="0"/>
+                <a:latin typeface="Univers Condensed" panose="020B0506020202050204" pitchFamily="34" charset="0"/>
                 <a:cs typeface="Times New Roman" pitchFamily="18" charset="0"/>
               </a:rPr>
               <a:t>. HKUST Report,</a:t>
             </a:r>
             <a:r>
               <a:rPr lang="zh-CN" altLang="en-US" sz="1050" dirty="0">
-                <a:latin typeface="Times New Roman" pitchFamily="18" charset="0"/>
+                <a:latin typeface="Univers Condensed" panose="020B0506020202050204" pitchFamily="34" charset="0"/>
                 <a:cs typeface="Times New Roman" pitchFamily="18" charset="0"/>
               </a:rPr>
               <a:t> </a:t>
             </a:r>
             <a:r>
               <a:rPr lang="en-US" altLang="zh-CN" sz="1050" dirty="0">
-                <a:latin typeface="Times New Roman" pitchFamily="18" charset="0"/>
+                <a:latin typeface="Univers Condensed" panose="020B0506020202050204" pitchFamily="34" charset="0"/>
                 <a:cs typeface="Times New Roman" pitchFamily="18" charset="0"/>
               </a:rPr>
               <a:t>HKUST-CS-09-02, April 2009</a:t>
@@ -4638,56 +4656,56 @@
           </a:p>
           <a:p>
             <a:endParaRPr lang="en-US" altLang="zh-CN" sz="1000" b="1" dirty="0">
-              <a:latin typeface="Times New Roman" pitchFamily="18" charset="0"/>
+              <a:latin typeface="Univers Condensed" panose="020B0506020202050204" pitchFamily="34" charset="0"/>
               <a:cs typeface="Times New Roman" pitchFamily="18" charset="0"/>
             </a:endParaRPr>
           </a:p>
           <a:p>
             <a:r>
               <a:rPr lang="en-US" altLang="zh-CN" sz="1050" b="1" dirty="0" err="1">
-                <a:latin typeface="Times New Roman" pitchFamily="18" charset="0"/>
+                <a:latin typeface="Univers Condensed" panose="020B0506020202050204" pitchFamily="34" charset="0"/>
                 <a:cs typeface="Times New Roman" pitchFamily="18" charset="0"/>
               </a:rPr>
               <a:t>Hongwei</a:t>
             </a:r>
             <a:r>
               <a:rPr lang="en-US" altLang="zh-CN" sz="1050" b="1" dirty="0">
-                <a:latin typeface="Times New Roman" pitchFamily="18" charset="0"/>
+                <a:latin typeface="Univers Condensed" panose="020B0506020202050204" pitchFamily="34" charset="0"/>
                 <a:cs typeface="Times New Roman" pitchFamily="18" charset="0"/>
               </a:rPr>
               <a:t> Li</a:t>
             </a:r>
             <a:r>
               <a:rPr lang="en-US" altLang="zh-CN" sz="1050" dirty="0">
-                <a:latin typeface="Times New Roman" pitchFamily="18" charset="0"/>
+                <a:latin typeface="Univers Condensed" panose="020B0506020202050204" pitchFamily="34" charset="0"/>
                 <a:cs typeface="Times New Roman" pitchFamily="18" charset="0"/>
               </a:rPr>
               <a:t>, Chi-Wing Fu and Andrew J. Hanson. </a:t>
             </a:r>
             <a:r>
               <a:rPr lang="en-US" altLang="zh-CN" sz="1050" i="1" dirty="0">
-                <a:latin typeface="Times New Roman" pitchFamily="18" charset="0"/>
+                <a:latin typeface="Univers Condensed" panose="020B0506020202050204" pitchFamily="34" charset="0"/>
                 <a:cs typeface="Times New Roman" pitchFamily="18" charset="0"/>
               </a:rPr>
               <a:t>Visualizing </a:t>
             </a:r>
             <a:r>
               <a:rPr lang="en-US" altLang="zh-CN" sz="1050" i="1" dirty="0" err="1">
-                <a:latin typeface="Times New Roman" pitchFamily="18" charset="0"/>
+                <a:latin typeface="Univers Condensed" panose="020B0506020202050204" pitchFamily="34" charset="0"/>
                 <a:cs typeface="Times New Roman" pitchFamily="18" charset="0"/>
               </a:rPr>
               <a:t>Multiwavelength</a:t>
             </a:r>
             <a:r>
               <a:rPr lang="en-US" altLang="zh-CN" sz="1050" i="1" dirty="0">
-                <a:latin typeface="Times New Roman" pitchFamily="18" charset="0"/>
+                <a:latin typeface="Univers Condensed" panose="020B0506020202050204" pitchFamily="34" charset="0"/>
                 <a:cs typeface="Times New Roman" pitchFamily="18" charset="0"/>
               </a:rPr>
               <a:t> Astrophysical Data</a:t>
             </a:r>
             <a:r>
               <a:rPr lang="en-US" altLang="zh-CN" sz="1050" dirty="0">
-                <a:latin typeface="Times New Roman" pitchFamily="18" charset="0"/>
+                <a:latin typeface="Univers Condensed" panose="020B0506020202050204" pitchFamily="34" charset="0"/>
                 <a:cs typeface="Times New Roman" pitchFamily="18" charset="0"/>
               </a:rPr>
               <a:t>. In IEEE Transactions on Visualization and Computer Graphics (TVCG),  (Proceedings of IEEE Visualization 2008), vol.14, No.6, pp. 1555-1562, Nov 2008</a:t>
@@ -4695,112 +4713,112 @@
           </a:p>
           <a:p>
             <a:endParaRPr lang="en-US" altLang="zh-CN" sz="1000" dirty="0">
-              <a:latin typeface="Times New Roman" pitchFamily="18" charset="0"/>
+              <a:latin typeface="Univers Condensed" panose="020B0506020202050204" pitchFamily="34" charset="0"/>
               <a:cs typeface="Times New Roman" pitchFamily="18" charset="0"/>
             </a:endParaRPr>
           </a:p>
           <a:p>
             <a:r>
               <a:rPr lang="en-US" altLang="zh-CN" sz="1050" b="1" dirty="0" err="1">
-                <a:latin typeface="Times New Roman" pitchFamily="18" charset="0"/>
+                <a:latin typeface="Univers Condensed" panose="020B0506020202050204" pitchFamily="34" charset="0"/>
                 <a:cs typeface="Times New Roman" pitchFamily="18" charset="0"/>
               </a:rPr>
               <a:t>Hongwei</a:t>
             </a:r>
             <a:r>
               <a:rPr lang="en-US" altLang="zh-CN" sz="1050" b="1" dirty="0">
-                <a:latin typeface="Times New Roman" pitchFamily="18" charset="0"/>
+                <a:latin typeface="Univers Condensed" panose="020B0506020202050204" pitchFamily="34" charset="0"/>
                 <a:cs typeface="Times New Roman" pitchFamily="18" charset="0"/>
               </a:rPr>
               <a:t> Li</a:t>
             </a:r>
             <a:r>
               <a:rPr lang="en-US" altLang="zh-CN" sz="1050" dirty="0">
-                <a:latin typeface="Times New Roman" pitchFamily="18" charset="0"/>
+                <a:latin typeface="Univers Condensed" panose="020B0506020202050204" pitchFamily="34" charset="0"/>
                 <a:cs typeface="Times New Roman" pitchFamily="18" charset="0"/>
               </a:rPr>
               <a:t>, </a:t>
             </a:r>
             <a:r>
               <a:rPr lang="en-US" altLang="zh-CN" sz="1050" dirty="0" err="1">
-                <a:latin typeface="Times New Roman" pitchFamily="18" charset="0"/>
+                <a:latin typeface="Univers Condensed" panose="020B0506020202050204" pitchFamily="34" charset="0"/>
                 <a:cs typeface="Times New Roman" pitchFamily="18" charset="0"/>
               </a:rPr>
               <a:t>Kui</a:t>
             </a:r>
             <a:r>
               <a:rPr lang="en-US" altLang="zh-CN" sz="1050" dirty="0">
-                <a:latin typeface="Times New Roman" pitchFamily="18" charset="0"/>
+                <a:latin typeface="Univers Condensed" panose="020B0506020202050204" pitchFamily="34" charset="0"/>
                 <a:cs typeface="Times New Roman" pitchFamily="18" charset="0"/>
               </a:rPr>
               <a:t>-Yip Lo, Chi-Wing Fu, and </a:t>
             </a:r>
             <a:r>
               <a:rPr lang="en-US" altLang="zh-CN" sz="1050" dirty="0" err="1">
-                <a:latin typeface="Times New Roman" pitchFamily="18" charset="0"/>
+                <a:latin typeface="Univers Condensed" panose="020B0506020202050204" pitchFamily="34" charset="0"/>
                 <a:cs typeface="Times New Roman" pitchFamily="18" charset="0"/>
               </a:rPr>
               <a:t>Mang</a:t>
             </a:r>
             <a:r>
               <a:rPr lang="en-US" altLang="zh-CN" sz="1050" dirty="0">
-                <a:latin typeface="Times New Roman" pitchFamily="18" charset="0"/>
+                <a:latin typeface="Univers Condensed" panose="020B0506020202050204" pitchFamily="34" charset="0"/>
                 <a:cs typeface="Times New Roman" pitchFamily="18" charset="0"/>
               </a:rPr>
               <a:t>-Kang </a:t>
             </a:r>
             <a:r>
               <a:rPr lang="en-US" altLang="zh-CN" sz="1050" dirty="0" err="1">
-                <a:latin typeface="Times New Roman" pitchFamily="18" charset="0"/>
+                <a:latin typeface="Univers Condensed" panose="020B0506020202050204" pitchFamily="34" charset="0"/>
                 <a:cs typeface="Times New Roman" pitchFamily="18" charset="0"/>
               </a:rPr>
               <a:t>Lenung</a:t>
             </a:r>
             <a:r>
               <a:rPr lang="en-US" altLang="zh-CN" sz="1050" dirty="0">
-                <a:latin typeface="Times New Roman" pitchFamily="18" charset="0"/>
+                <a:latin typeface="Univers Condensed" panose="020B0506020202050204" pitchFamily="34" charset="0"/>
                 <a:cs typeface="Times New Roman" pitchFamily="18" charset="0"/>
               </a:rPr>
               <a:t>. </a:t>
             </a:r>
             <a:r>
               <a:rPr lang="en-US" altLang="zh-CN" sz="1050" i="1" dirty="0">
-                <a:latin typeface="Times New Roman" pitchFamily="18" charset="0"/>
+                <a:latin typeface="Univers Condensed" panose="020B0506020202050204" pitchFamily="34" charset="0"/>
                 <a:cs typeface="Times New Roman" pitchFamily="18" charset="0"/>
               </a:rPr>
               <a:t>Dual Poisson-Disk Tiling: An </a:t>
             </a:r>
             <a:r>
               <a:rPr lang="en-US" altLang="zh-CN" sz="1050" i="1" dirty="0" err="1">
-                <a:latin typeface="Times New Roman" pitchFamily="18" charset="0"/>
+                <a:latin typeface="Univers Condensed" panose="020B0506020202050204" pitchFamily="34" charset="0"/>
                 <a:cs typeface="Times New Roman" pitchFamily="18" charset="0"/>
               </a:rPr>
               <a:t>Ecient</a:t>
             </a:r>
             <a:r>
               <a:rPr lang="en-US" altLang="zh-CN" sz="1050" i="1" dirty="0">
-                <a:latin typeface="Times New Roman" pitchFamily="18" charset="0"/>
+                <a:latin typeface="Univers Condensed" panose="020B0506020202050204" pitchFamily="34" charset="0"/>
                 <a:cs typeface="Times New Roman" pitchFamily="18" charset="0"/>
               </a:rPr>
               <a:t> Method for Distributing Features on Arbitrary Surfaces</a:t>
             </a:r>
             <a:r>
               <a:rPr lang="en-US" altLang="zh-CN" sz="1050" dirty="0">
-                <a:latin typeface="Times New Roman" pitchFamily="18" charset="0"/>
+                <a:latin typeface="Univers Condensed" panose="020B0506020202050204" pitchFamily="34" charset="0"/>
                 <a:cs typeface="Times New Roman" pitchFamily="18" charset="0"/>
               </a:rPr>
               <a:t>. In IEEE Transactions on Visualization and Computer Graphics (TVCG), </a:t>
             </a:r>
             <a:r>
               <a:rPr lang="en-US" altLang="zh-CN" sz="1050" dirty="0" err="1">
-                <a:latin typeface="Times New Roman" pitchFamily="18" charset="0"/>
+                <a:latin typeface="Univers Condensed" panose="020B0506020202050204" pitchFamily="34" charset="0"/>
                 <a:cs typeface="Times New Roman" pitchFamily="18" charset="0"/>
               </a:rPr>
               <a:t>Vol</a:t>
             </a:r>
             <a:r>
               <a:rPr lang="en-US" altLang="zh-CN" sz="1050" dirty="0">
-                <a:latin typeface="Times New Roman" pitchFamily="18" charset="0"/>
+                <a:latin typeface="Univers Condensed" panose="020B0506020202050204" pitchFamily="34" charset="0"/>
                 <a:cs typeface="Times New Roman" pitchFamily="18" charset="0"/>
               </a:rPr>
               <a:t> 14, No.5, pp. 982-998, 2008</a:t>
@@ -4808,19 +4826,19 @@
           </a:p>
           <a:p>
             <a:endParaRPr lang="en-US" altLang="zh-CN" sz="1000" dirty="0">
-              <a:latin typeface="Times New Roman" pitchFamily="18" charset="0"/>
+              <a:latin typeface="Univers Condensed" panose="020B0506020202050204" pitchFamily="34" charset="0"/>
               <a:cs typeface="Times New Roman" pitchFamily="18" charset="0"/>
             </a:endParaRPr>
           </a:p>
           <a:p>
             <a:endParaRPr lang="en-US" altLang="zh-CN" sz="900" dirty="0">
-              <a:latin typeface="Times New Roman" pitchFamily="18" charset="0"/>
+              <a:latin typeface="Univers Condensed" panose="020B0506020202050204" pitchFamily="34" charset="0"/>
               <a:cs typeface="Times New Roman" pitchFamily="18" charset="0"/>
             </a:endParaRPr>
           </a:p>
           <a:p>
             <a:endParaRPr lang="en-US" altLang="zh-CN" sz="900" dirty="0">
-              <a:latin typeface="Times New Roman" pitchFamily="18" charset="0"/>
+              <a:latin typeface="Univers Condensed" panose="020B0506020202050204" pitchFamily="34" charset="0"/>
               <a:cs typeface="Times New Roman" pitchFamily="18" charset="0"/>
             </a:endParaRPr>
           </a:p>
@@ -4830,7 +4848,7 @@
               <a:buChar char="-"/>
             </a:pPr>
             <a:endParaRPr lang="en-US" altLang="zh-CN" sz="1050" dirty="0">
-              <a:latin typeface="Times New Roman" pitchFamily="18" charset="0"/>
+              <a:latin typeface="Univers Condensed" panose="020B0506020202050204" pitchFamily="34" charset="0"/>
               <a:cs typeface="Times New Roman" pitchFamily="18" charset="0"/>
             </a:endParaRPr>
           </a:p>
@@ -4921,56 +4939,56 @@
           <a:lstStyle/>
           <a:p>
             <a:endParaRPr lang="en-US" sz="1000" dirty="0">
-              <a:latin typeface="Times New Roman" pitchFamily="18" charset="0"/>
+              <a:latin typeface="Univers Condensed" panose="020B0506020202050204" pitchFamily="34" charset="0"/>
               <a:cs typeface="Times New Roman" pitchFamily="18" charset="0"/>
             </a:endParaRPr>
           </a:p>
           <a:p>
             <a:r>
               <a:rPr lang="en-US" sz="1050" b="1" dirty="0" err="1">
-                <a:latin typeface="Times New Roman" pitchFamily="18" charset="0"/>
+                <a:latin typeface="Univers Condensed" panose="020B0506020202050204" pitchFamily="34" charset="0"/>
                 <a:cs typeface="Times New Roman" pitchFamily="18" charset="0"/>
               </a:rPr>
               <a:t>Hongwei</a:t>
             </a:r>
             <a:r>
               <a:rPr lang="en-US" sz="1050" b="1" dirty="0">
-                <a:latin typeface="Times New Roman" pitchFamily="18" charset="0"/>
+                <a:latin typeface="Univers Condensed" panose="020B0506020202050204" pitchFamily="34" charset="0"/>
                 <a:cs typeface="Times New Roman" pitchFamily="18" charset="0"/>
               </a:rPr>
               <a:t> Li</a:t>
             </a:r>
             <a:r>
               <a:rPr lang="en-US" sz="1050" dirty="0">
-                <a:latin typeface="Times New Roman" pitchFamily="18" charset="0"/>
+                <a:latin typeface="Univers Condensed" panose="020B0506020202050204" pitchFamily="34" charset="0"/>
                 <a:cs typeface="Times New Roman" pitchFamily="18" charset="0"/>
               </a:rPr>
               <a:t>, Chi-Wing Fu, </a:t>
             </a:r>
             <a:r>
               <a:rPr lang="en-US" sz="1050" dirty="0" err="1">
-                <a:latin typeface="Times New Roman" pitchFamily="18" charset="0"/>
+                <a:latin typeface="Univers Condensed" panose="020B0506020202050204" pitchFamily="34" charset="0"/>
                 <a:cs typeface="Times New Roman" pitchFamily="18" charset="0"/>
               </a:rPr>
               <a:t>Yinggang</a:t>
             </a:r>
             <a:r>
               <a:rPr lang="en-US" sz="1050" dirty="0">
-                <a:latin typeface="Times New Roman" pitchFamily="18" charset="0"/>
+                <a:latin typeface="Univers Condensed" panose="020B0506020202050204" pitchFamily="34" charset="0"/>
                 <a:cs typeface="Times New Roman" pitchFamily="18" charset="0"/>
               </a:rPr>
               <a:t> Li, and Andrew J. Hanson. </a:t>
             </a:r>
             <a:r>
               <a:rPr lang="en-US" sz="1050" i="1" dirty="0">
-                <a:latin typeface="Times New Roman" pitchFamily="18" charset="0"/>
+                <a:latin typeface="Univers Condensed" panose="020B0506020202050204" pitchFamily="34" charset="0"/>
                 <a:cs typeface="Times New Roman" pitchFamily="18" charset="0"/>
               </a:rPr>
               <a:t>Visualizing Large-Scale Uncertainty in Astrophysical Data</a:t>
             </a:r>
             <a:r>
               <a:rPr lang="en-US" sz="1050" dirty="0">
-                <a:latin typeface="Times New Roman" pitchFamily="18" charset="0"/>
+                <a:latin typeface="Univers Condensed" panose="020B0506020202050204" pitchFamily="34" charset="0"/>
                 <a:cs typeface="Times New Roman" pitchFamily="18" charset="0"/>
               </a:rPr>
               <a:t>, In IEEE Transactions on Visualization and Computer Graphics (TVCG), (Proceedings of IEEE Visualization 2007), Vol.13, No.6, pp.1640-1647, Nov, 2007</a:t>
@@ -4978,84 +4996,84 @@
           </a:p>
           <a:p>
             <a:endParaRPr lang="en-US" altLang="zh-CN" sz="1000" dirty="0">
-              <a:latin typeface="Times New Roman" pitchFamily="18" charset="0"/>
+              <a:latin typeface="Univers Condensed" panose="020B0506020202050204" pitchFamily="34" charset="0"/>
               <a:cs typeface="Times New Roman" pitchFamily="18" charset="0"/>
             </a:endParaRPr>
           </a:p>
           <a:p>
             <a:r>
               <a:rPr lang="en-US" altLang="zh-CN" sz="1050" dirty="0" err="1">
-                <a:latin typeface="Times New Roman" pitchFamily="18" charset="0"/>
+                <a:latin typeface="Univers Condensed" panose="020B0506020202050204" pitchFamily="34" charset="0"/>
                 <a:cs typeface="Times New Roman" pitchFamily="18" charset="0"/>
               </a:rPr>
               <a:t>Kui</a:t>
             </a:r>
             <a:r>
               <a:rPr lang="en-US" altLang="zh-CN" sz="1050" dirty="0">
-                <a:latin typeface="Times New Roman" pitchFamily="18" charset="0"/>
+                <a:latin typeface="Univers Condensed" panose="020B0506020202050204" pitchFamily="34" charset="0"/>
                 <a:cs typeface="Times New Roman" pitchFamily="18" charset="0"/>
               </a:rPr>
               <a:t>-Yip Lo, </a:t>
             </a:r>
             <a:r>
               <a:rPr lang="en-US" altLang="zh-CN" sz="1050" b="1" dirty="0" err="1">
-                <a:latin typeface="Times New Roman" pitchFamily="18" charset="0"/>
+                <a:latin typeface="Univers Condensed" panose="020B0506020202050204" pitchFamily="34" charset="0"/>
                 <a:cs typeface="Times New Roman" pitchFamily="18" charset="0"/>
               </a:rPr>
               <a:t>Hongwei</a:t>
             </a:r>
             <a:r>
               <a:rPr lang="en-US" altLang="zh-CN" sz="1050" b="1" dirty="0">
-                <a:latin typeface="Times New Roman" pitchFamily="18" charset="0"/>
+                <a:latin typeface="Univers Condensed" panose="020B0506020202050204" pitchFamily="34" charset="0"/>
                 <a:cs typeface="Times New Roman" pitchFamily="18" charset="0"/>
               </a:rPr>
               <a:t> Li</a:t>
             </a:r>
             <a:r>
               <a:rPr lang="en-US" altLang="zh-CN" sz="1050" dirty="0">
-                <a:latin typeface="Times New Roman" pitchFamily="18" charset="0"/>
+                <a:latin typeface="Univers Condensed" panose="020B0506020202050204" pitchFamily="34" charset="0"/>
                 <a:cs typeface="Times New Roman" pitchFamily="18" charset="0"/>
               </a:rPr>
               <a:t>, Chi-Wing Fu, and </a:t>
             </a:r>
             <a:r>
               <a:rPr lang="en-US" altLang="zh-CN" sz="1050" dirty="0" err="1">
-                <a:latin typeface="Times New Roman" pitchFamily="18" charset="0"/>
+                <a:latin typeface="Univers Condensed" panose="020B0506020202050204" pitchFamily="34" charset="0"/>
                 <a:cs typeface="Times New Roman" pitchFamily="18" charset="0"/>
               </a:rPr>
               <a:t>Tien-Tsin</a:t>
             </a:r>
             <a:r>
               <a:rPr lang="en-US" altLang="zh-CN" sz="1050" dirty="0">
-                <a:latin typeface="Times New Roman" pitchFamily="18" charset="0"/>
+                <a:latin typeface="Univers Condensed" panose="020B0506020202050204" pitchFamily="34" charset="0"/>
                 <a:cs typeface="Times New Roman" pitchFamily="18" charset="0"/>
               </a:rPr>
               <a:t> Wong. </a:t>
             </a:r>
             <a:r>
               <a:rPr lang="en-US" altLang="zh-CN" sz="1050" i="1" dirty="0">
-                <a:latin typeface="Times New Roman" pitchFamily="18" charset="0"/>
+                <a:latin typeface="Univers Condensed" panose="020B0506020202050204" pitchFamily="34" charset="0"/>
                 <a:cs typeface="Times New Roman" pitchFamily="18" charset="0"/>
               </a:rPr>
               <a:t>Interactive Reaction-</a:t>
             </a:r>
             <a:r>
               <a:rPr lang="en-US" altLang="zh-CN" sz="1050" i="1" dirty="0" err="1">
-                <a:latin typeface="Times New Roman" pitchFamily="18" charset="0"/>
+                <a:latin typeface="Univers Condensed" panose="020B0506020202050204" pitchFamily="34" charset="0"/>
                 <a:cs typeface="Times New Roman" pitchFamily="18" charset="0"/>
               </a:rPr>
               <a:t>Diusion</a:t>
             </a:r>
             <a:r>
               <a:rPr lang="en-US" altLang="zh-CN" sz="1050" i="1" dirty="0">
-                <a:latin typeface="Times New Roman" pitchFamily="18" charset="0"/>
+                <a:latin typeface="Univers Condensed" panose="020B0506020202050204" pitchFamily="34" charset="0"/>
                 <a:cs typeface="Times New Roman" pitchFamily="18" charset="0"/>
               </a:rPr>
               <a:t> on Surface Tiles</a:t>
             </a:r>
             <a:r>
               <a:rPr lang="en-US" altLang="zh-CN" sz="1050" dirty="0">
-                <a:latin typeface="Times New Roman" pitchFamily="18" charset="0"/>
+                <a:latin typeface="Univers Condensed" panose="020B0506020202050204" pitchFamily="34" charset="0"/>
                 <a:cs typeface="Times New Roman" pitchFamily="18" charset="0"/>
               </a:rPr>
               <a:t>. In Pacific Graphics 2007, oral paper, Maul, Hawaii, pp. 65-74, Nov. 2007.</a:t>
@@ -5063,14 +5081,14 @@
           </a:p>
           <a:p>
             <a:endParaRPr lang="en-US" altLang="zh-CN" sz="1050" dirty="0">
-              <a:latin typeface="Times New Roman" pitchFamily="18" charset="0"/>
+              <a:latin typeface="Univers Condensed" panose="020B0506020202050204" pitchFamily="34" charset="0"/>
               <a:cs typeface="Times New Roman" pitchFamily="18" charset="0"/>
             </a:endParaRPr>
           </a:p>
           <a:p>
             <a:r>
-              <a:rPr lang="en-US" altLang="zh-CN" sz="1400" dirty="0">
-                <a:latin typeface="Arial Black" pitchFamily="34" charset="0"/>
+              <a:rPr lang="en-US" altLang="zh-CN" sz="1400" b="1" dirty="0">
+                <a:latin typeface="Univers Condensed" panose="020B0506020202050204" pitchFamily="34" charset="0"/>
                 <a:cs typeface="Times New Roman" pitchFamily="18" charset="0"/>
               </a:rPr>
               <a:t>Services</a:t>
@@ -5079,7 +5097,7 @@
           <a:p>
             <a:r>
               <a:rPr lang="en-US" altLang="zh-CN" sz="1050" dirty="0">
-                <a:latin typeface="Times New Roman" pitchFamily="18" charset="0"/>
+                <a:latin typeface="Univers Condensed" panose="020B0506020202050204" pitchFamily="34" charset="0"/>
                 <a:cs typeface="Times New Roman" pitchFamily="18" charset="0"/>
               </a:rPr>
               <a:t>2009,2011, 2012, 2013</a:t>
@@ -5088,7 +5106,7 @@
           <a:p>
             <a:r>
               <a:rPr lang="en-US" altLang="zh-CN" sz="1050" b="1" dirty="0">
-                <a:latin typeface="Times New Roman" pitchFamily="18" charset="0"/>
+                <a:latin typeface="Univers Condensed" panose="020B0506020202050204" pitchFamily="34" charset="0"/>
                 <a:cs typeface="Times New Roman" pitchFamily="18" charset="0"/>
               </a:rPr>
               <a:t>Reviewer</a:t>
@@ -5101,7 +5119,7 @@
             </a:pPr>
             <a:r>
               <a:rPr lang="en-US" altLang="zh-CN" sz="1050" dirty="0">
-                <a:latin typeface="Times New Roman" pitchFamily="18" charset="0"/>
+                <a:latin typeface="Univers Condensed" panose="020B0506020202050204" pitchFamily="34" charset="0"/>
                 <a:cs typeface="Times New Roman" pitchFamily="18" charset="0"/>
               </a:rPr>
               <a:t>GMOD 2013.</a:t>
@@ -5114,7 +5132,7 @@
             </a:pPr>
             <a:r>
               <a:rPr lang="en-US" altLang="zh-CN" sz="1050" dirty="0">
-                <a:latin typeface="Times New Roman" pitchFamily="18" charset="0"/>
+                <a:latin typeface="Univers Condensed" panose="020B0506020202050204" pitchFamily="34" charset="0"/>
                 <a:cs typeface="Times New Roman" pitchFamily="18" charset="0"/>
               </a:rPr>
               <a:t>IEEE Pacific Graphics 2012.</a:t>
@@ -5127,13 +5145,13 @@
             </a:pPr>
             <a:r>
               <a:rPr lang="en-US" altLang="zh-CN" sz="1050" dirty="0">
-                <a:latin typeface="Times New Roman" pitchFamily="18" charset="0"/>
+                <a:latin typeface="Univers Condensed" panose="020B0506020202050204" pitchFamily="34" charset="0"/>
                 <a:cs typeface="Times New Roman" pitchFamily="18" charset="0"/>
               </a:rPr>
               <a:t>ACM SIGGRAPH 2012.</a:t>
             </a:r>
             <a:endParaRPr lang="en-US" altLang="zh-CN" sz="1050" b="1" dirty="0">
-              <a:latin typeface="Times New Roman" pitchFamily="18" charset="0"/>
+              <a:latin typeface="Univers Condensed" panose="020B0506020202050204" pitchFamily="34" charset="0"/>
               <a:cs typeface="Times New Roman" pitchFamily="18" charset="0"/>
             </a:endParaRPr>
           </a:p>
@@ -5144,7 +5162,7 @@
             </a:pPr>
             <a:r>
               <a:rPr lang="en-US" altLang="zh-CN" sz="1050" dirty="0">
-                <a:latin typeface="Times New Roman" pitchFamily="18" charset="0"/>
+                <a:latin typeface="Univers Condensed" panose="020B0506020202050204" pitchFamily="34" charset="0"/>
                 <a:cs typeface="Times New Roman" pitchFamily="18" charset="0"/>
               </a:rPr>
               <a:t>IEEE Visualization 2009.</a:t>
@@ -5157,7 +5175,7 @@
             </a:pPr>
             <a:r>
               <a:rPr lang="en-US" altLang="zh-CN" sz="1050" dirty="0">
-                <a:latin typeface="Times New Roman" pitchFamily="18" charset="0"/>
+                <a:latin typeface="Univers Condensed" panose="020B0506020202050204" pitchFamily="34" charset="0"/>
                 <a:cs typeface="Times New Roman" pitchFamily="18" charset="0"/>
               </a:rPr>
               <a:t>ACM SIGGRAPH 2011.</a:t>
@@ -5165,13 +5183,14 @@
           </a:p>
           <a:p>
             <a:endParaRPr lang="en-US" altLang="zh-CN" sz="1400" dirty="0">
+              <a:latin typeface="Univers Condensed" panose="020B0506020202050204" pitchFamily="34" charset="0"/>
               <a:cs typeface="Times New Roman" pitchFamily="18" charset="0"/>
             </a:endParaRPr>
           </a:p>
           <a:p>
             <a:r>
-              <a:rPr lang="en-US" altLang="zh-CN" sz="1400" dirty="0">
-                <a:latin typeface="Arial Black" pitchFamily="34" charset="0"/>
+              <a:rPr lang="en-US" altLang="zh-CN" sz="1400" b="1" dirty="0">
+                <a:latin typeface="Univers Condensed" panose="020B0506020202050204" pitchFamily="34" charset="0"/>
                 <a:cs typeface="Times New Roman" pitchFamily="18" charset="0"/>
               </a:rPr>
               <a:t>Awards</a:t>
@@ -5184,7 +5203,7 @@
             </a:pPr>
             <a:r>
               <a:rPr lang="en-US" altLang="zh-CN" sz="1050" dirty="0">
-                <a:latin typeface="Times New Roman" pitchFamily="18" charset="0"/>
+                <a:latin typeface="Univers Condensed" panose="020B0506020202050204" pitchFamily="34" charset="0"/>
                 <a:cs typeface="Times New Roman" pitchFamily="18" charset="0"/>
               </a:rPr>
               <a:t>Zhejiang University, Second-class Scholarship, Oct 2003</a:t>
@@ -5197,7 +5216,7 @@
             </a:pPr>
             <a:r>
               <a:rPr lang="en-US" altLang="zh-CN" sz="1050" dirty="0">
-                <a:latin typeface="Times New Roman" pitchFamily="18" charset="0"/>
+                <a:latin typeface="Univers Condensed" panose="020B0506020202050204" pitchFamily="34" charset="0"/>
                 <a:cs typeface="Times New Roman" pitchFamily="18" charset="0"/>
               </a:rPr>
               <a:t>Zhejiang University, "Three Goods" Student, Oct 2003</a:t>
@@ -5210,7 +5229,7 @@
             </a:pPr>
             <a:r>
               <a:rPr lang="en-US" altLang="zh-CN" sz="1050" dirty="0">
-                <a:latin typeface="Times New Roman" pitchFamily="18" charset="0"/>
+                <a:latin typeface="Univers Condensed" panose="020B0506020202050204" pitchFamily="34" charset="0"/>
                 <a:cs typeface="Times New Roman" pitchFamily="18" charset="0"/>
               </a:rPr>
               <a:t>Zhejiang University, Third-class Scholarship, Dec 2002</a:t>
@@ -5223,7 +5242,7 @@
             </a:pPr>
             <a:r>
               <a:rPr lang="en-US" altLang="zh-CN" sz="1050" dirty="0">
-                <a:latin typeface="Times New Roman" pitchFamily="18" charset="0"/>
+                <a:latin typeface="Univers Condensed" panose="020B0506020202050204" pitchFamily="34" charset="0"/>
                 <a:cs typeface="Times New Roman" pitchFamily="18" charset="0"/>
               </a:rPr>
               <a:t>Zhejiang University, Scholarship for Freshman, Dec 2000</a:t>
@@ -5231,36 +5250,30 @@
           </a:p>
           <a:p>
             <a:endParaRPr lang="en-US" altLang="zh-CN" sz="1200" dirty="0">
-              <a:latin typeface="Arial Black" pitchFamily="34" charset="0"/>
+              <a:latin typeface="Univers Condensed" panose="020B0506020202050204" pitchFamily="34" charset="0"/>
               <a:cs typeface="Times New Roman" pitchFamily="18" charset="0"/>
             </a:endParaRPr>
           </a:p>
           <a:p>
             <a:r>
-              <a:rPr lang="en-US" altLang="zh-CN" sz="1200" dirty="0">
-                <a:latin typeface="Arial Black" pitchFamily="34" charset="0"/>
-                <a:cs typeface="Times New Roman" pitchFamily="18" charset="0"/>
-              </a:rPr>
-              <a:t>Portfolio (Project demo)</a:t>
-            </a:r>
-            <a:r>
-              <a:rPr lang="en-US" altLang="zh-CN" sz="1200" dirty="0">
-                <a:cs typeface="Times New Roman" pitchFamily="18" charset="0"/>
-              </a:rPr>
-              <a:t>	</a:t>
+              <a:rPr lang="en-US" altLang="zh-CN" sz="1200" b="1" dirty="0">
+                <a:latin typeface="Univers Condensed" panose="020B0506020202050204" pitchFamily="34" charset="0"/>
+                <a:cs typeface="Times New Roman" pitchFamily="18" charset="0"/>
+              </a:rPr>
+              <a:t>Portfolio (Project demo)	</a:t>
             </a:r>
           </a:p>
           <a:p>
             <a:r>
               <a:rPr lang="en-US" altLang="zh-CN" sz="1000" dirty="0">
-                <a:latin typeface="Times New Roman" pitchFamily="18" charset="0"/>
+                <a:latin typeface="Univers Condensed" panose="020B0506020202050204" pitchFamily="34" charset="0"/>
                 <a:cs typeface="Times New Roman" pitchFamily="18" charset="0"/>
               </a:rPr>
               <a:t>Watch online </a:t>
             </a:r>
             <a:r>
               <a:rPr lang="en-US" altLang="zh-CN" sz="1000" dirty="0">
-                <a:latin typeface="Times New Roman" pitchFamily="18" charset="0"/>
+                <a:latin typeface="Univers Condensed" panose="020B0506020202050204" pitchFamily="34" charset="0"/>
                 <a:cs typeface="Times New Roman" pitchFamily="18" charset="0"/>
                 <a:hlinkClick r:id="rId2"/>
               </a:rPr>
@@ -5268,7 +5281,7 @@
             </a:r>
             <a:r>
               <a:rPr lang="en-US" altLang="zh-CN" sz="1000" dirty="0">
-                <a:latin typeface="Times New Roman" pitchFamily="18" charset="0"/>
+                <a:latin typeface="Univers Condensed" panose="020B0506020202050204" pitchFamily="34" charset="0"/>
                 <a:cs typeface="Times New Roman" pitchFamily="18" charset="0"/>
               </a:rPr>
               <a:t> (old)</a:t>
@@ -5280,31 +5293,31 @@
               <a:buChar char="§"/>
             </a:pPr>
             <a:endParaRPr lang="en-US" altLang="zh-CN" sz="1050" dirty="0">
-              <a:latin typeface="Times New Roman" pitchFamily="18" charset="0"/>
+              <a:latin typeface="Univers Condensed" panose="020B0506020202050204" pitchFamily="34" charset="0"/>
               <a:cs typeface="Times New Roman" pitchFamily="18" charset="0"/>
             </a:endParaRPr>
           </a:p>
           <a:p>
             <a:endParaRPr lang="en-US" altLang="zh-CN" sz="1050" dirty="0">
-              <a:latin typeface="Times New Roman" pitchFamily="18" charset="0"/>
+              <a:latin typeface="Univers Condensed" panose="020B0506020202050204" pitchFamily="34" charset="0"/>
               <a:cs typeface="Times New Roman" pitchFamily="18" charset="0"/>
             </a:endParaRPr>
           </a:p>
           <a:p>
             <a:endParaRPr lang="en-US" altLang="zh-CN" sz="1050" dirty="0">
-              <a:latin typeface="Times New Roman" pitchFamily="18" charset="0"/>
+              <a:latin typeface="Univers Condensed" panose="020B0506020202050204" pitchFamily="34" charset="0"/>
               <a:cs typeface="Times New Roman" pitchFamily="18" charset="0"/>
             </a:endParaRPr>
           </a:p>
           <a:p>
             <a:endParaRPr lang="en-US" altLang="zh-CN" sz="1100" dirty="0">
-              <a:latin typeface="Arial Black" pitchFamily="34" charset="0"/>
+              <a:latin typeface="Univers Condensed" panose="020B0506020202050204" pitchFamily="34" charset="0"/>
               <a:cs typeface="Times New Roman" pitchFamily="18" charset="0"/>
             </a:endParaRPr>
           </a:p>
           <a:p>
             <a:endParaRPr lang="en-US" sz="1050" dirty="0">
-              <a:latin typeface="Times New Roman" pitchFamily="18" charset="0"/>
+              <a:latin typeface="Univers Condensed" panose="020B0506020202050204" pitchFamily="34" charset="0"/>
               <a:cs typeface="Times New Roman" pitchFamily="18" charset="0"/>
             </a:endParaRPr>
           </a:p>

--- a/lihw_cv.pptx
+++ b/lihw_cv.pptx
@@ -7,7 +7,6 @@
   <p:sldIdLst>
     <p:sldId id="265" r:id="rId2"/>
     <p:sldId id="263" r:id="rId3"/>
-    <p:sldId id="258" r:id="rId4"/>
   </p:sldIdLst>
   <p:sldSz cx="6858000" cy="9906000" type="A4"/>
   <p:notesSz cx="6858000" cy="9144000"/>
@@ -3109,7 +3108,7 @@
         <p:spPr>
           <a:xfrm>
             <a:off x="404664" y="704528"/>
-            <a:ext cx="5976664" cy="8679299"/>
+            <a:ext cx="5976664" cy="8817799"/>
           </a:xfrm>
           <a:prstGeom prst="rect">
             <a:avLst/>
@@ -3123,14 +3122,19 @@
           <a:lstStyle/>
           <a:p>
             <a:r>
+              <a:rPr lang="en-US" sz="1050" b="1" dirty="0">
+                <a:latin typeface="Univers Condensed" panose="020B0506020202050204" pitchFamily="34" charset="0"/>
+                <a:cs typeface="Times New Roman" pitchFamily="18" charset="0"/>
+              </a:rPr>
+              <a:t>Mobile:</a:t>
+            </a:r>
+            <a:r>
               <a:rPr lang="en-US" sz="1050" dirty="0">
                 <a:latin typeface="Univers Condensed" panose="020B0506020202050204" pitchFamily="34" charset="0"/>
                 <a:cs typeface="Times New Roman" pitchFamily="18" charset="0"/>
               </a:rPr>
-              <a:t>Mobile: (086) 181-0189-9296</a:t>
-            </a:r>
-          </a:p>
-          <a:p>
+              <a:t> (086) 181-0189-9296                               </a:t>
+            </a:r>
             <a:r>
               <a:rPr lang="en-US" sz="1050" b="1" dirty="0">
                 <a:latin typeface="Univers Condensed" panose="020B0506020202050204" pitchFamily="34" charset="0"/>
@@ -3191,7 +3195,32 @@
                 <a:latin typeface="Univers Condensed" panose="020B0506020202050204" pitchFamily="34" charset="0"/>
                 <a:cs typeface="Times New Roman" pitchFamily="18" charset="0"/>
               </a:rPr>
-              <a:t>Education</a:t>
+              <a:t>Education and Academia</a:t>
+            </a:r>
+          </a:p>
+          <a:p>
+            <a:r>
+              <a:rPr lang="en-US" altLang="zh-CN" sz="1050" dirty="0">
+                <a:latin typeface="Univers Condensed" panose="020B0506020202050204" pitchFamily="34" charset="0"/>
+                <a:cs typeface="Times New Roman" pitchFamily="18" charset="0"/>
+              </a:rPr>
+              <a:t>Sep. 2010 – April 2011</a:t>
+            </a:r>
+          </a:p>
+          <a:p>
+            <a:r>
+              <a:rPr lang="en-US" altLang="zh-CN" sz="1050" b="1" dirty="0">
+                <a:latin typeface="Univers Condensed" panose="020B0506020202050204" pitchFamily="34" charset="0"/>
+                <a:cs typeface="Times New Roman" pitchFamily="18" charset="0"/>
+              </a:rPr>
+              <a:t>Postdoc</a:t>
+            </a:r>
+            <a:r>
+              <a:rPr lang="en-US" altLang="zh-CN" sz="1050" dirty="0">
+                <a:latin typeface="Univers Condensed" panose="020B0506020202050204" pitchFamily="34" charset="0"/>
+                <a:cs typeface="Times New Roman" pitchFamily="18" charset="0"/>
+              </a:rPr>
+              <a:t> (joint project), Department of Electrical &amp; Computer Engineering, NUS, Singapore &amp; Internet Graphics Group, Microsoft Research Asia (MSRA), Beijing, China</a:t>
             </a:r>
           </a:p>
           <a:p>
@@ -3221,202 +3250,53 @@
             </a:r>
           </a:p>
           <a:p>
-            <a:pPr marL="179388" indent="-179388">
-              <a:buFont typeface="Wingdings" pitchFamily="2" charset="2"/>
-              <a:buChar char="§"/>
-            </a:pPr>
             <a:r>
               <a:rPr lang="en-US" sz="1050" dirty="0">
                 <a:latin typeface="Univers Condensed" panose="020B0506020202050204" pitchFamily="34" charset="0"/>
                 <a:cs typeface="Times New Roman" pitchFamily="18" charset="0"/>
               </a:rPr>
-              <a:t>Advisors: Dr. Pedro V. Sander and Dr. Chi-Wing Fu.</a:t>
-            </a:r>
-          </a:p>
-          <a:p>
-            <a:pPr marL="179388" indent="-179388">
-              <a:buFont typeface="Wingdings" pitchFamily="2" charset="2"/>
-              <a:buChar char="§"/>
-            </a:pPr>
+              <a:t>Sep.2004 – June 2006</a:t>
+            </a:r>
+          </a:p>
+          <a:p>
+            <a:r>
+              <a:rPr lang="en-US" sz="1050" b="1" dirty="0">
+                <a:latin typeface="Univers Condensed" panose="020B0506020202050204" pitchFamily="34" charset="0"/>
+                <a:cs typeface="Times New Roman" pitchFamily="18" charset="0"/>
+              </a:rPr>
+              <a:t>Master</a:t>
+            </a:r>
             <a:r>
               <a:rPr lang="en-US" sz="1050" dirty="0">
                 <a:latin typeface="Univers Condensed" panose="020B0506020202050204" pitchFamily="34" charset="0"/>
                 <a:cs typeface="Times New Roman" pitchFamily="18" charset="0"/>
               </a:rPr>
-              <a:t>Area of study: Computer Graphics.</a:t>
-            </a:r>
-          </a:p>
-          <a:p>
-            <a:pPr marL="179388" indent="-179388">
-              <a:buFont typeface="Wingdings" pitchFamily="2" charset="2"/>
-              <a:buChar char="§"/>
-            </a:pPr>
+              <a:t>, Computer Science and Engineering, Zhejiang University, P. R. China</a:t>
+            </a:r>
+          </a:p>
+          <a:p>
             <a:r>
               <a:rPr lang="en-US" sz="1050" dirty="0">
                 <a:latin typeface="Univers Condensed" panose="020B0506020202050204" pitchFamily="34" charset="0"/>
                 <a:cs typeface="Times New Roman" pitchFamily="18" charset="0"/>
               </a:rPr>
-              <a:t>GGA : 9.93 (A-).</a:t>
-            </a:r>
-          </a:p>
-          <a:p>
-            <a:endParaRPr lang="en-US" sz="1050" dirty="0">
-              <a:latin typeface="Univers Condensed" panose="020B0506020202050204" pitchFamily="34" charset="0"/>
-              <a:cs typeface="Times New Roman" pitchFamily="18" charset="0"/>
-            </a:endParaRPr>
-          </a:p>
-          <a:p>
+              <a:t>Sep. 2000 - June 2004</a:t>
+            </a:r>
+          </a:p>
+          <a:p>
+            <a:r>
+              <a:rPr lang="en-US" sz="1050" b="1" dirty="0">
+                <a:latin typeface="Univers Condensed" panose="020B0506020202050204" pitchFamily="34" charset="0"/>
+                <a:cs typeface="Times New Roman" pitchFamily="18" charset="0"/>
+              </a:rPr>
+              <a:t>B.E.</a:t>
+            </a:r>
             <a:r>
               <a:rPr lang="en-US" sz="1050" dirty="0">
                 <a:latin typeface="Univers Condensed" panose="020B0506020202050204" pitchFamily="34" charset="0"/>
                 <a:cs typeface="Times New Roman" pitchFamily="18" charset="0"/>
               </a:rPr>
-              <a:t>Sep.2004 – June 2006</a:t>
-            </a:r>
-          </a:p>
-          <a:p>
-            <a:r>
-              <a:rPr lang="en-US" sz="1050" b="1" dirty="0">
-                <a:latin typeface="Univers Condensed" panose="020B0506020202050204" pitchFamily="34" charset="0"/>
-                <a:cs typeface="Times New Roman" pitchFamily="18" charset="0"/>
-              </a:rPr>
-              <a:t>Master</a:t>
-            </a:r>
-            <a:r>
-              <a:rPr lang="en-US" sz="1050" dirty="0">
-                <a:latin typeface="Univers Condensed" panose="020B0506020202050204" pitchFamily="34" charset="0"/>
-                <a:cs typeface="Times New Roman" pitchFamily="18" charset="0"/>
-              </a:rPr>
               <a:t>, Computer Science and Engineering, Zhejiang University, P. R. China</a:t>
-            </a:r>
-          </a:p>
-          <a:p>
-            <a:pPr marL="179388" indent="-179388">
-              <a:buFont typeface="Wingdings" pitchFamily="2" charset="2"/>
-              <a:buChar char="§"/>
-            </a:pPr>
-            <a:r>
-              <a:rPr lang="en-US" altLang="zh-CN" sz="1050" dirty="0">
-                <a:latin typeface="Univers Condensed" panose="020B0506020202050204" pitchFamily="34" charset="0"/>
-                <a:cs typeface="Times New Roman" pitchFamily="18" charset="0"/>
-              </a:rPr>
-              <a:t>Advisor: Prof. </a:t>
-            </a:r>
-            <a:r>
-              <a:rPr lang="en-US" altLang="zh-CN" sz="1050" dirty="0" err="1">
-                <a:latin typeface="Univers Condensed" panose="020B0506020202050204" pitchFamily="34" charset="0"/>
-                <a:cs typeface="Times New Roman" pitchFamily="18" charset="0"/>
-              </a:rPr>
-              <a:t>Sanyuan</a:t>
-            </a:r>
-            <a:r>
-              <a:rPr lang="en-US" altLang="zh-CN" sz="1050" dirty="0">
-                <a:latin typeface="Univers Condensed" panose="020B0506020202050204" pitchFamily="34" charset="0"/>
-                <a:cs typeface="Times New Roman" pitchFamily="18" charset="0"/>
-              </a:rPr>
-              <a:t> Zhang and Prof. </a:t>
-            </a:r>
-            <a:r>
-              <a:rPr lang="en-US" altLang="zh-CN" sz="1050" dirty="0" err="1">
-                <a:latin typeface="Univers Condensed" panose="020B0506020202050204" pitchFamily="34" charset="0"/>
-                <a:cs typeface="Times New Roman" pitchFamily="18" charset="0"/>
-              </a:rPr>
-              <a:t>Xiuzi</a:t>
-            </a:r>
-            <a:r>
-              <a:rPr lang="en-US" altLang="zh-CN" sz="1050" dirty="0">
-                <a:latin typeface="Univers Condensed" panose="020B0506020202050204" pitchFamily="34" charset="0"/>
-                <a:cs typeface="Times New Roman" pitchFamily="18" charset="0"/>
-              </a:rPr>
-              <a:t> Ye</a:t>
-            </a:r>
-          </a:p>
-          <a:p>
-            <a:pPr marL="179388" indent="-179388">
-              <a:buFont typeface="Wingdings" pitchFamily="2" charset="2"/>
-              <a:buChar char="§"/>
-            </a:pPr>
-            <a:r>
-              <a:rPr lang="en-US" altLang="zh-CN" sz="1050" dirty="0">
-                <a:latin typeface="Univers Condensed" panose="020B0506020202050204" pitchFamily="34" charset="0"/>
-                <a:cs typeface="Times New Roman" pitchFamily="18" charset="0"/>
-              </a:rPr>
-              <a:t>Area of study: Computer-Aided Design.</a:t>
-            </a:r>
-            <a:endParaRPr lang="en-US" sz="1050" dirty="0">
-              <a:latin typeface="Univers Condensed" panose="020B0506020202050204" pitchFamily="34" charset="0"/>
-              <a:cs typeface="Times New Roman" pitchFamily="18" charset="0"/>
-            </a:endParaRPr>
-          </a:p>
-          <a:p>
-            <a:endParaRPr lang="en-US" sz="1200" dirty="0">
-              <a:latin typeface="Univers Condensed" panose="020B0506020202050204" pitchFamily="34" charset="0"/>
-              <a:cs typeface="Times New Roman" pitchFamily="18" charset="0"/>
-            </a:endParaRPr>
-          </a:p>
-          <a:p>
-            <a:r>
-              <a:rPr lang="en-US" sz="1050" dirty="0">
-                <a:latin typeface="Univers Condensed" panose="020B0506020202050204" pitchFamily="34" charset="0"/>
-                <a:cs typeface="Times New Roman" pitchFamily="18" charset="0"/>
-              </a:rPr>
-              <a:t>Sep. 2000 - June 2004</a:t>
-            </a:r>
-          </a:p>
-          <a:p>
-            <a:r>
-              <a:rPr lang="en-US" sz="1050" b="1" dirty="0">
-                <a:latin typeface="Univers Condensed" panose="020B0506020202050204" pitchFamily="34" charset="0"/>
-                <a:cs typeface="Times New Roman" pitchFamily="18" charset="0"/>
-              </a:rPr>
-              <a:t>B.E.</a:t>
-            </a:r>
-            <a:r>
-              <a:rPr lang="en-US" sz="1050" dirty="0">
-                <a:latin typeface="Univers Condensed" panose="020B0506020202050204" pitchFamily="34" charset="0"/>
-                <a:cs typeface="Times New Roman" pitchFamily="18" charset="0"/>
-              </a:rPr>
-              <a:t>, Computer Science and Engineering, Zhejiang University, P. R. China</a:t>
-            </a:r>
-          </a:p>
-          <a:p>
-            <a:pPr marL="179388" indent="-179388">
-              <a:buFont typeface="Wingdings" pitchFamily="2" charset="2"/>
-              <a:buChar char="§"/>
-            </a:pPr>
-            <a:r>
-              <a:rPr lang="en-US" sz="1050" dirty="0">
-                <a:latin typeface="Univers Condensed" panose="020B0506020202050204" pitchFamily="34" charset="0"/>
-                <a:cs typeface="Times New Roman" pitchFamily="18" charset="0"/>
-              </a:rPr>
-              <a:t>Mixed class, Chu </a:t>
-            </a:r>
-            <a:r>
-              <a:rPr lang="en-US" sz="1050" dirty="0" err="1">
-                <a:latin typeface="Univers Condensed" panose="020B0506020202050204" pitchFamily="34" charset="0"/>
-                <a:cs typeface="Times New Roman" pitchFamily="18" charset="0"/>
-              </a:rPr>
-              <a:t>Kochen</a:t>
-            </a:r>
-            <a:r>
-              <a:rPr lang="en-US" sz="1050" dirty="0">
-                <a:latin typeface="Univers Condensed" panose="020B0506020202050204" pitchFamily="34" charset="0"/>
-                <a:cs typeface="Times New Roman" pitchFamily="18" charset="0"/>
-              </a:rPr>
-              <a:t> Honors College.</a:t>
-            </a:r>
-          </a:p>
-          <a:p>
-            <a:pPr marL="179388" indent="-179388">
-              <a:buFont typeface="Wingdings" pitchFamily="2" charset="2"/>
-              <a:buChar char="§"/>
-            </a:pPr>
-            <a:r>
-              <a:rPr lang="en-US" sz="1050" dirty="0">
-                <a:latin typeface="Univers Condensed" panose="020B0506020202050204" pitchFamily="34" charset="0"/>
-                <a:cs typeface="Times New Roman" pitchFamily="18" charset="0"/>
-              </a:rPr>
-              <a:t>Overall GPA 3.69/4.00, Major GPA 3.88/4.00, Top 5%.</a:t>
             </a:r>
           </a:p>
           <a:p>
@@ -3460,7 +3340,7 @@
                 <a:latin typeface="Univers Condensed" panose="020B0506020202050204" pitchFamily="34" charset="0"/>
                 <a:cs typeface="Times New Roman" pitchFamily="18" charset="0"/>
               </a:rPr>
-              <a:t>, Tencent</a:t>
+              <a:t>, TEG, Tencent, Shanghai</a:t>
             </a:r>
           </a:p>
           <a:p>
@@ -3476,7 +3356,7 @@
                 <a:latin typeface="Univers Condensed" panose="020B0506020202050204" pitchFamily="34" charset="0"/>
                 <a:cs typeface="Times New Roman" pitchFamily="18" charset="0"/>
               </a:rPr>
-              <a:t>Built a cloud rendering engine and a 10+ people team from ground. This modern rendering engine adopts GPU-driven cluster based pipeline, the virtual shadow map, a node based material system, an authoring workflow based on Blender and few other cutting edge techniques.</a:t>
+              <a:t>Build a cloud rendering engine and a 10+ people team. We did GPU-driven cluster based pipeline, virtual shadow map, node based material system, an authoring workflow based on Blender and etc.</a:t>
             </a:r>
           </a:p>
           <a:p>
@@ -3492,7 +3372,7 @@
                 <a:latin typeface="Univers Condensed" panose="020B0506020202050204" pitchFamily="34" charset="0"/>
                 <a:cs typeface="Times New Roman" pitchFamily="18" charset="0"/>
               </a:rPr>
-              <a:t>Build a cloud game runtime (DCGR) for cloud Android game. This runtime stays above GPU hardware, and provides a handful of optimizations, e.g., frame interpolation,  batching, offloading rendering to mobile and etc.</a:t>
+              <a:t>Build a runtime for cloud Android game. It stays above GPU hardware, and provides a handful of optimizations, e.g., frame interpolation,  batching, offloading rendering to mobile and etc.</a:t>
             </a:r>
           </a:p>
           <a:p>
@@ -3508,35 +3388,7 @@
                 <a:latin typeface="Univers Condensed" panose="020B0506020202050204" pitchFamily="34" charset="0"/>
                 <a:cs typeface="Times New Roman" pitchFamily="18" charset="0"/>
               </a:rPr>
-              <a:t>Start moving from graphics to </a:t>
-            </a:r>
-            <a:r>
-              <a:rPr lang="en-US" altLang="zh-CN" sz="1050" dirty="0" err="1">
-                <a:latin typeface="Univers Condensed" panose="020B0506020202050204" pitchFamily="34" charset="0"/>
-                <a:cs typeface="Times New Roman" pitchFamily="18" charset="0"/>
-              </a:rPr>
-              <a:t>llm</a:t>
-            </a:r>
-            <a:r>
-              <a:rPr lang="en-US" altLang="zh-CN" sz="1050" dirty="0">
-                <a:latin typeface="Univers Condensed" panose="020B0506020202050204" pitchFamily="34" charset="0"/>
-                <a:cs typeface="Times New Roman" pitchFamily="18" charset="0"/>
-              </a:rPr>
-              <a:t> slowly by reading papers and playing with opensource </a:t>
-            </a:r>
-            <a:r>
-              <a:rPr lang="en-US" altLang="zh-CN" sz="1050" dirty="0" err="1">
-                <a:latin typeface="Univers Condensed" panose="020B0506020202050204" pitchFamily="34" charset="0"/>
-                <a:cs typeface="Times New Roman" pitchFamily="18" charset="0"/>
-              </a:rPr>
-              <a:t>llm</a:t>
-            </a:r>
-            <a:r>
-              <a:rPr lang="en-US" altLang="zh-CN" sz="1050" dirty="0">
-                <a:latin typeface="Univers Condensed" panose="020B0506020202050204" pitchFamily="34" charset="0"/>
-                <a:cs typeface="Times New Roman" pitchFamily="18" charset="0"/>
-              </a:rPr>
-              <a:t> projects; know how to build a basic infer engine (llama2) from ground up; have some experience of training small models; did an</a:t>
+              <a:t>Start moving to LLM; know how to build a minimal infer engine (llama2); trained small models; did an</a:t>
             </a:r>
             <a:r>
               <a:rPr lang="zh-CN" altLang="en-US" sz="1050" dirty="0">
@@ -3564,7 +3416,7 @@
                 <a:latin typeface="Univers Condensed" panose="020B0506020202050204" pitchFamily="34" charset="0"/>
                 <a:cs typeface="Times New Roman" pitchFamily="18" charset="0"/>
               </a:rPr>
-              <a:t>project for gaming dev, including concept arts generation, model database and search, scene composition and such using DDPM and vector database.</a:t>
+              <a:t>project for gaming dev, using DDPM to create concept arts, milvus to search model database.</a:t>
             </a:r>
           </a:p>
           <a:p>
@@ -3595,7 +3447,21 @@
                 <a:latin typeface="Univers Condensed" panose="020B0506020202050204" pitchFamily="34" charset="0"/>
                 <a:cs typeface="Times New Roman" pitchFamily="18" charset="0"/>
               </a:rPr>
-              <a:t>, Huawei</a:t>
+              <a:t>, Central Software </a:t>
+            </a:r>
+            <a:r>
+              <a:rPr lang="en-US" altLang="zh-CN" sz="1050" dirty="0" err="1">
+                <a:latin typeface="Univers Condensed" panose="020B0506020202050204" pitchFamily="34" charset="0"/>
+                <a:cs typeface="Times New Roman" pitchFamily="18" charset="0"/>
+              </a:rPr>
+              <a:t>Institue</a:t>
+            </a:r>
+            <a:r>
+              <a:rPr lang="en-US" altLang="zh-CN" sz="1050" dirty="0">
+                <a:latin typeface="Univers Condensed" panose="020B0506020202050204" pitchFamily="34" charset="0"/>
+                <a:cs typeface="Times New Roman" pitchFamily="18" charset="0"/>
+              </a:rPr>
+              <a:t>, Huawei, Shanghai</a:t>
             </a:r>
           </a:p>
           <a:p>
@@ -3611,7 +3477,7 @@
                 <a:latin typeface="Univers Condensed" panose="020B0506020202050204" pitchFamily="34" charset="0"/>
                 <a:cs typeface="Times New Roman" pitchFamily="18" charset="0"/>
               </a:rPr>
-              <a:t>The chief architect of Huawei Phoenix Graphics Engine, the author of Huawei software ray tracing core solution, and proposed several rendering techniques which are used in Huawei HMS graphics acceleration solution kit.</a:t>
+              <a:t>The chief architect of Huawei Phoenix Graphics Engine, the author of Huawei software ray tracing core, and led the development of several rendering techniques in Huawei HMS kit.</a:t>
             </a:r>
           </a:p>
           <a:p>
@@ -3627,7 +3493,7 @@
                 <a:latin typeface="Univers Condensed" panose="020B0506020202050204" pitchFamily="34" charset="0"/>
                 <a:cs typeface="Times New Roman" pitchFamily="18" charset="0"/>
               </a:rPr>
-              <a:t>Wrote a middleware called es2vk which transcodes GLES to Vulkan API at runtime and kicked in some multi-threading tricks to make GLES run super fast. </a:t>
+              <a:t>Wrote a middleware called es2vk which transcodes GLES to Vulkan API at runtime and kicked in some multi-threading tricks to make it run super fast. </a:t>
             </a:r>
           </a:p>
           <a:p>
@@ -3679,19 +3545,8 @@
                 <a:latin typeface="Univers Condensed" panose="020B0506020202050204" pitchFamily="34" charset="0"/>
                 <a:cs typeface="Times New Roman" pitchFamily="18" charset="0"/>
               </a:rPr>
-              <a:t>, </a:t>
-            </a:r>
-            <a:r>
-              <a:rPr lang="en-US" altLang="zh-CN" sz="1050" dirty="0" err="1">
-                <a:latin typeface="Univers Condensed" panose="020B0506020202050204" pitchFamily="34" charset="0"/>
-                <a:cs typeface="Times New Roman" pitchFamily="18" charset="0"/>
-              </a:rPr>
-              <a:t>Inc</a:t>
-            </a:r>
-            <a:endParaRPr lang="en-US" altLang="zh-CN" sz="1050" dirty="0">
-              <a:latin typeface="Univers Condensed" panose="020B0506020202050204" pitchFamily="34" charset="0"/>
-              <a:cs typeface="Times New Roman" pitchFamily="18" charset="0"/>
-            </a:endParaRPr>
+              <a:t>, Inc, Shanghai</a:t>
+            </a:r>
           </a:p>
           <a:p>
             <a:pPr marL="182563" lvl="1" indent="-182563">
@@ -3781,8 +3636,253 @@
                 <a:latin typeface="Univers Condensed" panose="020B0506020202050204" pitchFamily="34" charset="0"/>
                 <a:cs typeface="Times New Roman" pitchFamily="18" charset="0"/>
               </a:rPr>
-              <a:t>Worked on GPU graphics units frontend design in GPU hardware design team. The work include several features in current generation of Nvidia GPU, i.e., Volta.</a:t>
-            </a:r>
+              <a:t>GPU graphics units frontend design in GPU about performance. The maintainer of VPC module. The work include several features in current generation of Nvidia GPU, i.e., Volta.</a:t>
+            </a:r>
+          </a:p>
+          <a:p>
+            <a:pPr marL="182563" lvl="1" indent="-182563">
+              <a:buFont typeface="Wingdings" pitchFamily="2" charset="2"/>
+              <a:buChar char="§"/>
+              <a:tabLst>
+                <a:tab pos="182563" algn="l"/>
+              </a:tabLst>
+            </a:pPr>
+            <a:endParaRPr lang="en-US" altLang="zh-CN" sz="1050" dirty="0">
+              <a:latin typeface="Univers Condensed" panose="020B0506020202050204" pitchFamily="34" charset="0"/>
+              <a:cs typeface="Times New Roman" pitchFamily="18" charset="0"/>
+            </a:endParaRPr>
+          </a:p>
+          <a:p>
+            <a:r>
+              <a:rPr lang="en-US" altLang="zh-CN" sz="1050" dirty="0" err="1">
+                <a:latin typeface="Univers Condensed" panose="020B0506020202050204" pitchFamily="34" charset="0"/>
+                <a:cs typeface="Times New Roman" pitchFamily="18" charset="0"/>
+              </a:rPr>
+              <a:t>Apri</a:t>
+            </a:r>
+            <a:r>
+              <a:rPr lang="en-US" altLang="zh-CN" sz="1050" dirty="0">
+                <a:latin typeface="Univers Condensed" panose="020B0506020202050204" pitchFamily="34" charset="0"/>
+                <a:cs typeface="Times New Roman" pitchFamily="18" charset="0"/>
+              </a:rPr>
+              <a:t>. 2013 – Feb. 2015</a:t>
+            </a:r>
+          </a:p>
+          <a:p>
+            <a:r>
+              <a:rPr lang="en-US" altLang="zh-CN" sz="1050" b="1" dirty="0">
+                <a:latin typeface="Univers Condensed" panose="020B0506020202050204" pitchFamily="34" charset="0"/>
+                <a:cs typeface="Times New Roman" pitchFamily="18" charset="0"/>
+              </a:rPr>
+              <a:t>Member of Technical Staff,</a:t>
+            </a:r>
+            <a:r>
+              <a:rPr lang="en-US" altLang="zh-CN" sz="1050" dirty="0">
+                <a:latin typeface="Univers Condensed" panose="020B0506020202050204" pitchFamily="34" charset="0"/>
+                <a:cs typeface="Times New Roman" pitchFamily="18" charset="0"/>
+              </a:rPr>
+              <a:t> Graphics Technology Initiatives, Advanced Micro Devices(Shanghai)Co. Ltd</a:t>
+            </a:r>
+          </a:p>
+          <a:p>
+            <a:pPr marL="182563" lvl="1" indent="-182563">
+              <a:buFont typeface="Wingdings" pitchFamily="2" charset="2"/>
+              <a:buChar char="§"/>
+              <a:tabLst>
+                <a:tab pos="182563" algn="l"/>
+              </a:tabLst>
+            </a:pPr>
+            <a:r>
+              <a:rPr lang="en-US" altLang="zh-CN" sz="1050" dirty="0">
+                <a:latin typeface="Univers Condensed" panose="020B0506020202050204" pitchFamily="34" charset="0"/>
+                <a:cs typeface="Times New Roman" pitchFamily="18" charset="0"/>
+              </a:rPr>
+              <a:t>Research real-time graphics rendering, e.g., grass, hair and </a:t>
+            </a:r>
+            <a:r>
+              <a:rPr lang="en-US" altLang="zh-CN" sz="1050" dirty="0" err="1">
+                <a:latin typeface="Univers Condensed" panose="020B0506020202050204" pitchFamily="34" charset="0"/>
+                <a:cs typeface="Times New Roman" pitchFamily="18" charset="0"/>
+              </a:rPr>
+              <a:t>upsampling</a:t>
+            </a:r>
+            <a:endParaRPr lang="en-US" altLang="zh-CN" sz="1050" dirty="0">
+              <a:latin typeface="Univers Condensed" panose="020B0506020202050204" pitchFamily="34" charset="0"/>
+              <a:cs typeface="Times New Roman" pitchFamily="18" charset="0"/>
+            </a:endParaRPr>
+          </a:p>
+          <a:p>
+            <a:pPr marL="182563" lvl="1" indent="-182563">
+              <a:buFont typeface="Wingdings" pitchFamily="2" charset="2"/>
+              <a:buChar char="§"/>
+              <a:tabLst>
+                <a:tab pos="182563" algn="l"/>
+              </a:tabLst>
+            </a:pPr>
+            <a:endParaRPr lang="en-US" altLang="zh-CN" sz="1050" dirty="0">
+              <a:latin typeface="Univers Condensed" panose="020B0506020202050204" pitchFamily="34" charset="0"/>
+              <a:cs typeface="Times New Roman" pitchFamily="18" charset="0"/>
+            </a:endParaRPr>
+          </a:p>
+          <a:p>
+            <a:r>
+              <a:rPr lang="en-US" altLang="zh-CN" sz="1050" dirty="0" err="1">
+                <a:latin typeface="Univers Condensed" panose="020B0506020202050204" pitchFamily="34" charset="0"/>
+                <a:cs typeface="Times New Roman" pitchFamily="18" charset="0"/>
+              </a:rPr>
+              <a:t>Apri</a:t>
+            </a:r>
+            <a:r>
+              <a:rPr lang="en-US" altLang="zh-CN" sz="1050" dirty="0">
+                <a:latin typeface="Univers Condensed" panose="020B0506020202050204" pitchFamily="34" charset="0"/>
+                <a:cs typeface="Times New Roman" pitchFamily="18" charset="0"/>
+              </a:rPr>
+              <a:t>. 2012 – May 2013</a:t>
+            </a:r>
+          </a:p>
+          <a:p>
+            <a:r>
+              <a:rPr lang="en-US" altLang="zh-CN" sz="1050" b="1" dirty="0">
+                <a:latin typeface="Univers Condensed" panose="020B0506020202050204" pitchFamily="34" charset="0"/>
+                <a:cs typeface="Times New Roman" pitchFamily="18" charset="0"/>
+              </a:rPr>
+              <a:t>Manager,</a:t>
+            </a:r>
+            <a:r>
+              <a:rPr lang="en-US" altLang="zh-CN" sz="1050" dirty="0">
+                <a:latin typeface="Univers Condensed" panose="020B0506020202050204" pitchFamily="34" charset="0"/>
+                <a:cs typeface="Times New Roman" pitchFamily="18" charset="0"/>
+              </a:rPr>
+              <a:t> </a:t>
+            </a:r>
+            <a:r>
+              <a:rPr lang="en-US" altLang="zh-CN" sz="1050" dirty="0" err="1">
+                <a:latin typeface="Univers Condensed" panose="020B0506020202050204" pitchFamily="34" charset="0"/>
+                <a:cs typeface="Times New Roman" pitchFamily="18" charset="0"/>
+              </a:rPr>
+              <a:t>Rightware</a:t>
+            </a:r>
+            <a:r>
+              <a:rPr lang="en-US" altLang="zh-CN" sz="1050" dirty="0">
+                <a:latin typeface="Univers Condensed" panose="020B0506020202050204" pitchFamily="34" charset="0"/>
+                <a:cs typeface="Times New Roman" pitchFamily="18" charset="0"/>
+              </a:rPr>
+              <a:t> Oy, Shanghai, China</a:t>
+            </a:r>
+          </a:p>
+          <a:p>
+            <a:pPr marL="182563" lvl="1" indent="-182563">
+              <a:buFont typeface="Wingdings" pitchFamily="2" charset="2"/>
+              <a:buChar char="§"/>
+              <a:tabLst>
+                <a:tab pos="182563" algn="l"/>
+              </a:tabLst>
+            </a:pPr>
+            <a:r>
+              <a:rPr lang="en-US" altLang="zh-CN" sz="1050" dirty="0">
+                <a:latin typeface="Univers Condensed" panose="020B0506020202050204" pitchFamily="34" charset="0"/>
+                <a:cs typeface="Times New Roman" pitchFamily="18" charset="0"/>
+              </a:rPr>
+              <a:t>Lead developer of local customer projects using Kanzi, including Lenovo, </a:t>
+            </a:r>
+            <a:r>
+              <a:rPr lang="en-US" altLang="zh-CN" sz="1050" dirty="0" err="1">
+                <a:latin typeface="Univers Condensed" panose="020B0506020202050204" pitchFamily="34" charset="0"/>
+                <a:cs typeface="Times New Roman" pitchFamily="18" charset="0"/>
+              </a:rPr>
+              <a:t>Gionee</a:t>
+            </a:r>
+            <a:r>
+              <a:rPr lang="en-US" altLang="zh-CN" sz="1050" dirty="0">
+                <a:latin typeface="Univers Condensed" panose="020B0506020202050204" pitchFamily="34" charset="0"/>
+                <a:cs typeface="Times New Roman" pitchFamily="18" charset="0"/>
+              </a:rPr>
+              <a:t>, </a:t>
+            </a:r>
+            <a:r>
+              <a:rPr lang="en-US" altLang="zh-CN" sz="1050" dirty="0" err="1">
+                <a:latin typeface="Univers Condensed" panose="020B0506020202050204" pitchFamily="34" charset="0"/>
+                <a:cs typeface="Times New Roman" pitchFamily="18" charset="0"/>
+              </a:rPr>
+              <a:t>Desay</a:t>
+            </a:r>
+            <a:r>
+              <a:rPr lang="en-US" altLang="zh-CN" sz="1050" dirty="0">
+                <a:latin typeface="Univers Condensed" panose="020B0506020202050204" pitchFamily="34" charset="0"/>
+                <a:cs typeface="Times New Roman" pitchFamily="18" charset="0"/>
+              </a:rPr>
+              <a:t> and etc.</a:t>
+            </a:r>
+          </a:p>
+          <a:p>
+            <a:pPr marL="0" lvl="1">
+              <a:tabLst>
+                <a:tab pos="182563" algn="l"/>
+              </a:tabLst>
+            </a:pPr>
+            <a:endParaRPr lang="en-US" altLang="zh-CN" sz="1050" dirty="0">
+              <a:latin typeface="Univers Condensed" panose="020B0506020202050204" pitchFamily="34" charset="0"/>
+              <a:cs typeface="Times New Roman" pitchFamily="18" charset="0"/>
+            </a:endParaRPr>
+          </a:p>
+          <a:p>
+            <a:r>
+              <a:rPr lang="en-US" altLang="zh-CN" sz="1050" dirty="0" err="1">
+                <a:latin typeface="Univers Condensed" panose="020B0506020202050204" pitchFamily="34" charset="0"/>
+                <a:cs typeface="Times New Roman" pitchFamily="18" charset="0"/>
+              </a:rPr>
+              <a:t>Apri</a:t>
+            </a:r>
+            <a:r>
+              <a:rPr lang="en-US" altLang="zh-CN" sz="1050" dirty="0">
+                <a:latin typeface="Univers Condensed" panose="020B0506020202050204" pitchFamily="34" charset="0"/>
+                <a:cs typeface="Times New Roman" pitchFamily="18" charset="0"/>
+              </a:rPr>
+              <a:t>. 2011 – March 2012</a:t>
+            </a:r>
+          </a:p>
+          <a:p>
+            <a:r>
+              <a:rPr lang="en-US" altLang="zh-CN" sz="1050" b="1" dirty="0">
+                <a:latin typeface="Univers Condensed" panose="020B0506020202050204" pitchFamily="34" charset="0"/>
+                <a:cs typeface="Times New Roman" pitchFamily="18" charset="0"/>
+              </a:rPr>
+              <a:t>Senior Engineer,</a:t>
+            </a:r>
+            <a:r>
+              <a:rPr lang="en-US" altLang="zh-CN" sz="1050" dirty="0">
+                <a:latin typeface="Univers Condensed" panose="020B0506020202050204" pitchFamily="34" charset="0"/>
+                <a:cs typeface="Times New Roman" pitchFamily="18" charset="0"/>
+              </a:rPr>
+              <a:t> Software Team, Advanced Micro Devices(Shanghai)Co. Ltd</a:t>
+            </a:r>
+          </a:p>
+          <a:p>
+            <a:pPr marL="182563" indent="-182563">
+              <a:buFont typeface="Wingdings" pitchFamily="2" charset="2"/>
+              <a:buChar char="§"/>
+              <a:tabLst>
+                <a:tab pos="182563" algn="l"/>
+              </a:tabLst>
+            </a:pPr>
+            <a:r>
+              <a:rPr lang="en-US" altLang="zh-CN" sz="1050" dirty="0">
+                <a:latin typeface="Univers Condensed" panose="020B0506020202050204" pitchFamily="34" charset="0"/>
+                <a:cs typeface="Times New Roman" pitchFamily="18" charset="0"/>
+              </a:rPr>
+              <a:t>OpenGL and WebGL driver optimization and bug fixing, like picking and fast copy path.</a:t>
+            </a:r>
+          </a:p>
+          <a:p>
+            <a:pPr marL="0" lvl="1">
+              <a:tabLst>
+                <a:tab pos="182563" algn="l"/>
+              </a:tabLst>
+            </a:pPr>
+            <a:endParaRPr lang="en-US" altLang="zh-CN" sz="1050" dirty="0">
+              <a:latin typeface="Univers Condensed" panose="020B0506020202050204" pitchFamily="34" charset="0"/>
+              <a:cs typeface="Times New Roman" pitchFamily="18" charset="0"/>
+            </a:endParaRPr>
           </a:p>
         </p:txBody>
       </p:sp>
@@ -3813,7 +3913,7 @@
                 <a:latin typeface="Times New Roman" pitchFamily="18" charset="0"/>
                 <a:cs typeface="Times New Roman" pitchFamily="18" charset="0"/>
               </a:rPr>
-              <a:t>1 of 3</a:t>
+              <a:t>1 of 2</a:t>
             </a:r>
           </a:p>
         </p:txBody>
@@ -3856,8 +3956,8 @@
         </p:nvSpPr>
         <p:spPr>
           <a:xfrm>
-            <a:off x="404664" y="704528"/>
-            <a:ext cx="5976664" cy="9271769"/>
+            <a:off x="404664" y="488504"/>
+            <a:ext cx="5976664" cy="6240170"/>
           </a:xfrm>
           <a:prstGeom prst="rect">
             <a:avLst/>
@@ -3871,18 +3971,11 @@
           <a:lstStyle/>
           <a:p>
             <a:r>
-              <a:rPr lang="en-US" altLang="zh-CN" sz="1050" dirty="0" err="1">
-                <a:latin typeface="Univers Condensed" panose="020B0506020202050204" pitchFamily="34" charset="0"/>
-                <a:cs typeface="Times New Roman" pitchFamily="18" charset="0"/>
-              </a:rPr>
-              <a:t>Apri</a:t>
-            </a:r>
-            <a:r>
-              <a:rPr lang="en-US" altLang="zh-CN" sz="1050" dirty="0">
-                <a:latin typeface="Univers Condensed" panose="020B0506020202050204" pitchFamily="34" charset="0"/>
-                <a:cs typeface="Times New Roman" pitchFamily="18" charset="0"/>
-              </a:rPr>
-              <a:t>. 2013 – Feb. 2015</a:t>
+              <a:rPr lang="en-US" altLang="zh-CN" sz="1400" b="1" dirty="0">
+                <a:latin typeface="Univers Condensed" panose="020B0506020202050204" pitchFamily="34" charset="0"/>
+                <a:cs typeface="Times New Roman" pitchFamily="18" charset="0"/>
+              </a:rPr>
+              <a:t>Publications &amp; Patents</a:t>
             </a:r>
           </a:p>
           <a:p>
@@ -3891,56 +3984,66 @@
                 <a:latin typeface="Univers Condensed" panose="020B0506020202050204" pitchFamily="34" charset="0"/>
                 <a:cs typeface="Times New Roman" pitchFamily="18" charset="0"/>
               </a:rPr>
-              <a:t>Member of Technical Staff,</a:t>
-            </a:r>
-            <a:r>
-              <a:rPr lang="en-US" altLang="zh-CN" sz="1050" dirty="0">
-                <a:latin typeface="Univers Condensed" panose="020B0506020202050204" pitchFamily="34" charset="0"/>
-                <a:cs typeface="Times New Roman" pitchFamily="18" charset="0"/>
-              </a:rPr>
-              <a:t> Graphics Technology Initiatives, Advanced Micro Devices(Shanghai)Co. Ltd</a:t>
-            </a:r>
-          </a:p>
-          <a:p>
-            <a:pPr marL="182563" lvl="1" indent="-182563">
-              <a:buFont typeface="Wingdings" pitchFamily="2" charset="2"/>
-              <a:buChar char="§"/>
-              <a:tabLst>
-                <a:tab pos="182563" algn="l"/>
-              </a:tabLst>
-            </a:pPr>
-            <a:r>
-              <a:rPr lang="en-US" altLang="zh-CN" sz="1050" dirty="0">
-                <a:latin typeface="Univers Condensed" panose="020B0506020202050204" pitchFamily="34" charset="0"/>
-                <a:cs typeface="Times New Roman" pitchFamily="18" charset="0"/>
-              </a:rPr>
-              <a:t>Research general graphics rendering high performance computing and problems.</a:t>
-            </a:r>
-          </a:p>
-          <a:p>
-            <a:pPr marL="182563" lvl="1" indent="-182563">
-              <a:buFont typeface="Wingdings" pitchFamily="2" charset="2"/>
-              <a:buChar char="§"/>
-              <a:tabLst>
-                <a:tab pos="182563" algn="l"/>
-              </a:tabLst>
-            </a:pPr>
-            <a:r>
-              <a:rPr lang="en-US" altLang="zh-CN" sz="1050" dirty="0">
-                <a:latin typeface="Univers Condensed" panose="020B0506020202050204" pitchFamily="34" charset="0"/>
-                <a:cs typeface="Times New Roman" pitchFamily="18" charset="0"/>
-              </a:rPr>
-              <a:t>Marketing technical support; back up marketing and sales team in business negotiation and marketing actions</a:t>
-            </a:r>
-          </a:p>
-          <a:p>
-            <a:pPr marL="182563" lvl="1" indent="-182563">
-              <a:buFont typeface="Wingdings" pitchFamily="2" charset="2"/>
-              <a:buChar char="§"/>
-              <a:tabLst>
-                <a:tab pos="182563" algn="l"/>
-              </a:tabLst>
-            </a:pPr>
+              <a:t>Hongwei Li, </a:t>
+            </a:r>
+            <a:r>
+              <a:rPr lang="zh-CN" altLang="en-US" sz="1050" i="1" dirty="0">
+                <a:latin typeface="微软雅黑" panose="020B0503020204020204" pitchFamily="34" charset="-122"/>
+                <a:ea typeface="微软雅黑" panose="020B0503020204020204" pitchFamily="34" charset="-122"/>
+                <a:cs typeface="Times New Roman" pitchFamily="18" charset="0"/>
+              </a:rPr>
+              <a:t>一种三维模型的快速渲染及</a:t>
+            </a:r>
+            <a:r>
+              <a:rPr lang="en-US" altLang="zh-CN" sz="1050" i="1" dirty="0">
+                <a:latin typeface="微软雅黑" panose="020B0503020204020204" pitchFamily="34" charset="-122"/>
+                <a:ea typeface="微软雅黑" panose="020B0503020204020204" pitchFamily="34" charset="-122"/>
+                <a:cs typeface="Times New Roman" pitchFamily="18" charset="0"/>
+              </a:rPr>
+              <a:t>CAD</a:t>
+            </a:r>
+            <a:r>
+              <a:rPr lang="zh-CN" altLang="en-US" sz="1050" i="1" dirty="0">
+                <a:latin typeface="微软雅黑" panose="020B0503020204020204" pitchFamily="34" charset="-122"/>
+                <a:ea typeface="微软雅黑" panose="020B0503020204020204" pitchFamily="34" charset="-122"/>
+                <a:cs typeface="Times New Roman" pitchFamily="18" charset="0"/>
+              </a:rPr>
+              <a:t>信息查询的系统和方法</a:t>
+            </a:r>
+            <a:r>
+              <a:rPr lang="zh-CN" altLang="en-US" sz="1050" dirty="0">
+                <a:latin typeface="Univers Condensed" panose="020B0506020202050204" pitchFamily="34" charset="0"/>
+                <a:ea typeface="微软雅黑" panose="020B0503020204020204" pitchFamily="34" charset="-122"/>
+                <a:cs typeface="Times New Roman" pitchFamily="18" charset="0"/>
+              </a:rPr>
+              <a:t> </a:t>
+            </a:r>
+            <a:r>
+              <a:rPr lang="en-US" altLang="zh-CN" sz="1050" dirty="0">
+                <a:latin typeface="Univers Condensed" panose="020B0506020202050204" pitchFamily="34" charset="0"/>
+                <a:ea typeface="微软雅黑" panose="020B0503020204020204" pitchFamily="34" charset="-122"/>
+                <a:cs typeface="Times New Roman" pitchFamily="18" charset="0"/>
+              </a:rPr>
+              <a:t>, CN107918665B </a:t>
+            </a:r>
+            <a:r>
+              <a:rPr lang="zh-CN" altLang="en-US" sz="1050" dirty="0">
+                <a:latin typeface="微软雅黑" panose="020B0503020204020204" pitchFamily="34" charset="-122"/>
+                <a:ea typeface="微软雅黑" panose="020B0503020204020204" pitchFamily="34" charset="-122"/>
+                <a:cs typeface="Times New Roman" pitchFamily="18" charset="0"/>
+              </a:rPr>
+              <a:t>发明专利</a:t>
+            </a:r>
+            <a:r>
+              <a:rPr lang="en-US" altLang="zh-CN" sz="1050" dirty="0">
+                <a:latin typeface="微软雅黑" panose="020B0503020204020204" pitchFamily="34" charset="-122"/>
+                <a:ea typeface="微软雅黑" panose="020B0503020204020204" pitchFamily="34" charset="-122"/>
+                <a:cs typeface="Times New Roman" pitchFamily="18" charset="0"/>
+              </a:rPr>
+              <a:t>, 2021</a:t>
+            </a:r>
+          </a:p>
+          <a:p>
             <a:endParaRPr lang="en-US" altLang="zh-CN" sz="1050" dirty="0">
               <a:latin typeface="Univers Condensed" panose="020B0506020202050204" pitchFamily="34" charset="0"/>
               <a:cs typeface="Times New Roman" pitchFamily="18" charset="0"/>
@@ -3952,83 +4055,106 @@
                 <a:latin typeface="Univers Condensed" panose="020B0506020202050204" pitchFamily="34" charset="0"/>
                 <a:cs typeface="Times New Roman" pitchFamily="18" charset="0"/>
               </a:rPr>
-              <a:t>Apri</a:t>
-            </a:r>
-            <a:r>
-              <a:rPr lang="en-US" altLang="zh-CN" sz="1050" dirty="0">
-                <a:latin typeface="Univers Condensed" panose="020B0506020202050204" pitchFamily="34" charset="0"/>
-                <a:cs typeface="Times New Roman" pitchFamily="18" charset="0"/>
-              </a:rPr>
-              <a:t>. 2012 – May 2013</a:t>
-            </a:r>
-          </a:p>
-          <a:p>
+              <a:t>Dongsoo</a:t>
+            </a:r>
+            <a:r>
+              <a:rPr lang="en-US" altLang="zh-CN" sz="1050" dirty="0">
+                <a:latin typeface="Univers Condensed" panose="020B0506020202050204" pitchFamily="34" charset="0"/>
+                <a:cs typeface="Times New Roman" pitchFamily="18" charset="0"/>
+              </a:rPr>
+              <a:t> Han and </a:t>
+            </a:r>
             <a:r>
               <a:rPr lang="en-US" altLang="zh-CN" sz="1050" b="1" dirty="0">
                 <a:latin typeface="Univers Condensed" panose="020B0506020202050204" pitchFamily="34" charset="0"/>
                 <a:cs typeface="Times New Roman" pitchFamily="18" charset="0"/>
               </a:rPr>
-              <a:t>Manager,</a:t>
-            </a:r>
-            <a:r>
-              <a:rPr lang="en-US" altLang="zh-CN" sz="1050" dirty="0">
-                <a:latin typeface="Univers Condensed" panose="020B0506020202050204" pitchFamily="34" charset="0"/>
-                <a:cs typeface="Times New Roman" pitchFamily="18" charset="0"/>
-              </a:rPr>
-              <a:t> </a:t>
-            </a:r>
+              <a:t>Hongwei Li</a:t>
+            </a:r>
+            <a:r>
+              <a:rPr lang="en-US" altLang="zh-CN" sz="1050" dirty="0">
+                <a:latin typeface="Univers Condensed" panose="020B0506020202050204" pitchFamily="34" charset="0"/>
+                <a:cs typeface="Times New Roman" pitchFamily="18" charset="0"/>
+              </a:rPr>
+              <a:t> , </a:t>
+            </a:r>
+            <a:r>
+              <a:rPr lang="en-US" altLang="zh-CN" sz="1050" i="1" dirty="0">
+                <a:latin typeface="Univers Condensed" panose="020B0506020202050204" pitchFamily="34" charset="0"/>
+                <a:cs typeface="Times New Roman" pitchFamily="18" charset="0"/>
+              </a:rPr>
+              <a:t>Grass rendering and simulation with LOD</a:t>
+            </a:r>
+            <a:r>
+              <a:rPr lang="en-US" altLang="zh-CN" sz="1050" dirty="0">
+                <a:latin typeface="Univers Condensed" panose="020B0506020202050204" pitchFamily="34" charset="0"/>
+                <a:cs typeface="Times New Roman" pitchFamily="18" charset="0"/>
+              </a:rPr>
+              <a:t>. GPU Pro 6, A K Peters, 2015</a:t>
+            </a:r>
+          </a:p>
+          <a:p>
+            <a:endParaRPr lang="en-US" altLang="zh-CN" sz="1050" b="1" dirty="0">
+              <a:latin typeface="Univers Condensed" panose="020B0506020202050204" pitchFamily="34" charset="0"/>
+              <a:cs typeface="Times New Roman" pitchFamily="18" charset="0"/>
+            </a:endParaRPr>
+          </a:p>
+          <a:p>
             <a:r>
               <a:rPr lang="en-US" altLang="zh-CN" sz="1050" dirty="0" err="1">
                 <a:latin typeface="Univers Condensed" panose="020B0506020202050204" pitchFamily="34" charset="0"/>
                 <a:cs typeface="Times New Roman" pitchFamily="18" charset="0"/>
               </a:rPr>
-              <a:t>Rightware</a:t>
-            </a:r>
-            <a:r>
-              <a:rPr lang="en-US" altLang="zh-CN" sz="1050" dirty="0">
-                <a:latin typeface="Univers Condensed" panose="020B0506020202050204" pitchFamily="34" charset="0"/>
-                <a:cs typeface="Times New Roman" pitchFamily="18" charset="0"/>
-              </a:rPr>
-              <a:t> Oy, Shanghai, China</a:t>
-            </a:r>
-          </a:p>
-          <a:p>
-            <a:pPr marL="182563" lvl="1" indent="-182563">
-              <a:buFont typeface="Wingdings" pitchFamily="2" charset="2"/>
-              <a:buChar char="§"/>
-              <a:tabLst>
-                <a:tab pos="182563" algn="l"/>
-              </a:tabLst>
-            </a:pPr>
-            <a:r>
-              <a:rPr lang="en-US" altLang="zh-CN" sz="1050" dirty="0">
-                <a:latin typeface="Univers Condensed" panose="020B0506020202050204" pitchFamily="34" charset="0"/>
-                <a:cs typeface="Times New Roman" pitchFamily="18" charset="0"/>
-              </a:rPr>
-              <a:t>Project management; oversee customer project work flow from requirement collection to final delivery and quality guarantee. </a:t>
-            </a:r>
-          </a:p>
-          <a:p>
-            <a:pPr marL="182563" lvl="1" indent="-182563">
-              <a:buFont typeface="Wingdings" pitchFamily="2" charset="2"/>
-              <a:buChar char="§"/>
-              <a:tabLst>
-                <a:tab pos="182563" algn="l"/>
-              </a:tabLst>
-            </a:pPr>
-            <a:r>
-              <a:rPr lang="en-US" altLang="zh-CN" sz="1050" dirty="0">
-                <a:latin typeface="Univers Condensed" panose="020B0506020202050204" pitchFamily="34" charset="0"/>
-                <a:cs typeface="Times New Roman" pitchFamily="18" charset="0"/>
-              </a:rPr>
-              <a:t>Technical pre-sales for Kanzi products; worked closely with VP of sales in customer contact; built relationship with domestic major players, e.g., Lenovo, </a:t>
+              <a:t>Zengzhi</a:t>
+            </a:r>
+            <a:r>
+              <a:rPr lang="en-US" altLang="zh-CN" sz="1050" dirty="0">
+                <a:latin typeface="Univers Condensed" panose="020B0506020202050204" pitchFamily="34" charset="0"/>
+                <a:cs typeface="Times New Roman" pitchFamily="18" charset="0"/>
+              </a:rPr>
+              <a:t> Fan, </a:t>
+            </a:r>
+            <a:r>
+              <a:rPr lang="en-US" altLang="zh-CN" sz="1050" b="1" dirty="0" err="1">
+                <a:latin typeface="Univers Condensed" panose="020B0506020202050204" pitchFamily="34" charset="0"/>
+                <a:cs typeface="Times New Roman" pitchFamily="18" charset="0"/>
+              </a:rPr>
+              <a:t>Hongwei</a:t>
+            </a:r>
+            <a:r>
+              <a:rPr lang="en-US" altLang="zh-CN" sz="1050" b="1" dirty="0">
+                <a:latin typeface="Univers Condensed" panose="020B0506020202050204" pitchFamily="34" charset="0"/>
+                <a:cs typeface="Times New Roman" pitchFamily="18" charset="0"/>
+              </a:rPr>
+              <a:t> Li</a:t>
+            </a:r>
+            <a:r>
+              <a:rPr lang="en-US" altLang="zh-CN" sz="1050" dirty="0">
+                <a:latin typeface="Univers Condensed" panose="020B0506020202050204" pitchFamily="34" charset="0"/>
+                <a:cs typeface="Times New Roman" pitchFamily="18" charset="0"/>
+              </a:rPr>
+              <a:t>, Karl </a:t>
             </a:r>
             <a:r>
               <a:rPr lang="en-US" altLang="zh-CN" sz="1050" dirty="0" err="1">
                 <a:latin typeface="Univers Condensed" panose="020B0506020202050204" pitchFamily="34" charset="0"/>
                 <a:cs typeface="Times New Roman" pitchFamily="18" charset="0"/>
               </a:rPr>
-              <a:t>Gionee</a:t>
+              <a:t>Hillesland</a:t>
+            </a:r>
+            <a:r>
+              <a:rPr lang="en-US" altLang="zh-CN" sz="1050" dirty="0">
+                <a:latin typeface="Univers Condensed" panose="020B0506020202050204" pitchFamily="34" charset="0"/>
+                <a:cs typeface="Times New Roman" pitchFamily="18" charset="0"/>
+              </a:rPr>
+              <a:t> and Bin </a:t>
+            </a:r>
+            <a:r>
+              <a:rPr lang="en-US" altLang="zh-CN" sz="1050" dirty="0" err="1">
+                <a:latin typeface="Univers Condensed" panose="020B0506020202050204" pitchFamily="34" charset="0"/>
+                <a:cs typeface="Times New Roman" pitchFamily="18" charset="0"/>
+              </a:rPr>
+              <a:t>Shen</a:t>
             </a:r>
             <a:r>
               <a:rPr lang="en-US" altLang="zh-CN" sz="1050" dirty="0">
@@ -4038,34 +4164,141 @@
               <a:t>, </a:t>
             </a:r>
             <a:r>
+              <a:rPr lang="en-US" altLang="zh-CN" sz="1050" i="1" dirty="0" err="1">
+                <a:latin typeface="Univers Condensed" panose="020B0506020202050204" pitchFamily="34" charset="0"/>
+                <a:cs typeface="Times New Roman" pitchFamily="18" charset="0"/>
+              </a:rPr>
+              <a:t>Simualte</a:t>
+            </a:r>
+            <a:r>
+              <a:rPr lang="en-US" altLang="zh-CN" sz="1050" i="1" dirty="0">
+                <a:latin typeface="Univers Condensed" panose="020B0506020202050204" pitchFamily="34" charset="0"/>
+                <a:cs typeface="Times New Roman" pitchFamily="18" charset="0"/>
+              </a:rPr>
+              <a:t> and Render Millions of Grass Blades, </a:t>
+            </a:r>
+          </a:p>
+          <a:p>
+            <a:r>
+              <a:rPr lang="en-US" altLang="zh-CN" sz="1050" dirty="0">
+                <a:latin typeface="Univers Condensed" panose="020B0506020202050204" pitchFamily="34" charset="0"/>
+                <a:cs typeface="Times New Roman" pitchFamily="18" charset="0"/>
+              </a:rPr>
+              <a:t>ACM SIGGRAPH Interactive 3D Graphics and Games (I3D), 2015</a:t>
+            </a:r>
+          </a:p>
+          <a:p>
+            <a:endParaRPr lang="en-US" altLang="zh-CN" sz="1050" b="1" dirty="0">
+              <a:latin typeface="Univers Condensed" panose="020B0506020202050204" pitchFamily="34" charset="0"/>
+              <a:cs typeface="Times New Roman" pitchFamily="18" charset="0"/>
+            </a:endParaRPr>
+          </a:p>
+          <a:p>
+            <a:r>
+              <a:rPr lang="en-US" altLang="zh-CN" sz="1050" b="1" dirty="0" err="1">
+                <a:latin typeface="Univers Condensed" panose="020B0506020202050204" pitchFamily="34" charset="0"/>
+                <a:cs typeface="Times New Roman" pitchFamily="18" charset="0"/>
+              </a:rPr>
+              <a:t>Hongwei</a:t>
+            </a:r>
+            <a:r>
+              <a:rPr lang="en-US" altLang="zh-CN" sz="1050" b="1" dirty="0">
+                <a:latin typeface="Univers Condensed" panose="020B0506020202050204" pitchFamily="34" charset="0"/>
+                <a:cs typeface="Times New Roman" pitchFamily="18" charset="0"/>
+              </a:rPr>
+              <a:t> Li</a:t>
+            </a:r>
+            <a:r>
+              <a:rPr lang="en-US" altLang="zh-CN" sz="1050" dirty="0">
+                <a:latin typeface="Univers Condensed" panose="020B0506020202050204" pitchFamily="34" charset="0"/>
+                <a:cs typeface="Times New Roman" pitchFamily="18" charset="0"/>
+              </a:rPr>
+              <a:t>, Li-Yi Wei, Pedro V. Sander and Chi-Wing Fu. A</a:t>
+            </a:r>
+            <a:r>
+              <a:rPr lang="en-US" altLang="zh-CN" sz="1050" i="1" dirty="0">
+                <a:latin typeface="Univers Condensed" panose="020B0506020202050204" pitchFamily="34" charset="0"/>
+                <a:cs typeface="Times New Roman" pitchFamily="18" charset="0"/>
+              </a:rPr>
+              <a:t>nisotropic blue noise sampling</a:t>
+            </a:r>
+            <a:r>
+              <a:rPr lang="en-US" altLang="zh-CN" sz="1050" dirty="0">
+                <a:latin typeface="Univers Condensed" panose="020B0506020202050204" pitchFamily="34" charset="0"/>
+                <a:cs typeface="Times New Roman" pitchFamily="18" charset="0"/>
+              </a:rPr>
+              <a:t>. To appear at ACM Transactions on Graphics (TOG), (ACM SIGGRAPH Asia 2010), Dec 2010</a:t>
+            </a:r>
+          </a:p>
+          <a:p>
+            <a:endParaRPr lang="en-US" altLang="zh-CN" sz="1050" b="1" dirty="0">
+              <a:latin typeface="Univers Condensed" panose="020B0506020202050204" pitchFamily="34" charset="0"/>
+              <a:cs typeface="Times New Roman" pitchFamily="18" charset="0"/>
+            </a:endParaRPr>
+          </a:p>
+          <a:p>
+            <a:r>
+              <a:rPr lang="en-US" altLang="zh-CN" sz="1050" b="1" dirty="0" err="1">
+                <a:latin typeface="Univers Condensed" panose="020B0506020202050204" pitchFamily="34" charset="0"/>
+                <a:cs typeface="Times New Roman" pitchFamily="18" charset="0"/>
+              </a:rPr>
+              <a:t>Hongwei</a:t>
+            </a:r>
+            <a:r>
+              <a:rPr lang="en-US" altLang="zh-CN" sz="1050" b="1" dirty="0">
+                <a:latin typeface="Univers Condensed" panose="020B0506020202050204" pitchFamily="34" charset="0"/>
+                <a:cs typeface="Times New Roman" pitchFamily="18" charset="0"/>
+              </a:rPr>
+              <a:t> Li</a:t>
+            </a:r>
+            <a:r>
+              <a:rPr lang="en-US" altLang="zh-CN" sz="1050" dirty="0">
+                <a:latin typeface="Univers Condensed" panose="020B0506020202050204" pitchFamily="34" charset="0"/>
+                <a:cs typeface="Times New Roman" pitchFamily="18" charset="0"/>
+              </a:rPr>
+              <a:t>, Diego </a:t>
+            </a:r>
+            <a:r>
               <a:rPr lang="en-US" altLang="zh-CN" sz="1050" dirty="0" err="1">
                 <a:latin typeface="Univers Condensed" panose="020B0506020202050204" pitchFamily="34" charset="0"/>
                 <a:cs typeface="Times New Roman" pitchFamily="18" charset="0"/>
               </a:rPr>
-              <a:t>Desay</a:t>
-            </a:r>
-            <a:r>
-              <a:rPr lang="en-US" altLang="zh-CN" sz="1050" dirty="0">
-                <a:latin typeface="Univers Condensed" panose="020B0506020202050204" pitchFamily="34" charset="0"/>
-                <a:cs typeface="Times New Roman" pitchFamily="18" charset="0"/>
-              </a:rPr>
-              <a:t> and etc.</a:t>
-            </a:r>
-          </a:p>
-          <a:p>
-            <a:pPr marL="182563" lvl="1" indent="-182563">
-              <a:buFont typeface="Wingdings" pitchFamily="2" charset="2"/>
-              <a:buChar char="§"/>
-              <a:tabLst>
-                <a:tab pos="182563" algn="l"/>
-              </a:tabLst>
-            </a:pPr>
-            <a:r>
-              <a:rPr lang="en-US" altLang="zh-CN" sz="1050" dirty="0">
-                <a:latin typeface="Univers Condensed" panose="020B0506020202050204" pitchFamily="34" charset="0"/>
-                <a:cs typeface="Times New Roman" pitchFamily="18" charset="0"/>
-              </a:rPr>
-              <a:t> Lead engineer who is the architect and reviewer of all China projects.</a:t>
+              <a:t>Nehab</a:t>
+            </a:r>
+            <a:r>
+              <a:rPr lang="en-US" altLang="zh-CN" sz="1050" dirty="0">
+                <a:latin typeface="Univers Condensed" panose="020B0506020202050204" pitchFamily="34" charset="0"/>
+                <a:cs typeface="Times New Roman" pitchFamily="18" charset="0"/>
+              </a:rPr>
+              <a:t>, Li-Yi Wei, Pedro V. Sander and Chi-Wing Fu. </a:t>
+            </a:r>
+            <a:r>
+              <a:rPr lang="en-US" altLang="zh-CN" sz="1050" i="1" dirty="0">
+                <a:latin typeface="Univers Condensed" panose="020B0506020202050204" pitchFamily="34" charset="0"/>
+                <a:cs typeface="Times New Roman" pitchFamily="18" charset="0"/>
+              </a:rPr>
+              <a:t>Fast Capacity Constrained </a:t>
+            </a:r>
+            <a:r>
+              <a:rPr lang="en-US" altLang="zh-CN" sz="1050" i="1" dirty="0" err="1">
+                <a:latin typeface="Univers Condensed" panose="020B0506020202050204" pitchFamily="34" charset="0"/>
+                <a:cs typeface="Times New Roman" pitchFamily="18" charset="0"/>
+              </a:rPr>
+              <a:t>Voronoi</a:t>
+            </a:r>
+            <a:r>
+              <a:rPr lang="en-US" altLang="zh-CN" sz="1050" i="1" dirty="0">
+                <a:latin typeface="Univers Condensed" panose="020B0506020202050204" pitchFamily="34" charset="0"/>
+                <a:cs typeface="Times New Roman" pitchFamily="18" charset="0"/>
+              </a:rPr>
+              <a:t> Tessellation</a:t>
+            </a:r>
+            <a:r>
+              <a:rPr lang="en-US" altLang="zh-CN" sz="1050" dirty="0">
+                <a:latin typeface="Univers Condensed" panose="020B0506020202050204" pitchFamily="34" charset="0"/>
+                <a:cs typeface="Times New Roman" pitchFamily="18" charset="0"/>
+              </a:rPr>
+              <a:t>. Poster, ACM The ACM SIGGRAPH Symposium on Interactive 3D Graphics and Games (I3D), Feb.2010</a:t>
             </a:r>
           </a:p>
           <a:p>
@@ -4080,106 +4313,177 @@
                 <a:latin typeface="Univers Condensed" panose="020B0506020202050204" pitchFamily="34" charset="0"/>
                 <a:cs typeface="Times New Roman" pitchFamily="18" charset="0"/>
               </a:rPr>
-              <a:t>Apri</a:t>
-            </a:r>
-            <a:r>
-              <a:rPr lang="en-US" altLang="zh-CN" sz="1050" dirty="0">
-                <a:latin typeface="Univers Condensed" panose="020B0506020202050204" pitchFamily="34" charset="0"/>
-                <a:cs typeface="Times New Roman" pitchFamily="18" charset="0"/>
-              </a:rPr>
-              <a:t>. 2011 – March 2012</a:t>
-            </a:r>
-          </a:p>
-          <a:p>
+              <a:t>Kui</a:t>
+            </a:r>
+            <a:r>
+              <a:rPr lang="en-US" altLang="zh-CN" sz="1050" dirty="0">
+                <a:latin typeface="Univers Condensed" panose="020B0506020202050204" pitchFamily="34" charset="0"/>
+                <a:cs typeface="Times New Roman" pitchFamily="18" charset="0"/>
+              </a:rPr>
+              <a:t>-Yip Lo, Chi-Wing Fu and </a:t>
+            </a:r>
+            <a:r>
+              <a:rPr lang="en-US" altLang="zh-CN" sz="1050" b="1" dirty="0" err="1">
+                <a:latin typeface="Univers Condensed" panose="020B0506020202050204" pitchFamily="34" charset="0"/>
+                <a:cs typeface="Times New Roman" pitchFamily="18" charset="0"/>
+              </a:rPr>
+              <a:t>Hongwei</a:t>
+            </a:r>
             <a:r>
               <a:rPr lang="en-US" altLang="zh-CN" sz="1050" b="1" dirty="0">
                 <a:latin typeface="Univers Condensed" panose="020B0506020202050204" pitchFamily="34" charset="0"/>
                 <a:cs typeface="Times New Roman" pitchFamily="18" charset="0"/>
               </a:rPr>
-              <a:t>Senior Engineer,</a:t>
-            </a:r>
-            <a:r>
-              <a:rPr lang="en-US" altLang="zh-CN" sz="1050" dirty="0">
-                <a:latin typeface="Univers Condensed" panose="020B0506020202050204" pitchFamily="34" charset="0"/>
-                <a:cs typeface="Times New Roman" pitchFamily="18" charset="0"/>
-              </a:rPr>
-              <a:t> AMD Design and Research Center, Shanghai, China</a:t>
-            </a:r>
-          </a:p>
-          <a:p>
-            <a:pPr marL="182563" indent="-182563">
-              <a:buFont typeface="Wingdings" pitchFamily="2" charset="2"/>
-              <a:buChar char="§"/>
-              <a:tabLst>
-                <a:tab pos="182563" algn="l"/>
-              </a:tabLst>
-            </a:pPr>
-            <a:r>
-              <a:rPr lang="en-US" altLang="zh-CN" sz="1050" dirty="0">
-                <a:latin typeface="Univers Condensed" panose="020B0506020202050204" pitchFamily="34" charset="0"/>
-                <a:cs typeface="Times New Roman" pitchFamily="18" charset="0"/>
-              </a:rPr>
-              <a:t>OpenGL driver development (Windows and Linux); did some optimization in driver like picking; validated the OpenGL functionality for Chrome </a:t>
-            </a:r>
-            <a:r>
-              <a:rPr lang="en-US" altLang="zh-CN" sz="1050" dirty="0" err="1">
-                <a:latin typeface="Univers Condensed" panose="020B0506020202050204" pitchFamily="34" charset="0"/>
-                <a:cs typeface="Times New Roman" pitchFamily="18" charset="0"/>
-              </a:rPr>
-              <a:t>webgl</a:t>
-            </a:r>
-            <a:r>
-              <a:rPr lang="en-US" altLang="zh-CN" sz="1050" dirty="0">
-                <a:latin typeface="Univers Condensed" panose="020B0506020202050204" pitchFamily="34" charset="0"/>
-                <a:cs typeface="Times New Roman" pitchFamily="18" charset="0"/>
-              </a:rPr>
-              <a:t> and fixed a few bugs.</a:t>
-            </a:r>
-          </a:p>
-          <a:p>
-            <a:pPr marL="182563" indent="-182563">
-              <a:buFont typeface="Wingdings" pitchFamily="2" charset="2"/>
-              <a:buChar char="§"/>
-              <a:tabLst>
-                <a:tab pos="182563" algn="l"/>
-              </a:tabLst>
-            </a:pPr>
-            <a:r>
-              <a:rPr lang="en-US" altLang="zh-CN" sz="1050" dirty="0">
-                <a:latin typeface="Univers Condensed" panose="020B0506020202050204" pitchFamily="34" charset="0"/>
-                <a:cs typeface="Times New Roman" pitchFamily="18" charset="0"/>
-              </a:rPr>
-              <a:t>First runner-up in AMD internal </a:t>
-            </a:r>
-            <a:r>
-              <a:rPr lang="en-US" altLang="zh-CN" sz="1050" dirty="0" err="1">
-                <a:latin typeface="Univers Condensed" panose="020B0506020202050204" pitchFamily="34" charset="0"/>
-                <a:cs typeface="Times New Roman" pitchFamily="18" charset="0"/>
-              </a:rPr>
-              <a:t>OpenCL</a:t>
-            </a:r>
-            <a:r>
-              <a:rPr lang="en-US" altLang="zh-CN" sz="1050" dirty="0">
-                <a:latin typeface="Univers Condensed" panose="020B0506020202050204" pitchFamily="34" charset="0"/>
-                <a:cs typeface="Times New Roman" pitchFamily="18" charset="0"/>
-              </a:rPr>
-              <a:t> contest.</a:t>
-            </a:r>
-          </a:p>
-          <a:p>
-            <a:pPr marL="182563" indent="-182563">
-              <a:buFont typeface="Wingdings" pitchFamily="2" charset="2"/>
-              <a:buChar char="§"/>
-              <a:tabLst>
-                <a:tab pos="182563" algn="l"/>
-              </a:tabLst>
-            </a:pPr>
-            <a:r>
-              <a:rPr lang="en-US" altLang="zh-CN" sz="1050" dirty="0">
-                <a:latin typeface="Univers Condensed" panose="020B0506020202050204" pitchFamily="34" charset="0"/>
-                <a:cs typeface="Times New Roman" pitchFamily="18" charset="0"/>
-              </a:rPr>
-              <a:t>OpenGL training session lecturer.</a:t>
+              <a:t> Li</a:t>
+            </a:r>
+            <a:r>
+              <a:rPr lang="en-US" altLang="zh-CN" sz="1050" dirty="0">
+                <a:latin typeface="Univers Condensed" panose="020B0506020202050204" pitchFamily="34" charset="0"/>
+                <a:cs typeface="Times New Roman" pitchFamily="18" charset="0"/>
+              </a:rPr>
+              <a:t>. </a:t>
+            </a:r>
+            <a:r>
+              <a:rPr lang="en-US" altLang="zh-CN" sz="1050" i="1" dirty="0">
+                <a:latin typeface="Univers Condensed" panose="020B0506020202050204" pitchFamily="34" charset="0"/>
+                <a:cs typeface="Times New Roman" pitchFamily="18" charset="0"/>
+              </a:rPr>
+              <a:t>3D </a:t>
+            </a:r>
+            <a:r>
+              <a:rPr lang="en-US" altLang="zh-CN" sz="1050" i="1" dirty="0" err="1">
+                <a:latin typeface="Univers Condensed" panose="020B0506020202050204" pitchFamily="34" charset="0"/>
+                <a:cs typeface="Times New Roman" pitchFamily="18" charset="0"/>
+              </a:rPr>
+              <a:t>Polyomino</a:t>
+            </a:r>
+            <a:r>
+              <a:rPr lang="en-US" altLang="zh-CN" sz="1050" i="1" dirty="0">
+                <a:latin typeface="Univers Condensed" panose="020B0506020202050204" pitchFamily="34" charset="0"/>
+                <a:cs typeface="Times New Roman" pitchFamily="18" charset="0"/>
+              </a:rPr>
+              <a:t> Puzzle</a:t>
+            </a:r>
+            <a:r>
+              <a:rPr lang="en-US" altLang="zh-CN" sz="1050" dirty="0">
+                <a:latin typeface="Univers Condensed" panose="020B0506020202050204" pitchFamily="34" charset="0"/>
+                <a:cs typeface="Times New Roman" pitchFamily="18" charset="0"/>
+              </a:rPr>
+              <a:t>. ACM Transactions on Graphics (TOG), (ACM SIGGRAPH Asia 2009), Vol.28, no. 5, 2009</a:t>
+            </a:r>
+          </a:p>
+          <a:p>
+            <a:endParaRPr lang="en-US" altLang="zh-CN" sz="1050" b="1" dirty="0">
+              <a:latin typeface="Univers Condensed" panose="020B0506020202050204" pitchFamily="34" charset="0"/>
+              <a:cs typeface="Times New Roman" pitchFamily="18" charset="0"/>
+            </a:endParaRPr>
+          </a:p>
+          <a:p>
+            <a:r>
+              <a:rPr lang="en-US" altLang="zh-CN" sz="1050" b="1" dirty="0" err="1">
+                <a:latin typeface="Univers Condensed" panose="020B0506020202050204" pitchFamily="34" charset="0"/>
+                <a:cs typeface="Times New Roman" pitchFamily="18" charset="0"/>
+              </a:rPr>
+              <a:t>Hongwei</a:t>
+            </a:r>
+            <a:r>
+              <a:rPr lang="en-US" altLang="zh-CN" sz="1050" b="1" dirty="0">
+                <a:latin typeface="Univers Condensed" panose="020B0506020202050204" pitchFamily="34" charset="0"/>
+                <a:cs typeface="Times New Roman" pitchFamily="18" charset="0"/>
+              </a:rPr>
+              <a:t> Li</a:t>
+            </a:r>
+            <a:r>
+              <a:rPr lang="en-US" altLang="zh-CN" sz="1050" dirty="0">
+                <a:latin typeface="Univers Condensed" panose="020B0506020202050204" pitchFamily="34" charset="0"/>
+                <a:cs typeface="Times New Roman" pitchFamily="18" charset="0"/>
+              </a:rPr>
+              <a:t>, Li-Yi Wei, Pedro V. Sander and Chi-Wing Fu. </a:t>
+            </a:r>
+            <a:r>
+              <a:rPr lang="en-US" altLang="zh-CN" sz="1050" i="1" dirty="0">
+                <a:latin typeface="Univers Condensed" panose="020B0506020202050204" pitchFamily="34" charset="0"/>
+                <a:cs typeface="Times New Roman" pitchFamily="18" charset="0"/>
+              </a:rPr>
+              <a:t>Anisotropic Poisson disk sampling</a:t>
+            </a:r>
+            <a:r>
+              <a:rPr lang="en-US" altLang="zh-CN" sz="1050" dirty="0">
+                <a:latin typeface="Univers Condensed" panose="020B0506020202050204" pitchFamily="34" charset="0"/>
+                <a:cs typeface="Times New Roman" pitchFamily="18" charset="0"/>
+              </a:rPr>
+              <a:t>. HKUST Report,</a:t>
+            </a:r>
+            <a:r>
+              <a:rPr lang="zh-CN" altLang="en-US" sz="1050" dirty="0">
+                <a:latin typeface="Univers Condensed" panose="020B0506020202050204" pitchFamily="34" charset="0"/>
+                <a:cs typeface="Times New Roman" pitchFamily="18" charset="0"/>
+              </a:rPr>
+              <a:t> </a:t>
+            </a:r>
+            <a:r>
+              <a:rPr lang="en-US" altLang="zh-CN" sz="1050" dirty="0">
+                <a:latin typeface="Univers Condensed" panose="020B0506020202050204" pitchFamily="34" charset="0"/>
+                <a:cs typeface="Times New Roman" pitchFamily="18" charset="0"/>
+              </a:rPr>
+              <a:t>HKUST-CS-09-02, April 2009</a:t>
+            </a:r>
+          </a:p>
+          <a:p>
+            <a:endParaRPr lang="en-US" altLang="zh-CN" sz="1050" b="1" dirty="0">
+              <a:latin typeface="Univers Condensed" panose="020B0506020202050204" pitchFamily="34" charset="0"/>
+              <a:cs typeface="Times New Roman" pitchFamily="18" charset="0"/>
+            </a:endParaRPr>
+          </a:p>
+          <a:p>
+            <a:r>
+              <a:rPr lang="en-US" altLang="zh-CN" sz="1050" b="1" dirty="0" err="1">
+                <a:latin typeface="Univers Condensed" panose="020B0506020202050204" pitchFamily="34" charset="0"/>
+                <a:cs typeface="Times New Roman" pitchFamily="18" charset="0"/>
+              </a:rPr>
+              <a:t>Hongwei</a:t>
+            </a:r>
+            <a:r>
+              <a:rPr lang="en-US" altLang="zh-CN" sz="1050" b="1" dirty="0">
+                <a:latin typeface="Univers Condensed" panose="020B0506020202050204" pitchFamily="34" charset="0"/>
+                <a:cs typeface="Times New Roman" pitchFamily="18" charset="0"/>
+              </a:rPr>
+              <a:t> Li</a:t>
+            </a:r>
+            <a:r>
+              <a:rPr lang="en-US" altLang="zh-CN" sz="1050" dirty="0">
+                <a:latin typeface="Univers Condensed" panose="020B0506020202050204" pitchFamily="34" charset="0"/>
+                <a:cs typeface="Times New Roman" pitchFamily="18" charset="0"/>
+              </a:rPr>
+              <a:t>, Chi-Wing Fu and Andrew J. Hanson. </a:t>
+            </a:r>
+            <a:r>
+              <a:rPr lang="en-US" altLang="zh-CN" sz="1050" i="1" dirty="0">
+                <a:latin typeface="Univers Condensed" panose="020B0506020202050204" pitchFamily="34" charset="0"/>
+                <a:cs typeface="Times New Roman" pitchFamily="18" charset="0"/>
+              </a:rPr>
+              <a:t>Visualizing </a:t>
+            </a:r>
+            <a:r>
+              <a:rPr lang="en-US" altLang="zh-CN" sz="1050" i="1" dirty="0" err="1">
+                <a:latin typeface="Univers Condensed" panose="020B0506020202050204" pitchFamily="34" charset="0"/>
+                <a:cs typeface="Times New Roman" pitchFamily="18" charset="0"/>
+              </a:rPr>
+              <a:t>Multiwavelength</a:t>
+            </a:r>
+            <a:r>
+              <a:rPr lang="en-US" altLang="zh-CN" sz="1050" i="1" dirty="0">
+                <a:latin typeface="Univers Condensed" panose="020B0506020202050204" pitchFamily="34" charset="0"/>
+                <a:cs typeface="Times New Roman" pitchFamily="18" charset="0"/>
+              </a:rPr>
+              <a:t> Astrophysical Data</a:t>
+            </a:r>
+            <a:r>
+              <a:rPr lang="en-US" altLang="zh-CN" sz="1050" dirty="0">
+                <a:latin typeface="Univers Condensed" panose="020B0506020202050204" pitchFamily="34" charset="0"/>
+                <a:cs typeface="Times New Roman" pitchFamily="18" charset="0"/>
+              </a:rPr>
+              <a:t>. In IEEE Transactions on Visualization and Computer Graphics (TVCG),  (Proceedings of IEEE Visualization 2008), vol.14, No.6, pp. 1555-1562, Nov 2008</a:t>
             </a:r>
           </a:p>
           <a:p>
@@ -4190,69 +4494,112 @@
           </a:p>
           <a:p>
             <a:r>
-              <a:rPr lang="en-US" altLang="zh-CN" sz="1050" dirty="0">
-                <a:latin typeface="Univers Condensed" panose="020B0506020202050204" pitchFamily="34" charset="0"/>
-                <a:cs typeface="Times New Roman" pitchFamily="18" charset="0"/>
-              </a:rPr>
-              <a:t>Sep. 2010 – April 2011</a:t>
-            </a:r>
-          </a:p>
-          <a:p>
+              <a:rPr lang="en-US" altLang="zh-CN" sz="1050" b="1" dirty="0" err="1">
+                <a:latin typeface="Univers Condensed" panose="020B0506020202050204" pitchFamily="34" charset="0"/>
+                <a:cs typeface="Times New Roman" pitchFamily="18" charset="0"/>
+              </a:rPr>
+              <a:t>Hongwei</a:t>
+            </a:r>
             <a:r>
               <a:rPr lang="en-US" altLang="zh-CN" sz="1050" b="1" dirty="0">
                 <a:latin typeface="Univers Condensed" panose="020B0506020202050204" pitchFamily="34" charset="0"/>
                 <a:cs typeface="Times New Roman" pitchFamily="18" charset="0"/>
               </a:rPr>
-              <a:t>Postdoc </a:t>
-            </a:r>
-            <a:r>
-              <a:rPr lang="en-US" altLang="zh-CN" sz="1050" dirty="0">
-                <a:latin typeface="Univers Condensed" panose="020B0506020202050204" pitchFamily="34" charset="0"/>
-                <a:cs typeface="Times New Roman" pitchFamily="18" charset="0"/>
-              </a:rPr>
-              <a:t>(joint project), Department of Electrical &amp; Computer Engineering, NUS, Singapore</a:t>
-            </a:r>
-          </a:p>
-          <a:p>
-            <a:r>
-              <a:rPr lang="en-US" altLang="zh-CN" sz="1050" b="1" dirty="0">
-                <a:latin typeface="Univers Condensed" panose="020B0506020202050204" pitchFamily="34" charset="0"/>
-                <a:cs typeface="Times New Roman" pitchFamily="18" charset="0"/>
-              </a:rPr>
-              <a:t>Visiting Scholar</a:t>
-            </a:r>
-            <a:r>
-              <a:rPr lang="en-US" altLang="zh-CN" sz="1050" dirty="0">
-                <a:latin typeface="Univers Condensed" panose="020B0506020202050204" pitchFamily="34" charset="0"/>
-                <a:cs typeface="Times New Roman" pitchFamily="18" charset="0"/>
-              </a:rPr>
-              <a:t>, Internet Graphics Group, Microsoft Research Asia (MSRA), Beijing, China</a:t>
-            </a:r>
-          </a:p>
-          <a:p>
-            <a:pPr marL="179388" indent="-179388">
-              <a:buFont typeface="Wingdings" pitchFamily="2" charset="2"/>
-              <a:buChar char="§"/>
-            </a:pPr>
-            <a:r>
-              <a:rPr lang="en-US" altLang="zh-CN" sz="1050" dirty="0">
-                <a:latin typeface="Univers Condensed" panose="020B0506020202050204" pitchFamily="34" charset="0"/>
-                <a:cs typeface="Times New Roman" pitchFamily="18" charset="0"/>
-              </a:rPr>
-              <a:t>A new approach for efficient Bidirectional texture function (BTF) acquisition (A joint project with MSRA). </a:t>
-            </a:r>
-          </a:p>
-          <a:p>
-            <a:endParaRPr lang="en-US" sz="1050" dirty="0">
-              <a:latin typeface="Univers Condensed" panose="020B0506020202050204" pitchFamily="34" charset="0"/>
-              <a:cs typeface="Times New Roman" pitchFamily="18" charset="0"/>
-            </a:endParaRPr>
-          </a:p>
-          <a:p>
-            <a:pPr marL="358775" lvl="1" indent="-176213">
-              <a:buFont typeface="Times New Roman" pitchFamily="18" charset="0"/>
-              <a:buChar char="-"/>
-            </a:pPr>
+              <a:t> Li</a:t>
+            </a:r>
+            <a:r>
+              <a:rPr lang="en-US" altLang="zh-CN" sz="1050" dirty="0">
+                <a:latin typeface="Univers Condensed" panose="020B0506020202050204" pitchFamily="34" charset="0"/>
+                <a:cs typeface="Times New Roman" pitchFamily="18" charset="0"/>
+              </a:rPr>
+              <a:t>, </a:t>
+            </a:r>
+            <a:r>
+              <a:rPr lang="en-US" altLang="zh-CN" sz="1050" dirty="0" err="1">
+                <a:latin typeface="Univers Condensed" panose="020B0506020202050204" pitchFamily="34" charset="0"/>
+                <a:cs typeface="Times New Roman" pitchFamily="18" charset="0"/>
+              </a:rPr>
+              <a:t>Kui</a:t>
+            </a:r>
+            <a:r>
+              <a:rPr lang="en-US" altLang="zh-CN" sz="1050" dirty="0">
+                <a:latin typeface="Univers Condensed" panose="020B0506020202050204" pitchFamily="34" charset="0"/>
+                <a:cs typeface="Times New Roman" pitchFamily="18" charset="0"/>
+              </a:rPr>
+              <a:t>-Yip Lo, Chi-Wing Fu, and </a:t>
+            </a:r>
+            <a:r>
+              <a:rPr lang="en-US" altLang="zh-CN" sz="1050" dirty="0" err="1">
+                <a:latin typeface="Univers Condensed" panose="020B0506020202050204" pitchFamily="34" charset="0"/>
+                <a:cs typeface="Times New Roman" pitchFamily="18" charset="0"/>
+              </a:rPr>
+              <a:t>Mang</a:t>
+            </a:r>
+            <a:r>
+              <a:rPr lang="en-US" altLang="zh-CN" sz="1050" dirty="0">
+                <a:latin typeface="Univers Condensed" panose="020B0506020202050204" pitchFamily="34" charset="0"/>
+                <a:cs typeface="Times New Roman" pitchFamily="18" charset="0"/>
+              </a:rPr>
+              <a:t>-Kang </a:t>
+            </a:r>
+            <a:r>
+              <a:rPr lang="en-US" altLang="zh-CN" sz="1050" dirty="0" err="1">
+                <a:latin typeface="Univers Condensed" panose="020B0506020202050204" pitchFamily="34" charset="0"/>
+                <a:cs typeface="Times New Roman" pitchFamily="18" charset="0"/>
+              </a:rPr>
+              <a:t>Lenung</a:t>
+            </a:r>
+            <a:r>
+              <a:rPr lang="en-US" altLang="zh-CN" sz="1050" dirty="0">
+                <a:latin typeface="Univers Condensed" panose="020B0506020202050204" pitchFamily="34" charset="0"/>
+                <a:cs typeface="Times New Roman" pitchFamily="18" charset="0"/>
+              </a:rPr>
+              <a:t>. </a:t>
+            </a:r>
+            <a:r>
+              <a:rPr lang="en-US" altLang="zh-CN" sz="1050" i="1" dirty="0">
+                <a:latin typeface="Univers Condensed" panose="020B0506020202050204" pitchFamily="34" charset="0"/>
+                <a:cs typeface="Times New Roman" pitchFamily="18" charset="0"/>
+              </a:rPr>
+              <a:t>Dual Poisson-Disk Tiling: An </a:t>
+            </a:r>
+            <a:r>
+              <a:rPr lang="en-US" altLang="zh-CN" sz="1050" i="1" dirty="0" err="1">
+                <a:latin typeface="Univers Condensed" panose="020B0506020202050204" pitchFamily="34" charset="0"/>
+                <a:cs typeface="Times New Roman" pitchFamily="18" charset="0"/>
+              </a:rPr>
+              <a:t>Ecient</a:t>
+            </a:r>
+            <a:r>
+              <a:rPr lang="en-US" altLang="zh-CN" sz="1050" i="1" dirty="0">
+                <a:latin typeface="Univers Condensed" panose="020B0506020202050204" pitchFamily="34" charset="0"/>
+                <a:cs typeface="Times New Roman" pitchFamily="18" charset="0"/>
+              </a:rPr>
+              <a:t> Method for Distributing Features on Arbitrary Surfaces</a:t>
+            </a:r>
+            <a:r>
+              <a:rPr lang="en-US" altLang="zh-CN" sz="1050" dirty="0">
+                <a:latin typeface="Univers Condensed" panose="020B0506020202050204" pitchFamily="34" charset="0"/>
+                <a:cs typeface="Times New Roman" pitchFamily="18" charset="0"/>
+              </a:rPr>
+              <a:t>. In IEEE Transactions on Visualization and Computer Graphics (TVCG), </a:t>
+            </a:r>
+            <a:r>
+              <a:rPr lang="en-US" altLang="zh-CN" sz="1050" dirty="0" err="1">
+                <a:latin typeface="Univers Condensed" panose="020B0506020202050204" pitchFamily="34" charset="0"/>
+                <a:cs typeface="Times New Roman" pitchFamily="18" charset="0"/>
+              </a:rPr>
+              <a:t>Vol</a:t>
+            </a:r>
+            <a:r>
+              <a:rPr lang="en-US" altLang="zh-CN" sz="1050" dirty="0">
+                <a:latin typeface="Univers Condensed" panose="020B0506020202050204" pitchFamily="34" charset="0"/>
+                <a:cs typeface="Times New Roman" pitchFamily="18" charset="0"/>
+              </a:rPr>
+              <a:t> 14, No.5, pp. 982-998, 2008</a:t>
+            </a:r>
+          </a:p>
+          <a:p>
             <a:endParaRPr lang="en-US" altLang="zh-CN" sz="1050" dirty="0">
               <a:latin typeface="Univers Condensed" panose="020B0506020202050204" pitchFamily="34" charset="0"/>
               <a:cs typeface="Times New Roman" pitchFamily="18" charset="0"/>
@@ -4260,575 +4607,118 @@
           </a:p>
           <a:p>
             <a:r>
-              <a:rPr lang="en-US" altLang="zh-CN" sz="1400" b="1" dirty="0">
-                <a:latin typeface="Univers Condensed" panose="020B0506020202050204" pitchFamily="34" charset="0"/>
-                <a:cs typeface="Times New Roman" pitchFamily="18" charset="0"/>
-              </a:rPr>
-              <a:t>Publications</a:t>
-            </a:r>
-          </a:p>
-          <a:p>
+              <a:rPr lang="en-US" altLang="zh-CN" sz="1050" b="1" dirty="0">
+                <a:latin typeface="Univers Condensed" panose="020B0506020202050204" pitchFamily="34" charset="0"/>
+                <a:cs typeface="Times New Roman" pitchFamily="18" charset="0"/>
+              </a:rPr>
+              <a:t>Hongwei Li</a:t>
+            </a:r>
+            <a:r>
+              <a:rPr lang="en-US" altLang="zh-CN" sz="1050" dirty="0">
+                <a:latin typeface="Univers Condensed" panose="020B0506020202050204" pitchFamily="34" charset="0"/>
+                <a:cs typeface="Times New Roman" pitchFamily="18" charset="0"/>
+              </a:rPr>
+              <a:t>, Chi-Wing Fu, </a:t>
+            </a:r>
             <a:r>
               <a:rPr lang="en-US" altLang="zh-CN" sz="1050" dirty="0" err="1">
                 <a:latin typeface="Univers Condensed" panose="020B0506020202050204" pitchFamily="34" charset="0"/>
                 <a:cs typeface="Times New Roman" pitchFamily="18" charset="0"/>
               </a:rPr>
-              <a:t>Dongsoo</a:t>
-            </a:r>
-            <a:r>
-              <a:rPr lang="en-US" altLang="zh-CN" sz="1050" dirty="0">
-                <a:latin typeface="Univers Condensed" panose="020B0506020202050204" pitchFamily="34" charset="0"/>
-                <a:cs typeface="Times New Roman" pitchFamily="18" charset="0"/>
-              </a:rPr>
-              <a:t> Han and </a:t>
-            </a:r>
-            <a:r>
-              <a:rPr lang="en-US" altLang="zh-CN" sz="1050" b="1" dirty="0" err="1">
-                <a:latin typeface="Univers Condensed" panose="020B0506020202050204" pitchFamily="34" charset="0"/>
-                <a:cs typeface="Times New Roman" pitchFamily="18" charset="0"/>
-              </a:rPr>
-              <a:t>Hongwei</a:t>
-            </a:r>
-            <a:r>
-              <a:rPr lang="en-US" altLang="zh-CN" sz="1050" b="1" dirty="0">
-                <a:latin typeface="Univers Condensed" panose="020B0506020202050204" pitchFamily="34" charset="0"/>
-                <a:cs typeface="Times New Roman" pitchFamily="18" charset="0"/>
-              </a:rPr>
-              <a:t> Li</a:t>
-            </a:r>
-            <a:r>
-              <a:rPr lang="en-US" altLang="zh-CN" sz="1050" dirty="0">
-                <a:latin typeface="Univers Condensed" panose="020B0506020202050204" pitchFamily="34" charset="0"/>
-                <a:cs typeface="Times New Roman" pitchFamily="18" charset="0"/>
-              </a:rPr>
-              <a:t> , </a:t>
+              <a:t>Yinggang</a:t>
+            </a:r>
+            <a:r>
+              <a:rPr lang="en-US" altLang="zh-CN" sz="1050" dirty="0">
+                <a:latin typeface="Univers Condensed" panose="020B0506020202050204" pitchFamily="34" charset="0"/>
+                <a:cs typeface="Times New Roman" pitchFamily="18" charset="0"/>
+              </a:rPr>
+              <a:t> Li, and Andrew J. Hanson. </a:t>
             </a:r>
             <a:r>
               <a:rPr lang="en-US" altLang="zh-CN" sz="1050" i="1" dirty="0">
                 <a:latin typeface="Univers Condensed" panose="020B0506020202050204" pitchFamily="34" charset="0"/>
                 <a:cs typeface="Times New Roman" pitchFamily="18" charset="0"/>
               </a:rPr>
-              <a:t>Grass rendering and simulation with LOD</a:t>
-            </a:r>
-            <a:r>
-              <a:rPr lang="en-US" altLang="zh-CN" sz="1050" dirty="0">
-                <a:latin typeface="Univers Condensed" panose="020B0506020202050204" pitchFamily="34" charset="0"/>
-                <a:cs typeface="Times New Roman" pitchFamily="18" charset="0"/>
-              </a:rPr>
-              <a:t>. GPU Pro 6, A K Peters, 2015</a:t>
-            </a:r>
-          </a:p>
-          <a:p>
-            <a:endParaRPr lang="en-US" altLang="zh-CN" sz="1050" b="1" dirty="0">
+              <a:t>Visualizing Large-Scale Uncertainty in Astrophysical Data</a:t>
+            </a:r>
+            <a:r>
+              <a:rPr lang="en-US" altLang="zh-CN" sz="1050" dirty="0">
+                <a:latin typeface="Univers Condensed" panose="020B0506020202050204" pitchFamily="34" charset="0"/>
+                <a:cs typeface="Times New Roman" pitchFamily="18" charset="0"/>
+              </a:rPr>
+              <a:t>, In IEEE Transactions on Visualization and Computer Graphics (TVCG), (Proceedings of IEEE Visualization 2007), Vol.13, No.6, pp.1640-1647, Nov, 2007</a:t>
+            </a:r>
+          </a:p>
+          <a:p>
+            <a:endParaRPr lang="en-US" altLang="zh-CN" sz="1050" dirty="0">
               <a:latin typeface="Univers Condensed" panose="020B0506020202050204" pitchFamily="34" charset="0"/>
               <a:cs typeface="Times New Roman" pitchFamily="18" charset="0"/>
             </a:endParaRPr>
           </a:p>
           <a:p>
             <a:r>
+              <a:rPr lang="en-US" altLang="zh-CN" sz="1050" dirty="0">
+                <a:latin typeface="Univers Condensed" panose="020B0506020202050204" pitchFamily="34" charset="0"/>
+                <a:cs typeface="Times New Roman" pitchFamily="18" charset="0"/>
+              </a:rPr>
+              <a:t>Kui-Yip Lo, </a:t>
+            </a:r>
+            <a:r>
+              <a:rPr lang="en-US" altLang="zh-CN" sz="1050" b="1" dirty="0">
+                <a:latin typeface="Univers Condensed" panose="020B0506020202050204" pitchFamily="34" charset="0"/>
+                <a:cs typeface="Times New Roman" pitchFamily="18" charset="0"/>
+              </a:rPr>
+              <a:t>Hongwei Li</a:t>
+            </a:r>
+            <a:r>
+              <a:rPr lang="en-US" altLang="zh-CN" sz="1050" dirty="0">
+                <a:latin typeface="Univers Condensed" panose="020B0506020202050204" pitchFamily="34" charset="0"/>
+                <a:cs typeface="Times New Roman" pitchFamily="18" charset="0"/>
+              </a:rPr>
+              <a:t>, Chi-Wing Fu, and Tien-</a:t>
+            </a:r>
+            <a:r>
               <a:rPr lang="en-US" altLang="zh-CN" sz="1050" dirty="0" err="1">
                 <a:latin typeface="Univers Condensed" panose="020B0506020202050204" pitchFamily="34" charset="0"/>
                 <a:cs typeface="Times New Roman" pitchFamily="18" charset="0"/>
               </a:rPr>
-              <a:t>Zengzhi</a:t>
-            </a:r>
-            <a:r>
-              <a:rPr lang="en-US" altLang="zh-CN" sz="1050" dirty="0">
-                <a:latin typeface="Univers Condensed" panose="020B0506020202050204" pitchFamily="34" charset="0"/>
-                <a:cs typeface="Times New Roman" pitchFamily="18" charset="0"/>
-              </a:rPr>
-              <a:t> Fan, </a:t>
-            </a:r>
-            <a:r>
-              <a:rPr lang="en-US" altLang="zh-CN" sz="1050" b="1" dirty="0" err="1">
-                <a:latin typeface="Univers Condensed" panose="020B0506020202050204" pitchFamily="34" charset="0"/>
-                <a:cs typeface="Times New Roman" pitchFamily="18" charset="0"/>
-              </a:rPr>
-              <a:t>Hongwei</a:t>
-            </a:r>
-            <a:r>
-              <a:rPr lang="en-US" altLang="zh-CN" sz="1050" b="1" dirty="0">
-                <a:latin typeface="Univers Condensed" panose="020B0506020202050204" pitchFamily="34" charset="0"/>
-                <a:cs typeface="Times New Roman" pitchFamily="18" charset="0"/>
-              </a:rPr>
-              <a:t> Li</a:t>
-            </a:r>
-            <a:r>
-              <a:rPr lang="en-US" altLang="zh-CN" sz="1050" dirty="0">
-                <a:latin typeface="Univers Condensed" panose="020B0506020202050204" pitchFamily="34" charset="0"/>
-                <a:cs typeface="Times New Roman" pitchFamily="18" charset="0"/>
-              </a:rPr>
-              <a:t>, Karl </a:t>
-            </a:r>
-            <a:r>
-              <a:rPr lang="en-US" altLang="zh-CN" sz="1050" dirty="0" err="1">
-                <a:latin typeface="Univers Condensed" panose="020B0506020202050204" pitchFamily="34" charset="0"/>
-                <a:cs typeface="Times New Roman" pitchFamily="18" charset="0"/>
-              </a:rPr>
-              <a:t>Hillesland</a:t>
-            </a:r>
-            <a:r>
-              <a:rPr lang="en-US" altLang="zh-CN" sz="1050" dirty="0">
-                <a:latin typeface="Univers Condensed" panose="020B0506020202050204" pitchFamily="34" charset="0"/>
-                <a:cs typeface="Times New Roman" pitchFamily="18" charset="0"/>
-              </a:rPr>
-              <a:t> and Bin </a:t>
-            </a:r>
-            <a:r>
-              <a:rPr lang="en-US" altLang="zh-CN" sz="1050" dirty="0" err="1">
-                <a:latin typeface="Univers Condensed" panose="020B0506020202050204" pitchFamily="34" charset="0"/>
-                <a:cs typeface="Times New Roman" pitchFamily="18" charset="0"/>
-              </a:rPr>
-              <a:t>Shen</a:t>
-            </a:r>
-            <a:r>
-              <a:rPr lang="en-US" altLang="zh-CN" sz="1050" dirty="0">
-                <a:latin typeface="Univers Condensed" panose="020B0506020202050204" pitchFamily="34" charset="0"/>
-                <a:cs typeface="Times New Roman" pitchFamily="18" charset="0"/>
-              </a:rPr>
-              <a:t>, </a:t>
+              <a:t>Tsin</a:t>
+            </a:r>
+            <a:r>
+              <a:rPr lang="en-US" altLang="zh-CN" sz="1050" dirty="0">
+                <a:latin typeface="Univers Condensed" panose="020B0506020202050204" pitchFamily="34" charset="0"/>
+                <a:cs typeface="Times New Roman" pitchFamily="18" charset="0"/>
+              </a:rPr>
+              <a:t> Wong. </a:t>
+            </a:r>
+            <a:r>
+              <a:rPr lang="en-US" altLang="zh-CN" sz="1050" i="1" dirty="0">
+                <a:latin typeface="Univers Condensed" panose="020B0506020202050204" pitchFamily="34" charset="0"/>
+                <a:cs typeface="Times New Roman" pitchFamily="18" charset="0"/>
+              </a:rPr>
+              <a:t>Interactive Reaction-</a:t>
             </a:r>
             <a:r>
               <a:rPr lang="en-US" altLang="zh-CN" sz="1050" i="1" dirty="0" err="1">
                 <a:latin typeface="Univers Condensed" panose="020B0506020202050204" pitchFamily="34" charset="0"/>
                 <a:cs typeface="Times New Roman" pitchFamily="18" charset="0"/>
               </a:rPr>
-              <a:t>Simualte</a:t>
+              <a:t>Diusion</a:t>
             </a:r>
             <a:r>
               <a:rPr lang="en-US" altLang="zh-CN" sz="1050" i="1" dirty="0">
                 <a:latin typeface="Univers Condensed" panose="020B0506020202050204" pitchFamily="34" charset="0"/>
                 <a:cs typeface="Times New Roman" pitchFamily="18" charset="0"/>
               </a:rPr>
-              <a:t> and Render Millions of Grass Blades, </a:t>
-            </a:r>
-          </a:p>
-          <a:p>
-            <a:r>
-              <a:rPr lang="en-US" altLang="zh-CN" sz="1050" dirty="0">
-                <a:latin typeface="Univers Condensed" panose="020B0506020202050204" pitchFamily="34" charset="0"/>
-                <a:cs typeface="Times New Roman" pitchFamily="18" charset="0"/>
-              </a:rPr>
-              <a:t>ACM SIGGRAPH Interactive 3D Graphics and Games (I3D), 2015</a:t>
-            </a:r>
-          </a:p>
-          <a:p>
-            <a:endParaRPr lang="en-US" altLang="zh-CN" sz="1050" b="1" dirty="0">
-              <a:latin typeface="Univers Condensed" panose="020B0506020202050204" pitchFamily="34" charset="0"/>
-              <a:cs typeface="Times New Roman" pitchFamily="18" charset="0"/>
-            </a:endParaRPr>
-          </a:p>
-          <a:p>
-            <a:r>
-              <a:rPr lang="en-US" altLang="zh-CN" sz="1050" b="1" dirty="0" err="1">
-                <a:latin typeface="Univers Condensed" panose="020B0506020202050204" pitchFamily="34" charset="0"/>
-                <a:cs typeface="Times New Roman" pitchFamily="18" charset="0"/>
-              </a:rPr>
-              <a:t>Hongwei</a:t>
-            </a:r>
-            <a:r>
-              <a:rPr lang="en-US" altLang="zh-CN" sz="1050" b="1" dirty="0">
-                <a:latin typeface="Univers Condensed" panose="020B0506020202050204" pitchFamily="34" charset="0"/>
-                <a:cs typeface="Times New Roman" pitchFamily="18" charset="0"/>
-              </a:rPr>
-              <a:t> Li</a:t>
-            </a:r>
-            <a:r>
-              <a:rPr lang="en-US" altLang="zh-CN" sz="1050" dirty="0">
-                <a:latin typeface="Univers Condensed" panose="020B0506020202050204" pitchFamily="34" charset="0"/>
-                <a:cs typeface="Times New Roman" pitchFamily="18" charset="0"/>
-              </a:rPr>
-              <a:t>, Li-Yi Wei, Pedro V. Sander and Chi-Wing Fu. A</a:t>
-            </a:r>
-            <a:r>
-              <a:rPr lang="en-US" altLang="zh-CN" sz="1050" i="1" dirty="0">
-                <a:latin typeface="Univers Condensed" panose="020B0506020202050204" pitchFamily="34" charset="0"/>
-                <a:cs typeface="Times New Roman" pitchFamily="18" charset="0"/>
-              </a:rPr>
-              <a:t>nisotropic blue noise sampling</a:t>
-            </a:r>
-            <a:r>
-              <a:rPr lang="en-US" altLang="zh-CN" sz="1050" dirty="0">
-                <a:latin typeface="Univers Condensed" panose="020B0506020202050204" pitchFamily="34" charset="0"/>
-                <a:cs typeface="Times New Roman" pitchFamily="18" charset="0"/>
-              </a:rPr>
-              <a:t>. To appear at ACM Transactions on Graphics (TOG), (ACM SIGGRAPH Asia 2010), Dec 2010</a:t>
-            </a:r>
-          </a:p>
-          <a:p>
-            <a:endParaRPr lang="en-US" altLang="zh-CN" sz="1050" b="1" dirty="0">
-              <a:latin typeface="Univers Condensed" panose="020B0506020202050204" pitchFamily="34" charset="0"/>
-              <a:cs typeface="Times New Roman" pitchFamily="18" charset="0"/>
-            </a:endParaRPr>
-          </a:p>
-          <a:p>
-            <a:r>
-              <a:rPr lang="en-US" altLang="zh-CN" sz="1050" b="1" dirty="0" err="1">
-                <a:latin typeface="Univers Condensed" panose="020B0506020202050204" pitchFamily="34" charset="0"/>
-                <a:cs typeface="Times New Roman" pitchFamily="18" charset="0"/>
-              </a:rPr>
-              <a:t>Hongwei</a:t>
-            </a:r>
-            <a:r>
-              <a:rPr lang="en-US" altLang="zh-CN" sz="1050" b="1" dirty="0">
-                <a:latin typeface="Univers Condensed" panose="020B0506020202050204" pitchFamily="34" charset="0"/>
-                <a:cs typeface="Times New Roman" pitchFamily="18" charset="0"/>
-              </a:rPr>
-              <a:t> Li</a:t>
-            </a:r>
-            <a:r>
-              <a:rPr lang="en-US" altLang="zh-CN" sz="1050" dirty="0">
-                <a:latin typeface="Univers Condensed" panose="020B0506020202050204" pitchFamily="34" charset="0"/>
-                <a:cs typeface="Times New Roman" pitchFamily="18" charset="0"/>
-              </a:rPr>
-              <a:t>, Diego </a:t>
-            </a:r>
-            <a:r>
-              <a:rPr lang="en-US" altLang="zh-CN" sz="1050" dirty="0" err="1">
-                <a:latin typeface="Univers Condensed" panose="020B0506020202050204" pitchFamily="34" charset="0"/>
-                <a:cs typeface="Times New Roman" pitchFamily="18" charset="0"/>
-              </a:rPr>
-              <a:t>Nehab</a:t>
-            </a:r>
-            <a:r>
-              <a:rPr lang="en-US" altLang="zh-CN" sz="1050" dirty="0">
-                <a:latin typeface="Univers Condensed" panose="020B0506020202050204" pitchFamily="34" charset="0"/>
-                <a:cs typeface="Times New Roman" pitchFamily="18" charset="0"/>
-              </a:rPr>
-              <a:t>, Li-Yi Wei, Pedro V. Sander and Chi-Wing Fu. </a:t>
-            </a:r>
-            <a:r>
-              <a:rPr lang="en-US" altLang="zh-CN" sz="1050" i="1" dirty="0">
-                <a:latin typeface="Univers Condensed" panose="020B0506020202050204" pitchFamily="34" charset="0"/>
-                <a:cs typeface="Times New Roman" pitchFamily="18" charset="0"/>
-              </a:rPr>
-              <a:t>Fast Capacity Constrained </a:t>
-            </a:r>
-            <a:r>
-              <a:rPr lang="en-US" altLang="zh-CN" sz="1050" i="1" dirty="0" err="1">
-                <a:latin typeface="Univers Condensed" panose="020B0506020202050204" pitchFamily="34" charset="0"/>
-                <a:cs typeface="Times New Roman" pitchFamily="18" charset="0"/>
-              </a:rPr>
-              <a:t>Voronoi</a:t>
-            </a:r>
-            <a:r>
-              <a:rPr lang="en-US" altLang="zh-CN" sz="1050" i="1" dirty="0">
-                <a:latin typeface="Univers Condensed" panose="020B0506020202050204" pitchFamily="34" charset="0"/>
-                <a:cs typeface="Times New Roman" pitchFamily="18" charset="0"/>
-              </a:rPr>
-              <a:t> Tessellation</a:t>
-            </a:r>
-            <a:r>
-              <a:rPr lang="en-US" altLang="zh-CN" sz="1050" dirty="0">
-                <a:latin typeface="Univers Condensed" panose="020B0506020202050204" pitchFamily="34" charset="0"/>
-                <a:cs typeface="Times New Roman" pitchFamily="18" charset="0"/>
-              </a:rPr>
-              <a:t>. Poster, ACM The ACM SIGGRAPH Symposium on Interactive 3D Graphics and Games (I3D), Feb.2010</a:t>
-            </a:r>
-          </a:p>
-          <a:p>
-            <a:endParaRPr lang="en-US" altLang="zh-CN" sz="1000" dirty="0">
-              <a:latin typeface="Univers Condensed" panose="020B0506020202050204" pitchFamily="34" charset="0"/>
-              <a:cs typeface="Times New Roman" pitchFamily="18" charset="0"/>
-            </a:endParaRPr>
-          </a:p>
-          <a:p>
-            <a:r>
-              <a:rPr lang="en-US" altLang="zh-CN" sz="1050" dirty="0" err="1">
-                <a:latin typeface="Univers Condensed" panose="020B0506020202050204" pitchFamily="34" charset="0"/>
-                <a:cs typeface="Times New Roman" pitchFamily="18" charset="0"/>
-              </a:rPr>
-              <a:t>Kui</a:t>
-            </a:r>
-            <a:r>
-              <a:rPr lang="en-US" altLang="zh-CN" sz="1050" dirty="0">
-                <a:latin typeface="Univers Condensed" panose="020B0506020202050204" pitchFamily="34" charset="0"/>
-                <a:cs typeface="Times New Roman" pitchFamily="18" charset="0"/>
-              </a:rPr>
-              <a:t>-Yip Lo, Chi-Wing Fu and </a:t>
-            </a:r>
-            <a:r>
-              <a:rPr lang="en-US" altLang="zh-CN" sz="1050" b="1" dirty="0" err="1">
-                <a:latin typeface="Univers Condensed" panose="020B0506020202050204" pitchFamily="34" charset="0"/>
-                <a:cs typeface="Times New Roman" pitchFamily="18" charset="0"/>
-              </a:rPr>
-              <a:t>Hongwei</a:t>
-            </a:r>
-            <a:r>
-              <a:rPr lang="en-US" altLang="zh-CN" sz="1050" b="1" dirty="0">
-                <a:latin typeface="Univers Condensed" panose="020B0506020202050204" pitchFamily="34" charset="0"/>
-                <a:cs typeface="Times New Roman" pitchFamily="18" charset="0"/>
-              </a:rPr>
-              <a:t> Li</a:t>
-            </a:r>
-            <a:r>
-              <a:rPr lang="en-US" altLang="zh-CN" sz="1050" dirty="0">
-                <a:latin typeface="Univers Condensed" panose="020B0506020202050204" pitchFamily="34" charset="0"/>
-                <a:cs typeface="Times New Roman" pitchFamily="18" charset="0"/>
-              </a:rPr>
-              <a:t>. </a:t>
-            </a:r>
-            <a:r>
-              <a:rPr lang="en-US" altLang="zh-CN" sz="1050" i="1" dirty="0">
-                <a:latin typeface="Univers Condensed" panose="020B0506020202050204" pitchFamily="34" charset="0"/>
-                <a:cs typeface="Times New Roman" pitchFamily="18" charset="0"/>
-              </a:rPr>
-              <a:t>3D </a:t>
-            </a:r>
-            <a:r>
-              <a:rPr lang="en-US" altLang="zh-CN" sz="1050" i="1" dirty="0" err="1">
-                <a:latin typeface="Univers Condensed" panose="020B0506020202050204" pitchFamily="34" charset="0"/>
-                <a:cs typeface="Times New Roman" pitchFamily="18" charset="0"/>
-              </a:rPr>
-              <a:t>Polyomino</a:t>
-            </a:r>
-            <a:r>
-              <a:rPr lang="en-US" altLang="zh-CN" sz="1050" i="1" dirty="0">
-                <a:latin typeface="Univers Condensed" panose="020B0506020202050204" pitchFamily="34" charset="0"/>
-                <a:cs typeface="Times New Roman" pitchFamily="18" charset="0"/>
-              </a:rPr>
-              <a:t> Puzzle</a:t>
-            </a:r>
-            <a:r>
-              <a:rPr lang="en-US" altLang="zh-CN" sz="1050" dirty="0">
-                <a:latin typeface="Univers Condensed" panose="020B0506020202050204" pitchFamily="34" charset="0"/>
-                <a:cs typeface="Times New Roman" pitchFamily="18" charset="0"/>
-              </a:rPr>
-              <a:t>. ACM Transactions on Graphics (TOG), (ACM SIGGRAPH Asia 2009), Vol.28, no. 5, 2009</a:t>
-            </a:r>
-          </a:p>
-          <a:p>
-            <a:endParaRPr lang="en-US" altLang="zh-CN" sz="1000" b="1" dirty="0">
-              <a:latin typeface="Univers Condensed" panose="020B0506020202050204" pitchFamily="34" charset="0"/>
-              <a:cs typeface="Times New Roman" pitchFamily="18" charset="0"/>
-            </a:endParaRPr>
-          </a:p>
-          <a:p>
-            <a:r>
-              <a:rPr lang="en-US" altLang="zh-CN" sz="1050" b="1" dirty="0" err="1">
-                <a:latin typeface="Univers Condensed" panose="020B0506020202050204" pitchFamily="34" charset="0"/>
-                <a:cs typeface="Times New Roman" pitchFamily="18" charset="0"/>
-              </a:rPr>
-              <a:t>Hongwei</a:t>
-            </a:r>
-            <a:r>
-              <a:rPr lang="en-US" altLang="zh-CN" sz="1050" b="1" dirty="0">
-                <a:latin typeface="Univers Condensed" panose="020B0506020202050204" pitchFamily="34" charset="0"/>
-                <a:cs typeface="Times New Roman" pitchFamily="18" charset="0"/>
-              </a:rPr>
-              <a:t> Li</a:t>
-            </a:r>
-            <a:r>
-              <a:rPr lang="en-US" altLang="zh-CN" sz="1050" dirty="0">
-                <a:latin typeface="Univers Condensed" panose="020B0506020202050204" pitchFamily="34" charset="0"/>
-                <a:cs typeface="Times New Roman" pitchFamily="18" charset="0"/>
-              </a:rPr>
-              <a:t>, Li-Yi Wei, Pedro V. Sander and Chi-Wing Fu. </a:t>
-            </a:r>
-            <a:r>
-              <a:rPr lang="en-US" altLang="zh-CN" sz="1050" i="1" dirty="0">
-                <a:latin typeface="Univers Condensed" panose="020B0506020202050204" pitchFamily="34" charset="0"/>
-                <a:cs typeface="Times New Roman" pitchFamily="18" charset="0"/>
-              </a:rPr>
-              <a:t>Anisotropic Poisson disk sampling</a:t>
-            </a:r>
-            <a:r>
-              <a:rPr lang="en-US" altLang="zh-CN" sz="1050" dirty="0">
-                <a:latin typeface="Univers Condensed" panose="020B0506020202050204" pitchFamily="34" charset="0"/>
-                <a:cs typeface="Times New Roman" pitchFamily="18" charset="0"/>
-              </a:rPr>
-              <a:t>. HKUST Report,</a:t>
-            </a:r>
-            <a:r>
-              <a:rPr lang="zh-CN" altLang="en-US" sz="1050" dirty="0">
-                <a:latin typeface="Univers Condensed" panose="020B0506020202050204" pitchFamily="34" charset="0"/>
-                <a:cs typeface="Times New Roman" pitchFamily="18" charset="0"/>
-              </a:rPr>
-              <a:t> </a:t>
-            </a:r>
-            <a:r>
-              <a:rPr lang="en-US" altLang="zh-CN" sz="1050" dirty="0">
-                <a:latin typeface="Univers Condensed" panose="020B0506020202050204" pitchFamily="34" charset="0"/>
-                <a:cs typeface="Times New Roman" pitchFamily="18" charset="0"/>
-              </a:rPr>
-              <a:t>HKUST-CS-09-02, April 2009</a:t>
-            </a:r>
-          </a:p>
-          <a:p>
-            <a:endParaRPr lang="en-US" altLang="zh-CN" sz="1000" b="1" dirty="0">
-              <a:latin typeface="Univers Condensed" panose="020B0506020202050204" pitchFamily="34" charset="0"/>
-              <a:cs typeface="Times New Roman" pitchFamily="18" charset="0"/>
-            </a:endParaRPr>
-          </a:p>
-          <a:p>
-            <a:r>
-              <a:rPr lang="en-US" altLang="zh-CN" sz="1050" b="1" dirty="0" err="1">
-                <a:latin typeface="Univers Condensed" panose="020B0506020202050204" pitchFamily="34" charset="0"/>
-                <a:cs typeface="Times New Roman" pitchFamily="18" charset="0"/>
-              </a:rPr>
-              <a:t>Hongwei</a:t>
-            </a:r>
-            <a:r>
-              <a:rPr lang="en-US" altLang="zh-CN" sz="1050" b="1" dirty="0">
-                <a:latin typeface="Univers Condensed" panose="020B0506020202050204" pitchFamily="34" charset="0"/>
-                <a:cs typeface="Times New Roman" pitchFamily="18" charset="0"/>
-              </a:rPr>
-              <a:t> Li</a:t>
-            </a:r>
-            <a:r>
-              <a:rPr lang="en-US" altLang="zh-CN" sz="1050" dirty="0">
-                <a:latin typeface="Univers Condensed" panose="020B0506020202050204" pitchFamily="34" charset="0"/>
-                <a:cs typeface="Times New Roman" pitchFamily="18" charset="0"/>
-              </a:rPr>
-              <a:t>, Chi-Wing Fu and Andrew J. Hanson. </a:t>
-            </a:r>
-            <a:r>
-              <a:rPr lang="en-US" altLang="zh-CN" sz="1050" i="1" dirty="0">
-                <a:latin typeface="Univers Condensed" panose="020B0506020202050204" pitchFamily="34" charset="0"/>
-                <a:cs typeface="Times New Roman" pitchFamily="18" charset="0"/>
-              </a:rPr>
-              <a:t>Visualizing </a:t>
-            </a:r>
-            <a:r>
-              <a:rPr lang="en-US" altLang="zh-CN" sz="1050" i="1" dirty="0" err="1">
-                <a:latin typeface="Univers Condensed" panose="020B0506020202050204" pitchFamily="34" charset="0"/>
-                <a:cs typeface="Times New Roman" pitchFamily="18" charset="0"/>
-              </a:rPr>
-              <a:t>Multiwavelength</a:t>
-            </a:r>
-            <a:r>
-              <a:rPr lang="en-US" altLang="zh-CN" sz="1050" i="1" dirty="0">
-                <a:latin typeface="Univers Condensed" panose="020B0506020202050204" pitchFamily="34" charset="0"/>
-                <a:cs typeface="Times New Roman" pitchFamily="18" charset="0"/>
-              </a:rPr>
-              <a:t> Astrophysical Data</a:t>
-            </a:r>
-            <a:r>
-              <a:rPr lang="en-US" altLang="zh-CN" sz="1050" dirty="0">
-                <a:latin typeface="Univers Condensed" panose="020B0506020202050204" pitchFamily="34" charset="0"/>
-                <a:cs typeface="Times New Roman" pitchFamily="18" charset="0"/>
-              </a:rPr>
-              <a:t>. In IEEE Transactions on Visualization and Computer Graphics (TVCG),  (Proceedings of IEEE Visualization 2008), vol.14, No.6, pp. 1555-1562, Nov 2008</a:t>
-            </a:r>
-          </a:p>
-          <a:p>
-            <a:endParaRPr lang="en-US" altLang="zh-CN" sz="1000" dirty="0">
-              <a:latin typeface="Univers Condensed" panose="020B0506020202050204" pitchFamily="34" charset="0"/>
-              <a:cs typeface="Times New Roman" pitchFamily="18" charset="0"/>
-            </a:endParaRPr>
-          </a:p>
-          <a:p>
-            <a:r>
-              <a:rPr lang="en-US" altLang="zh-CN" sz="1050" b="1" dirty="0" err="1">
-                <a:latin typeface="Univers Condensed" panose="020B0506020202050204" pitchFamily="34" charset="0"/>
-                <a:cs typeface="Times New Roman" pitchFamily="18" charset="0"/>
-              </a:rPr>
-              <a:t>Hongwei</a:t>
-            </a:r>
-            <a:r>
-              <a:rPr lang="en-US" altLang="zh-CN" sz="1050" b="1" dirty="0">
-                <a:latin typeface="Univers Condensed" panose="020B0506020202050204" pitchFamily="34" charset="0"/>
-                <a:cs typeface="Times New Roman" pitchFamily="18" charset="0"/>
-              </a:rPr>
-              <a:t> Li</a:t>
-            </a:r>
-            <a:r>
-              <a:rPr lang="en-US" altLang="zh-CN" sz="1050" dirty="0">
-                <a:latin typeface="Univers Condensed" panose="020B0506020202050204" pitchFamily="34" charset="0"/>
-                <a:cs typeface="Times New Roman" pitchFamily="18" charset="0"/>
-              </a:rPr>
-              <a:t>, </a:t>
-            </a:r>
-            <a:r>
-              <a:rPr lang="en-US" altLang="zh-CN" sz="1050" dirty="0" err="1">
-                <a:latin typeface="Univers Condensed" panose="020B0506020202050204" pitchFamily="34" charset="0"/>
-                <a:cs typeface="Times New Roman" pitchFamily="18" charset="0"/>
-              </a:rPr>
-              <a:t>Kui</a:t>
-            </a:r>
-            <a:r>
-              <a:rPr lang="en-US" altLang="zh-CN" sz="1050" dirty="0">
-                <a:latin typeface="Univers Condensed" panose="020B0506020202050204" pitchFamily="34" charset="0"/>
-                <a:cs typeface="Times New Roman" pitchFamily="18" charset="0"/>
-              </a:rPr>
-              <a:t>-Yip Lo, Chi-Wing Fu, and </a:t>
-            </a:r>
-            <a:r>
-              <a:rPr lang="en-US" altLang="zh-CN" sz="1050" dirty="0" err="1">
-                <a:latin typeface="Univers Condensed" panose="020B0506020202050204" pitchFamily="34" charset="0"/>
-                <a:cs typeface="Times New Roman" pitchFamily="18" charset="0"/>
-              </a:rPr>
-              <a:t>Mang</a:t>
-            </a:r>
-            <a:r>
-              <a:rPr lang="en-US" altLang="zh-CN" sz="1050" dirty="0">
-                <a:latin typeface="Univers Condensed" panose="020B0506020202050204" pitchFamily="34" charset="0"/>
-                <a:cs typeface="Times New Roman" pitchFamily="18" charset="0"/>
-              </a:rPr>
-              <a:t>-Kang </a:t>
-            </a:r>
-            <a:r>
-              <a:rPr lang="en-US" altLang="zh-CN" sz="1050" dirty="0" err="1">
-                <a:latin typeface="Univers Condensed" panose="020B0506020202050204" pitchFamily="34" charset="0"/>
-                <a:cs typeface="Times New Roman" pitchFamily="18" charset="0"/>
-              </a:rPr>
-              <a:t>Lenung</a:t>
-            </a:r>
-            <a:r>
-              <a:rPr lang="en-US" altLang="zh-CN" sz="1050" dirty="0">
-                <a:latin typeface="Univers Condensed" panose="020B0506020202050204" pitchFamily="34" charset="0"/>
-                <a:cs typeface="Times New Roman" pitchFamily="18" charset="0"/>
-              </a:rPr>
-              <a:t>. </a:t>
-            </a:r>
-            <a:r>
-              <a:rPr lang="en-US" altLang="zh-CN" sz="1050" i="1" dirty="0">
-                <a:latin typeface="Univers Condensed" panose="020B0506020202050204" pitchFamily="34" charset="0"/>
-                <a:cs typeface="Times New Roman" pitchFamily="18" charset="0"/>
-              </a:rPr>
-              <a:t>Dual Poisson-Disk Tiling: An </a:t>
-            </a:r>
-            <a:r>
-              <a:rPr lang="en-US" altLang="zh-CN" sz="1050" i="1" dirty="0" err="1">
-                <a:latin typeface="Univers Condensed" panose="020B0506020202050204" pitchFamily="34" charset="0"/>
-                <a:cs typeface="Times New Roman" pitchFamily="18" charset="0"/>
-              </a:rPr>
-              <a:t>Ecient</a:t>
-            </a:r>
-            <a:r>
-              <a:rPr lang="en-US" altLang="zh-CN" sz="1050" i="1" dirty="0">
-                <a:latin typeface="Univers Condensed" panose="020B0506020202050204" pitchFamily="34" charset="0"/>
-                <a:cs typeface="Times New Roman" pitchFamily="18" charset="0"/>
-              </a:rPr>
-              <a:t> Method for Distributing Features on Arbitrary Surfaces</a:t>
-            </a:r>
-            <a:r>
-              <a:rPr lang="en-US" altLang="zh-CN" sz="1050" dirty="0">
-                <a:latin typeface="Univers Condensed" panose="020B0506020202050204" pitchFamily="34" charset="0"/>
-                <a:cs typeface="Times New Roman" pitchFamily="18" charset="0"/>
-              </a:rPr>
-              <a:t>. In IEEE Transactions on Visualization and Computer Graphics (TVCG), </a:t>
-            </a:r>
-            <a:r>
-              <a:rPr lang="en-US" altLang="zh-CN" sz="1050" dirty="0" err="1">
-                <a:latin typeface="Univers Condensed" panose="020B0506020202050204" pitchFamily="34" charset="0"/>
-                <a:cs typeface="Times New Roman" pitchFamily="18" charset="0"/>
-              </a:rPr>
-              <a:t>Vol</a:t>
-            </a:r>
-            <a:r>
-              <a:rPr lang="en-US" altLang="zh-CN" sz="1050" dirty="0">
-                <a:latin typeface="Univers Condensed" panose="020B0506020202050204" pitchFamily="34" charset="0"/>
-                <a:cs typeface="Times New Roman" pitchFamily="18" charset="0"/>
-              </a:rPr>
-              <a:t> 14, No.5, pp. 982-998, 2008</a:t>
-            </a:r>
-          </a:p>
-          <a:p>
-            <a:endParaRPr lang="en-US" altLang="zh-CN" sz="1000" dirty="0">
-              <a:latin typeface="Univers Condensed" panose="020B0506020202050204" pitchFamily="34" charset="0"/>
-              <a:cs typeface="Times New Roman" pitchFamily="18" charset="0"/>
-            </a:endParaRPr>
+              <a:t> on Surface Tiles</a:t>
+            </a:r>
+            <a:r>
+              <a:rPr lang="en-US" altLang="zh-CN" sz="1050" dirty="0">
+                <a:latin typeface="Univers Condensed" panose="020B0506020202050204" pitchFamily="34" charset="0"/>
+                <a:cs typeface="Times New Roman" pitchFamily="18" charset="0"/>
+              </a:rPr>
+              <a:t>. In Pacific Graphics 2007, oral paper, Maul, Hawaii, pp. 65-74, Nov. 2007.</a:t>
+            </a:r>
           </a:p>
           <a:p>
             <a:endParaRPr lang="en-US" altLang="zh-CN" sz="900" dirty="0">
@@ -4881,7 +4771,7 @@
                 <a:latin typeface="Times New Roman" pitchFamily="18" charset="0"/>
                 <a:cs typeface="Times New Roman" pitchFamily="18" charset="0"/>
               </a:rPr>
-              <a:t>2 of 3</a:t>
+              <a:t>2 of 2</a:t>
             </a:r>
           </a:p>
         </p:txBody>
@@ -4892,470 +4782,6 @@
         <p14:creationId xmlns:p14="http://schemas.microsoft.com/office/powerpoint/2010/main" val="2660088127"/>
       </p:ext>
     </p:extLst>
-  </p:cSld>
-  <p:clrMapOvr>
-    <a:masterClrMapping/>
-  </p:clrMapOvr>
-</p:sld>
-</file>
-
-<file path=ppt/slides/slide3.xml><?xml version="1.0" encoding="utf-8"?>
-<p:sld xmlns:a="http://schemas.openxmlformats.org/drawingml/2006/main" xmlns:r="http://schemas.openxmlformats.org/officeDocument/2006/relationships" xmlns:p="http://schemas.openxmlformats.org/presentationml/2006/main">
-  <p:cSld>
-    <p:spTree>
-      <p:nvGrpSpPr>
-        <p:cNvPr id="1" name=""/>
-        <p:cNvGrpSpPr/>
-        <p:nvPr/>
-      </p:nvGrpSpPr>
-      <p:grpSpPr>
-        <a:xfrm>
-          <a:off x="0" y="0"/>
-          <a:ext cx="0" cy="0"/>
-          <a:chOff x="0" y="0"/>
-          <a:chExt cx="0" cy="0"/>
-        </a:xfrm>
-      </p:grpSpPr>
-      <p:sp>
-        <p:nvSpPr>
-          <p:cNvPr id="5" name="TextBox 4"/>
-          <p:cNvSpPr txBox="1"/>
-          <p:nvPr/>
-        </p:nvSpPr>
-        <p:spPr>
-          <a:xfrm>
-            <a:off x="404664" y="704528"/>
-            <a:ext cx="5976664" cy="5132174"/>
-          </a:xfrm>
-          <a:prstGeom prst="rect">
-            <a:avLst/>
-          </a:prstGeom>
-          <a:noFill/>
-        </p:spPr>
-        <p:txBody>
-          <a:bodyPr wrap="square" rtlCol="0">
-            <a:spAutoFit/>
-          </a:bodyPr>
-          <a:lstStyle/>
-          <a:p>
-            <a:endParaRPr lang="en-US" sz="1000" dirty="0">
-              <a:latin typeface="Univers Condensed" panose="020B0506020202050204" pitchFamily="34" charset="0"/>
-              <a:cs typeface="Times New Roman" pitchFamily="18" charset="0"/>
-            </a:endParaRPr>
-          </a:p>
-          <a:p>
-            <a:r>
-              <a:rPr lang="en-US" sz="1050" b="1" dirty="0" err="1">
-                <a:latin typeface="Univers Condensed" panose="020B0506020202050204" pitchFamily="34" charset="0"/>
-                <a:cs typeface="Times New Roman" pitchFamily="18" charset="0"/>
-              </a:rPr>
-              <a:t>Hongwei</a:t>
-            </a:r>
-            <a:r>
-              <a:rPr lang="en-US" sz="1050" b="1" dirty="0">
-                <a:latin typeface="Univers Condensed" panose="020B0506020202050204" pitchFamily="34" charset="0"/>
-                <a:cs typeface="Times New Roman" pitchFamily="18" charset="0"/>
-              </a:rPr>
-              <a:t> Li</a:t>
-            </a:r>
-            <a:r>
-              <a:rPr lang="en-US" sz="1050" dirty="0">
-                <a:latin typeface="Univers Condensed" panose="020B0506020202050204" pitchFamily="34" charset="0"/>
-                <a:cs typeface="Times New Roman" pitchFamily="18" charset="0"/>
-              </a:rPr>
-              <a:t>, Chi-Wing Fu, </a:t>
-            </a:r>
-            <a:r>
-              <a:rPr lang="en-US" sz="1050" dirty="0" err="1">
-                <a:latin typeface="Univers Condensed" panose="020B0506020202050204" pitchFamily="34" charset="0"/>
-                <a:cs typeface="Times New Roman" pitchFamily="18" charset="0"/>
-              </a:rPr>
-              <a:t>Yinggang</a:t>
-            </a:r>
-            <a:r>
-              <a:rPr lang="en-US" sz="1050" dirty="0">
-                <a:latin typeface="Univers Condensed" panose="020B0506020202050204" pitchFamily="34" charset="0"/>
-                <a:cs typeface="Times New Roman" pitchFamily="18" charset="0"/>
-              </a:rPr>
-              <a:t> Li, and Andrew J. Hanson. </a:t>
-            </a:r>
-            <a:r>
-              <a:rPr lang="en-US" sz="1050" i="1" dirty="0">
-                <a:latin typeface="Univers Condensed" panose="020B0506020202050204" pitchFamily="34" charset="0"/>
-                <a:cs typeface="Times New Roman" pitchFamily="18" charset="0"/>
-              </a:rPr>
-              <a:t>Visualizing Large-Scale Uncertainty in Astrophysical Data</a:t>
-            </a:r>
-            <a:r>
-              <a:rPr lang="en-US" sz="1050" dirty="0">
-                <a:latin typeface="Univers Condensed" panose="020B0506020202050204" pitchFamily="34" charset="0"/>
-                <a:cs typeface="Times New Roman" pitchFamily="18" charset="0"/>
-              </a:rPr>
-              <a:t>, In IEEE Transactions on Visualization and Computer Graphics (TVCG), (Proceedings of IEEE Visualization 2007), Vol.13, No.6, pp.1640-1647, Nov, 2007</a:t>
-            </a:r>
-          </a:p>
-          <a:p>
-            <a:endParaRPr lang="en-US" altLang="zh-CN" sz="1000" dirty="0">
-              <a:latin typeface="Univers Condensed" panose="020B0506020202050204" pitchFamily="34" charset="0"/>
-              <a:cs typeface="Times New Roman" pitchFamily="18" charset="0"/>
-            </a:endParaRPr>
-          </a:p>
-          <a:p>
-            <a:r>
-              <a:rPr lang="en-US" altLang="zh-CN" sz="1050" dirty="0" err="1">
-                <a:latin typeface="Univers Condensed" panose="020B0506020202050204" pitchFamily="34" charset="0"/>
-                <a:cs typeface="Times New Roman" pitchFamily="18" charset="0"/>
-              </a:rPr>
-              <a:t>Kui</a:t>
-            </a:r>
-            <a:r>
-              <a:rPr lang="en-US" altLang="zh-CN" sz="1050" dirty="0">
-                <a:latin typeface="Univers Condensed" panose="020B0506020202050204" pitchFamily="34" charset="0"/>
-                <a:cs typeface="Times New Roman" pitchFamily="18" charset="0"/>
-              </a:rPr>
-              <a:t>-Yip Lo, </a:t>
-            </a:r>
-            <a:r>
-              <a:rPr lang="en-US" altLang="zh-CN" sz="1050" b="1" dirty="0" err="1">
-                <a:latin typeface="Univers Condensed" panose="020B0506020202050204" pitchFamily="34" charset="0"/>
-                <a:cs typeface="Times New Roman" pitchFamily="18" charset="0"/>
-              </a:rPr>
-              <a:t>Hongwei</a:t>
-            </a:r>
-            <a:r>
-              <a:rPr lang="en-US" altLang="zh-CN" sz="1050" b="1" dirty="0">
-                <a:latin typeface="Univers Condensed" panose="020B0506020202050204" pitchFamily="34" charset="0"/>
-                <a:cs typeface="Times New Roman" pitchFamily="18" charset="0"/>
-              </a:rPr>
-              <a:t> Li</a:t>
-            </a:r>
-            <a:r>
-              <a:rPr lang="en-US" altLang="zh-CN" sz="1050" dirty="0">
-                <a:latin typeface="Univers Condensed" panose="020B0506020202050204" pitchFamily="34" charset="0"/>
-                <a:cs typeface="Times New Roman" pitchFamily="18" charset="0"/>
-              </a:rPr>
-              <a:t>, Chi-Wing Fu, and </a:t>
-            </a:r>
-            <a:r>
-              <a:rPr lang="en-US" altLang="zh-CN" sz="1050" dirty="0" err="1">
-                <a:latin typeface="Univers Condensed" panose="020B0506020202050204" pitchFamily="34" charset="0"/>
-                <a:cs typeface="Times New Roman" pitchFamily="18" charset="0"/>
-              </a:rPr>
-              <a:t>Tien-Tsin</a:t>
-            </a:r>
-            <a:r>
-              <a:rPr lang="en-US" altLang="zh-CN" sz="1050" dirty="0">
-                <a:latin typeface="Univers Condensed" panose="020B0506020202050204" pitchFamily="34" charset="0"/>
-                <a:cs typeface="Times New Roman" pitchFamily="18" charset="0"/>
-              </a:rPr>
-              <a:t> Wong. </a:t>
-            </a:r>
-            <a:r>
-              <a:rPr lang="en-US" altLang="zh-CN" sz="1050" i="1" dirty="0">
-                <a:latin typeface="Univers Condensed" panose="020B0506020202050204" pitchFamily="34" charset="0"/>
-                <a:cs typeface="Times New Roman" pitchFamily="18" charset="0"/>
-              </a:rPr>
-              <a:t>Interactive Reaction-</a:t>
-            </a:r>
-            <a:r>
-              <a:rPr lang="en-US" altLang="zh-CN" sz="1050" i="1" dirty="0" err="1">
-                <a:latin typeface="Univers Condensed" panose="020B0506020202050204" pitchFamily="34" charset="0"/>
-                <a:cs typeface="Times New Roman" pitchFamily="18" charset="0"/>
-              </a:rPr>
-              <a:t>Diusion</a:t>
-            </a:r>
-            <a:r>
-              <a:rPr lang="en-US" altLang="zh-CN" sz="1050" i="1" dirty="0">
-                <a:latin typeface="Univers Condensed" panose="020B0506020202050204" pitchFamily="34" charset="0"/>
-                <a:cs typeface="Times New Roman" pitchFamily="18" charset="0"/>
-              </a:rPr>
-              <a:t> on Surface Tiles</a:t>
-            </a:r>
-            <a:r>
-              <a:rPr lang="en-US" altLang="zh-CN" sz="1050" dirty="0">
-                <a:latin typeface="Univers Condensed" panose="020B0506020202050204" pitchFamily="34" charset="0"/>
-                <a:cs typeface="Times New Roman" pitchFamily="18" charset="0"/>
-              </a:rPr>
-              <a:t>. In Pacific Graphics 2007, oral paper, Maul, Hawaii, pp. 65-74, Nov. 2007.</a:t>
-            </a:r>
-          </a:p>
-          <a:p>
-            <a:endParaRPr lang="en-US" altLang="zh-CN" sz="1050" dirty="0">
-              <a:latin typeface="Univers Condensed" panose="020B0506020202050204" pitchFamily="34" charset="0"/>
-              <a:cs typeface="Times New Roman" pitchFamily="18" charset="0"/>
-            </a:endParaRPr>
-          </a:p>
-          <a:p>
-            <a:r>
-              <a:rPr lang="en-US" altLang="zh-CN" sz="1400" b="1" dirty="0">
-                <a:latin typeface="Univers Condensed" panose="020B0506020202050204" pitchFamily="34" charset="0"/>
-                <a:cs typeface="Times New Roman" pitchFamily="18" charset="0"/>
-              </a:rPr>
-              <a:t>Services</a:t>
-            </a:r>
-          </a:p>
-          <a:p>
-            <a:r>
-              <a:rPr lang="en-US" altLang="zh-CN" sz="1050" dirty="0">
-                <a:latin typeface="Univers Condensed" panose="020B0506020202050204" pitchFamily="34" charset="0"/>
-                <a:cs typeface="Times New Roman" pitchFamily="18" charset="0"/>
-              </a:rPr>
-              <a:t>2009,2011, 2012, 2013</a:t>
-            </a:r>
-          </a:p>
-          <a:p>
-            <a:r>
-              <a:rPr lang="en-US" altLang="zh-CN" sz="1050" b="1" dirty="0">
-                <a:latin typeface="Univers Condensed" panose="020B0506020202050204" pitchFamily="34" charset="0"/>
-                <a:cs typeface="Times New Roman" pitchFamily="18" charset="0"/>
-              </a:rPr>
-              <a:t>Reviewer</a:t>
-            </a:r>
-          </a:p>
-          <a:p>
-            <a:pPr marL="179388" indent="-179388">
-              <a:buFont typeface="Wingdings" pitchFamily="2" charset="2"/>
-              <a:buChar char="§"/>
-            </a:pPr>
-            <a:r>
-              <a:rPr lang="en-US" altLang="zh-CN" sz="1050" dirty="0">
-                <a:latin typeface="Univers Condensed" panose="020B0506020202050204" pitchFamily="34" charset="0"/>
-                <a:cs typeface="Times New Roman" pitchFamily="18" charset="0"/>
-              </a:rPr>
-              <a:t>GMOD 2013.</a:t>
-            </a:r>
-          </a:p>
-          <a:p>
-            <a:pPr marL="179388" indent="-179388">
-              <a:buFont typeface="Wingdings" pitchFamily="2" charset="2"/>
-              <a:buChar char="§"/>
-            </a:pPr>
-            <a:r>
-              <a:rPr lang="en-US" altLang="zh-CN" sz="1050" dirty="0">
-                <a:latin typeface="Univers Condensed" panose="020B0506020202050204" pitchFamily="34" charset="0"/>
-                <a:cs typeface="Times New Roman" pitchFamily="18" charset="0"/>
-              </a:rPr>
-              <a:t>IEEE Pacific Graphics 2012.</a:t>
-            </a:r>
-          </a:p>
-          <a:p>
-            <a:pPr marL="179388" indent="-179388">
-              <a:buFont typeface="Wingdings" pitchFamily="2" charset="2"/>
-              <a:buChar char="§"/>
-            </a:pPr>
-            <a:r>
-              <a:rPr lang="en-US" altLang="zh-CN" sz="1050" dirty="0">
-                <a:latin typeface="Univers Condensed" panose="020B0506020202050204" pitchFamily="34" charset="0"/>
-                <a:cs typeface="Times New Roman" pitchFamily="18" charset="0"/>
-              </a:rPr>
-              <a:t>ACM SIGGRAPH 2012.</a:t>
-            </a:r>
-            <a:endParaRPr lang="en-US" altLang="zh-CN" sz="1050" b="1" dirty="0">
-              <a:latin typeface="Univers Condensed" panose="020B0506020202050204" pitchFamily="34" charset="0"/>
-              <a:cs typeface="Times New Roman" pitchFamily="18" charset="0"/>
-            </a:endParaRPr>
-          </a:p>
-          <a:p>
-            <a:pPr marL="179388" indent="-179388">
-              <a:buFont typeface="Wingdings" pitchFamily="2" charset="2"/>
-              <a:buChar char="§"/>
-            </a:pPr>
-            <a:r>
-              <a:rPr lang="en-US" altLang="zh-CN" sz="1050" dirty="0">
-                <a:latin typeface="Univers Condensed" panose="020B0506020202050204" pitchFamily="34" charset="0"/>
-                <a:cs typeface="Times New Roman" pitchFamily="18" charset="0"/>
-              </a:rPr>
-              <a:t>IEEE Visualization 2009.</a:t>
-            </a:r>
-          </a:p>
-          <a:p>
-            <a:pPr marL="179388" indent="-179388">
-              <a:buFont typeface="Wingdings" pitchFamily="2" charset="2"/>
-              <a:buChar char="§"/>
-            </a:pPr>
-            <a:r>
-              <a:rPr lang="en-US" altLang="zh-CN" sz="1050" dirty="0">
-                <a:latin typeface="Univers Condensed" panose="020B0506020202050204" pitchFamily="34" charset="0"/>
-                <a:cs typeface="Times New Roman" pitchFamily="18" charset="0"/>
-              </a:rPr>
-              <a:t>ACM SIGGRAPH 2011.</a:t>
-            </a:r>
-          </a:p>
-          <a:p>
-            <a:endParaRPr lang="en-US" altLang="zh-CN" sz="1400" dirty="0">
-              <a:latin typeface="Univers Condensed" panose="020B0506020202050204" pitchFamily="34" charset="0"/>
-              <a:cs typeface="Times New Roman" pitchFamily="18" charset="0"/>
-            </a:endParaRPr>
-          </a:p>
-          <a:p>
-            <a:r>
-              <a:rPr lang="en-US" altLang="zh-CN" sz="1400" b="1" dirty="0">
-                <a:latin typeface="Univers Condensed" panose="020B0506020202050204" pitchFamily="34" charset="0"/>
-                <a:cs typeface="Times New Roman" pitchFamily="18" charset="0"/>
-              </a:rPr>
-              <a:t>Awards</a:t>
-            </a:r>
-          </a:p>
-          <a:p>
-            <a:pPr marL="179388" indent="-179388">
-              <a:buFont typeface="Wingdings" pitchFamily="2" charset="2"/>
-              <a:buChar char="§"/>
-            </a:pPr>
-            <a:r>
-              <a:rPr lang="en-US" altLang="zh-CN" sz="1050" dirty="0">
-                <a:latin typeface="Univers Condensed" panose="020B0506020202050204" pitchFamily="34" charset="0"/>
-                <a:cs typeface="Times New Roman" pitchFamily="18" charset="0"/>
-              </a:rPr>
-              <a:t>Zhejiang University, Second-class Scholarship, Oct 2003</a:t>
-            </a:r>
-          </a:p>
-          <a:p>
-            <a:pPr marL="179388" indent="-179388">
-              <a:buFont typeface="Wingdings" pitchFamily="2" charset="2"/>
-              <a:buChar char="§"/>
-            </a:pPr>
-            <a:r>
-              <a:rPr lang="en-US" altLang="zh-CN" sz="1050" dirty="0">
-                <a:latin typeface="Univers Condensed" panose="020B0506020202050204" pitchFamily="34" charset="0"/>
-                <a:cs typeface="Times New Roman" pitchFamily="18" charset="0"/>
-              </a:rPr>
-              <a:t>Zhejiang University, "Three Goods" Student, Oct 2003</a:t>
-            </a:r>
-          </a:p>
-          <a:p>
-            <a:pPr marL="179388" indent="-179388">
-              <a:buFont typeface="Wingdings" pitchFamily="2" charset="2"/>
-              <a:buChar char="§"/>
-            </a:pPr>
-            <a:r>
-              <a:rPr lang="en-US" altLang="zh-CN" sz="1050" dirty="0">
-                <a:latin typeface="Univers Condensed" panose="020B0506020202050204" pitchFamily="34" charset="0"/>
-                <a:cs typeface="Times New Roman" pitchFamily="18" charset="0"/>
-              </a:rPr>
-              <a:t>Zhejiang University, Third-class Scholarship, Dec 2002</a:t>
-            </a:r>
-          </a:p>
-          <a:p>
-            <a:pPr marL="179388" indent="-179388">
-              <a:buFont typeface="Wingdings" pitchFamily="2" charset="2"/>
-              <a:buChar char="§"/>
-            </a:pPr>
-            <a:r>
-              <a:rPr lang="en-US" altLang="zh-CN" sz="1050" dirty="0">
-                <a:latin typeface="Univers Condensed" panose="020B0506020202050204" pitchFamily="34" charset="0"/>
-                <a:cs typeface="Times New Roman" pitchFamily="18" charset="0"/>
-              </a:rPr>
-              <a:t>Zhejiang University, Scholarship for Freshman, Dec 2000</a:t>
-            </a:r>
-          </a:p>
-          <a:p>
-            <a:endParaRPr lang="en-US" altLang="zh-CN" sz="1200" dirty="0">
-              <a:latin typeface="Univers Condensed" panose="020B0506020202050204" pitchFamily="34" charset="0"/>
-              <a:cs typeface="Times New Roman" pitchFamily="18" charset="0"/>
-            </a:endParaRPr>
-          </a:p>
-          <a:p>
-            <a:r>
-              <a:rPr lang="en-US" altLang="zh-CN" sz="1200" b="1" dirty="0">
-                <a:latin typeface="Univers Condensed" panose="020B0506020202050204" pitchFamily="34" charset="0"/>
-                <a:cs typeface="Times New Roman" pitchFamily="18" charset="0"/>
-              </a:rPr>
-              <a:t>Portfolio (Project demo)	</a:t>
-            </a:r>
-          </a:p>
-          <a:p>
-            <a:r>
-              <a:rPr lang="en-US" altLang="zh-CN" sz="1000" dirty="0">
-                <a:latin typeface="Univers Condensed" panose="020B0506020202050204" pitchFamily="34" charset="0"/>
-                <a:cs typeface="Times New Roman" pitchFamily="18" charset="0"/>
-              </a:rPr>
-              <a:t>Watch online </a:t>
-            </a:r>
-            <a:r>
-              <a:rPr lang="en-US" altLang="zh-CN" sz="1000" dirty="0">
-                <a:latin typeface="Univers Condensed" panose="020B0506020202050204" pitchFamily="34" charset="0"/>
-                <a:cs typeface="Times New Roman" pitchFamily="18" charset="0"/>
-                <a:hlinkClick r:id="rId2"/>
-              </a:rPr>
-              <a:t>http://v.youku.com/v_show/id_XMjQwNzg0NDUy.html</a:t>
-            </a:r>
-            <a:r>
-              <a:rPr lang="en-US" altLang="zh-CN" sz="1000" dirty="0">
-                <a:latin typeface="Univers Condensed" panose="020B0506020202050204" pitchFamily="34" charset="0"/>
-                <a:cs typeface="Times New Roman" pitchFamily="18" charset="0"/>
-              </a:rPr>
-              <a:t> (old)</a:t>
-            </a:r>
-          </a:p>
-          <a:p>
-            <a:pPr marL="179388" indent="-179388">
-              <a:buFont typeface="Wingdings" pitchFamily="2" charset="2"/>
-              <a:buChar char="§"/>
-            </a:pPr>
-            <a:endParaRPr lang="en-US" altLang="zh-CN" sz="1050" dirty="0">
-              <a:latin typeface="Univers Condensed" panose="020B0506020202050204" pitchFamily="34" charset="0"/>
-              <a:cs typeface="Times New Roman" pitchFamily="18" charset="0"/>
-            </a:endParaRPr>
-          </a:p>
-          <a:p>
-            <a:endParaRPr lang="en-US" altLang="zh-CN" sz="1050" dirty="0">
-              <a:latin typeface="Univers Condensed" panose="020B0506020202050204" pitchFamily="34" charset="0"/>
-              <a:cs typeface="Times New Roman" pitchFamily="18" charset="0"/>
-            </a:endParaRPr>
-          </a:p>
-          <a:p>
-            <a:endParaRPr lang="en-US" altLang="zh-CN" sz="1050" dirty="0">
-              <a:latin typeface="Univers Condensed" panose="020B0506020202050204" pitchFamily="34" charset="0"/>
-              <a:cs typeface="Times New Roman" pitchFamily="18" charset="0"/>
-            </a:endParaRPr>
-          </a:p>
-          <a:p>
-            <a:endParaRPr lang="en-US" altLang="zh-CN" sz="1100" dirty="0">
-              <a:latin typeface="Univers Condensed" panose="020B0506020202050204" pitchFamily="34" charset="0"/>
-              <a:cs typeface="Times New Roman" pitchFamily="18" charset="0"/>
-            </a:endParaRPr>
-          </a:p>
-          <a:p>
-            <a:endParaRPr lang="en-US" sz="1050" dirty="0">
-              <a:latin typeface="Univers Condensed" panose="020B0506020202050204" pitchFamily="34" charset="0"/>
-              <a:cs typeface="Times New Roman" pitchFamily="18" charset="0"/>
-            </a:endParaRPr>
-          </a:p>
-        </p:txBody>
-      </p:sp>
-      <p:sp>
-        <p:nvSpPr>
-          <p:cNvPr id="6" name="TextBox 5"/>
-          <p:cNvSpPr txBox="1"/>
-          <p:nvPr/>
-        </p:nvSpPr>
-        <p:spPr>
-          <a:xfrm>
-            <a:off x="404664" y="9345488"/>
-            <a:ext cx="484428" cy="246221"/>
-          </a:xfrm>
-          <a:prstGeom prst="rect">
-            <a:avLst/>
-          </a:prstGeom>
-          <a:noFill/>
-        </p:spPr>
-        <p:txBody>
-          <a:bodyPr wrap="none" rtlCol="0">
-            <a:spAutoFit/>
-          </a:bodyPr>
-          <a:lstStyle/>
-          <a:p>
-            <a:r>
-              <a:rPr lang="en-US" sz="1000" dirty="0">
-                <a:latin typeface="Times New Roman" pitchFamily="18" charset="0"/>
-                <a:cs typeface="Times New Roman" pitchFamily="18" charset="0"/>
-              </a:rPr>
-              <a:t>3 of 3</a:t>
-            </a:r>
-          </a:p>
-        </p:txBody>
-      </p:sp>
-    </p:spTree>
   </p:cSld>
   <p:clrMapOvr>
     <a:masterClrMapping/>

--- a/lihw_cv.pptx
+++ b/lihw_cv.pptx
@@ -304,7 +304,7 @@
             <a:fld id="{C1C8F194-2A20-4EAA-98C2-EB73D9B98286}" type="datetimeFigureOut">
               <a:rPr lang="en-US" smtClean="0"/>
               <a:pPr/>
-              <a:t>7/30/2024</a:t>
+              <a:t>10/28/2024</a:t>
             </a:fld>
             <a:endParaRPr lang="en-US"/>
           </a:p>
@@ -469,7 +469,7 @@
             <a:fld id="{C1C8F194-2A20-4EAA-98C2-EB73D9B98286}" type="datetimeFigureOut">
               <a:rPr lang="en-US" smtClean="0"/>
               <a:pPr/>
-              <a:t>7/30/2024</a:t>
+              <a:t>10/28/2024</a:t>
             </a:fld>
             <a:endParaRPr lang="en-US"/>
           </a:p>
@@ -644,7 +644,7 @@
             <a:fld id="{C1C8F194-2A20-4EAA-98C2-EB73D9B98286}" type="datetimeFigureOut">
               <a:rPr lang="en-US" smtClean="0"/>
               <a:pPr/>
-              <a:t>7/30/2024</a:t>
+              <a:t>10/28/2024</a:t>
             </a:fld>
             <a:endParaRPr lang="en-US"/>
           </a:p>
@@ -809,7 +809,7 @@
             <a:fld id="{C1C8F194-2A20-4EAA-98C2-EB73D9B98286}" type="datetimeFigureOut">
               <a:rPr lang="en-US" smtClean="0"/>
               <a:pPr/>
-              <a:t>7/30/2024</a:t>
+              <a:t>10/28/2024</a:t>
             </a:fld>
             <a:endParaRPr lang="en-US"/>
           </a:p>
@@ -1051,7 +1051,7 @@
             <a:fld id="{C1C8F194-2A20-4EAA-98C2-EB73D9B98286}" type="datetimeFigureOut">
               <a:rPr lang="en-US" smtClean="0"/>
               <a:pPr/>
-              <a:t>7/30/2024</a:t>
+              <a:t>10/28/2024</a:t>
             </a:fld>
             <a:endParaRPr lang="en-US"/>
           </a:p>
@@ -1333,7 +1333,7 @@
             <a:fld id="{C1C8F194-2A20-4EAA-98C2-EB73D9B98286}" type="datetimeFigureOut">
               <a:rPr lang="en-US" smtClean="0"/>
               <a:pPr/>
-              <a:t>7/30/2024</a:t>
+              <a:t>10/28/2024</a:t>
             </a:fld>
             <a:endParaRPr lang="en-US"/>
           </a:p>
@@ -1754,7 +1754,7 @@
             <a:fld id="{C1C8F194-2A20-4EAA-98C2-EB73D9B98286}" type="datetimeFigureOut">
               <a:rPr lang="en-US" smtClean="0"/>
               <a:pPr/>
-              <a:t>7/30/2024</a:t>
+              <a:t>10/28/2024</a:t>
             </a:fld>
             <a:endParaRPr lang="en-US"/>
           </a:p>
@@ -1868,7 +1868,7 @@
             <a:fld id="{C1C8F194-2A20-4EAA-98C2-EB73D9B98286}" type="datetimeFigureOut">
               <a:rPr lang="en-US" smtClean="0"/>
               <a:pPr/>
-              <a:t>7/30/2024</a:t>
+              <a:t>10/28/2024</a:t>
             </a:fld>
             <a:endParaRPr lang="en-US"/>
           </a:p>
@@ -1960,7 +1960,7 @@
             <a:fld id="{C1C8F194-2A20-4EAA-98C2-EB73D9B98286}" type="datetimeFigureOut">
               <a:rPr lang="en-US" smtClean="0"/>
               <a:pPr/>
-              <a:t>7/30/2024</a:t>
+              <a:t>10/28/2024</a:t>
             </a:fld>
             <a:endParaRPr lang="en-US"/>
           </a:p>
@@ -2232,7 +2232,7 @@
             <a:fld id="{C1C8F194-2A20-4EAA-98C2-EB73D9B98286}" type="datetimeFigureOut">
               <a:rPr lang="en-US" smtClean="0"/>
               <a:pPr/>
-              <a:t>7/30/2024</a:t>
+              <a:t>10/28/2024</a:t>
             </a:fld>
             <a:endParaRPr lang="en-US"/>
           </a:p>
@@ -2481,7 +2481,7 @@
             <a:fld id="{C1C8F194-2A20-4EAA-98C2-EB73D9B98286}" type="datetimeFigureOut">
               <a:rPr lang="en-US" smtClean="0"/>
               <a:pPr/>
-              <a:t>7/30/2024</a:t>
+              <a:t>10/28/2024</a:t>
             </a:fld>
             <a:endParaRPr lang="en-US"/>
           </a:p>
@@ -2689,7 +2689,7 @@
             <a:fld id="{C1C8F194-2A20-4EAA-98C2-EB73D9B98286}" type="datetimeFigureOut">
               <a:rPr lang="en-US" smtClean="0"/>
               <a:pPr/>
-              <a:t>7/30/2024</a:t>
+              <a:t>10/28/2024</a:t>
             </a:fld>
             <a:endParaRPr lang="en-US"/>
           </a:p>
@@ -3108,7 +3108,7 @@
         <p:spPr>
           <a:xfrm>
             <a:off x="404664" y="704528"/>
-            <a:ext cx="5976664" cy="8817799"/>
+            <a:ext cx="5976664" cy="8009885"/>
           </a:xfrm>
           <a:prstGeom prst="rect">
             <a:avLst/>
@@ -3665,7 +3665,7 @@
                 <a:latin typeface="Univers Condensed" panose="020B0506020202050204" pitchFamily="34" charset="0"/>
                 <a:cs typeface="Times New Roman" pitchFamily="18" charset="0"/>
               </a:rPr>
-              <a:t>. 2013 – Feb. 2015</a:t>
+              <a:t>. 2011 – Feb. 2015</a:t>
             </a:r>
           </a:p>
           <a:p>
@@ -3710,136 +3710,6 @@
               <a:latin typeface="Univers Condensed" panose="020B0506020202050204" pitchFamily="34" charset="0"/>
               <a:cs typeface="Times New Roman" pitchFamily="18" charset="0"/>
             </a:endParaRPr>
-          </a:p>
-          <a:p>
-            <a:pPr marL="182563" lvl="1" indent="-182563">
-              <a:buFont typeface="Wingdings" pitchFamily="2" charset="2"/>
-              <a:buChar char="§"/>
-              <a:tabLst>
-                <a:tab pos="182563" algn="l"/>
-              </a:tabLst>
-            </a:pPr>
-            <a:endParaRPr lang="en-US" altLang="zh-CN" sz="1050" dirty="0">
-              <a:latin typeface="Univers Condensed" panose="020B0506020202050204" pitchFamily="34" charset="0"/>
-              <a:cs typeface="Times New Roman" pitchFamily="18" charset="0"/>
-            </a:endParaRPr>
-          </a:p>
-          <a:p>
-            <a:r>
-              <a:rPr lang="en-US" altLang="zh-CN" sz="1050" dirty="0" err="1">
-                <a:latin typeface="Univers Condensed" panose="020B0506020202050204" pitchFamily="34" charset="0"/>
-                <a:cs typeface="Times New Roman" pitchFamily="18" charset="0"/>
-              </a:rPr>
-              <a:t>Apri</a:t>
-            </a:r>
-            <a:r>
-              <a:rPr lang="en-US" altLang="zh-CN" sz="1050" dirty="0">
-                <a:latin typeface="Univers Condensed" panose="020B0506020202050204" pitchFamily="34" charset="0"/>
-                <a:cs typeface="Times New Roman" pitchFamily="18" charset="0"/>
-              </a:rPr>
-              <a:t>. 2012 – May 2013</a:t>
-            </a:r>
-          </a:p>
-          <a:p>
-            <a:r>
-              <a:rPr lang="en-US" altLang="zh-CN" sz="1050" b="1" dirty="0">
-                <a:latin typeface="Univers Condensed" panose="020B0506020202050204" pitchFamily="34" charset="0"/>
-                <a:cs typeface="Times New Roman" pitchFamily="18" charset="0"/>
-              </a:rPr>
-              <a:t>Manager,</a:t>
-            </a:r>
-            <a:r>
-              <a:rPr lang="en-US" altLang="zh-CN" sz="1050" dirty="0">
-                <a:latin typeface="Univers Condensed" panose="020B0506020202050204" pitchFamily="34" charset="0"/>
-                <a:cs typeface="Times New Roman" pitchFamily="18" charset="0"/>
-              </a:rPr>
-              <a:t> </a:t>
-            </a:r>
-            <a:r>
-              <a:rPr lang="en-US" altLang="zh-CN" sz="1050" dirty="0" err="1">
-                <a:latin typeface="Univers Condensed" panose="020B0506020202050204" pitchFamily="34" charset="0"/>
-                <a:cs typeface="Times New Roman" pitchFamily="18" charset="0"/>
-              </a:rPr>
-              <a:t>Rightware</a:t>
-            </a:r>
-            <a:r>
-              <a:rPr lang="en-US" altLang="zh-CN" sz="1050" dirty="0">
-                <a:latin typeface="Univers Condensed" panose="020B0506020202050204" pitchFamily="34" charset="0"/>
-                <a:cs typeface="Times New Roman" pitchFamily="18" charset="0"/>
-              </a:rPr>
-              <a:t> Oy, Shanghai, China</a:t>
-            </a:r>
-          </a:p>
-          <a:p>
-            <a:pPr marL="182563" lvl="1" indent="-182563">
-              <a:buFont typeface="Wingdings" pitchFamily="2" charset="2"/>
-              <a:buChar char="§"/>
-              <a:tabLst>
-                <a:tab pos="182563" algn="l"/>
-              </a:tabLst>
-            </a:pPr>
-            <a:r>
-              <a:rPr lang="en-US" altLang="zh-CN" sz="1050" dirty="0">
-                <a:latin typeface="Univers Condensed" panose="020B0506020202050204" pitchFamily="34" charset="0"/>
-                <a:cs typeface="Times New Roman" pitchFamily="18" charset="0"/>
-              </a:rPr>
-              <a:t>Lead developer of local customer projects using Kanzi, including Lenovo, </a:t>
-            </a:r>
-            <a:r>
-              <a:rPr lang="en-US" altLang="zh-CN" sz="1050" dirty="0" err="1">
-                <a:latin typeface="Univers Condensed" panose="020B0506020202050204" pitchFamily="34" charset="0"/>
-                <a:cs typeface="Times New Roman" pitchFamily="18" charset="0"/>
-              </a:rPr>
-              <a:t>Gionee</a:t>
-            </a:r>
-            <a:r>
-              <a:rPr lang="en-US" altLang="zh-CN" sz="1050" dirty="0">
-                <a:latin typeface="Univers Condensed" panose="020B0506020202050204" pitchFamily="34" charset="0"/>
-                <a:cs typeface="Times New Roman" pitchFamily="18" charset="0"/>
-              </a:rPr>
-              <a:t>, </a:t>
-            </a:r>
-            <a:r>
-              <a:rPr lang="en-US" altLang="zh-CN" sz="1050" dirty="0" err="1">
-                <a:latin typeface="Univers Condensed" panose="020B0506020202050204" pitchFamily="34" charset="0"/>
-                <a:cs typeface="Times New Roman" pitchFamily="18" charset="0"/>
-              </a:rPr>
-              <a:t>Desay</a:t>
-            </a:r>
-            <a:r>
-              <a:rPr lang="en-US" altLang="zh-CN" sz="1050" dirty="0">
-                <a:latin typeface="Univers Condensed" panose="020B0506020202050204" pitchFamily="34" charset="0"/>
-                <a:cs typeface="Times New Roman" pitchFamily="18" charset="0"/>
-              </a:rPr>
-              <a:t> and etc.</a:t>
-            </a:r>
-          </a:p>
-          <a:p>
-            <a:pPr marL="0" lvl="1">
-              <a:tabLst>
-                <a:tab pos="182563" algn="l"/>
-              </a:tabLst>
-            </a:pPr>
-            <a:endParaRPr lang="en-US" altLang="zh-CN" sz="1050" dirty="0">
-              <a:latin typeface="Univers Condensed" panose="020B0506020202050204" pitchFamily="34" charset="0"/>
-              <a:cs typeface="Times New Roman" pitchFamily="18" charset="0"/>
-            </a:endParaRPr>
-          </a:p>
-          <a:p>
-            <a:r>
-              <a:rPr lang="en-US" altLang="zh-CN" sz="1050" dirty="0" err="1">
-                <a:latin typeface="Univers Condensed" panose="020B0506020202050204" pitchFamily="34" charset="0"/>
-                <a:cs typeface="Times New Roman" pitchFamily="18" charset="0"/>
-              </a:rPr>
-              <a:t>Apri</a:t>
-            </a:r>
-            <a:r>
-              <a:rPr lang="en-US" altLang="zh-CN" sz="1050" dirty="0">
-                <a:latin typeface="Univers Condensed" panose="020B0506020202050204" pitchFamily="34" charset="0"/>
-                <a:cs typeface="Times New Roman" pitchFamily="18" charset="0"/>
-              </a:rPr>
-              <a:t>. 2011 – March 2012</a:t>
-            </a:r>
           </a:p>
           <a:p>
             <a:r>
